--- a/day 12/SAC_Training Day 12.pptx
+++ b/day 12/SAC_Training Day 12.pptx
@@ -6,22 +6,19 @@
     <p:sldMasterId id="2147483660" r:id="rId2"/>
   </p:sldMasterIdLst>
   <p:notesMasterIdLst>
-    <p:notesMasterId r:id="rId16"/>
+    <p:notesMasterId r:id="rId13"/>
   </p:notesMasterIdLst>
   <p:sldIdLst>
     <p:sldId id="256" r:id="rId3"/>
     <p:sldId id="463" r:id="rId4"/>
-    <p:sldId id="488" r:id="rId5"/>
-    <p:sldId id="489" r:id="rId6"/>
-    <p:sldId id="490" r:id="rId7"/>
-    <p:sldId id="491" r:id="rId8"/>
-    <p:sldId id="492" r:id="rId9"/>
-    <p:sldId id="493" r:id="rId10"/>
-    <p:sldId id="486" r:id="rId11"/>
-    <p:sldId id="462" r:id="rId12"/>
-    <p:sldId id="475" r:id="rId13"/>
-    <p:sldId id="399" r:id="rId14"/>
-    <p:sldId id="409" r:id="rId15"/>
+    <p:sldId id="495" r:id="rId5"/>
+    <p:sldId id="494" r:id="rId6"/>
+    <p:sldId id="496" r:id="rId7"/>
+    <p:sldId id="502" r:id="rId8"/>
+    <p:sldId id="462" r:id="rId9"/>
+    <p:sldId id="475" r:id="rId10"/>
+    <p:sldId id="399" r:id="rId11"/>
+    <p:sldId id="409" r:id="rId12"/>
   </p:sldIdLst>
   <p:sldSz cx="12192000" cy="6858000"/>
   <p:notesSz cx="6858000" cy="9144000"/>
@@ -128,6 +125,1013 @@
 </p:presentation>
 </file>
 
+<file path=ppt/ink/ink1.xml><?xml version="1.0" encoding="utf-8"?>
+<inkml:ink xmlns:inkml="http://www.w3.org/2003/InkML">
+  <inkml:definitions>
+    <inkml:context xml:id="ctx0">
+      <inkml:inkSource xml:id="inkSrc0">
+        <inkml:traceFormat>
+          <inkml:channel name="X" type="integer" max="1920" units="cm"/>
+          <inkml:channel name="Y" type="integer" max="1080" units="cm"/>
+          <inkml:channel name="T" type="integer" max="2.14748E9" units="dev"/>
+        </inkml:traceFormat>
+        <inkml:channelProperties>
+          <inkml:channelProperty channel="X" name="resolution" value="55.81395" units="1/cm"/>
+          <inkml:channelProperty channel="Y" name="resolution" value="55.6701" units="1/cm"/>
+          <inkml:channelProperty channel="T" name="resolution" value="1" units="1/dev"/>
+        </inkml:channelProperties>
+      </inkml:inkSource>
+      <inkml:timestamp xml:id="ts0" timeString="2020-11-08T01:52:07.185"/>
+    </inkml:context>
+    <inkml:brush xml:id="br0">
+      <inkml:brushProperty name="width" value="0.05" units="cm"/>
+      <inkml:brushProperty name="height" value="0.05" units="cm"/>
+      <inkml:brushProperty name="color" value="#ED1C24"/>
+      <inkml:brushProperty name="fitToCurve" value="1"/>
+    </inkml:brush>
+  </inkml:definitions>
+  <inkml:trace contextRef="#ctx0" brushRef="#br0">49 244 0,'-25'0'0,"1"0"15,24 24 17,0 1-32,0-1 15,24 25-15,-24-25 16,0 25-16,25 0 0,-25 0 15,0-25-15,0 25 0,0-24 16,0-1-16,0 0 16,0 1-16</inkml:trace>
+  <inkml:trace contextRef="#ctx0" brushRef="#br0" timeOffset="244">49 268 0,'0'-24'16,"24"24"-1,0 0 1,-24 24-16,25 1 0,-1-1 16,1 0-16,-1 1 15,25 24-15,-25-25 0,25 1 16,-24 23-16,23-23 0,-23-1 15,-1 1-15,1-1 16,-1 1-16,1-25 0,-1 0 16</inkml:trace>
+  <inkml:trace contextRef="#ctx0" brushRef="#br0" timeOffset="477">439 146 0,'0'-24'16,"-24"24"-16,24 24 31,0 0-31,0 1 16,24-1-16,-24 25 0,25-24 16,-1 23-16,1 1 15,-1-24-15,-24 24 0,24-25 16,1 0-16,-25 1 15,24-1-15,-24 1 0,0-1 16</inkml:trace>
+  <inkml:trace contextRef="#ctx0" brushRef="#br0" timeOffset="1035">1001 439 0,'0'-24'32,"0"-1"-32,-24 1 15,-1-1 1,1 25-16,-1-24 0,1 24 15,0 0-15,-1 0 16,1 0-16,-1 0 16,1 0-16,-1 24 0,1 1 15,0-1-15,24 1 16,-25-1-16,25 25 0,0-25 16,0 1-16,25 24 0,-1-25 15,-24 1-15,24-1 16,1-24-16,24 24 0,-25-24 15,1 0-15,-1 0 16,0 0-16,25-24 0,-24 0 16,-1-1-16,0 1 15,-24-1-15,0 1 16,0-25-16,0 25 0,0-1 16,0 1-16,0-1 15,0 50 16,0-1-31,25 1 16,-25-1-16,24 0 0,-24 1 16,25-1-16,-25 1 15,24-1-15,1-24 0,-1 25 16,0-25-16,1 0 16,-1 0-16</inkml:trace>
+  <inkml:trace contextRef="#ctx0" brushRef="#br0" timeOffset="1281">1319 244 0,'-25'-25'15,"25"-24"-15,0 25 0,-24 24 16,24-24-16,24 24 16,1 24-1,-25 0-15,24 1 16,0 24-16,1 0 15,-1-1-15,-24 1 0,25 0 16,-1-24-16,1 23 0,-25 1 16,24-24-16,-24-1 15,0 1-15,24-1 0,-24 0 16</inkml:trace>
+  <inkml:trace contextRef="#ctx0" brushRef="#br0" timeOffset="1673">1343 415 0,'-24'0'15,"48"0"17,0 0-17,1 0-15,-1 0 16,1-25-16,23 25 0,-23 0 15,-1 0-15,1-24 0,24 24 16,-25 0-16,-24-25 16,24 25-16,1 0 0,-1-24 15,1 24 1,-25-24-16,24 24 16,1 0 15,-25 24-31,0 0 15,0 25 1,24-24-16,-24-1 0,0 25 16,24-25-16,-24 25 0,25-24 15,-25-1-15,24 1 16,-24-1-16,25 0 0,-25 1 16,24-25-16,-24-25 15</inkml:trace>
+  <inkml:trace contextRef="#ctx0" brushRef="#br0" timeOffset="1864">1807 0 0,'-24'0'15,"24"24"1,24 0 15,-24 1-15</inkml:trace>
+  <inkml:trace contextRef="#ctx0" brushRef="#br0" timeOffset="2279">2051 244 0,'0'24'31,"-24"-24"-31,24 25 32,0-1-17,24 0-15,-24 1 16,25-1-16,-25 1 0,24-1 15,-24 25-15,25-25 0,-1 1 16,-24 24-16,24-49 16,-24 24-16,25 1 0,-1-25 15,1 0 1,-25-25-16,0 1 16,24-1-16,-24 1 0,0-25 15,24 25-15,-24-25 16,0 0-16,0 24 0,25-23 15,-25 23-15,0 1 0,0-1 16,0 1-16,24 24 16,1 0-1,-25 24 1,24-24-16,-24 25 16</inkml:trace>
+  <inkml:trace contextRef="#ctx0" brushRef="#br0" timeOffset="2740">2637 366 0,'0'24'16,"-24"-24"-16,0 0 15,48 0 32,0 0-47,1 0 16,-1 0-1,1 0-15,-1 0 0,0 0 16,1 0-16,-1 0 0,1-24 16,-1 24-16,1 0 15,-25-25-15,0 1 0,24 24 16,-24-24-16,0-1 0,-24 1 15,-1-1 1,1 25-16,-1 0 0,1-24 16,-1 24-16,1 0 15,0 0-15,-1 24 0,1-24 16,24 25-16,-25-1 0,25 1 16,0-1-16,0 25 15,0-25-15,25 25 0,-25 0 16,24 0-16,1-25 15,-25 25-15,24-24 0,0-1 16,1 0-16,-1-24 0,1 0 16,24 0-16</inkml:trace>
+</inkml:ink>
+</file>
+
+<file path=ppt/ink/ink10.xml><?xml version="1.0" encoding="utf-8"?>
+<inkml:ink xmlns:inkml="http://www.w3.org/2003/InkML">
+  <inkml:definitions>
+    <inkml:context xml:id="ctx0">
+      <inkml:inkSource xml:id="inkSrc0">
+        <inkml:traceFormat>
+          <inkml:channel name="X" type="integer" max="1920" units="cm"/>
+          <inkml:channel name="Y" type="integer" max="1080" units="cm"/>
+          <inkml:channel name="T" type="integer" max="2.14748E9" units="dev"/>
+        </inkml:traceFormat>
+        <inkml:channelProperties>
+          <inkml:channelProperty channel="X" name="resolution" value="55.81395" units="1/cm"/>
+          <inkml:channelProperty channel="Y" name="resolution" value="55.6701" units="1/cm"/>
+          <inkml:channelProperty channel="T" name="resolution" value="1" units="1/dev"/>
+        </inkml:channelProperties>
+      </inkml:inkSource>
+      <inkml:timestamp xml:id="ts0" timeString="2020-11-08T01:53:09.755"/>
+    </inkml:context>
+    <inkml:brush xml:id="br0">
+      <inkml:brushProperty name="width" value="0.05" units="cm"/>
+      <inkml:brushProperty name="height" value="0.05" units="cm"/>
+      <inkml:brushProperty name="color" value="#ED1C24"/>
+      <inkml:brushProperty name="fitToCurve" value="1"/>
+    </inkml:brush>
+  </inkml:definitions>
+  <inkml:trace contextRef="#ctx0" brushRef="#br0">346 82 0,'0'-25'0,"0"1"15,-24 24 1,24-25-16,-25 25 16,1 0-16,-1 0 15,1 0-15,-25 0 16,25 25-16,-1-25 0,-23 24 15,23 1-15,1-1 0,24 0 16,-25 1-16,25 24 16,0-25-16,25 25 0,-25-25 15,24 25-15,25-24 16,-25-1-16,25 1 0,-24-25 16,23 24-16,1-24 0,0 0 15,-24-24-15,23-1 16,-23 25-16,-1-24 0</inkml:trace>
+  <inkml:trace contextRef="#ctx0" brushRef="#br0" timeOffset="449">590 130 0,'-24'0'47,"24"25"-31,-24-25-16,-1 0 15,25 24-15,0 1 16,0-1-16,0 1 16,0-1-16,0 0 15,25 1-15,-1-1 0,0 1 16,1-1-1,-1-24-15,1 0 0,-1 0 16,1 0-16,-1 0 16,-24-24-16,24 24 15,-24-25-15,0 1 0,0-1 16,0 1-16,-24 0 0,24-1 16,-24 1-16,24-1 15,-25 1-15,1-1 16,-1 25-16,1 0 15,-1 0 1,1 0-16,24 25 16,24-25-1,1 24 1</inkml:trace>
+  <inkml:trace contextRef="#ctx0" brushRef="#br0" timeOffset="906">859 155 0,'0'-25'16,"24"25"15,1 0-31,-1 0 15,1 0-15,-25 25 16,24-25-16,-24 24 16,25-24-16,-25 25 0,0-1 15,24 1-15,-24-1 0,0 0 16,0 1 0,-24-1-1,-1-24 1,25-24-16,-24 24 0,24-25 15,0 1-15,-25 0 16,25-1-16,0 1 16,25-1-16,-25 1 0,24-1 15,1 1-15,23 24 16,-23-24-16,24 24 0,-25 0 16,25 0-16,-25 24 15,25 0-15,-24 1 0,-1-1 16,1 1-16,-25 24 0,24-25 15,-24 0-15,0 1 16,0-1-16,-24 1 0</inkml:trace>
+</inkml:ink>
+</file>
+
+<file path=ppt/ink/ink11.xml><?xml version="1.0" encoding="utf-8"?>
+<inkml:ink xmlns:inkml="http://www.w3.org/2003/InkML">
+  <inkml:definitions>
+    <inkml:context xml:id="ctx0">
+      <inkml:inkSource xml:id="inkSrc0">
+        <inkml:traceFormat>
+          <inkml:channel name="X" type="integer" max="1920" units="cm"/>
+          <inkml:channel name="Y" type="integer" max="1080" units="cm"/>
+          <inkml:channel name="T" type="integer" max="2.14748E9" units="dev"/>
+        </inkml:traceFormat>
+        <inkml:channelProperties>
+          <inkml:channelProperty channel="X" name="resolution" value="55.81395" units="1/cm"/>
+          <inkml:channelProperty channel="Y" name="resolution" value="55.6701" units="1/cm"/>
+          <inkml:channelProperty channel="T" name="resolution" value="1" units="1/dev"/>
+        </inkml:channelProperties>
+      </inkml:inkSource>
+      <inkml:timestamp xml:id="ts0" timeString="2020-11-08T01:53:07.366"/>
+    </inkml:context>
+    <inkml:brush xml:id="br0">
+      <inkml:brushProperty name="width" value="0.05" units="cm"/>
+      <inkml:brushProperty name="height" value="0.05" units="cm"/>
+      <inkml:brushProperty name="color" value="#ED1C24"/>
+      <inkml:brushProperty name="fitToCurve" value="1"/>
+    </inkml:brush>
+  </inkml:definitions>
+  <inkml:trace contextRef="#ctx0" brushRef="#br0">0 0 0,'0'25'63,"0"-1"-47,0 0-1,0 1-15,0-1 16,0 1-16,25 24 15,-25-25-15,0 25 0,0 0 16,24-1-16,-24-23 16,0 24-16,0 0 0,0-25 15,25 25-15,-25-25 0,0 1 16,0-1-16,0 1 16,0-1-16,24-24 15</inkml:trace>
+  <inkml:trace contextRef="#ctx0" brushRef="#br0" timeOffset="606">171 391 0,'-24'0'15,"24"-24"-15,-25 24 16,50-25 31,-1 25-31,1 0-16,-1 0 15,1 0-15,23 0 16,-23-24-16,-1 24 0,1 0 15,-1 0-15,1 0 16,-1 0-16,0 0 0,1 0 16,-25-25 15,0 1-15,0-1-1,0 1-15,0 0 16,0-1-16,-25 1 15,25-1-15,0 1 16,0-1-16,0 1 31,-24 48-15,24 1 0,0-1-16,0 1 15,0 24-15,0-25 0,0 0 16,0 25-16,0-24 15,24 24-15,-24-25 0,0 25 16,0-25-16,0 1 0,0-1 16,0 0-16,0 1 15,0-1-15,25-24 32</inkml:trace>
+  <inkml:trace contextRef="#ctx0" brushRef="#br0" timeOffset="937">782 98 0,'0'24'47,"0"1"-32,-25-1 1,25 1-16,0-1 0,0 0 16,0 25-16,0-24 0,0 23 15,0-23-15,0-1 16,0 1-16,0-1 0,25 1 15,-25-1-15,0 0 16,0 1-16,24-25 0,-24 24 16,25-24-16</inkml:trace>
+  <inkml:trace contextRef="#ctx0" brushRef="#br0" timeOffset="1388">660 220 0,'0'-24'16,"-25"24"-16,25-25 16,0 1-1,25 24 1,-25-25-16,24 25 15,1 0-15,-1-24 0,25 24 16,-25 0-16,1 0 0,24-25 16,-25 25-16,25 0 15,-25 0-15,25 0 0,-24 0 16,-1 25-16,0-25 0,-24 24 16,25 1-16,-1-1 15,-24 25-15,0-25 0,0 25 16,0-24-16,0 24 15,-24-25-15,24 25 0,-25-25 16,1 1-16,0-1 0,-1 0 16,-24 1-16,25-25 15,-1 24-15,-23-24 0,23 0 16,1 25-16,-1-25 16,1 0-16,-1 0 15,50-25 1</inkml:trace>
+  <inkml:trace contextRef="#ctx0" brushRef="#br0" timeOffset="1728">1417 147 0,'0'-25'15,"0"50"48,0-1-63,0 1 15,0-1-15,0 0 0,0 25 16,0 0-16,0-24 16,0 23-16,0 1 0,0 0 15,0-25-15,0 25 16,0-24-16,0 24 0,0-25 16,0 0-16</inkml:trace>
+</inkml:ink>
+</file>
+
+<file path=ppt/ink/ink12.xml><?xml version="1.0" encoding="utf-8"?>
+<inkml:ink xmlns:inkml="http://www.w3.org/2003/InkML">
+  <inkml:definitions>
+    <inkml:context xml:id="ctx0">
+      <inkml:inkSource xml:id="inkSrc0">
+        <inkml:traceFormat>
+          <inkml:channel name="X" type="integer" max="1920" units="cm"/>
+          <inkml:channel name="Y" type="integer" max="1080" units="cm"/>
+          <inkml:channel name="T" type="integer" max="2.14748E9" units="dev"/>
+        </inkml:traceFormat>
+        <inkml:channelProperties>
+          <inkml:channelProperty channel="X" name="resolution" value="55.81395" units="1/cm"/>
+          <inkml:channelProperty channel="Y" name="resolution" value="55.6701" units="1/cm"/>
+          <inkml:channelProperty channel="T" name="resolution" value="1" units="1/dev"/>
+        </inkml:channelProperties>
+      </inkml:inkSource>
+      <inkml:timestamp xml:id="ts0" timeString="2020-11-08T01:53:12.797"/>
+    </inkml:context>
+    <inkml:brush xml:id="br0">
+      <inkml:brushProperty name="width" value="0.05" units="cm"/>
+      <inkml:brushProperty name="height" value="0.05" units="cm"/>
+      <inkml:brushProperty name="color" value="#ED1C24"/>
+      <inkml:brushProperty name="fitToCurve" value="1"/>
+    </inkml:brush>
+  </inkml:definitions>
+  <inkml:trace contextRef="#ctx0" brushRef="#br0">2345 198 0,'-24'0'31,"24"-25"-15,-24 25 0,-1-24-1,1 24-15,-1-25 16,1 25-16,-1 0 16,1-24-16,-25 24 0,-24 0 15,24-24-15,-24 24 16,-25-25-16,0 25 0,1-24 15,-1 24-15,0 0 0,1 0 16,23-25-16,1 25 16,24 0-16,0 0 0,1 25 15,23-25-15,-24 0 16,25 24-16,-1-24 0,-23 0 16,23 25-16,-24-25 0,25 0 15,-25 24-15,0-24 16,0 0-16,25 0 0,-25 0 15,25 0-15,-25 0 16,24 0-16,1 0 0,0 0 16,-1 0-16,1 0 15,-1 0 1,1 24 0,0-24-1,24 25 1,-25-25-16,1 0 15,24 24 1,-25-24-16,25 25 16,-24-25-16,24 24 0,-25 1 15,25-1-15,0 0 16,0 1-16,-24 24 16,24-25-16,0 1 15,0 23-15,0 1 0,0-24 16,0 23-16,0 1 0,0 0 15,0 0-15,0 0 16,0 0-16,0 0 0,-24-1 16,24 1-16,-25 0 15,25 0-15,0 0 0,-24 0 16,24 0-16,0-25 16,-25 25-16,25 0 0,0-1 15,0-23-15,0-1 0,0 25 16,0-24-16,0 23 15,0-23-15,0-1 0,-24 25 16,24-24-16,0-1 0,0 0 16,0 25-16,0-24 15,0-1-15,24 0 0,-24 1 16,0-1 0,0 1-16,0-1 15,0 1-15,0-1 16,25-24-1,-1 0 1,1 0-16,-1 0 16,0 0-16,1 24 15,-1-24-15,1 0 0,24 0 16,-25 0-16,0 0 16,25 0-16,-24 0 0,23 25 15,1-25-15,0 0 0,0 0 16,24 0-16,1 0 15,-1 0-15,0 0 0,0 0 16,1 0-16,-1 0 16,0 0-16,-24 0 0,24 0 15,1 0-15,-26 0 16,26-25-16,-25 25 0,24 0 16,-24 0-16,-1 0 0,26 0 15,-25 0-15,-1 0 16,26 0-16,-25 0 0,-1 0 15,1 0-15,0 0 16,0 0-16,0 0 0,-25 0 16,1 0-16,-1 0 0,0 0 15,1 0-15,-1 0 16,1 0-16,-1 0 0,1 0 16,-1 0-16,0 0 0,1 0 15,-1 0-15,1-24 16,-1 24-1,1 0 1,-25-24-16,0-1 16,0 1-1,0-1 1,0 1-16,0-1 16,0 1-16,0 0 15,0-1-15,0 1 0,0-25 16,0 25-16,0-25 0,0 24 15,0-24-15,0 25 16,0-25-16,24 0 0,-24 25 16,0-25-16,0 0 15,24 25-15,-24-25 0,0 0 16,0 0-16,0 0 0,0 25 16,0-25-16,0 0 15,0 0-15,25 25 0,-25-25 16,0 0-16,0 25 15,0-25-15,24 25 0,-24-25 16,0 24-16,0-24 0,0 25 16,25 0-16,-25-1 15,0 1-15,0-1 0,0 1 16,-25 24-16,25-24 16,-24-1-16,24 1 15,-25 24-15,25-25 0,0 1 16,-24 24-1,24-25-15,0 1 16,0 0 0,-24 24-16,24-25 15,-25 25 1,25-24 0,-24 24-16,24-25 15,-25 25 1,25-24-16,-24 24 15,24-25-15,-25 25 16,25-24-16,-24 24 16,0 0-16,-1-24 0,1 24 15,-1 0-15,-24-25 0,25 25 16,-25 0-16,0 0 16,-24 0-16,24 0 0,0 0 15,1 0-15,-1 0 16,0 0-16,24 0 0,-23 0 15,23 25 1</inkml:trace>
+</inkml:ink>
+</file>
+
+<file path=ppt/ink/ink13.xml><?xml version="1.0" encoding="utf-8"?>
+<inkml:ink xmlns:inkml="http://www.w3.org/2003/InkML">
+  <inkml:definitions>
+    <inkml:context xml:id="ctx0">
+      <inkml:inkSource xml:id="inkSrc0">
+        <inkml:traceFormat>
+          <inkml:channel name="X" type="integer" max="1920" units="cm"/>
+          <inkml:channel name="Y" type="integer" max="1080" units="cm"/>
+          <inkml:channel name="T" type="integer" max="2.14748E9" units="dev"/>
+        </inkml:traceFormat>
+        <inkml:channelProperties>
+          <inkml:channelProperty channel="X" name="resolution" value="55.81395" units="1/cm"/>
+          <inkml:channelProperty channel="Y" name="resolution" value="55.6701" units="1/cm"/>
+          <inkml:channelProperty channel="T" name="resolution" value="1" units="1/dev"/>
+        </inkml:channelProperties>
+      </inkml:inkSource>
+      <inkml:timestamp xml:id="ts0" timeString="2020-11-08T01:53:39.593"/>
+    </inkml:context>
+    <inkml:brush xml:id="br0">
+      <inkml:brushProperty name="width" value="0.05" units="cm"/>
+      <inkml:brushProperty name="height" value="0.05" units="cm"/>
+      <inkml:brushProperty name="color" value="#3165BB"/>
+      <inkml:brushProperty name="fitToCurve" value="1"/>
+    </inkml:brush>
+  </inkml:definitions>
+  <inkml:trace contextRef="#ctx0" brushRef="#br0">6162 48 0,'24'0'0,"-24"-24"15,25 24 1,-25-24-16,-25 24 78,1 0-62,0 0-16,-1 0 0,1 0 15,-1 0-15,1 0 0,-25 0 16,25 24-16,-25-24 16,24 0-16,1 0 0,-25 24 15,25-24-15,-1 0 0,-24 0 16,25 25-16,0-25 16,-1 24-1,25 1 1,0-1-1,0 1 1,0-1-16,25 0 16,-25 25-16,0-24 0,0 24 15,0-1-15,0 1 16,0 0-16,0 0 0,0 0 16,0 24-16,0-24 15,0 0-15,0 24 0,0-24 16,0 0-16,0 24 0,-25-24 15,25 0-15,0 24 16,0-24-16,0 24 0,0-24 16,0 0-16,0 24 0,0-24 15,0 24-15,0 0 16,25-24-16,-25 24 0,0 1 16,0-1-16,0 0 15,24-24-15,-24 24 0,0-24 16,0 25-16,0-26 0,0 1 15,0 25-15,0 23 16,0-48 0,0 0-16,0 0 0,0 24 15,0-49-15,0 25 0,0 0 16,0 0-16,0 0 16,0 0-16,0-1 0,0-23 15,0 24-15,0 0 0,0-1 16,0-23-16,0 24 15,24-25-15,-24 1 0,0-1 16,0 0-16,25-24 0,-25 25 16,24-50-1,1 25-15,-25-24 16,24 24-16,1-24 16,-1-1-16,0 25 0,1-24 15,-1 24-15,1-25 0,-1 25 16,25-24-16,-25 24 15,25 0-15,0-25 0,0 25 16,0 0-16,0 0 16,-1-24-16,1 24 0,0 0 15,-24 0-15,-1 0 0,0 0 16,1 0-16</inkml:trace>
+  <inkml:trace contextRef="#ctx0" brushRef="#br0" timeOffset="689">4868 1831 0,'0'-24'0,"0"-1"47,24 25-47,0 0 31,1 0-15,-1 0-16,1 0 0,24-24 16,-1 24-16,1 0 15,0 0-15,0-24 0,24 24 16,-24-25-16,0 25 16,0-24-16,-25 24 0,25 0 15,-25-25-15,1 25 16,-1 0-16</inkml:trace>
+  <inkml:trace contextRef="#ctx0" brushRef="#br0" timeOffset="1902">325 1416 0,'0'-24'15,"24"24"1,-24-25 0,0 1-16,25-1 15,-25 1 1,0 0-16,-25-1 16,1 25-1,-1 0 1,1 25-16,-25-25 0,25 24 15,-25-24-15,25 24 16,-25 1-16,24-25 0,1 24 16,24 1-16,-25-25 0,25 24 15,0 1-15,25-1 16,-1-24-16,25 24 0,-24 1 16,23-25-16,1 24 15,0 1-15,0-25 0,0 24 16,0 1-16,-25-1 0,0-24 15,1 24-15,-25 1 16,-25 24-16,1-25 0,0 1 16,-1-1-16,-24 0 0,-24 1 15,24-1-15,0-24 16,1 0-16,23 0 0,-24 0 16,25 0-16,-1-24 15,25-25-15,25 25 16</inkml:trace>
+  <inkml:trace contextRef="#ctx0" brushRef="#br0" timeOffset="2376">594 1392 0,'0'-25'16,"0"50"15,0-1-15,24-24-16,-24 25 15,0-1-15,0 25 0,0-25 16,0 1-16,0-1 16,0 1-16,0-1 0,0 0 15,0 1-15,0-50 47,0 1-31,0 0-16,0-1 0,0-24 15,0 0-15,0 25 0,0-25 16,0 0-16,24 0 16,-24 1-16,0 23 0,25 1 15,-25-1-15,24 25 16,1 0-16,-1 25 15,1-1-15,-1 1 0,0 23 16,1 1-16,-1 0 16,1 0-16,-1 0 0,1-25 15,-1 25-15,0 0 16,1-25-16,-1 1 0,-24-1 16,0 1-16</inkml:trace>
+  <inkml:trace contextRef="#ctx0" brushRef="#br0" timeOffset="2561">642 1489 0,'-24'0'16,"24"-24"-16,24 24 31,1-24-15,-1 24-16,1 0 0,-1-25 15,25 25-15,0-24 16,-25 24-16</inkml:trace>
+  <inkml:trace contextRef="#ctx0" brushRef="#br0" timeOffset="3014">1033 1318 0,'25'0'0,"-25"-24"16,0 0-1,0-1 1,0 50 15,24-1-15,-24 0-16,24 1 15,1-1-15,-25 25 0,24-24 16,1 23-16,-25-23 0,24-1 16,1 1-16,-25-1 15,0 1-15,24-1 0,-24 0 16,-24-24-1,-1 0-15,1-24 16,-1 24-16,1-24 0,-1-1 16,1 1-16,24-25 15,-24 24-15,-1-23 0,25-1 16,0 0-16,0 24 16,0-23-16,25 23 0,-1 1 15,0-1-15,1 25 0,-1 0 16,25 0-16,-24 0 15,-1 0-15,0 25 0,1-25 16,-1 24-16,-24 1 16,0-1-16,0 0 0,0 1 15,-24-1-15,-1-24 0,-23 25 16,23-1-16,1-24 16,-25 25-16,24-25 0,1 0 15</inkml:trace>
+  <inkml:trace contextRef="#ctx0" brushRef="#br0" timeOffset="3653">1741 1270 0,'-24'0'0,"24"-25"15,-24 25-15,-1-24 16,1-1-16,24 1 16,0 48 15,24-24-31,-24 25 16,25-1-16,-25 1 15,24 23-15,0-23 0,-24-1 16,25 25-16,-25-24 0,24-1 15,-24 0-15,25 1 16,-25-1-16,24 1 0,1-25 16,-25-25-1,0 1 1,0-25-16,0 25 16,0-25-16,0 24 15,0-24-15,0 1 0,0 23 16,0 1-16,0-1 0,24 1 15,0 24-15,1 24 16,-1 1-16,1-1 16,-1 25-16,1-25 15,-1 25-15,0-24 0,25 24 16,-24-25-16,-1 0 0,1 1 16,23-25-16,-23 0 15,-1 0-15,1-25 16,-25 1-16,24-25 15,-24 25-15,0-25 0,0 0 16,-24 0-16,-1 0 0,25 25 16,-24-25-16,24 25 15,-25-1-15,25 1 0,0-1 16,-24 25-16,24 25 16,0-1-1,24 1-15,-24-1 16</inkml:trace>
+  <inkml:trace contextRef="#ctx0" brushRef="#br0" timeOffset="4057">2645 1270 0,'-24'0'16,"-1"0"-1,50 0 48,-1 0-63,25 0 15,-25-25-15,1 25 16,-1 0-16,25-24 0,-24 24 16,-1-25-16,0 1 15,-24 0 1,-24-1-16,0 25 15,-1 0-15,1-24 0,-1 24 16,1 0-16,-25 0 16,25 0-16,-1 24 0,1-24 15,24 25-15,-25-1 16,25 0-16,0 1 0,0-1 16,25 1-16,-1-1 15,1 0-15,-1-24 0,25 25 16,0-25-16,0 0 0,-1 0 15,1-25-15,0 25 16</inkml:trace>
+  <inkml:trace contextRef="#ctx0" brushRef="#br0" timeOffset="4464">3036 1099 0,'-25'-49'0,"1"24"16,0 1-16,-1-25 15,1 25-15,-1-1 0,25 1 16,25 48 15,-1 1-31,1-1 0,-1 25 16,0 0-16,1-25 15,-1 25-15,1-25 0,-1 25 16,1-24-16,-1-1 0,0 1 16,-24-1-16,0 0 15,-24-48 16,24 0-31,0-1 16,-24 1-16,24-1 0,0-24 16,0 25-16,24 0 15,0-1-15,1 1 0,-1 24 16,25 0-16,-24 0 16,23 0-16,1 0 0,-24 24 15,23 1-15,-23-25 0,-1 24 16,-24 0-16,0 1 15,0-1-15,0 1 0,-24-25 16,-1 24-16,1-24 16,-25 0-16,25 0 0,-25 0 15</inkml:trace>
+  <inkml:trace contextRef="#ctx0" brushRef="#br0" timeOffset="4710">3476 854 0,'24'-24'16,"0"24"-1,1 0 17,-25 24-32,24 1 15,-24-1-15,25 25 16,-25-24-16,24 23 0,0-23 15,1 24-15,-25-25 0,24 25 16,-24-25-16,25 1 16,-25-1-16</inkml:trace>
+  <inkml:trace contextRef="#ctx0" brushRef="#br0" timeOffset="4950">3817 928 0,'0'-25'16,"-24"1"-16,24 48 47,24 1-47,-24-1 16,25 1-16,-1-1 15,-24 0-15,25 1 0,-1 24 16,1-25-16,-25 0 15,24 1-15,-24-1 0,24 1 16</inkml:trace>
+  <inkml:trace contextRef="#ctx0" brushRef="#br0" timeOffset="5166">3866 1099 0,'-24'-49'0,"-1"0"0,25 25 15,-24-25-15,24 0 0,0 0 16,0 25-16,24-25 15,1 24-15,-1 25 0,1 0 16,24 0-16,-1 0 0,1 0 16,-24 25-16,23 24 15,1-25-15,-24 25 0,-1-25 16,1 25-16,-1 0 16,-24-25-16,0 25 0,0-24 15,-24-1-15,-1 0 0,1 1 16,-1-1-16,1-24 15</inkml:trace>
+  <inkml:trace contextRef="#ctx0" brushRef="#br0" timeOffset="5459">4501 708 0,'0'-25'0,"25"25"0,-25-24 16,-25 24 0,1 0-1,-1 24 1,1 1-16,0-1 0,24 25 16,-25-24-16,25-1 0,0 25 15,0-25-15,0 25 16,25-24-16,-1-1 0,0 25 15,1-49-15,24 24 0,0 1 16,-25-25-16,25 0 16,0 0-16,0 0 0</inkml:trace>
+  <inkml:trace contextRef="#ctx0" brushRef="#br0" timeOffset="5603">4575 903 0,'-25'0'0,"1"-24"15,24-1 1,24 25 0,1-24-16,23 24 0,-23 0 15,24-24-15,-1 24 16</inkml:trace>
+  <inkml:trace contextRef="#ctx0" brushRef="#br0" timeOffset="6996">936 2320 0,'-25'0'0,"25"-25"15,0 1 1,25 0 0,-25-1-16,24 1 15,-24-1-15,24 1 16,1-1-16,-25 1 0,0-25 16,24 25-16,-24-1 0,0 1 15,0-1-15,-24 1 16,-1 24-16,1 24 0,0 1 15,-1-1-15,1 25 0,-1 24 16,1 1-16,-1 23 16,25 1-16,-24 0 0,24-1 15,24 1-15,-24 0 16,25-25-16,24 0 0,-25 1 16,25-1-16,-25-24 0,25-25 15,-24 1-15,-1-1 16,0 0-16,-48-48 15,0 24 1,-25-24-16,24-1 0,-48-24 16,24 25-16,0-25 0,1 25 15,-1-25-15,24 24 16,1-48-16,24 49 16,0-1-16,49 1 15,-25-1-15,25 1 0,24 0 16,-24-1-16,24 1 0,1-1 15,-1 1-15,0-1 16,0 25-16,-24-24 0,0 0 16,0 24-16,-25-25 15,1 25-15,-1-24 0,-24-1 32,-24 25-32,-1 0 15,1 0-15,0 0 0,-1 0 16,1 25-16,-1-25 15,1 24-15,24 1 0,-25-1 16,25 0-16,-24 25 0,24-24 16,0-1-16,24 1 15,-24-1-15,25-24 0,-1 24 16,1-24-16,-1 0 16,1 0-16,-1 0 0,0 0 15,1-24-15,-1 0 16,-24-1-16,0 1 15,-24-1 1,-1 25-16,25-24 16,-24 24-16,0-25 0,24 1 15,0 0 1,24-1 0,0 25-16,1-24 0,-1-1 15,25 25-15,-25-24 16,25 24-16,-24 0 0,24 0 15,-25 24-15,0-24 0,1 25 16,-1-25-16,-24 24 16,25 1-16,-25-1 0,0 0 15,0 1-15,-25-1 16,1 1 0,-1-25-16,1-25 15,0 1 1,24-1-16,0 1 0,0 0 15,24-25-15,-24 0 16,24 24-16,1-23 0,-1 23 16,1 1-16,-1-1 0,1 1 15,-1 24-15,0 0 16,1 0-16,-1 0 0</inkml:trace>
+  <inkml:trace contextRef="#ctx0" brushRef="#br0" timeOffset="7307">2181 2076 0,'0'-25'0,"-24"25"16,-1 0 0,25 25-1,0-1-15,25 0 16,-25 25-16,24 0 0,-24 0 16,24 0-16,1 0 15,-1 0-15,-24-1 0,25-23 16,-1 24-16,-24-25 15,0 0-15,25 1 0</inkml:trace>
+  <inkml:trace contextRef="#ctx0" brushRef="#br0" timeOffset="7675">2181 2491 0,'-24'-49'15,"24"25"-15,0-1 0,24 1 16,0-1-16,1 1 15,-1-1-15,1 1 0,-1 24 16,1-24-16,23 24 16,-23 0-16,-1 0 0,1-25 15,-1 25-15,1 0 0,-1 0 16,-24-24 0,0-1-1,-24 1 1,24-1-16,0 1 0,0 0 15,-25-1-15,25 1 16,0-1 0,25 50-1,-25-1-15,24 1 16,-24-1-16,24 0 16,-24 25-16,0-24 0,25-1 15,-25 25-15,24-25 16,-24 1-16,0-1 0,25 1 15,-25-1-15</inkml:trace>
+  <inkml:trace contextRef="#ctx0" brushRef="#br0" timeOffset="8119">2743 2051 0,'0'-49'16,"0"25"-16,0-1 0,0 50 31,24-1-15,-24 1-16,0 24 0,25-1 15,-25-23-15,24 24 16,-24 0-16,0-25 0,24 0 16,-24 25-16,0-24 15,0-1-15,25-24 16,-25 24-16,0-48 15,-25 0 1,25-1-16,0-24 16,0 25-16,-24-25 15,24 0-15,0 0 0,0 1 16,0-1-16,24 0 16,-24 24-16,25 1 0,-25 0 15,24 24-15,1 0 0,-25 24 16,24-24-16,1 49 15,-1-25-15,0 25 0,1-24 16,-1 23-16,25 1 0,-24 0 16,-1-24-16,0 23 15,1-23-15,-25-1 0,24 1 16,1-1-16,-25 0 16</inkml:trace>
+  <inkml:trace contextRef="#ctx0" brushRef="#br0" timeOffset="8315">2841 2173 0,'-25'0'0,"1"-24"15,-1 24-15,25-25 0,25 25 32,-1 0-32,25-24 15,0 24-15,0 0 16,-1-24-16,26 24 0,-25 0 15,-1 0-15,1-25 0,0 25 16,-24-24-16</inkml:trace>
+  <inkml:trace contextRef="#ctx0" brushRef="#br0" timeOffset="8549">3329 1856 0,'-24'-25'0,"24"1"0,0 0 31,0 48-15,24 0-16,0 1 0,-24-1 15,25 25-15,-1-25 16,1 25-16,-25 0 0,24-24 16,-24 23-16,24-23 15,-24 24-15,25-25 0,-25 1 16,0-1-16</inkml:trace>
+  <inkml:trace contextRef="#ctx0" brushRef="#br0" timeOffset="8976">3305 1782 0,'0'-48'0,"0"23"16,24 25-16,-24 25 15,24-1-15,1 0 16,-1 1-16,25-1 0,-24 1 16,23 24-16,1-1 15,0-23-15,0-1 0,-25 1 16,25-1-16,-24 1 16,23-1-16,-23-24 0,-1 24 15,1-24-15,-1-24 16,-24 0-1,0-1-15,0 1 0,0-25 16,-24 24-16,24-23 0,-25-1 16,1 24-16,-1-24 15,1 25-15,0-25 0,-1 25 16,1-1-16,-1 1 16,25 48-1,0 1-15,0-1 16,0 1-16,25-1 15,-25 25-15,24 0 0,1-25 16,-1 25-16,0 0 16,1-25-16,-1 1 0,1-1 15,-1 1-15,-24-1 0</inkml:trace>
+  <inkml:trace contextRef="#ctx0" brushRef="#br0" timeOffset="9450">4086 1807 0,'-24'0'0,"24"-25"0,-25 25 15,25 25 17,0-1-32,25-24 15,-25 25-15,0 24 16,24-25-16,-24 25 0,0-25 15,0 25-15,25-24 0,-25 23 16,0-23-16,0-1 16,0 1-16,0-1 15,0-48 17,0-1-32,-25 1 15,25-1-15,0-23 0,0-1 16,0 0-16,0 0 15,0 0-15,0-24 0,0 24 16,0 0-16,25 0 0,-25 25 16,0 0-16,24 24 0,0 0 15,-24 24 1,25 0-16,-1 25 0,-24 0 16,25 0-16,-1 0 15,25 0-15,-25-1 0,1 1 16,-1-24-16,1 24 0,-1-25 15,-24 0-15,24-24 16</inkml:trace>
+  <inkml:trace contextRef="#ctx0" brushRef="#br0" timeOffset="9611">4135 1978 0,'-25'0'0,"25"-25"16,25 25-1,-1-24 1,25 24-16,-24 0 0,23-24 16,-23 24-16,24 0 15,0-25-15,-25 25 0,25 0 16,-25-24-16</inkml:trace>
+</inkml:ink>
+</file>
+
+<file path=ppt/ink/ink14.xml><?xml version="1.0" encoding="utf-8"?>
+<inkml:ink xmlns:inkml="http://www.w3.org/2003/InkML">
+  <inkml:definitions>
+    <inkml:context xml:id="ctx0">
+      <inkml:inkSource xml:id="inkSrc0">
+        <inkml:traceFormat>
+          <inkml:channel name="X" type="integer" max="1920" units="cm"/>
+          <inkml:channel name="Y" type="integer" max="1080" units="cm"/>
+          <inkml:channel name="T" type="integer" max="2.14748E9" units="dev"/>
+        </inkml:traceFormat>
+        <inkml:channelProperties>
+          <inkml:channelProperty channel="X" name="resolution" value="55.81395" units="1/cm"/>
+          <inkml:channelProperty channel="Y" name="resolution" value="55.6701" units="1/cm"/>
+          <inkml:channelProperty channel="T" name="resolution" value="1" units="1/dev"/>
+        </inkml:channelProperties>
+      </inkml:inkSource>
+      <inkml:timestamp xml:id="ts0" timeString="2020-11-08T01:55:40.850"/>
+    </inkml:context>
+    <inkml:brush xml:id="br0">
+      <inkml:brushProperty name="width" value="0.05" units="cm"/>
+      <inkml:brushProperty name="height" value="0.05" units="cm"/>
+      <inkml:brushProperty name="color" value="#ED1C24"/>
+      <inkml:brushProperty name="fitToCurve" value="1"/>
+    </inkml:brush>
+  </inkml:definitions>
+  <inkml:trace contextRef="#ctx0" brushRef="#br0">320 131 0,'0'25'156,"0"-1"-140,-25-24-1,25 25-15,-24-25 0,-1 24 16,1-24-1,-1 0 1,1 0 0,24-24-16,-24-1 15,24 1 1,0-1 0,0 1-16,0-1 15,24 1-15,0 0 16,1-1-1,-1 25-15,1 0 16,-25 25-16,24-25 16,-24 24-16,25-24 0,-25 24 15,24 1-15,-24-1 0,0 1 16,0-1-16,0 25 16,0-25-16,0 1 0,-24-1 15,24 1-15,-25-1 16,1 25-16,-1-25 0,1-24 15,-1 25-15,-23-1 0,23-24 16,1 25-16,-1-25 16,1 0-16,-1 0 15,1 0-15,24-25 16,0 1 0,0-1-1,24 1 1,1 24-16,-1 0 0,1 0 15,-1 0-15,25 24 16,-25 1 0,1-1-16,-1-24 0,1 25 15,-1-1 1,1-24-16,-1 0 16,-24 24-16</inkml:trace>
+  <inkml:trace contextRef="#ctx0" brushRef="#br0" timeOffset="350">466 34 0,'-24'-25'0,"24"50"31,24-25-31,-24 24 16,24-24-16,1 24 0,-1 1 16,1-1-1,-25 25-15,24-24 0,-24-1 16,25 25-16,-25 0 15,0-25-15,0 25 0,0-25 16,0 25-16,0-24 0,-25-1 16,25 1-16,-24 23 15,-1-48-15,1 25 0,-1-1 16</inkml:trace>
+</inkml:ink>
+</file>
+
+<file path=ppt/ink/ink15.xml><?xml version="1.0" encoding="utf-8"?>
+<inkml:ink xmlns:inkml="http://www.w3.org/2003/InkML">
+  <inkml:definitions>
+    <inkml:context xml:id="ctx0">
+      <inkml:inkSource xml:id="inkSrc0">
+        <inkml:traceFormat>
+          <inkml:channel name="X" type="integer" max="1920" units="cm"/>
+          <inkml:channel name="Y" type="integer" max="1080" units="cm"/>
+          <inkml:channel name="T" type="integer" max="2.14748E9" units="dev"/>
+        </inkml:traceFormat>
+        <inkml:channelProperties>
+          <inkml:channelProperty channel="X" name="resolution" value="55.81395" units="1/cm"/>
+          <inkml:channelProperty channel="Y" name="resolution" value="55.6701" units="1/cm"/>
+          <inkml:channelProperty channel="T" name="resolution" value="1" units="1/dev"/>
+        </inkml:channelProperties>
+      </inkml:inkSource>
+      <inkml:timestamp xml:id="ts0" timeString="2020-11-08T01:56:28.644"/>
+    </inkml:context>
+    <inkml:brush xml:id="br0">
+      <inkml:brushProperty name="width" value="0.05" units="cm"/>
+      <inkml:brushProperty name="height" value="0.05" units="cm"/>
+      <inkml:brushProperty name="color" value="#ED1C24"/>
+      <inkml:brushProperty name="fitToCurve" value="1"/>
+    </inkml:brush>
+  </inkml:definitions>
+  <inkml:trace contextRef="#ctx0" brushRef="#br0">80 264 0,'-24'0'109,"-1"0"-47,25 24-62,-24-24 32,48 0 30,1 0-62,-1 0 16,1 0-16,-1 0 0,0 0 15,1-24 1,-1 24-16,1 0 16,-1 0-1,-48 0 48,-1 0-48</inkml:trace>
+  <inkml:trace contextRef="#ctx0" brushRef="#br0" timeOffset="852">495 117 0,'-24'0'16,"48"0"46,1 0-46,-1 0-16,1-24 15,-1 24-15,0 0 0,25 0 16,-24 0-16,-1-24 0,25 24 16,-25 0-16,1 0 15,-1 0-15,1 0 16,-1 0 0</inkml:trace>
+  <inkml:trace contextRef="#ctx0" brushRef="#br0" timeOffset="1134">691 117 0,'0'25'63,"24"-1"-48,-24 1 1,25-1-16,-25 0 16,0 1-16,0-1 0,0 1 15,0-1 1,0 1-16,0-1 15,0 0 1</inkml:trace>
+  <inkml:trace contextRef="#ctx0" brushRef="#br0" timeOffset="1662">984 264 0,'24'0'78,"1"0"-62,-1 0-1,-24-24 1,25 24-16,-1-25 31,-24 1-15,0-1-1,-24 25 1,24-24-16,-25 24 16,1 0-1,24 24-15,-25-24 16,25 25-16,0-1 16,0 1-16,0-1 15,0 0-15,0 1 16,25-25-1,-25 24-15,24 1 16,1-25 0,-1 0-16</inkml:trace>
+  <inkml:trace contextRef="#ctx0" brushRef="#br0" timeOffset="2329">1252 215 0,'0'-24'32,"0"48"30,25-24-62,-25 25 16,24-1-16,-24 0 15,0 1-15,25-1 16,-25 1 0,0-1-1,0-48 17,-25 24-17,25-25-15,0 1 16,0-1-16,0 1 15,25 0 1,-25-1-16,24 25 16,-24-24-16,25 24 0,-1 0 15,0 24 1,1 1 0,-1-1-1,1 0-15,-25 1 16,24-25-16,-24 24 15,-24-48 17,24-1-17,0 1 1,0 0-16,24-1 16,-24 1-1,25 24-15,-1-25 16,0 25-1,1 25-15,-25-1 16,0 1-16,24-1 16,-24 0-1,0 1-15,0-1 0,0 1 16,0-1 0</inkml:trace>
+  <inkml:trace contextRef="#ctx0" brushRef="#br0" timeOffset="2892">1741 117 0,'0'-24'15,"0"48"32,0 1-31,0-1-16,0 1 0,24-1 15,-24 1-15,0-1 0,25 0 16,-25 25-16,24-24 16,-24-1-16,25 25 0,-25-25 15,0 1-15,24-1 16,-24 1-16,0-1 0,0 0 15,0 1-15,0-1 16,-24-24 15,24-24-31,0-1 16,0 1-16,-25 0 16,25-1-16,0 1 0,0-25 15,0 24-15,0-23 16,25 23-16,-25 1 0,0-1 15,24-23-15,0 48 16,-24-25-16,25 25 0,-1-24 16,1 24-16,-1 0 15,-24 24-15,25 1 16,-25-1-16,0 0 16,0 1-1,0-1-15,0 1 0,-25-25 16,25 24-16,-24-24 0,-1 0 15,1 0 1</inkml:trace>
+  <inkml:trace contextRef="#ctx0" brushRef="#br0" timeOffset="3151">2107 93 0,'25'0'0,"-25"-24"32,0 48-1,24-24-31,-24 24 16,25-24-16,-25 25 0,24-1 15,-24 25-15,0-25 0,24 1 16,-24-1-16,0 1 15,0-1-15,0 1 0,0-1 16,0 0-16,0 1 16</inkml:trace>
+  <inkml:trace contextRef="#ctx0" brushRef="#br0" timeOffset="3996">2620 264 0,'0'-24'15,"25"24"-15,-25-25 16,0 1-1,0-1 1,0 1-16,-25 24 16,1-25-16,-1 25 15,1 0 1,0 0-16,24 25 16,-25-1-16,1-24 0,24 25 15,-25-1-15,25 1 16,0-1-16,0 0 0,0 1 15,0-1-15,25 1 16,-1-1-16,1 0 16,-1-24-16,-24 25 0,24-25 15,1 0-15,-1 0 16,-24-25-16,25 1 0,-1 24 16,-24-24-16,24 24 15,-24-25-15,0 1 0,25-1 16,-25 1-16,0 0 15,0-1 1,0 1-16,0 48 31,0 1-15,0-1-16,0 0 16,24 1-16,-24-1 15,25-24-15,-25 25 0,0-1 16,24-24-16,1 24 15,-1-24 1,0-24-16,-24 0 16,25 24-1,-25-25-15,24 1 0,-24-1 16,0 1-16,0 0 16,0-25-16,0 24 0,0 1 15,0-25-15,0 25 0,0-1 16,-24 1-16,24-1 15,0 50 17,0-1-32,0 1 15,24 23-15,-24-23 0,0 24 16,25-25-16,-25 25 16,0-25-16,24 25 0,-24-24 15,0-1-15,0 0 0,25 1 16,-25-1-1</inkml:trace>
+  <inkml:trace contextRef="#ctx0" brushRef="#br0" timeOffset="4225">2889 191 0,'-25'0'16,"50"0"15,-1 0-15,1-25-16,-1 25 15,1 0-15,-1 0 16,25-24-16,-25 24 0,1 0 16,-1 0-16,1 0 0</inkml:trace>
+  <inkml:trace contextRef="#ctx0" brushRef="#br0" timeOffset="4764">3231 239 0,'-25'0'16,"25"25"-16,25-25 31,-1 0-31,1 0 16,-1-25-1,0 25-15,1 0 16,-1 0-1,1-24-15,-1 24 0,1-24 16,-1 24-16,-24-25 16,24 25-16,-24-24 15,0-1-15,-24 1 32,0 24-32,24-24 15,-25 24-15,1 0 0,-1 0 16,1 0-1,-1 0-15,1 24 0,24 0 16,-24 1 0,24-1-16,0 1 0,0-1 15,0 0-15,24 25 0,-24-24 16,24-1-16,1 1 16,-1-1-16,1-24 0,-1 24 15,1-24-15,-1 0 16,25 0-16,-25 0 0,1 0 15,24-24-15,-25 24 0,-24-24 16,24-1-16</inkml:trace>
+</inkml:ink>
+</file>
+
+<file path=ppt/ink/ink16.xml><?xml version="1.0" encoding="utf-8"?>
+<inkml:ink xmlns:inkml="http://www.w3.org/2003/InkML">
+  <inkml:definitions>
+    <inkml:context xml:id="ctx0">
+      <inkml:inkSource xml:id="inkSrc0">
+        <inkml:traceFormat>
+          <inkml:channel name="X" type="integer" max="1920" units="cm"/>
+          <inkml:channel name="Y" type="integer" max="1080" units="cm"/>
+          <inkml:channel name="T" type="integer" max="2.14748E9" units="dev"/>
+        </inkml:traceFormat>
+        <inkml:channelProperties>
+          <inkml:channelProperty channel="X" name="resolution" value="55.81395" units="1/cm"/>
+          <inkml:channelProperty channel="Y" name="resolution" value="55.6701" units="1/cm"/>
+          <inkml:channelProperty channel="T" name="resolution" value="1" units="1/dev"/>
+        </inkml:channelProperties>
+      </inkml:inkSource>
+      <inkml:timestamp xml:id="ts0" timeString="2020-11-08T01:56:53.272"/>
+    </inkml:context>
+    <inkml:brush xml:id="br0">
+      <inkml:brushProperty name="width" value="0.05" units="cm"/>
+      <inkml:brushProperty name="height" value="0.05" units="cm"/>
+      <inkml:brushProperty name="color" value="#ED1C24"/>
+      <inkml:brushProperty name="fitToCurve" value="1"/>
+    </inkml:brush>
+  </inkml:definitions>
+  <inkml:trace contextRef="#ctx0" brushRef="#br0">49 73 0,'-24'0'0,"-1"0"15,50 0 16,-1 25-15,-24-1 0,25-24-1,-25 25 1,0-1-16,0 0 16,0 1-1,0-1 16</inkml:trace>
+  <inkml:trace contextRef="#ctx0" brushRef="#br0" timeOffset="295">171 24 0,'0'-24'16,"-24"24"-16,24 24 47,0 1-32,0-1 1,0 1-16,0-1 16,0 1-1,0-1-15</inkml:trace>
+  <inkml:trace contextRef="#ctx0" brushRef="#br0" timeOffset="727">465 318 0,'24'0'47,"0"0"-31,1 0-16,-1 0 15,1 0-15,-1 0 16,0 0-16,1 0 16,-25 24-16,24-24 15</inkml:trace>
+  <inkml:trace contextRef="#ctx0" brushRef="#br0" timeOffset="1416">929 98 0,'0'-25'15,"0"1"17,0 48-1,0 1-31,0-1 16,0 1-16,0-1 15,0 0-15,0 1 0,0-1 16,0 1-16,0-1 15,24-24-15,-24 25 0,24-25 16,-24 24-16,25-24 0,-1 24 16,1-24-16,-1 0 15,0 0-15,1 0 16,-1 0-16,-24-24 16,25 24-16,-25-24 0,0-1 15,24 1-15,-24-1 0,0 1 16,0-1-16,0 1 15,0 0-15,0 48 32,-24-24-32,24 24 15,0 1-15,-25-1 0,1 25 16,24-24-16,-25-1 16,25 25-16,0-25 0,-24 1 15,24 24-15,0-25 0,0 0 16,-24 1-16,24-1 15,0 1-15,0-1 16,0 0 0</inkml:trace>
+  <inkml:trace contextRef="#ctx0" brushRef="#br0" timeOffset="1915">1393 391 0,'-25'24'93,"25"1"-77,-24-1-16,24 1 16,0-1-16,0 0 15,0 1-15,24-25 16,-24 24-16,25-24 15,-1 0-15,0 0 16,1 0-16,-1-24 16,1-1-1,-1 1-15,-24 0 16,0-1-16,25 1 16,-25-1-1,-25 1-15,1 24 16,24-25-16,-25 25 15,1 0-15,-1 0 16,25 25-16,-24-25 0,24 24 16,0 1-1</inkml:trace>
+  <inkml:trace contextRef="#ctx0" brushRef="#br0" timeOffset="2390">1710 464 0,'24'0'62,"1"0"-46,-1 0 0,1 0-16,-1 0 15,1 0 1,-25-24-16,24 24 16,-24-25-16,0 1 15,0-1 1,-24 25-1,24-24-15,-25 24 0,1 0 16,-1 0 0,1 0-1,24 24-15,-25 1 16,25-1-16,0 1 16,0-1-16,0 1 15,25-1-15,-25 0 16,24 1-16,-24-1 15,25-24-15,-1 0 16,1 0-16</inkml:trace>
+  <inkml:trace contextRef="#ctx0" brushRef="#br0" timeOffset="3072">2028 391 0,'0'-25'0,"-25"1"16,25 0 0,0 48 15,25-24-31,-25 24 16,24 1-16,-24-1 15,24 1-15,-24-1 16,0 1-16,25-1 15,-25 0-15,0 1 16,0-50 47,0 1-63,0 0 15,0-1 1,0 1-16,0-1 0,0 1 15,0-1-15,24 1 16,-24 0-16,25 24 16,-25-25-16,24 25 0,1 0 15,-25 25-15,24-1 16,-24 0 0,0 1-16,0-1 15,0 1-15,0-1 16,0 1-16,0-1 15,0-48 17,0-1-17,0 1-15,24-1 16,-24 1 0,25-1-1,-1 1-15,1 0 0,-1-1 16,1 25-16,-1 0 15,0 25 1,-24-1-16,0 0 16,25 1-16,-25-1 0,0 1 15,0-1-15,0 1 16,0-1-16,0 0 16</inkml:trace>
+  <inkml:trace contextRef="#ctx0" brushRef="#br0" timeOffset="3646">2760 440 0,'0'-25'0,"25"1"16,-25-1-1,0 1 1,0 0 0,0-1-1,-25 25-15,25-24 16,-24 24-16,-1 24 16,1-24-1,24 25-15,-24-25 0,24 24 16,-25 0-16,25 1 15,-24-1-15,24 1 0,-25-1 16,25 1-16,0-1 16,25-24-1,-25 24-15,24-24 0,1 0 16,-1 0 0,0 0-16,-24-24 15,25 24-15,-25-24 0,24 24 16,-24-25-16,0 1 15,25 24-15,-25-25 0,0 1 16,0-1-16,24 1 16,-24 0-16,0-1 0,25 25 15,-25 25 17,0-1-32,0 25 15,24-25-15,-24 1 0,0-1 16,0 1-16,0-1 15,0 0-15,24-24 16,-24 25-16</inkml:trace>
+  <inkml:trace contextRef="#ctx0" brushRef="#br0" timeOffset="4087">3004 318 0,'0'-25'0,"-24"1"16,24 48 31,0 1-47,0-1 16,0 0-16,24-24 15,-24 25-15,0-1 16,25 1-16,-25-1 15,0 1 1,24-25-16,-24 24 16,0-48 15,0-1-15,0 1-1,25-1-15,-25 1 16,24 24-16,-24-25 0,25 1 15,-1 24-15,-24-24 16,24-1-16,1 25 0,-1 0 16,1 0-1,-25 25-15,24-1 16,-24 0-16,0 1 0,0-1 16,0 1-16,0-1 15,-24 1-15</inkml:trace>
+</inkml:ink>
+</file>
+
+<file path=ppt/ink/ink17.xml><?xml version="1.0" encoding="utf-8"?>
+<inkml:ink xmlns:inkml="http://www.w3.org/2003/InkML">
+  <inkml:definitions>
+    <inkml:context xml:id="ctx0">
+      <inkml:inkSource xml:id="inkSrc0">
+        <inkml:traceFormat>
+          <inkml:channel name="X" type="integer" max="1920" units="cm"/>
+          <inkml:channel name="Y" type="integer" max="1080" units="cm"/>
+          <inkml:channel name="T" type="integer" max="2.14748E9" units="dev"/>
+        </inkml:traceFormat>
+        <inkml:channelProperties>
+          <inkml:channelProperty channel="X" name="resolution" value="55.81395" units="1/cm"/>
+          <inkml:channelProperty channel="Y" name="resolution" value="55.6701" units="1/cm"/>
+          <inkml:channelProperty channel="T" name="resolution" value="1" units="1/dev"/>
+        </inkml:channelProperties>
+      </inkml:inkSource>
+      <inkml:timestamp xml:id="ts0" timeString="2020-11-08T01:55:42.092"/>
+    </inkml:context>
+    <inkml:brush xml:id="br0">
+      <inkml:brushProperty name="width" value="0.05" units="cm"/>
+      <inkml:brushProperty name="height" value="0.05" units="cm"/>
+      <inkml:brushProperty name="color" value="#ED1C24"/>
+      <inkml:brushProperty name="fitToCurve" value="1"/>
+    </inkml:brush>
+  </inkml:definitions>
+  <inkml:trace contextRef="#ctx0" brushRef="#br0">49 516 0,'-25'0'15,"25"-24"1,0 48 0,0 1-1,0-1 1,0 1-16,0-1 0,0 0 15,25 1-15,-25-1 16,0 1-16,0-1 0,0 1 16,0-1-16,0 0 15,0 1 1,0-50 15,0 1-15,0 0-16,0-1 0,-25 1 15,25-25-15,0 24 16,0-23-16,-24 23 0,24-24 16,0 25-16,0-1 15,0 1-15,24 0 0,-24-1 16,25 1-16,-1 24 0,1-25 16,-1 25-16,0 0 15,1 0-15,-1 0 0,25 0 16,-24 0-16,-1 25 15,0-1-15,1-24 0,-25 25 16,24-1-16,-24 0 0,0 25 16,-24-24-1,24-1-15,-25 1 0,1-1 16,24 0-16,-24 1 0,-1-1 16,1-24-16,24 25 15,-25-25-15,1 0 16,48-25-1,1 1 1,-1 24 0,1-25-16,-1 25 15,0 0-15,1 0 0,-1 0 16,-24 25-16,25-25 16,-1 24-16,-24 1 0,0-1 15,25-24-15,-25 25 0,0-1 16,0 0-16,-25-24 15,1 25-15,24-1 0,-25-24 16,1 0-16,-1 0 16,-23 25-16,23-25 0,1 0 15,-1 0-15,1-25 0,-1 25 16,1-24-16,24-1 16</inkml:trace>
+  <inkml:trace contextRef="#ctx0" brushRef="#br0" timeOffset="486">635 590 0,'0'-25'31,"-24"25"-15,24 25 15,0-1-15,0 0-16,0 1 0,0-1 15,0 1-15,0-1 16,0 1-16,24-1 0,-24 0 15,24 1-15,-24-1 16,25-24-16,-1 25 0,1-25 16,-1 0-16,0-25 15,1 1 1,-25-1-16,24 1 16,-24 0-16,0-1 15,0 1-15,0-1 0,0-24 16,0 25-16,0 0 15,0-1-15,-24 25 16,24 25 15,0-1-31</inkml:trace>
+  <inkml:trace contextRef="#ctx0" brushRef="#br0" timeOffset="785">977 541 0,'0'-25'16,"24"25"30,-24 25-46,0-1 16,0 1 0,25-1-16,-25 0 15,0 1-15,0-1 0,0 1 16,0-1 0,0 1-16,0-1 15</inkml:trace>
+  <inkml:trace contextRef="#ctx0" brushRef="#br0" timeOffset="972">1001 345 0,'0'-24'16,"-24"24"-16,-1 0 31,25 24 0</inkml:trace>
+  <inkml:trace contextRef="#ctx0" brushRef="#br0" timeOffset="1267">1172 394 0,'-24'0'16,"24"25"15,24-25-16,-24 24-15,0 0 16,0 1-16,25-1 0,-25 25 16,0-24-16,0-1 15,0 25-15,0-25 0,0 1 16,0 24-16,0-25 0,0 0 16,0 1-1,0-1-15</inkml:trace>
+  <inkml:trace contextRef="#ctx0" brushRef="#br0" timeOffset="1866">1636 663 0,'-24'0'0,"-1"0"16,25-25-16,0 1 16,-24 0-1,24-1 1,-24 25 0,-1 0-16,1 0 15,-1 25 1,1-25-16,24 24 0,-25-24 15,25 24-15,-24 1 0,24-1 16,0 1-16,0-1 16,24 1-16,1-1 15,-1 0 1,1-24-16,-1 0 16,1 0-16,23 0 15,-23-24-15,-1 0 16,1 24-16,-25-25 0,24 1 15,1-1-15,-25 1 0,0-1 16,24-23-16,-24 23 16,0 1-16,0-25 0,-24 24 15,24 1-15,-25 0 16,25-1-16,0 1 0,-24-1 16,24 50 15,0-1-31,0 1 0,0-1 15,24 25-15,-24-25 16,0 25-16,25-24 0,-25 23 16,0-23-16,24 24 0,-24-25 15,0 1-15,0-1 16,0 0-16</inkml:trace>
+  <inkml:trace contextRef="#ctx0" brushRef="#br0" timeOffset="2432">2149 516 0,'0'-24'0,"0"48"47,0 1-32,0-1-15,0 1 16,0-1-16,0 0 16,-24 1-16,24-1 0,-25 1 15,25-1-15,0 1 0,-24-1 16,24 0-1,0-48 17,0 0-17,0-1-15,0 1 0,24-1 16,-24 1-16,0-25 16,25 25-16,-25-25 0,0 0 15,0 24-15,24-23 0,-24 23 16,25 1-16,-25-1 15,24 1-15,0 24 0,1 24 16,-1 1 0,1-1-16,-25 25 15,24-25-15,1 1 16,-25 24-16,24-25 0,-24 25 16,24-25-16,-24 1 0,25 24 15,-25-25-15,0 1 16,0-1-16,0 0 15</inkml:trace>
+  <inkml:trace contextRef="#ctx0" brushRef="#br0" timeOffset="2617">2174 614 0,'-25'-24'0,"1"24"16,48 0 15,1 0-31,-25-25 16,48 25-16,-23 0 0,-1-24 15,1 24-15,24-25 16,-25 25-16,0 0 0</inkml:trace>
+  <inkml:trace contextRef="#ctx0" brushRef="#br0" timeOffset="3234">2833 565 0,'24'0'15,"-24"-24"1,-24-1-1,0 25 1,-1-24 0,1 24-16,-1 0 15,1 0-15,-1 0 0,1 0 16,0 0-16,-1 0 16,25 24-16,-24 1 0,-1-1 15,25 1-15,0-1 16,0 0-16,0 1 15,0-1-15,25-24 0,-1 25 16,-24-1-16,25-24 16,-1 0-16,-24 25 0,24-25 15,1 0-15,-1 0 0,1-25 16,-1 25-16,1-24 16,-1-1-16,0 1 15,1 24-15,-25-25 0,0 1 16,24 0-16,-24-1 15,0 1-15,0-25 16,0 24-16,0 1 0,0-25 16,0 25-16,0-25 0,0 24 15,-24 1-15,24 0 16,0 48 15,0 0-31,0 1 16,24-1-16,-24 1 0,0 24 15,25-25-15,-25 25 16,0-25-16,0 25 0,0-24 16,0-1-16,24 25 0,-24-25 15,0 1-15,0-1 16</inkml:trace>
+  <inkml:trace contextRef="#ctx0" brushRef="#br0" timeOffset="4340">3297 614 0,'24'0'0,"-24"-24"15,0-1-15,25 1 16,-25-1-1,0 1 1,0-1 0,-25 25-1,1-24-15,0 24 0,-1 0 16,1 0-16,-1 24 0,1-24 16,-1 25-16,1-25 15,24 24-15,-24 1 0,24-1 16,0 1-16,0-1 15,0 0-15,24 1 16,-24-1-16,24 1 0,1-25 16,-1 24-1,1-24-15,-1 0 16,1-24-16,-1-1 16,0 25-16,-24-24 15,25 24-15,-25-25 0,24 1 16,-24 0-1,0-1-15,0 1 16,0-1 0,0 50-1,25-1 1,-25 1 0,24-1-16,1 0 15,-1-24 1,-24 25-16,24-25 15,1 0 1,-1-25 0,-24 1-16,25 24 0,-25-24 15,0-1-15,24 25 0,-24-24 16,0-1-16,0 1 16,0-1-16,-24 1 0,24-25 15,0 25-15,-25-1 16,25 1-16,-24 24 15,24-24-15,0 48 16,0 0 0,24 1-16,-24-1 15,0 1-15,0 23 0,25 1 16,-25-24-16,24 24 0,-24-1 16,0 1-16,25 0 15,-25-24-15,0 23 0,0-23 16,0 24-16,24-25 0,-24 0 15,0 1-15,0-1 16,0 1-16,0-1 16,0-48-1,0-1 1,0 1-16,0-1 16,0 1-16,-24-25 15,24 25-15,0-25 0,0 25 16,-25-25-16,25 24 0,0-24 15,0 25-15,25 0 16,-25-1-16,24 1 0,0 24 16,-24-25-1,25 25-15,-1 0 0,-24 25 16,25-25-16,-1 24 0,1 1 16,-25-1-1,0 0 1,-25 1-1,1-25-15,-1 0 16,1 0-16,-1 0 16,1-25-1</inkml:trace>
+  <inkml:trace contextRef="#ctx0" brushRef="#br0" timeOffset="4626">4005 345 0,'0'-24'0,"-24"0"16,24 48 15,0 0-15,0 1-16,0 24 15,24-25-15,-24 0 0,0 1 16,25 24-16,-25-25 16,0 1-16,24 23 0,-24-23 15,0-1-15,0 1 16,0-1-16,0 1 16</inkml:trace>
+  <inkml:trace contextRef="#ctx0" brushRef="#br0" timeOffset="5208">4030 614 0,'-25'-24'15,"25"-1"1,-24 25-16,24-24 16,24 24-1,1 0 1,-1 0-16,1 0 0,-25-25 15,48 25-15,-23 0 16,-1 0-16,1-24 0,-1 24 16,1 0-16,-1 0 0,0-25 15,1 25 1,-50 0 31,1 0-16,24 25-31,0-1 16,0 1-16,0-1 15,0 1-15,24-1 0,-24 0 16,25-24-16,-1 25 0,-24-1 16,25 1-16,-1-25 15,1 0-15,23 24 0,-23-24 16,-1 0-16,1-24 15,-1 24-15,0-25 0,1 1 16,-25-1-16,0 1 16,-25 0-1,1-1-15,24 1 0,-24-1 16,-1 25-16,1-24 16,-1 24-16,1 0 0,0-25 15,-1 25-15,1 0 0,24 25 31,0-1-15</inkml:trace>
+  <inkml:trace contextRef="#ctx0" brushRef="#br0" timeOffset="5598">4616 492 0,'24'0'47,"-24"-25"-31,25 25-16,-1 0 16,1 25-16,-1-25 15,0 24-15,1 1 16,-1-1-16,1-24 0,-1 25 15,-24-1-15,25 0 16,-25 1-16,0-1 16,-25-24-16,1 0 15,-1 0 1,1 0-16,24-24 16,-25 24-16,25-25 0,0 1 15,25 0 1,-25-1-16,24 1 0,1-1 15,-1 1-15,1-1 16,-1 1-16,0 24 16,1 0-16,-25-24 15</inkml:trace>
+  <inkml:trace contextRef="#ctx0" brushRef="#br0" timeOffset="5874">5300 492 0,'-25'24'16,"50"-24"15,-1 0-16,1 0-15,-1 0 16,0 0-16,1 0 0,-1 0 16,1 0-1,-1 0-15,-24-24 32</inkml:trace>
+  <inkml:trace contextRef="#ctx0" brushRef="#br0" timeOffset="6389">5788 297 0,'-24'-25'15,"-1"25"1,50 0 15,-1 0-15,1 0-16,23-24 15,-23 24-15,24 0 16,0 0-16,-1-25 0,1 25 16,0 0-16,0 0 0,-25-24 15,25 24-15,-24 0 16,-1 0-16</inkml:trace>
+  <inkml:trace contextRef="#ctx0" brushRef="#br0" timeOffset="6624">6057 199 0,'-25'0'15,"1"0"-15,24 24 16,0 1 15,0-1-31,24-24 16,-24 49-16,25-25 15,-25 1-15,0 24 0,24-25 16,-24 25-16,25-25 0,-25 25 16,0-24-16,0-1 15,24 0-15,-24 1 0,0-1 16,0 1 0</inkml:trace>
+  <inkml:trace contextRef="#ctx0" brushRef="#br0" timeOffset="7038">6252 516 0,'0'-24'16,"0"-1"-1,25 25 16,-1 0-31,1 25 16,-1-25-16,-24 24 16,24-24-16,1 25 0,-1-1 15,1 1-15,-25-1 16,24 0-16,-24 1 0,0-1 16,0 1-16,-24-25 15,-1 0 1,1 0-1,-1-25 1,25 1-16,0-1 16,0 1-16,0 0 0,25-1 15,-1 1-15,1-1 16,-25 1-16,24-1 0,0 1 16,1 24-16,-1-24 15,1 24 1,-25 24-16</inkml:trace>
+  <inkml:trace contextRef="#ctx0" brushRef="#br0" timeOffset="7476">6594 492 0,'0'-25'15,"25"25"1,-25 25 15,24-25-31,-24 24 16,0 1-16,0-1 0,24 1 16,-24-1-16,0 0 15,25 1-15,-25-1 16,0 1-16,24-25 15,-24 24-15,25-24 0,-1 25 16,1-25 0,-1-25-16,-24 1 15,24 24-15,-24-25 0,25 1 16,-25-1-16,24 1 16,-24 0-16,0-1 15,0 1-15,-24-1 0,24 1 16,0-1-1,-25 25-15,25-24 16</inkml:trace>
+  <inkml:trace contextRef="#ctx0" brushRef="#br0" timeOffset="7968">7302 541 0,'0'-25'15,"-24"25"1,24-24-16,-24-1 31,-1 25-31,25-24 16,-24 24-16,-1 0 0,1 0 15,-1 24 1,1-24-16,0 25 16,24-1-16,0 1 15,0-1 1,0 1-16,24-25 15,-24 24-15,24-24 16,1 0-16,-1 24 0,1-24 16,-1 25-16,1-25 0,-1 0 15,0 0-15,-24 24 16,25-24-16,-25 25 16,-25-25-1,1 24 1,0-24-16,-25 0 0,24 0 15,1 0-15,-25 0 16,25 25-16,-1-25 0,1 0 16,-1 0-1,25-25-15</inkml:trace>
+  <inkml:trace contextRef="#ctx0" brushRef="#br0" timeOffset="8269">7522 321 0,'0'-24'16,"-24"24"0,24 24-1,0 0 1,0 1-1,24-1-15,-24 1 0,0-1 16,25 25-16,-25-25 0,0 1 16,0 24-16,0-25 15,0 0-15,24 1 0,-24 24 16,0-25 0,0 1-16</inkml:trace>
+  <inkml:trace contextRef="#ctx0" brushRef="#br0" timeOffset="8461">7473 614 0,'0'-24'0,"-24"24"16,24-25-16,24 25 15,1-24 1,-1 24-16,1 0 15,-1 0-15,0-25 0,25 25 16,-24 0-16,-1 0 16,1-24-16,-1 24 0</inkml:trace>
+  <inkml:trace contextRef="#ctx0" brushRef="#br0" timeOffset="9241">8157 443 0,'-24'0'0,"24"24"16,-25-24-16,25 25 31,25-1-31,-25 1 16,0-1-16,0 25 15,24-25-15,-24 1 0,0 24 16,0-25-16,0 1 0,0-1 16,0 0-16,0 1 15,0-1-15,0-48 31,0-1-31,0 1 16,0 0-16,0-1 0,0-24 16,0 25-16,0-25 15,0 0-15,0 0 0,0 0 16,0-24-16,25 24 16,-25 0-16,24-24 0,-24 24 15,24 1-15,1-1 0,-1 24 16,1 1-16,24-1 15,-25 25-15,0 0 0,1 25 16,24-1-16,-25 1 16,1-1-16,-25 25 0,24 0 15,-24 0-15,24-1 0,-24 1 16,0-24-16,-24 24 16,0-1-16,-1-23 0,1-1 15,-25 25-15,0-24 16,0-25-16,25 24 0,-25 0 15,24-24-15,-23 0 0,23 0 16,25-24 0,0 0-1,0-1 1,25 25-16,-1 0 16,0 0-16,1 0 15,-1 25-15,1-25 16,-1 24-16,1 0 0,-1 1 15,0-1-15,1 1 0,-25-1 16,24 1-16,1-1 16,-1-24-16,1 24 0,-1 1 15,0-25 1</inkml:trace>
+  <inkml:trace contextRef="#ctx0" brushRef="#br0" timeOffset="9691">8670 614 0,'0'-24'0,"25"24"93,-1 0-93,0-25 16,1 25-16,-1 0 16,-24-24-1,25 24-15,-25-25 16,0 1 0,0-1-1,-25 25-15,1-24 16,-1 24-1,1 0-15,0 0 16,24 24-16,-25-24 0,25 25 16,0-1-16,-24 1 15,24-1-15,0 1 0,0-1 16,24 0-16,-24 1 16,25-1-16,-25 1 0,24-1 15,0 1-15,1-25 0,-1 24 16,1-24-1,-1 0-15,1-24 0,-1-1 16,-24 1-16</inkml:trace>
+  <inkml:trace contextRef="#ctx0" brushRef="#br0" timeOffset="9889">8939 443 0,'-25'-49'0,"25"25"15,0-1-15,0 1 0,-24-1 16,24 1-1,-25 48 1,25 1 0,0-1-16,0 1 0,0-1 15,0 25-15,25-25 0,-25 25 16,0 0-16,0-24 16,24 23-16,-24-23 0,0-1 15</inkml:trace>
+  <inkml:trace contextRef="#ctx0" brushRef="#br0" timeOffset="10682">9232 687 0,'0'-24'15,"0"-1"1,24 1-16,-24 0 16,-24-1-1,-1 25-15,25-24 16,-24 24-16,0-25 0,-1 25 16,1 0-1,24 25-15,-25-25 16,25 24-16,-24 1 0,24-1 15,0 0 1,0 1-16,0-1 0,24 1 16,-24-1-1,25-24-15,-25 25 0,24-25 16,1 0-16,-1 0 16,0 0-16,1 0 15,-1 0-15,1-25 16,-1 1-1,-24-1-15,25 1 16,-25-1-16,0 1 0,0 0 16,0-1-1,-25 25-15,25 25 32,25-1-17,-25 0 1,24-24-16,-24 25 15,24-1-15,1-24 16,-1 25 0,1-25-16,-1-25 15,0 1 1,-24-1 0,0 1-16,0 0 0,0-1 15,0 1-15,0-1 0,-24-24 16,24 25-16,0 0 15,-24-1-15,24 1 0,0-1 16,0 50 15,0-1-31,0 1 16,0-1-16,0 0 0,0 25 16,0-24-16,24 24 0,-24-25 15,24 25-15,-24-25 16,0 1-16,25-1 0,-25 1 15,0-1 1</inkml:trace>
+  <inkml:trace contextRef="#ctx0" brushRef="#br0" timeOffset="11047">9427 638 0,'0'-24'0,"0"0"31,25 24-15,-1 0-16,1 0 16,-1-25-16,0 25 15,1 0 1,-1 0-16,1-24 0,-1 24 16,-24-25-1,24 25-15,-24-24 16,0 48 46,25-24-62,-25 25 0,0-1 16,0 1-16,24-1 0,-24 0 16,25 1-1,-25-1-15,0 1 0,24-1 16</inkml:trace>
+  <inkml:trace contextRef="#ctx0" brushRef="#br0" timeOffset="11239">9769 297 0,'0'24'31,"0"0"-15</inkml:trace>
+  <inkml:trace contextRef="#ctx0" brushRef="#br0" timeOffset="12493">9989 467 0,'-24'0'16,"-1"0"-1,1 0 1,24 25-1,0-1 1,0 1-16,0-1 16,0 1-16,0-1 0,0 0 15,24 1-15,1-1 16,-1 1-16,0-1 16,1-24-16,-1 0 15,1 0 1,-25-24-16,24 24 0,-24-25 15,25 25-15,-25-24 16,0-1-16,0 1 0,0 0 16,0-1-16,-25-24 15,1 25-15,24-1 0,-25 25 16,1-24-16,-1 0 0,1 24 16,0 0-1,-1 24-15,25 0 16,0 1-16,0-1 15,0 1 1,25-25-16,-25 24 0,24 1 16,0-25-1,1 0 1,-1 0-16,1-25 16,-1 25-1,-24-24-15,25-1 31,-1 1-31,-24-1 16,24 25-16,-24-24 0,25 24 16,-1 0-1,-24 24 1,0 1 0,0-1-16,25 1 0,-25-1 15,24 1-15,-24-1 16,0 0-1,24-24 1,1-24 15,-25 0-15,24 24-16,-24-25 16,0 1-16,25 24 0,-25-25 15,24 1-15,1 24 16,-1 0-1,-24 24 1,0 1-16,24-1 16,-24 1-16,0-1 15,0 0-15,25 1 16,-25-1 0,24-24-16,1 0 31,-25-24-31,24 24 0,-24-25 15,25 25-15,-1-24 0,-24 0 16,24-1-16,1 1 16,-25-1-16,24 1 0,-24-1 15,25 1-15,-25 0 16,0-1-16,-25 1 16,1 24-16,-1 0 15,1 24 1,0 1-16,-1-1 15,25 0 1,25-24-16,-1 25 16,0-1-16,1-24 15,-1 25-15,1-25 16,-1 24-16,0 1 16,1-1-1,-25 0-15,0 1 16,0-1-16,-25-24 15,25 25-15,-24-25 16,0 24-16,-1-24 16,1 0-16,-1 0 15,1 0-15,24-24 16,-24 24-16,24-25 16</inkml:trace>
+  <inkml:trace contextRef="#ctx0" brushRef="#br0" timeOffset="13201">10746 296 0,'0'-24'0,"0"0"15,0-1 1,0 50 0,0-1-16,0 0 15,0 1-15,0-1 16,0 25-16,0-24 15,24-1-15,-24 25 0,25-25 16,-25 1-16,24 24 16,-24-25-16,0 0 0,25 1 15,-25-1-15,0 1 0,0-1 16,0 1 0,-25-25-1,25-25 1,0 1-1,0-1 1,25 1-16,-25-1 16,24 1-16,1 24 0,-25-24 15,24-1-15,0 25 16,1-24-16,-1 24 16,1 0-16,-25 24 0,24-24 15,-24 25-15,0-1 16,25 0-16,-25 1 15,24-1 1,-24 1-16,24-1 16,1-24-1,-1 0 1,1 0 0,-25-24-16,24-25 15,-24 24 1,0 1-16,0 0 15,0-1 1,0 1-16,0-1 0,0 1 16,0 48 15,25 1-31,-25-1 16,0 1-16,0-1 15,24 0-15,0 1 16,-24-1-16,0 1 0,25-25 15,-25 24 1,24-24 0</inkml:trace>
+  <inkml:trace contextRef="#ctx0" brushRef="#br0" timeOffset="13380">11283 370 0,'0'-25'0,"-24"25"0,24 25 47</inkml:trace>
+  <inkml:trace contextRef="#ctx0" brushRef="#br0" timeOffset="14053">11405 321 0,'-24'0'0,"0"-24"15,24-1 1,0 50 0,0-1-1,0 0-15,0 1 16,24-1-16,-24 25 0,0-25 16,0 25-16,24 0 0,-24-24 15,0 23-15,0 1 16,0-24-16,0 24 0,0-25 15,0 25-15,0-25 16,0 1-16,0-1 0,0 25 16,0-25-16,0 1 15,0-1-15,0 1 16,0-1 0,25-24-16,-25-24 15,0-1 1,24 1-16,-24-1 15,0 1-15,0-1 16,0 1-16,0 0 0,0-25 16,0 24-16,0-23 0,-24-1 15,24 24-15,0-24 16,0 25-16,0-25 0,0 25 16,0-1-16,0 1 15,24 24-15,1-25 16,-1 25-1,1 25-15,23-1 0,-23-24 16,-1 25-16,1-1 0,-1 1 16,1-1-16,-1 0 15,-24 1-15,0-1 16,-24-24-16,24 25 0,-25-25 16,1 0-16,-1 0 15,-24 0-15,25 0 0,0 0 16,-1 0-16,1 0 15,-1-25-15,1 25 0</inkml:trace>
+  <inkml:trace contextRef="#ctx0" brushRef="#br0" timeOffset="23978">562 1322 0,'-25'0'16,"25"25"93,0-1-109,0 1 16,0-1 0,0 0-16,25 1 0,-25-1 15,0 1-15,0-1 0,0 0 16,0 1-16,0-1 15,0 1-15,0-1 16,0 1 0,24-25-16,-24 24 15</inkml:trace>
+  <inkml:trace contextRef="#ctx0" brushRef="#br0" timeOffset="24513">586 1518 0,'24'0'47,"1"0"-31,-1 0-16,1 0 15,-1 0-15,1-25 16,-1 25-16,0 0 0,1 0 16,-25-24-16,24 24 0,1 0 15,-1 0 1,-24-25-16,0 1 31,0 0-15,-24 24-16,-1-25 31,25 50 47,0-1-78,0 0 16,0 1-16,0-1 15,0 1-15,25-1 0,-25 1 16,0-1-16,0 0 16,0 1-16,0-1 15,24-24-15,-24 25 0,0-1 16,25-24 0</inkml:trace>
+  <inkml:trace contextRef="#ctx0" brushRef="#br0" timeOffset="24829">1075 1420 0,'0'-24'16,"0"-1"15,0 50-15,0-1-1,0 0-15,0 1 0,0-1 16,0 1-16,0-1 16,0 1-16,0-1 15,0 0-15,0 1 16,0-1-16,0 1 15</inkml:trace>
+  <inkml:trace contextRef="#ctx0" brushRef="#br0" timeOffset="25194">1001 1420 0,'0'-24'16,"0"-1"-16,0 1 15,0-1 1,25 25-16,-1 0 16,1 0-16,-1 0 15,0 0-15,1 0 16,24 0-16,-25 25 0,0-25 15,1 24-15,-1 1 16,1-1-16,-25 0 0,24 1 16,-24-1-16,0 1 0,0-1 15,0 0-15,-24 1 16,24-1-16,-25 1 0,1-25 16,-1 24-16,1-24 15,0 0-15,-1 25 0,1-25 16,-25 0-16,25 0 0,-1 0 15,1 0 1</inkml:trace>
+  <inkml:trace contextRef="#ctx0" brushRef="#br0" timeOffset="25561">1539 1298 0,'0'24'31,"0"1"-15,-25-25-16,25 24 16,0 1-16,-24-1 15,24 0-15,0 1 0,0-1 16,0 25-16,0-25 16,0 1-16,0-1 0,0 1 15,24-1-15,-24 1 16,25-1-1</inkml:trace>
+  <inkml:trace contextRef="#ctx0" brushRef="#br0" timeOffset="26017">2051 1322 0,'0'-24'31,"-24"24"-15,0 0-16,-1 0 16,1 24-1,-1-24-15,1 25 0,-1-1 16,1-24-16,0 25 0,24-1 15,-25 25-15,25-25 16,-24 1-16,24-1 0,0 1 16,24-1-16,1 0 15,-25 1-15,24-25 0,0 24 16,1-24-16,24 0 0,-25 0 16,1 0-16,-1 0 15,25-24-15</inkml:trace>
+  <inkml:trace contextRef="#ctx0" brushRef="#br0" timeOffset="26453">2271 1469 0,'0'-25'16,"-24"25"-1,24-24 1,-25 24 0,25 24-1,-24 1 1,24-1 0,0 1-16,-24-1 15,24 0-15,0 1 16,24-1-16,0 1 15,1-25 1,-1 0-16,1 0 16,-1-25-16,1 25 15,-25-24-15,24-1 16,-24 1 0,0 0-16,-24-1 15,-1 1 1,1-1-16,-1 25 15</inkml:trace>
+  <inkml:trace contextRef="#ctx0" brushRef="#br0" timeOffset="26952">2442 1396 0,'-24'0'31,"24"-25"-15,24 1 15,1 24-31,-1 0 16,-24 24-16,25-24 15,-1 25 1,-24-1-16,0 0 0,24-24 16,-24 25-16,0-1 15,0 1-15,25-1 16,-25 0-16,-25-24 31,1 0 0,24-24-31,0 0 16,24-1-16,-24 1 16,25 24-16,-1-25 15,-24 1-15,25 24 0,-1-24 16,0 24-16,-24-25 0,25 25 16,-1 0-16,-24 25 15,25-1-15,-25 0 16,0 1-1,24-1-15,-24 1 16,0-1-16,0 0 16</inkml:trace>
+  <inkml:trace contextRef="#ctx0" brushRef="#br0" timeOffset="27475">3175 1322 0,'0'-24'16,"-24"-1"0,-1 25 15,25 25 0,-24-25-31,24 24 0,-25-24 16,25 25-16,-24-1 0,-1-24 15,1 25-15,0-1 16,-1 0-16,1 1 16,48-25 31,1 0-32,-1 0-15,0 24 16,1 1-16,-1-25 15,1 0-15,-1 24 16,1 1-16,-1-25 16,-24 24-16,24-24 15</inkml:trace>
+  <inkml:trace contextRef="#ctx0" brushRef="#br0" timeOffset="27877">3077 1444 0,'-24'0'16,"24"-24"15,24 24-16,1 0 1,-1 0-16,0 0 16,1 0-16,24 0 15,-25 0-15,25 0 0,0 0 16,0 0-16,0 0 16,-1 0-16,1 0 0,0 0 15,0 0-15,0 0 16,0 0-16,0 0 0,-25 0 15,0-24-15,1 24 0,-1 0 16,-48 0 31,-1 0-31</inkml:trace>
+  <inkml:trace contextRef="#ctx0" brushRef="#br0" timeOffset="28234">3737 1249 0,'-25'0'16,"50"0"15,-1 0-31,1 0 16,-1 0-16,0 0 0,1 24 15,-1-24-15,1 25 16,-1-25-16,0 24 0,1-24 16,-1 25-16,1-1 15,-25 1-15,0-1 16,0 0-16,-25 1 15,1-1 1,-1-24-16,1 25 0,0-25 16,-1 24-16,1-24 15,24 25-15,-25-25 16</inkml:trace>
+  <inkml:trace contextRef="#ctx0" brushRef="#br0" timeOffset="28865">4567 1176 0,'0'-25'16,"24"25"-16,-48 0 31,0-24-16,-1 24 1,1 0-16,-1 0 16,1 0-16,-1 24 0,1-24 15,0 0-15,-1 25 0,1-1 16,-1 1 0,25-1-16,0 0 15,0 1 1,0-1-16,25 1 15,-1-1 1,1-24-16,-1 25 0,0-25 16,1 24-16,-1-24 0,1 24 15,-1-24-15,1 25 16,-1-1-16,-24 1 16,24-25-1,-24 24-15,0 1 0,-24-25 16,24 24-16,-24-24 0,-1 0 15,1 24-15,-1-24 16,1 0-16,-1 25 0,1-25 16,-25 0-16,25 0 0,-1-25 15,25 1 1</inkml:trace>
+  <inkml:trace contextRef="#ctx0" brushRef="#br0" timeOffset="29446">4714 1298 0,'0'24'47,"24"-24"-47,-24 25 15,0-1-15,24 1 0,-24-1 16,0 0 0,0 1-16,0-1 0,0 1 15,0-1-15,-24-24 16,24 25-16,-24-25 15,24 24 1,0-48 0,0-1-1,0 1-15,0-1 16,0 1 0,0-1-16,0-23 0,24 23 15,-24 1-15,0-1 0,24 25 16,-24-24-16,0-1 15,25 1-15,-1 24 16,1 0 0,-1 0-16,-24 24 15,25-24-15,-25 25 16,24-1-16,-24 1 16,0-1-16,0 1 0,24-1 15,-24 0-15,25 1 16,-25-1-16,24 1 0,-24-1 15,25 1 1,-25-1-16</inkml:trace>
+  <inkml:trace contextRef="#ctx0" brushRef="#br0" timeOffset="29667">4762 1469 0,'-24'0'16,"48"0"-1,1 0 1,-1 0-16,1 0 0,-1 0 16,1 0-16,-1 0 15,0 0-15,1-25 0,-1 25 16,1 0-1</inkml:trace>
+  <inkml:trace contextRef="#ctx0" brushRef="#br0" timeOffset="30097">5324 1273 0,'25'0'0,"-25"-24"16,-25 24-1,1 0 1,-1 24 0,1 1-16,-1-1 15,1 1-15,24-1 0,-24 1 16,24-1-16,0 0 16,0 1-16,24 24 0,0-25 15,1 1 1,-1-1-16,25-24 0,-24 0 15,23 24-15,-23-24 0,24 0 16,-25 0-16,25-24 16,-25 24-16,1 0 0,-25-24 15</inkml:trace>
+  <inkml:trace contextRef="#ctx0" brushRef="#br0" timeOffset="55468">4225 1884 0,'0'-24'0,"0"-1"62,0 50-30,0-1-17,25 0 1,-25 1-16,24-25 0,-24 24 15,24 1 1,-24-1-16,25-24 16,-25 25-16</inkml:trace>
+  <inkml:trace contextRef="#ctx0" brushRef="#br0" timeOffset="55721">4445 1908 0,'0'-24'15,"0"48"32,24-24-31,-24 25-1,0-1-15,0 1 16,25-25 0,-25 24-16</inkml:trace>
+  <inkml:trace contextRef="#ctx0" brushRef="#br0" timeOffset="56513">4860 2031 0,'0'-25'15,"0"1"1,0-1 0,-24 25-1,-1 0 1,1 0-16,-1 0 15,1 0 1,0 25-16,-1-1 16,25 1-16,-24-1 0,24 0 15,0 1 1,24-1-16,1 1 16,-1-25-1,0 0 1,1 0-16,-1 0 15,-24-25 1,25 25-16,-25-24 0,0-1 16,0 1-1,0 0 1,0-1-16,0 50 31,24-1-31,-24 0 16,0 1-16,0-1 15,25 1-15,-25-1 0,0 0 16,0 25-16,24-24 0,-24 24 16,0-25-16,0 0 15,0 1-15,0-1 0,0 1 16,0-1-16,-24-24 16,24 25-16,-25-25 0,1 0 15,-1 0-15,1-25 0,-25 1 16,25 24-1,-1-25-15,1 1 0,24-1 16,0 1-16,0 0 16,0-1-16,0 1 15,24 24-15,1 0 16,-1-25-16,0 25 16,1 0-16,-1 0 0,1-24 15</inkml:trace>
+  <inkml:trace contextRef="#ctx0" brushRef="#br0" timeOffset="56998">4982 2104 0,'-24'0'15,"48"0"17,1 0-17,-1 0 1,0 0 0,1 0-1,-1 0-15,1-25 16,-25 1 15,0 0-15,-25 24-1,1 0-15,24-25 16,-25 25-16,1 0 16,0 0-1,24 25-15,-25-25 16,25 24-16,0 0 15,0 1 1,0-1-16,25 1 16,-1-1-1,0-24-15,1 24 16,-1-24-16</inkml:trace>
+  <inkml:trace contextRef="#ctx0" brushRef="#br0" timeOffset="57472">5226 2031 0,'0'-25'16,"25"25"-16,-25-24 16,0 48 30,0 1-46,0-1 16,24 0 0,-24 1-16,0-1 15,0 1-15,0-1 16,25-24 0,-25-24 30,-25 24-46,25-25 16,0 1-16,0-1 16,0 1-16,25 0 15,-1-1-15,1 1 16,-1 24 0,0 0-16,1 0 15,-25 24 1,24-24-16,-24 25 0,25-25 15,-25 24-15,24 0 0,-24 1 16,0-1 0,0 1-16</inkml:trace>
+  <inkml:trace contextRef="#ctx0" brushRef="#br0" timeOffset="57960">5642 2006 0,'-25'0'15,"25"25"-15,0-1 47,25-24-31,-1 0-1,0 0 1,1 0-16,-1 0 16,1-24-1,-1 24 1,-24-25-1,-24 1 1,-1 24-16,1-25 16,-1 25-1,1 0 1,24 25 0,0-1-16,0 1 15,0-1-15,0 0 16,24-24-16,-24 25 15,25-1-15,-1 1 16,1-25 0,-1 0-16</inkml:trace>
+  <inkml:trace contextRef="#ctx0" brushRef="#br0" timeOffset="58349">5886 1957 0,'0'-24'16,"0"-1"-1,24 25 17,1 25-32,-1-25 15,-24 24-15,25 1 16,-1-1-16,0 1 15,-24-1-15,25 0 0,-25 1 16,0-1-16,24 1 16,-24-1-1,-24-24 1,24-24 0,-25-1-1,25 1-15,0-1 16,0 1-16,0 0 0,25-1 15,-25 1 1,24-1-16,1 1 16,-1 24-1</inkml:trace>
+  <inkml:trace contextRef="#ctx0" brushRef="#br0" timeOffset="59164">6374 1933 0,'0'-25'78,"-24"25"-62,0 0-1,-1 0-15,1 0 16,-1 0-16,1 25 16,24-1-1,-25-24-15,25 25 0,0-1 16,0 1-1,0-1-15,0 0 16,25-24 0,-25 25-16,24-25 15,1 24-15,-1-24 32,1-24-32,-25-1 15,24 25 1,-24-24-16,24 24 0,-24-24 15,0-1-15,0 1 32,0 48-1,25 1-31,-25-1 16,24 0-1,-24 1 1,25-25-16,-25 24 0,24-24 15,0 0-15,1 0 16,24-24 15,-49-1-31,24 1 16,-24 0-16,0-1 16,0 1-16,0-25 0,-24 24 15,24 1-15,-25 0 16,25-1-16,-24 1 0,24-1 15,-25 1-15,25-1 16,0 50 0,0-1-1,0 1-15,25-1 16,-25 1-16,24 23 0,-24-23 16,25-1-16,-25 1 15,24 24-15,-24-25 0,25-24 16,-25 24-16,0 1 0</inkml:trace>
+  <inkml:trace contextRef="#ctx0" brushRef="#br0" timeOffset="59752">6545 1957 0,'25'0'62,"-1"0"-46,1 0-16,-1 0 16,0 0-16,1 0 0,-1-24 15,1 24-15,-1 0 0,1 0 16,-1 0-16,0 0 15,-24-25 1,-24 25 47,0 25-48,24-1 1,-25 1-16,25-1 0,0 1 15,0-1-15,25 0 16,-25 1-16,24-1 16,0 1-1,1-25 1,-1 0 0,-24-25-16,25 1 15,-25-1-15,0 1 16,0 0-16,0-1 15,0 1-15,0-1 0,-25 25 16,25-24-16,-24 24 16,24-25-16,-25 25 15,25 25 1,-24-25-16,24 24 16</inkml:trace>
+  <inkml:trace contextRef="#ctx0" brushRef="#br0" timeOffset="60226">6986 1957 0,'-25'0'15,"25"-24"1,25 24 0,-1 0-1,1 0 1,-1 24-16,1-24 16,-25 25-16,24-1 0,0 1 15,1-25-15,-25 24 0,24 0 16,-24 1-16,0-1 15,0 1-15,-24-25 16,-1 0 15,25-25-31,-24 25 16,24-24-16,0-1 16,24 1-16,-24 0 15,25 24-15,-25-25 0,24 1 16,1-1-16,-1 1 15,1-1-15,-1 1 0,0 0 16,1 24 0,-25 24-1,0 0-15</inkml:trace>
+  <inkml:trace contextRef="#ctx0" brushRef="#br0" timeOffset="60700">7571 2031 0,'-24'0'0,"48"0"63,0 0-48,1 0-15,-1 0 16,1 0-16,-1 0 15,1 0 1,-1 0-16,0 0 16,1 0 15,-50 0 63</inkml:trace>
+  <inkml:trace contextRef="#ctx0" brushRef="#br0" timeOffset="62350">8670 1786 0,'0'25'63,"0"-1"-63,0 1 15,0-1-15,0 0 16,0 1-16,0-1 15,0 1-15,-24-1 16,24 1 0,0-1-1,24-24 17,-24-24-17,25 24-15,-25-25 16,24 25-1,-24-24-15,0-1 16,0 1 0,0-1-1,0 1 1,0 0 0,0-1-16,0 1 15,0-1 1,-24 1-1,-1 24 1,1 0-16,-1 0 16,1 0-16,24 24 15,-25-24-15,1 25 16,24-1 0,-24-24-16,24 25 0,0-1 15,0 0-15,-25 1 16,25-1-16,0 1 0,0-1 15,0 1-15,0-1 16,0 0-16,25-24 16,-25 25-16,24-25 0,-24 24 15,24-24-15,1 0 16,-1 0 0,1 0-16,-1-24 15,1 24-15,-25-25 16,24 25-16,-24-24 15,0 0 1,0-1-16,0 1 16,0-1-1,24 1-15,-24-1 16,25 25-16,-1 25 31,-24-1-15,0 1-1,0-1-15,25 1 0,-25-1 16,0 0-16,0 1 16,24-25-16,-24 24 15</inkml:trace>
+  <inkml:trace contextRef="#ctx0" brushRef="#br0" timeOffset="62848">8890 1860 0,'0'-25'0,"-25"25"16,50 0 15,-1 25-16,-24-1-15,25 0 16,-1 1-16,-24-1 16,25 1-16,-25-1 0,24 1 15,-24-1-15,24 0 16,-24 1-16,25-1 16,-50-24 15,1 0-31,24-24 15,-24 24-15,24-25 0,-25 1 16,25 0 0,0-1-16,0 1 15,25-1-15,-25 1 16,24-1-16,0 25 0,1-24 16,-1 24-16,1 0 15,-1 0-15,1 0 16,-25 24-16,24 1 0,-24-1 15,0 1-15,0-1 16,0 1-16,0-1 16,0 0-16,0 1 15</inkml:trace>
+  <inkml:trace contextRef="#ctx0" brushRef="#br0" timeOffset="63294">9378 1835 0,'-24'25'15,"24"-1"1,0 0-1,0 1 1,0-1-16,0 1 16,0-1-16,24-24 15,-24 25-15,25-25 0,-25 24 16,24-24-16,1 24 16,-1-24-16,0 25 15,1-25-15,-25-25 16,24 25-1,-24-24-15,0 0 16,0-1-16,25 1 16,-25-1-16,0 1 15,0-1-15,0 1 0,0 0 16,-25-1 0</inkml:trace>
+  <inkml:trace contextRef="#ctx0" brushRef="#br0" timeOffset="63839">9671 1737 0,'0'-24'16,"0"0"-16,25 24 31,-25 24-15,0 0 0,24 1-16,-24-1 0,0 25 15,0-24-15,0-1 16,0 25-16,25-25 0,-25 1 15,0-1-15,0 1 16,0-1-16,0 0 0,0 1 16,0-1-1,0 1 1,0-50 15,0 1-31,0-1 16,24 25-1,-24-24-15,25 0 0,-1-1 16,0 25-16,-24-24 16,25 24-16,-1 0 15,1 24 1,-25 1-16,24-1 16,-24 0-1,0 1 1,-24-25-16,-1 0 15,1 0-15,-1 0 16,-23 0-16,23 0 0,1-25 16,-1 25-16,1-24 15</inkml:trace>
+  <inkml:trace contextRef="#ctx0" brushRef="#br0" timeOffset="64349">10013 1664 0,'0'25'32,"0"-1"-32,0 0 15,0 1-15,0-1 16,0 1-16,0 24 15,0-25-15,0 0 0,0 1 16,25-1-16,-25 25 16,0-24-16,0-1 0,0 0 15,24 1-15,-24-1 0,0 1 16,0-1 0,-24-48 30,24-1-30,0 1-16,24-1 16,-24 1-16,25 24 0,-25-24 15,24-1-15,-24 1 16,24 24-16,1-25 0,-1 25 16,1 0-1,-1 0-15,1 0 16,-25 25-16,24-25 0,-24 24 15,24 1 1,-24-1-16,0 0 16</inkml:trace>
+  <inkml:trace contextRef="#ctx0" brushRef="#br0" timeOffset="64924">10624 1884 0,'-24'0'31,"24"-24"-15,-25 24-16,1 0 16,-1 0-1,1 0 17,24 24-32,0 0 0,-25-24 15,25 25-15,0-1 0,-24 1 16,24-1-16,0 1 15,0-1-15,0 0 16,24-24-16,1 25 16,-1-25-1,1 0 1,-25-25 0,0 1-16,24 24 15,-24-24-15,0-1 16,25 1-16,-25-1 15,0 1-15,24 24 0,-24-25 16,0 1 0,24 24-16,-24 24 15,0 1 1,0-1-16,0 1 0,0-1 16,25 1-16,-25-1 0,0 0 15,24 1 1,-24-1-16,25-24 15</inkml:trace>
+  <inkml:trace contextRef="#ctx0" brushRef="#br0" timeOffset="65464">10771 1884 0,'0'-24'31,"24"24"0,-24 24-31,24 0 16,-24 1-1,25-25-15,-25 24 0,24 1 16,-24-1-16,25 1 16,-25-1-16,0 0 0,24-24 15,-24 25-15,24-1 16,1-24-1,-25-24 17,0-1-17,24 1-15,-24 0 0,25-1 16,-25 1 0,0-1-16,24 1 0,-24-1 15,0 1-15,25 0 0,-25-1 16,24 1-1,0 24 17</inkml:trace>
+  <inkml:trace contextRef="#ctx0" brushRef="#br0" timeOffset="65795">11405 1957 0,'-24'0'16,"48"0"0,1 0-1,-25-24 1,24 24-16,1 0 0,-1 0 16,1 0-16,-1 0 15</inkml:trace>
+  <inkml:trace contextRef="#ctx0" brushRef="#br0" timeOffset="66725">11845 1860 0,'0'-25'16,"25"25"-16,-25-24 15,24 24 1,-24-25-1,0 1 32,-24 24-31,-1 0-16,1 0 16,-1 24-1,25 1 1,-24-25-16,24 24 0,0 1 15,-25-25 1,25 24-16,0 0 16,25-24-16,-25 25 0,24-25 15,1 24-15,-1-24 16,1 0-16,-25 25 0,24-25 16,0 0-16,1 24 15,-1-24-15,-24 25 0,0-1 16,0 0-1,-24 1 1,-1-25-16,1 0 16,0 0-16,-25 0 15,24 0-15,1 0 0</inkml:trace>
+  <inkml:trace contextRef="#ctx0" brushRef="#br0" timeOffset="67468">12260 1908 0,'25'0'0,"-1"0"16,1 0 0,-1 0-16,-24-24 15,0 0 16,0-1-15,-24 25-16,24-24 16,-25-1-16,1 1 15,-1 24 1,25-25-16,-24 25 16,-1 0-16,1 0 0,24 25 15,-24-25-15,-1 24 16,1 1-16,24-1 0,-25 1 15,25-1-15,0 0 16,0 1-16,0-1 0,0 1 16,0-1-16,25 1 0,-25-1 15,24-24-15,-24 24 16,25-24-16,-1 0 16,0 0-1,1-24 1,-25 0-1,24 24-15,-24-25 16,25 1-16,-25-1 16,24 1-16,-24-1 15,25 25 1,-25-24-16,24 24 16,0 24-1,-24 1 1,25-1-16,-25 1 15,24-1-15,-24 1 16,25-1-16,-25 0 0,24 1 16,1-1-1</inkml:trace>
+  <inkml:trace contextRef="#ctx0" brushRef="#br0" timeOffset="67895">12798 1860 0,'-25'0'16,"25"-25"-16,0 1 15,-24 24-15,-1-25 16,1 25 0,24 25-1,-24-25-15,-1 24 16,25 1-16,-24-1 0,24 0 15,-25 1-15,25-1 0,0 1 16,0-1-16,0 1 16,0-1-16,25 0 0,-1-24 15,1 25-15,23-25 16,-23 0-16,24 0 0,-25 0 16,25 0-16,0-25 0,-25 25 15,1-24-15</inkml:trace>
+  <inkml:trace contextRef="#ctx0" brushRef="#br0" timeOffset="76976">24 2763 0,'25'0'47,"-1"0"63,1 0-95,-1 0 1,0 0-16,1 0 16,-1 0-16,1 0 15,-1-24-15,1 24 16,-50 0 15,1 24-15,-1-24-16,1 0 15</inkml:trace>
+  <inkml:trace contextRef="#ctx0" brushRef="#br0" timeOffset="79118">781 2788 0,'0'24'31,"0"0"-15,0 1 0,0-1-1,0 1-15,25-1 0,-25 1 16,0-1-16,0 0 15,24 1-15,-24-1 0,0 1 16,0-1-16,0 1 16,0-1-16,0 0 15,0 1-15,0-1 16</inkml:trace>
+  <inkml:trace contextRef="#ctx0" brushRef="#br0" timeOffset="79442">830 2934 0,'0'-24'0,"-24"-1"16,24 1-16,-25-25 16,25 25-16,0-1 0,0 1 15,0-1 1,25 1-16,-1 24 15,1 0-15,-1 0 0,1 0 16,-1 0-16,0 0 16,1 24-16,-1 1 15,1-25-15,-25 24 0,0 1 16,24-1-16,-24 0 16,-24 1-16,-1-1 15,1-24 1,-1 25-16,1-25 15,0 0-15,-1 0 16</inkml:trace>
+  <inkml:trace contextRef="#ctx0" brushRef="#br0" timeOffset="79858">1246 2763 0,'-25'-24'15,"1"24"-15,-1 0 16,25-25-16,25 25 31,-1 0-31,1 0 0,-25 25 16,24-25-16,25 24 0,-25 1 15,1-25-15,-25 24 16,24 0-16,0 1 0,-24-1 16,0 1-1,0-1-15,-24-24 16,0 0 0,-1-24-1,25-1-15,0 1 16,0-1-1,0 1-15,25 0 0,-25-1 16,24 1-16,0-1 16,1 25-1,-1-24-15,1 24 16</inkml:trace>
+  <inkml:trace contextRef="#ctx0" brushRef="#br0" timeOffset="80276">1807 2788 0,'-24'0'16,"-1"0"-16,1 0 15,0 0 1,-1 24-1,1 1-15,24-1 16,0 0 0,0 1-16,0-1 0,0 1 15,24-1-15,1-24 0,-25 24 16,24-24-16,0 25 16,1-25-16,-1 0 0,1 0 15,-1-25-15,0 25 16,1-24-16,-1 0 0,-24-1 15,25 1-15,-1-1 0,-24 1 16,0-25-16,0 25 16,0-1-16,0 1 0,-24-1 15,-1 1 1,1 24-16,-1 0 0,1 0 16,24 24-16,-24-24 15,24 25-15</inkml:trace>
+  <inkml:trace contextRef="#ctx0" brushRef="#br0" timeOffset="80704">2174 2739 0,'0'24'62,"0"1"-62,24-1 16,-24 1-16,24-1 16,-24 0-16,25 1 15,-1-1-15,-24 1 0,25-25 16,-1 24-16,-24 0 15,25-24-15,-1 0 16,0-24 0,-24 0-1,0-1-15,25 1 16,-25-1-16,0 1 16,0 0-16,0-1 0,0 1 15,24-1-15,-24 1 16,0-1-1,25 25 1,-25 25 0</inkml:trace>
+  <inkml:trace contextRef="#ctx0" brushRef="#br0" timeOffset="80955">2613 2739 0,'0'24'0,"-24"-24"15,24 25 1,0-1 0,0 1-1,24-1-15,-24 0 0,0 1 16,0-1-16,25 1 0,-25-1 15,0 0 1</inkml:trace>
+  <inkml:trace contextRef="#ctx0" brushRef="#br0" timeOffset="81117">2662 2592 0,'0'-24'16,"0"48"-1,0 1 1</inkml:trace>
+  <inkml:trace contextRef="#ctx0" brushRef="#br0" timeOffset="81674">2955 2788 0,'0'-25'31,"-24"25"1,-1 0-17,1 25 1,-1-25-16,25 24 16,-24-24-16,24 24 0,0 1 15,0-1-15,0 1 0,0-1 16,0 1-1,24-1-15,-24 0 0,25-24 16,-1 25-16,1-25 16,-1 0-1,-24-25-15,25 1 16,-1 24-16,-24-24 16,24-1-16,-24-24 0,0 25 15,25-1-15,-25-23 16,0 23-16,0 1 0,0-25 15,0 25-15,-25-1 0,25 1 16,0-1-16,-24 1 16,24 48 15,24 1-31,-24 24 0,25-25 16,-25 0-16,0 25 0,24-24 15,-24 23-15,0-23 16,25-1-16,-25 1 0,0-1 15,0 1-15</inkml:trace>
+  <inkml:trace contextRef="#ctx0" brushRef="#br0" timeOffset="82094">3297 2885 0,'24'0'63,"1"-24"-48,-1 24 1,-24-25-16,25 25 0,-25-24 15,24 0 1,-24-1-16,0 1 16,-24 24-1,24-25-15,-25 25 0,1 0 16,-1 0-16,1 0 0,0 25 16,-1-1-1,25 25-15,0-25 0,0 1 16,0-1-16,25 25 15,-1-24-15,0-1 0,1 0 16,-1 1-16,25-1 0,-24 1 16,-1-25-16,0 0 15,1-25-15</inkml:trace>
+  <inkml:trace contextRef="#ctx0" brushRef="#br0" timeOffset="82653">3981 2666 0,'0'-25'0,"0"1"15,-25 24 1,25-25-16,0 50 47,0-1-47,0 1 0,25 23 16,-25-23-16,0 24 0,0-25 15,0 25-15,0-25 16,24 25-16,-24-24 0,0 23 15,0-23-15,0-1 16,0 1-16,0-50 47,0 1-31,25-1-16,-25 1 15,0 0-15,24-1 16,-24 1-16,25-1 0,-1 1 15,0 0-15,1 24 16,-1 0-16,1 24 16,-1 0-1,1 1-15,-25-1 0,0 1 16,0-1-16,0 0 0,0 1 16,0-1-16,0 1 15,0-1 1</inkml:trace>
+  <inkml:trace contextRef="#ctx0" brushRef="#br0" timeOffset="83115">4518 2911 0,'0'-25'16,"-24"25"-16,-1-24 16,1 24-1,24 24 17,0 1-32,0-1 15,0 1-15,24-1 16,-24 0-1,25-24-15,-25 25 16,24-25-16,1 0 16,-1 0-1,0 0-15,-24-25 16,25 1 0,-1 0-16,-24-1 15,0 1-15,0-1 16,0 1-16,-24-1 15,-1 25 1,1 0 0,0 0-16,-1 0 15,25 25 1</inkml:trace>
+  <inkml:trace contextRef="#ctx0" brushRef="#br0" timeOffset="83595">5007 2885 0,'0'-24'0,"0"-1"16,-25 25-1,1-24 1,-1 24 0,25-24-16,-24 24 0,24 24 31,-24-24-31,24 24 16,0 1-1,0-1 1,24 1-16,0-1 15,-24 1 1,25-25-16,-25 24 0,24-24 16,1 0-16,-25 24 15,24-24-15,0 25 0,1-25 16,-25 24-16,24-24 16,-24 25-1,-24-25-15,24 24 16,-25-24-16,1 0 15,0 25-15,-1-25 0,1 0 16,-1 0-16,1-25 16,24 1-1</inkml:trace>
+  <inkml:trace contextRef="#ctx0" brushRef="#br0" timeOffset="83872">5226 2641 0,'0'25'32,"0"-1"-17,0 0-15,0 1 16,0-1-16,0 1 0,0-1 15,25 1-15,-25-1 0,24 0 16,-24 1-16,25 24 16,-25-25-16,24 0 0,1 1 15,-25-1-15,24-24 16,-24 25 0</inkml:trace>
+  <inkml:trace contextRef="#ctx0" brushRef="#br0" timeOffset="84058">5275 2861 0,'0'-24'16,"25"24"15,-1 0-31,1 0 15,-1 0 1</inkml:trace>
+  <inkml:trace contextRef="#ctx0" brushRef="#br0" timeOffset="85262">6106 2983 0,'-25'0'31,"1"0"-31,24 24 15,-25-24-15,1 0 16,0 0 0,-1 0-1,25-24 1,-24 24-16,24-24 16,-25 24-1,25-25-15,0 1 0,0-1 16,25 25-16,-25-24 15,24 0-15,-24-1 16,25 25-16,-1-24 0,0-1 16,1 1-16,24-1 0,-25 1 15,1 0-15,-1-1 16,-24 1-16,24 24 0,-24-25 16,25 1-16,-25-1 15,-25 25-15,1 0 16,-25 0-16,25 0 15,-1 0-15,1 0 16,-1 25-16,1-1 0,0 1 16,-1-1-16,25 1 15,-24-1-15,24 0 0,0 25 16,24-24-16,-24-1 16,25 1-16,-1-1 0,0-24 15,1 24-15,-1 1 0,1-25 16,-1 0-16,25 0 15,-25 0-15,1 0 16,-1 0-16,-24-25 0,25 25 16,-25-24-16,0 0 15,0-1 1,0 1 0,-25 24-1,25 24 1,0 1-1,0-1-15,0 0 0,25 25 16,-25-24-16,0 23 16,24-23-16,-24 24 0,24-25 15,-24 25-15,25-25 0,-25 1 16,24-1-16,-24 1 16,0-1-16</inkml:trace>
+  <inkml:trace contextRef="#ctx0" brushRef="#br0" timeOffset="87037">6716 2568 0,'0'-25'31,"25"25"0,-25 25 1,24-1-17,-24 1-15,0 24 16,25-25-16,-25 0 0,24 25 16,-24-24-16,0-1 15,24 25-15,-24-25 0,0 1 16,0-1-1,0 1-15,0-1 16,0-48 31,0-1-31,0 1-16,0-1 15,0 1-15,0 0 0,0-1 16,0 1-16,25-1 15,-25 1-15,24 24 16,1 0-16,-1 0 16,0 24-16,1 1 15,-25 24-15,24-25 16,-24 0-16,25 1 16,-25-1-16,0 1 0,0-1 15,0 0-15,0 1 16,-25-25-16</inkml:trace>
+  <inkml:trace contextRef="#ctx0" brushRef="#br0" timeOffset="87660">7376 2910 0,'24'0'0,"1"0"31,-25-25-15,0 1-16,0 0 16,-25-1-1,25 1-15,-24 24 0,-1-25 16,1 1-16,-1 24 15,1 0-15,0 0 16,-1 0-16,25 24 0,-24-24 16,24 25-16,0-1 15,0 1-15,0-1 0,0 0 16,0 1-16,24-1 0,1 1 16,-25-1-16,24 0 15,0 1-15,1-25 0,-1 0 16,1 0-16,-1 0 0,1 0 15,-1-25 1,0 25-16,-24-24 0,25 0 16,-25-1-16,0 1 15,0-25-15,0 25 0,0-1 16,0-24-16,0 0 0,0 25 16,-25 0-16,25-25 15,0 24-15,0 1 0,-24 24 16,24-25-16,24 50 31,-24-1-31,25-24 0,-25 49 16,24-24-16,-24-1 15,25 25-15,-25-25 0,24 25 16,-24-24-16,0-1 16,25 0-16,-25 1 0,0-1 15,0 1-15,24-25 0,-24 24 16</inkml:trace>
+  <inkml:trace contextRef="#ctx0" brushRef="#br0" timeOffset="87930">7742 2788 0,'0'-25'0,"0"50"47,24-1-31,-24 1-16,0-1 0,25 0 16,-25 1-16,0-1 0,0 1 15,24-25-15,-24 24 16,0 0-16,25 1 0</inkml:trace>
+  <inkml:trace contextRef="#ctx0" brushRef="#br0" timeOffset="88086">7815 2592 0,'-24'-24'0,"24"-1"15,-25 25-15,1 0 32</inkml:trace>
+</inkml:ink>
+</file>
+
+<file path=ppt/ink/ink18.xml><?xml version="1.0" encoding="utf-8"?>
+<inkml:ink xmlns:inkml="http://www.w3.org/2003/InkML">
+  <inkml:definitions>
+    <inkml:context xml:id="ctx0">
+      <inkml:inkSource xml:id="inkSrc0">
+        <inkml:traceFormat>
+          <inkml:channel name="X" type="integer" max="1920" units="cm"/>
+          <inkml:channel name="Y" type="integer" max="1080" units="cm"/>
+          <inkml:channel name="T" type="integer" max="2.14748E9" units="dev"/>
+        </inkml:traceFormat>
+        <inkml:channelProperties>
+          <inkml:channelProperty channel="X" name="resolution" value="55.81395" units="1/cm"/>
+          <inkml:channelProperty channel="Y" name="resolution" value="55.6701" units="1/cm"/>
+          <inkml:channelProperty channel="T" name="resolution" value="1" units="1/dev"/>
+        </inkml:channelProperties>
+      </inkml:inkSource>
+      <inkml:timestamp xml:id="ts0" timeString="2020-11-08T01:57:16.545"/>
+    </inkml:context>
+    <inkml:brush xml:id="br0">
+      <inkml:brushProperty name="width" value="0.05" units="cm"/>
+      <inkml:brushProperty name="height" value="0.05" units="cm"/>
+      <inkml:brushProperty name="color" value="#3165BB"/>
+      <inkml:brushProperty name="fitToCurve" value="1"/>
+    </inkml:brush>
+  </inkml:definitions>
+  <inkml:trace contextRef="#ctx0" brushRef="#br0">3566 24 0,'0'-24'15,"-24"24"-15,-1 0 47,1 0-31,-1 0 15,1 0-15,0 0-1,-1 0 1,1 0 15,24 24-15,-25-24-16,1 0 47,24 25 15,-25-1-46,25 1-1,0-1 1,-24 0-16,24 1 16,0-1-16,0 1 15,0-1-15,0 1 16,0-1-16,24 0 15,-24 1-15,0-1 0,0 1 16,0 24-16,0-25 0,0 0 16,0 1-16,0-1 15,0 1-15,0 23 0,0-23 16,0-1-16,0 1 16,0-1-16,0 25 0,0-25 15,25 1-15,-25-1 0,0 25 16,0-24-16,0-1 15,24 0-15,-24 1 0,0-1 16,0 25-16,0-25 16,0 1-16,0-1 0,25 1 15,-25-1-15,0 1 16,0-1-16,0 0 16,0 1-16,0-1 0,0 1 15,0-1-15,0 1 16,0-1-16,0 0 15,0 1-15,24-1 16,-24 1 0,0-1-16,0 1 0,0-1 15,25 0 1,-25 1-16,0-1 16,0 1-16,24-1 15,-24 1-15,0-1 16,0 0-16,0 1 15,0-1-15,0 1 16,0-1 0,0 0-16,0 1 15,0-1 1,0 1-16,0-1 16,0 1-1,0-1-15,0 0 16,0 1-16,0-1 15,0 1 1,0-1-16,0 1 16,0-1-1,0 0 1,0 1 0,0-1-1,0 1 1,0-1-1,0 0 1,0 1 15,24-1-15,1-24 15,-25 25-31,24-1 31,1-24-15,-25 25-16,24-25 0,1 0 16,-1 0-16,0 0 15,1 0-15,-1-25 0,1 25 16,24 0-16,-25 0 16,0-24-16,1 24 0,-1 0 15,1 0-15,-1 0 16,-24-25 31</inkml:trace>
+  <inkml:trace contextRef="#ctx0" brushRef="#br0" timeOffset="935">3493 1148 0,'-25'0'46,"1"0"17,0 0-47,-1 0-1,1 0 1,-1 0-16,1 0 15,-1 0-15,1 0 16,0 0 0,24 24-16,-25-24 15,1 0-15,-1 0 16,50 0 31,-1 0-32,1 0-15,-1 0 16,0 0 0,1 0-16,-25-24 15,24 24-15,-48 0 32,-1 0-17</inkml:trace>
+  <inkml:trace contextRef="#ctx0" brushRef="#br0" timeOffset="12033">733 733 0,'24'0'16,"-48"0"31,0 0-32,-1 0 1,1 0-1,-1 0-15,1 24 16,0-24-16,-1 0 0,1 24 16,-1-24-16,1 25 0,-1-25 15,1 0-15,24 24 16,-24-24-16,24 25 16,24-1-1,0-24 1,1 25-16,-1-25 0,1 0 15,24 24-15,-25-24 16,25 24-16,-25 1 0,1-25 16,23 24-16,-23 1 0,-1-1 15,-24 1 1,0-1-16,-24-24 16,24 24-16,-25 1 15,-23-25-15,23 24 0,1-24 16,-25 25-16,0-25 0,25 0 15,-1 0-15,-24 0 16,25 0-16,0 0 0,24-25 16,-25 25-16,1-24 15</inkml:trace>
+  <inkml:trace contextRef="#ctx0" brushRef="#br0" timeOffset="12621">1075 781 0,'0'-24'16,"0"48"15,0 1-15,0-1 0,0 1-16,0-1 0,0 1 15,0-1-15,-24 0 16,24 1-16,0-1 0,0 1 15,-25-1-15,25 1 16,0-1-16,-24-24 16,24 24-16,0-48 47,0 0-47,0-1 15,24 1 1,-24-1-16,0-24 0,25 25 15,-25 0-15,0-25 16,24 24-16,-24 1 0,24-1 16,1 1-16,-25 0 0,24 24 15,1 0 1,-25 24-16,24-24 0,-24 24 16,0 1-16,25-1 15,-25 25-15,24-24 0,-24 23 16,0-23-16,24-1 0,-24 25 15,0-24-15,0-1 16,0 0-16,0 1 0</inkml:trace>
+  <inkml:trace contextRef="#ctx0" brushRef="#br0" timeOffset="12838">1026 1001 0,'25'0'47,"-1"-24"-47,0 24 16,1 0-16,-1-25 15,25 25-15,-24-24 0,-1 24 16,0 0-16</inkml:trace>
+  <inkml:trace contextRef="#ctx0" brushRef="#br0" timeOffset="13348">1441 781 0,'0'-24'16,"0"48"0,0 1-1,25-1 1,-25 1-16,0-1 16,24-24-16,-24 25 0,0-1 15,0 0-15,0 25 16,0-24-16,0-1 0,0 0 15,0 1-15,0-1 16,0-48 31,0-1-47,0 1 16,0 0-16,0-1 0,0 1 15,0-1-15,0-23 16,0 23-16,0-24 0,0 25 15,0-25-15,25 25 16,-25-25-16,24 24 0,0 1 16,1-1-16,-1 25 15,1 0-15,-1 25 16,-24-1 0,0 1-16,0-1 15,0 1-15,0-1 16,0 0-16,-24-24 0,24 25 15,-25-1-15</inkml:trace>
+  <inkml:trace contextRef="#ctx0" brushRef="#br0" timeOffset="14163">2052 806 0,'-25'0'16,"25"-25"-1,-24 25-15,48 0 31,-24 25-15,0-1-16,0 1 16,0-1-16,0 1 15,0-1-15,0 0 0,0 1 16,0-1 0,0 1-16,0-1 0,0 1 15,0-50 16,-24 1-15,24-1 0,0 1-16,-24-25 0,24 25 15,0-25-15,0 24 16,0-24-16,0 25 0,0-25 16,0 25-16,0-25 0,0 24 15,24 1-15,0 0 16,1 24-16,-1 0 15,1 0-15,-1 0 0,1 0 16,-1 24-16,0-24 16,1 24-16,-1 1 0,-24-1 15,0 1-15,0-1 16,0 1-16,-24-1 16,-1 0-16,1-24 0,24 25 15,-24-1-15,-1-24 16,1 25-16,-1-25 0,1 0 15,24 24-15,24-24 32,1 0-17,-1 0-15,1 0 16,-1 0-16,0 25 0,1-25 16,-1 24-16,1-24 0,-1 24 15,1 1 1,-25-1-16,0 1 0,0-1 15,-25 1 1,1-25-16,-1 24 16,1-24-16,-25 0 15,25-24-15,-1 24 16,1-25-16</inkml:trace>
+  <inkml:trace contextRef="#ctx0" brushRef="#br0" timeOffset="14770">2540 684 0,'0'-25'16,"0"1"0,25 24-1,-25 24 17,0 1-17,-25-1-15,25 1 0,0-1 16,0 0-16,0 1 15,-24 24-15,24-25 0,0 1 16,0-1-16,0 0 16,-24 1-16,24-1 15,0-48 17,0-1-17,0 1-15,0 0 16,0-1-16,0-24 0,0 25 15,0-1-15,24-23 0,-24 23 16,24-24-16,-24 25 16,0-1-16,25 1 0,-25 0 15,24 24-15,1 0 16,-1 24 0,1 0-16,-25 1 0,24-1 15,0 1-15,-24 24 16,25-25-16,-1 25 0,1-25 15,-25 25-15,24-24 16,-24-1-16,0 0 0,0 1 16,0-1-16</inkml:trace>
+  <inkml:trace contextRef="#ctx0" brushRef="#br0" timeOffset="14967">2516 830 0,'-24'0'0,"48"0"31,0 0-31,1 0 16,-1 0-16,1 0 15,-1 0-15,0 0 0,1-24 16,-1 24-1,1 0-15</inkml:trace>
+  <inkml:trace contextRef="#ctx0" brushRef="#br0" timeOffset="15454">2956 708 0,'24'-24'15,"-24"-1"17,24 25-32,-24-24 0,0-1 15,0 1-15,-24 24 31,24-24-31,-24 24 0,-1 0 16,1 24-16,-1-24 16,1 24-16,-1 1 0,1-25 15,24 24-15,0 1 0,0-1 16,24 1-16,1-1 16,-1 0-16,1-24 15,-1 25-15,1-25 16,23 24-16,-23-24 0,-1 0 15,1 25-15,-1-25 0,1 0 16,-1 24-16,-24 1 16,-24-1 15,-25-24-31,24 24 0,-24-24 16,25 0-16,-25 0 0,0 0 15,0 0-15,1 0 16,23 0-16</inkml:trace>
+  <inkml:trace contextRef="#ctx0" brushRef="#br0" timeOffset="16641">0 1807 0,'0'-24'31,"25"24"-15,-1 0 0,1 0-1,-1 0 1,-24 24-16,24-24 0,-24 25 15,25-1-15,-25 0 0,24 25 16,-24-24 0,0-1-16,0 1 0,25-25 15,-25 24-15,-25-24 32,1-24-1,-1-1-31,1-24 15,24 25-15,0-1 0,-24-23 16,24 23-16,0-24 16,0 25-16,24 0 0,-24-1 15,24 1-15,1-1 16,-1 1-16,1 24 0,-1-25 16,25 25-16,-25 0 0,25 0 15,-24 0-15,-1 25 16,1-25-16,-1 24 0,0 1 15,1-25-15,-25 24 16,0 1-16,0-1 0,-25 0 16,25 1-16,-24-1 15,0 1-15,-1-25 0,1 24 16,-1-24-16,1 24 0,-1-24 16,1 25-1,48-25 1,-24-25-1,25 25-15,-1 0 16,1 0-16,-1 0 0,25 0 16,-25 0-16,1 0 15,24 25-15,-25-25 0,1 24 16,-1 1-16,-24-1 16,-24 1-1,-1-25-15,-24 24 16,25-24-16,-25 0 15,0 0-15,0 24 0,0-24 16,25 0-16,-25 0 0,25-24 16,-1 0-1,25-1-15</inkml:trace>
+  <inkml:trace contextRef="#ctx0" brushRef="#br0" timeOffset="17124">635 1783 0,'25'0'16,"-25"-25"-16,24 25 15,1 0 1,-1 0-1,0 0 1,-24 25 0,0-1-16,25 1 15,-25-1-15,24-24 0,-24 24 16,0 1-16,25-1 16,-1-24-16,1 25 15,-1-25 1,0 0-16,1 0 15,-1-25-15,1 1 16,-25-1 0,0 1-16,0 0 15,0-1-15,0 1 16,0-1-16,-25 1 0,25 0 16,0-1-16,-24 25 15,24-24-15,-25 24 16,25 24-16,0 1 15,0-1 1</inkml:trace>
+  <inkml:trace contextRef="#ctx0" brushRef="#br0" timeOffset="17565">1246 1709 0,'24'0'31,"-24"-24"-31,25 24 16,-25-24 0,-25 24 15,1 0-16,0 0-15,-1 0 16,25 24-16,-24-24 16,24 24-1,24-24-15,1 25 16,-1-1 0,0-24-16,1 25 0,-1-1 15,1-24-15,-1 25 16,0-1-1,-24 0 1,-24-24 15,0 0-31,-1 0 16,1 0-16,24-24 16,-25 24-16,25-24 0,-24-1 15</inkml:trace>
+  <inkml:trace contextRef="#ctx0" brushRef="#br0" timeOffset="17818">1466 1685 0,'24'0'16,"-24"-24"-16,25 24 15,-1 0 16,-24 24-31,0 1 16,24-1 0,-24 0-16,0 1 15,0-1 1,25 1-16,-25-1 31,-25-24-31</inkml:trace>
+  <inkml:trace contextRef="#ctx0" brushRef="#br0" timeOffset="17985">1490 1490 0,'-24'0'0,"24"24"16,0 1 15</inkml:trace>
+  <inkml:trace contextRef="#ctx0" brushRef="#br0" timeOffset="19277">1734 1661 0,'-24'0'16,"24"24"31,24-24-32,-24 25-15,25-25 16,-25 24-16,0 0 15,0 1 1,0-1 0,-25-24-1,25-24 17,0-1-32,25 1 15,-1 0 1,-24-1-16,25 25 0,-25-24 15,24 24-15,-24-25 0,25 25 16,-1 0 0,0 25-1,1-1 1,-1 1-16,-24-1 16,25-24-16,-25 24 0,24-24 15,1 25 1,-1-1-1,0-24-15,1 0 16,-25-24-16,24 24 16,1 0-16,-1-25 0,0 1 15,1 0 1,-1-1-16,-24 1 16,0-1-16,0 1 0,0-1 15,0 1 1,-24 0-1,-1 24-15,1 0 16,0 0-16,-1 24 16,1 0-1,24 1-15,-25-1 0,25 1 16,0-1-16,25-24 16,-25 25-16,24-25 15,1 24-15,-1-24 16,0 0-16,1 0 15,-1 0-15,1-24 16,-1 24 0,-24-25-16,25 25 15,-25-24-15,0-1 0,24 25 16,-24-24-16,0-1 0,24 1 16,-24 0-16,0-1 15,0 1-15,0-1 16,25 50 31,-1-1-32,-24 1-15,25-1 16,-1 0 0,1 1-16,-25-1 15,0 1 1,0-1-1,0 1 1,0-50 15,0 1-15,0-1 0,24 25-16,-24-24 0,24-1 15,-24 1-15,25 0 16,-25-1-16,24 1 0,1 24 15,-25-25-15,24 1 0,0 24 16,-48 0 15,24 24-15,-24-24-16,24 25 16,0-1-1,0 1-15,24-25 16,-24 24-16,24-24 0,1 24 15,-1 1-15,1-25 0,-1 24 16,-24 1-16,25-25 16,-25 24-16,0 1 15,-25-25 1</inkml:trace>
+  <inkml:trace contextRef="#ctx0" brushRef="#br0" timeOffset="19914">1246 2125 0,'0'-25'0,"0"1"15,0 48 16,0 1-31,0-1 16,0 1-16,0 23 16,0-23-16,0-1 15,0 1-15,24-1 0,-24 0 16,0 1-16,0-1 16,0 1-1,0-50 16,0 1-31,0-1 16,0 1-16,25 0 16,-25-1-16,0-24 0,0 25 15,24-25-15,-24 25 0,25-1 16,-25 1-16,0-1 16,24 1-16,0 24 15,1 0-15,-1 24 16,1 1-16,-1-1 15,1 1-15,-1-1 0,-24 1 16,24-1-16,1 0 16,-1 1-16,-24-1 0,0 1 15,0-1-15,0 0 16</inkml:trace>
+  <inkml:trace contextRef="#ctx0" brushRef="#br0" timeOffset="20553">1344 2271 0,'-25'-24'0,"1"24"16,24-25-16,24 1 31,1 24-31,-1 0 16,1-24-16,-1 24 0,0 0 15,1-25-15,-1 25 16,1 0-16,-1-24 0,0 24 15,1 0-15,-1-25 16,1 25-16,-1-24 16,-24-1-1,25 25 32,-25 25-31,0-1-1,24 1-15,-24 24 16,24-25-16,-24 25 0,25-25 16,-25 25-16,24-24 15,-24 23-15,25-23 0,-25-1 16,0 1-16,0-1 0,24 0 16,-24 1-1,0-50 16,0 1-31,0 0 16,0-1-16,0-24 0,0 25 16,0-25-16,0 25 15,0-25-15,0 24 0,25 1 16,-25 0-16,24-1 16,-24 1-16,24 24 0,1 0 15,-1 24 1,1 1-1,-25-1-15,0 0 16,0 1-16,0-1 16,-25 1-16,1-25 15,24 24-15,-25-24 0,1 0 16,0 0 0,24-24-16</inkml:trace>
+  <inkml:trace contextRef="#ctx0" brushRef="#br0" timeOffset="21045">2150 2051 0,'24'0'0,"0"0"32,-24 25 14,25-1-46,-25 1 16,0-1-16,24 1 16,-24 23-16,0-23 0,25 24 15,-25-25-15,0 25 16,0-25-16,0 1 0,0-1 16,0 1-1,0-1-15,-25-24 16,25-24-1,-24-1-15,24 1 16,0-25-16,-25 25 16,25-25-16,0 24 15,0-24-15,25 1 0,-25 23 16,24 1-16,1-25 0,-1 24 16,1 25-1,-1-24-15,0 24 0,1 0 16,-1 24-16,1-24 15,-1 25-15,-24-1 16,25 1-16,-25-1 0,0 1 16,0-1-16,0 0 15,-25 1-15,1-1 16,-1-24-16,-24 25 0,25-25 16</inkml:trace>
+  <inkml:trace contextRef="#ctx0" brushRef="#br0" timeOffset="21724">1490 2931 0,'25'0'0,"-1"0"31,-24-25-31,24 25 0,-24-24 16,25 24-16,-25-25 0,0 1 15,0 0 1,-25 24-16,1 0 15,0 0-15,-1 0 0,1 24 16,-1 0-16,1-24 16,0 25-16,24-1 0,-25-24 15,25 25-15,0-1 16,0 1-16,25-25 16,-1 24-16,0-24 0,1 24 15,-1-24-15,25 25 16,-25-25-16,1 24 0,-1-24 15,1 25-15,-25-1 16,24-24-16,-24 24 0,0 1 16,0-1-1,-24-24-15,-1 25 0,1-25 16,-1 0-16,1 0 0,0 0 16,-25 0-16,24 0 15,1-25-15,0 25 0,24-24 16,-25 24-16,25-25 0,0 1 15</inkml:trace>
+  <inkml:trace contextRef="#ctx0" brushRef="#br0" timeOffset="22000">1832 2784 0,'25'0'15,"-25"-24"-15,0 48 47,0 1-31,0-1 0,24 0-16,-24 1 0,0-1 15,24 25-15,-24-24 0,0-1 16,25 0-16,-25 1 15,0-1-15,0 1 0,0-1 16,0 0 0,-25-24-16</inkml:trace>
+  <inkml:trace contextRef="#ctx0" brushRef="#br0" timeOffset="22545">1808 3004 0,'0'-25'16,"0"1"-1,24 24 17,1 0-32,-1 0 0,0 0 15,1 0-15,-1 0 0,1-24 16,-1 24-16,25 0 16,-25 0-16,1-25 0,-1 25 15,1-24 1,-1 24-16,-24-25 0,0 1 15,-24 24 32,24 24-31,0 1-16,0-1 16,0 1-16,0-1 15,24 0-15,-24 1 16,0-1-16,24 1 0,1-25 15,-25 24-15,24-24 16,1 0-16,-1 0 16,-24-24-16,25 24 15,-1-25-15,-24 1 16,0-1-16,24 1 0,-24 0 16,0-1-16,0 1 15,25-1-15,-25 1 0,0 0 16,24 24-1,-24 24 1,25 0-16,-25 1 16,24-1-16,-24 1 15,0-1-15,0 0 0,25 1 16,-25-1-16</inkml:trace>
+  <inkml:trace contextRef="#ctx0" brushRef="#br0" timeOffset="23085">2736 2857 0,'0'-24'31,"0"0"-16,0-1 1,-25 25 0,1 0-1,0 25-15,24-1 16,-25-24 0,25 24-16,0 1 15,0-1-15,0 1 16,0-1-16,25-24 15,-25 25-15,24-25 0,-24 24 16,24-24-16,1 0 16,-1-24-16,1-1 15,-1 25 1,-24-24-16,24-1 0,-24 1 16,25-25-16,-25 25 0,0-1 15,0-24-15,0 25 16,0-25-16,0 25 0,0-1 15,0 1-15,0-1 0,0 50 32,0-1-32,0 1 15,0-1-15,0 25 16,24-25-16,-24 25 0,0-24 16,25-1-16,-25 25 15,0-25-15,24 1 0,-24-1 16</inkml:trace>
+  <inkml:trace contextRef="#ctx0" brushRef="#br0" timeOffset="23332">3053 2735 0,'0'25'63,"25"-1"-48,-25 1-15,0-1 16,24 0-16,-24 1 0,0-1 16,0 1-1,0-1-15,25-24 16</inkml:trace>
+  <inkml:trace contextRef="#ctx0" brushRef="#br0" timeOffset="23506">3078 2540 0,'-25'-25'0,"50"25"47,-25 25-47,24-25 16</inkml:trace>
+  <inkml:trace contextRef="#ctx0" brushRef="#br0" timeOffset="23883">3395 2662 0,'-24'0'78,"24"24"-78,0 1 15,0-1-15,0 1 0,0-1 16,0 1-16,0-1 16,24 0-16,-24 1 0,25-25 15,-25 24-15,24-24 16,0 0-16,1 0 0,-1 0 16,1 0-16,-25-24 15,24-1-15,-24 1 16,0-25-16,0 25 0,0-1 15,-24 1-15,24-1 16,-25-23-16,1 48 0,-1-25 16,1 1-16,-25 24 0</inkml:trace>
+</inkml:ink>
+</file>
+
+<file path=ppt/ink/ink19.xml><?xml version="1.0" encoding="utf-8"?>
+<inkml:ink xmlns:inkml="http://www.w3.org/2003/InkML">
+  <inkml:definitions>
+    <inkml:context xml:id="ctx0">
+      <inkml:inkSource xml:id="inkSrc0">
+        <inkml:traceFormat>
+          <inkml:channel name="X" type="integer" max="1920" units="cm"/>
+          <inkml:channel name="Y" type="integer" max="1080" units="cm"/>
+          <inkml:channel name="T" type="integer" max="2.14748E9" units="dev"/>
+        </inkml:traceFormat>
+        <inkml:channelProperties>
+          <inkml:channelProperty channel="X" name="resolution" value="55.81395" units="1/cm"/>
+          <inkml:channelProperty channel="Y" name="resolution" value="55.6701" units="1/cm"/>
+          <inkml:channelProperty channel="T" name="resolution" value="1" units="1/dev"/>
+        </inkml:channelProperties>
+      </inkml:inkSource>
+      <inkml:timestamp xml:id="ts0" timeString="2020-11-08T01:57:44.886"/>
+    </inkml:context>
+    <inkml:brush xml:id="br0">
+      <inkml:brushProperty name="width" value="0.05" units="cm"/>
+      <inkml:brushProperty name="height" value="0.05" units="cm"/>
+      <inkml:brushProperty name="color" value="#ED1C24"/>
+      <inkml:brushProperty name="fitToCurve" value="1"/>
+    </inkml:brush>
+  </inkml:definitions>
+  <inkml:trace contextRef="#ctx0" brushRef="#br0">48 244 0,'0'-24'15,"-24"24"1,24-25-1,0 1 17,0 0-1,24 24-31,1 0 16,-1-25-16,1 25 15,-1 0-15,1 0 16,-1 0-1,0 0-15,-24 25 0,25-25 16,-25 24 0,0 0-16,0 1 15,-25-25-15,25 24 16,-24 1-16,0-25 16,24 24-16,-25 1 0,1-25 15,24 24-15,-25-24 0,1 0 16,24 24-1,24-24 17,1 0-17,-1 0-15,1 0 16,-1 0 0,0 0-16,-24 25 15,25-1 1,-1 1-16,-24-1 15,0 1-15,0-1 16,0 0-16,0 1 16,-24-25-16,-1 24 15,1-24-15,0 0 16,-1 0-16,1 0 0,-1 0 16,1 0-16,-1-24 15,1 24-15,0 0 16,24-25-16</inkml:trace>
+  <inkml:trace contextRef="#ctx0" brushRef="#br0" timeOffset="470">317 0 0,'25'0'47,"-1"0"-16,-24 25-31,24-1 16,1 0-1,-1 1-15,1 24 0,-25-25 16,24 25-16,-24 0 16,25 0-16,-25-1 0,0 1 15,0-24-15,-25 24 0,25-1 16,-24-23-16,-1 24 15,25-25-15,-24 1 0,-1 23 16,1-23-16,0-1 16,-1 1-16,1-25 15,-1 24-15,1-24 16,24-24 0</inkml:trace>
+  <inkml:trace contextRef="#ctx0" brushRef="#br0" timeOffset="1237">806 73 0,'24'-24'16,"-24"0"0,0 48 31,0 0-47,0 1 15,0-1-15,0 1 0,0 24 16,-24-25-16,24 25 15,0 0-15,0-25 0,0 25 16,0 0-16,0-25 0,0 25 16,0-25-16,0 25 15,0-24-15,0-1 0,0 1 16,0-1 0,24-24-16,0-24 46,1 24-46,-1-25 16,1 25 0,-1 0-16,1 0 0,-1-24 15,0 24-15,25 0 0,-24 0 16,-1 0 0,1 0-16,-1 0 0,0 0 31</inkml:trace>
+  <inkml:trace contextRef="#ctx0" brushRef="#br0" timeOffset="1537">1245 342 0,'0'-24'16,"0"48"15,25-24-15,-25 24-16,0 1 0,0-1 16,24 1-16,-24-1 0,0 1 15,0-1-15,25 0 16,-25 1-16,0-1 0,24 1 15,-24-1-15,0 1 16</inkml:trace>
+  <inkml:trace contextRef="#ctx0" brushRef="#br0" timeOffset="2119">1489 318 0,'0'24'0,"0"0"31,25-24-16,-25 25-15,24-1 16,-24 1-16,25-1 16,-25 1-16,24-1 0,-24 25 15,0-25-15,25 1 0,-25-1 16,0 1 0,0-50 15,0 1-31,0-1 15,0 1-15,0-1 0,24-23 16,-24 23-16,0-24 16,0 25-16,0-1 0,0 1 15,24 0-15,-24-1 0,0 1 16,25 24 0,-25 24-16,24 1 15,-24-1 1,25-24-16,-25 24 0</inkml:trace>
+  <inkml:trace contextRef="#ctx0" brushRef="#br0" timeOffset="2628">1954 415 0,'-25'0'16,"25"25"31,25-1-32,-1-24 1,0 0-1,1 0 1,-1-24-16,1 24 16,-25-25-16,24 25 15,-24-24-15,24 24 16,-24-25-16,0 1 16,-24 0-16,0-1 15,-1 25-15,1 0 16,-1 0-16,1 0 15,0 0-15,-1 0 0,1 25 16,-1-1-16,25 0 16,-24 1-16,24-1 15,0 1-15,24-1 0,-24 1 16,25 23-16,-1-23 16,-24-1-16,25 1 0,-1-1 15,0 1-15,1-1 16,-1-24-16,-24 24 0,25-24 15,-1 0-15</inkml:trace>
+  <inkml:trace contextRef="#ctx0" brushRef="#br0" timeOffset="3306">2784 537 0,'0'-24'32,"0"0"-17,0-1 1,0 1-1,-25-1-15,1 1 16,0-1 0,-1 25-16,1 0 0,-1 0 15,-23 0-15,23 25 16,1-25-16,-1 24 0,25 1 16,-24-1-16,24 1 15,-25 23-15,25-23 0,0-1 16,25 1-16,-25 24 0,24-25 15,1-24-15,-25 24 16,24 1-16,1-25 0,-1 0 16,0 0-16,1 0 0,-1 0 15,25-25-15,-25 1 16,1 0-16,-1-1 0,-24 1 16,25-25-16,-1 24 15,-24-23-15,25 23 0,-25 1 16,0-25-16,0 24 0,-25-23 15,25 23-15,-24-24 16,24 25-16,0-25 0,-25 25 16,25-1-1,25 25 1,-25 25-16,0-1 16,24 25-16,-24-25 15,25 1-15,-25 24 0,24-25 16,-24 25-16,0-25 15,24 25-15,-24-24 0,0-1 16,0 25-16,0-25 0,25-24 16,-25 25-16,0-1 15</inkml:trace>
+  <inkml:trace contextRef="#ctx0" brushRef="#br0" timeOffset="4105">3346 440 0,'24'-25'16,"0"1"-1,-24-1 1,-24 25-1,0-24-15,-1 24 16,1 0-16,-25 0 16,25 0-16,-1 0 0,1 0 15,-1 24-15,-24-24 16,49 25-16,-24-25 0,0 24 16,24 1-16,-25-1 0,25 1 15,0-1-15,0 0 16,25 1-16,-25-1 0,24 1 15,-24-1-15,24-24 0,1 25 16,-1-25 0,1 0-16,-1 0 0,1-25 15,-1 25-15,-24-24 16,24 24-16,1-25 0,-25 1 16,24-1-16,-24 1 0,0 0 15,25 24-15,-25-25 16,0 1-16,0-1 15,0 50 1,0-1 0,0 1-16,24-1 15,-24 0-15,0 1 16,24-1-16,1 1 0,-1-1 16,1 1-1,-1-25 1,1 0-16,-25-25 15,24 25-15,-24-24 0,24-1 16,-24 1-16,25-1 0,-25 1 16,24 0-16,-24-1 15,0-24-15,25 25 0,-25-25 16,0 0-16,0 25 16,0-25-16,-25 24 0,25 1 15,-24 0-15,24 48 31,0 25-31,0-25 16,0 1-16,0 24 16,24-1-16,-24 1 0,25-24 15,-25 24-15,24-1 0,-24-23 16,0 24-16,25-25 16,-25 1-16,0-1 0</inkml:trace>
+  <inkml:trace contextRef="#ctx0" brushRef="#br0" timeOffset="4669">3517 440 0,'-25'-25'0,"25"1"16,25 24 15,-1 24-15,0-24-16,1 25 15,24-25-15,-25 0 0,25 0 16,-25 0-16,25 0 16,0-25-16,-25 25 0,25 0 15,-24 0-15,-1-24 0,25 24 16,-25 0-16,1 0 16,-25-25-16,24 25 0,1-24 15,-25 0 1,-25 24-16,1 0 15,-1-25-15,1 25 16,0 0-16,-1 0 0,1 0 16,-1 0-16,1 25 0,-1-1 15,25 0 1,-24 1-16,24-1 0,0 1 16,0 24-16,0-25 15,0 0-15,24 1 0,-24-1 16,25 1-16,-25-1 0,24-24 15,1 0 1,-1 0-16,1-24 16,-1-1-16,0 1 0,1-1 15,-25 1-15,24 0 16,-24-25-16,25 24 0,-25 1 16,24-1-16,-24 1 15,0 48 1,25 1-1,-25-1-15,0 25 16,0 0-16,24-25 16,-24 25-16,0 0 0,0-24 15</inkml:trace>
+  <inkml:trace contextRef="#ctx0" brushRef="#br0" timeOffset="6188">2076 1124 0,'24'-25'0,"-24"1"16,0-1-16,0 1 0,-24-1 16,-1 1-1,1 0-15,-1 24 0,1 0 16,-1 0-16,1 0 15,0 24-15,-1 0 0,1 1 16,-1 24-16,25 0 0,-24-1 16,24 1-16,0 0 15,0 0-15,24 0 0,-24-25 16,25 25-16,-1-24 16,1-1-16,23 25 0,-23-49 15,-1 24-15,25-24 0,-24 0 16,23 0-16,-23 0 15,-1 0-15,1-24 0,24-1 16,-25 1-16,0 0 0,1-1 16,-25 1-16,24-1 15,1 1-15,-25-1 0,24 1 16,-24 0-16,0-1 16,0 1-16,-24 24 15,-1 0-15,1 0 16,-1 24-16,25 1 15,-24-25-15,24 24 0,-24 0 16,24 1-16,0-1 16,0 25-16,0-24 0,24-25 15,0 24-15,-24 0 16,25 1-16,-1-25 0,1 24 16,-1-24-16,1 0 0,-1 0 15,0 0-15,1-24 16,-1-1-16,1 1 15,-25 0-15,0-1 0,0 1 16,0-1-16,0 1 16,-25-1-16,25 1 0,-24 0 15,-1-1-15,1 1 16,0 24-16,-25 0 0,24 0 16,1 0-1,-1 24-15,25 1 16,25-1-16,-1 0 15,1-24 1,-1 0-16,1 0 0,-1 0 16,0 0-16,1 0 15,-1 0-15,1-24 0,-1 0 16,-24-1 15,25 25-31,-25-24 16,24 24-1,0 0 1,1 0-16,-1 24 16,1 1-16,-1-25 15,0 24-15,-24 0 0,25 1 16,-1-1-16,-24 1 0,0-1 16,0 1-1,0-1-15,-24-24 31,24-24-15,0-1-16,0 1 16,0-1-1,0-24-15,24 25 0,-24 0 16,25-1-16,-1 25 16,-24-24-16,25-1 0,-1 25 15,0 0-15,1 0 0,-1 25 16,1-1-1,-1 1-15,-24-1 0,0 0 16,25 1-16,-25-1 16,0 1-16,0-1 15,-25-24-15,25 25 16</inkml:trace>
+  <inkml:trace contextRef="#ctx0" brushRef="#br0" timeOffset="6645">3235 1226 0,'0'-24'0,"-24"24"0,-1 0 32,25 24-17,0 1 1,25-25-16,-25 24 15,24 1-15,-24-1 0,24 0 16,-24 1-16,0-1 16,25 1-16,-25-1 15,0 1 1,0-50 0,0 1-1,0-1 1,24 25-16,-24-24 15,0-25-15,25 25 0,-1-1 16,0 1-16,-24-1 0,25 1 16,-1-1-16,1 1 0,-1 24 15,1 0-15,-1 0 16,-24 24-16,24-24 0,1 25 16,-1 24-16,-24-25 15,25 25-15,-1-25 0,-24 1 16,0-1-16,25 1 0,-25-1 15,0 1-15</inkml:trace>
+  <inkml:trace contextRef="#ctx0" brushRef="#br0" timeOffset="6855">4103 1417 0,'0'24'15,"24"-24"-15,-24 24 16</inkml:trace>
+</inkml:ink>
+</file>
+
+<file path=ppt/ink/ink2.xml><?xml version="1.0" encoding="utf-8"?>
+<inkml:ink xmlns:inkml="http://www.w3.org/2003/InkML">
+  <inkml:definitions>
+    <inkml:context xml:id="ctx0">
+      <inkml:inkSource xml:id="inkSrc0">
+        <inkml:traceFormat>
+          <inkml:channel name="X" type="integer" max="1920" units="cm"/>
+          <inkml:channel name="Y" type="integer" max="1080" units="cm"/>
+          <inkml:channel name="T" type="integer" max="2.14748E9" units="dev"/>
+        </inkml:traceFormat>
+        <inkml:channelProperties>
+          <inkml:channelProperty channel="X" name="resolution" value="55.81395" units="1/cm"/>
+          <inkml:channelProperty channel="Y" name="resolution" value="55.6701" units="1/cm"/>
+          <inkml:channelProperty channel="T" name="resolution" value="1" units="1/dev"/>
+        </inkml:channelProperties>
+      </inkml:inkSource>
+      <inkml:timestamp xml:id="ts0" timeString="2020-11-08T01:52:00.734"/>
+    </inkml:context>
+    <inkml:brush xml:id="br0">
+      <inkml:brushProperty name="width" value="0.05" units="cm"/>
+      <inkml:brushProperty name="height" value="0.05" units="cm"/>
+      <inkml:brushProperty name="color" value="#ED1C24"/>
+      <inkml:brushProperty name="fitToCurve" value="1"/>
+    </inkml:brush>
+  </inkml:definitions>
+  <inkml:trace contextRef="#ctx0" brushRef="#br0">220 269 0,'0'25'141,"0"-1"-125,0 0-1,0 1-15,0-1 16,0 1-16,0-1 0,0 1 15,0-1-15,0 0 16,0 1-16,0-1 0,0 1 16,0-1-16,0 1 15,0-1 1</inkml:trace>
+  <inkml:trace contextRef="#ctx0" brushRef="#br0" timeOffset="2014">610 660 0</inkml:trace>
+  <inkml:trace contextRef="#ctx0" brushRef="#br0" timeOffset="3000">244 25 0,'0'-24'15,"24"24"17,1 0-32,-1 0 15,1 0 1,-1 0-16,0 24 0,1 0 16,-1 1-16,1-1 15,-1 1-15,1 24 16,-25-1-16,24 1 0,-24 24 15,24-24-15,-24 25 16,0-26-16,0 1 0,-24 25 16,24-26-16,-49 1 15,25 0-15,-25 0 0,0 0 16,0 0-16,-24-25 0,24 25 16,-24-25-16,24 1 15,-24-1-15</inkml:trace>
+  <inkml:trace contextRef="#ctx0" brushRef="#br0" timeOffset="4056">1196 147 0,'25'0'0,"-25"-24"15,-25 24 16,1 0-31,0 0 16,-1 0-16,-24 24 0,-24 25 31,24-25-31,0 1 0,1-1 0,23 25 16,1 0-16,-1 0 16,25-25-16,0 25 0,0 0 15,0-25-15,25 25 0,-1-24 16,25-1-16,-25 0 15,25 1-15,-24-25 0,24 24 16,-1-24-16,1 0 16</inkml:trace>
+  <inkml:trace contextRef="#ctx0" brushRef="#br0" timeOffset="4456">1514 465 0,'0'-25'15,"0"1"-15,-24-1 16,-1 25 0,25-24-16,-24 24 31,24 24-31,0 1 0,0-1 16,0 1-16,0-1 15,24 0-15,-24 1 16,0-1-16,25 1 0,-25-1 15,24 1-15,-24-1 16,0 0-16,0 1 16,-24-25-1,-1 0 1,1-25-16,24 1 16,0 0-1,0-1-15,0-24 0,24 25 16,1-25-16,-1 25 0,0-1 15,25-24-15,-24 25 16,24-1-16,-25 25 0,25 0 16,-25-24-16,1 24 0,-1 0 15,0 0-15</inkml:trace>
+  <inkml:trace contextRef="#ctx0" brushRef="#br0" timeOffset="4949">1905 513 0,'-25'0'0,"1"0"16,24 25-1,24-1 32,1-24-47,-25 25 16,24-25-16,1 0 15,-1 0-15,0 0 0,1 0 16,-1 0-16,1-25 16,-1 1-16,1 24 15,-25-25-15,0 1 0,0 0 16,0-1-1,-25 1-15,1 24 0,-1-25 16,1 1-16,-1 24 16,1-25-16,0 25 0,-1 0 15,1 0-15,-1 25 16,25-1 0,0 1-16,0 24 0,25-25 15,-25 0-15,24 1 16,1 24-16,-25-25 0,24-24 15,0 25-15,1-1 0,-1-24 16,1 24-16,-1-24 16,1 0-16,-1 0 15</inkml:trace>
+  <inkml:trace contextRef="#ctx0" brushRef="#br0" timeOffset="5718">2564 440 0,'0'-24'0,"0"-1"16,0 1-16,0-1 15,0 1 1,-24 24-16,-1 0 16,1 0-16,-1 24 15,1-24-15,0 0 16,-1 25-16,1-25 0,-1 24 15,25 1-15,-24-25 16,0 24-16,24 1 0,0-1 16,0 0-16,0 1 15,24-25-15,-24 24 0,24 1 16,-24-1-16,25-24 0,-1 25 16,1-25-16,-1 0 15,0 0-15,1 24 0,-1-24 16,1 0-1,-1-24-15,1-1 16,-25 1-16,24-1 16,-24 1-1,0-1-15,0 1 0,0 0 16,0 48 31,24-24-47,-24 24 15,0 1-15,25-25 0,-1 24 16,1-24-16,-1 25 16,1-25-16,-1 0 15,0 0-15,1 0 0,-1 0 16,1 0-16,-1-25 16,0 25-16,1-24 0,-1-1 15,-24 1-15,25 0 16,-25-1-16,0 1 15,0-25-15,0 24 0,0 1 16,0-25-16,0 25 16,0-1-16,0-24 0,-25 49 15,25-24-15,0 0 0,-24 24 32,24 24-32,0 0 15,0 1-15,0 24 16,-25-25-16,25 25 0,0 0 15,0 0-15,25-25 0,-25 25 16,24-25-16,-24 25 16,0-24-16,25-1 0,-25 1 15</inkml:trace>
+  <inkml:trace contextRef="#ctx0" brushRef="#br0" timeOffset="6130">2954 489 0,'-24'0'0,"24"-24"31,24 24-15,0 0-1,1 0-15,-1-25 0,25 25 16,0 0-16,-25-24 0,25 24 15,0 0-15,0-25 16,-25 25-16,25 0 0,-24 0 16,-1-24-16,0 24 15,1 0-15,-50 0 16,1 0 0,0-25-16,-1 25 15,1 0-15,-1 0 16,1 25-16,-1-25 0,1 24 15,0 1-15,24-1 16,-25 1-16,25-1 0,0 0 16,0 1-16,0 24 15,25-25-15,-25 1 0,24-1 16,25-24-16,-25 24 0,25-24 16,0 0-16,-25 0 15,25 0-15,0-24 0</inkml:trace>
+</inkml:ink>
+</file>
+
+<file path=ppt/ink/ink20.xml><?xml version="1.0" encoding="utf-8"?>
+<inkml:ink xmlns:inkml="http://www.w3.org/2003/InkML">
+  <inkml:definitions>
+    <inkml:context xml:id="ctx0">
+      <inkml:inkSource xml:id="inkSrc0">
+        <inkml:traceFormat>
+          <inkml:channel name="X" type="integer" max="1920" units="cm"/>
+          <inkml:channel name="Y" type="integer" max="1080" units="cm"/>
+          <inkml:channel name="T" type="integer" max="2.14748E9" units="dev"/>
+        </inkml:traceFormat>
+        <inkml:channelProperties>
+          <inkml:channelProperty channel="X" name="resolution" value="55.81395" units="1/cm"/>
+          <inkml:channelProperty channel="Y" name="resolution" value="55.6701" units="1/cm"/>
+          <inkml:channelProperty channel="T" name="resolution" value="1" units="1/dev"/>
+        </inkml:channelProperties>
+      </inkml:inkSource>
+      <inkml:timestamp xml:id="ts0" timeString="2020-11-08T01:57:56.378"/>
+    </inkml:context>
+    <inkml:brush xml:id="br0">
+      <inkml:brushProperty name="width" value="0.05" units="cm"/>
+      <inkml:brushProperty name="height" value="0.05" units="cm"/>
+      <inkml:brushProperty name="color" value="#3165BB"/>
+      <inkml:brushProperty name="fitToCurve" value="1"/>
+    </inkml:brush>
+  </inkml:definitions>
+  <inkml:trace contextRef="#ctx0" brushRef="#br0">98 128 0,'-24'0'16,"24"24"47,24-24-32,0 0-16,1 0 1,-1 0 0,1 0-16,-1 0 15,1 0-15,-1 0 0,25 0 16,-25 0-16,1-24 16,-1 24-16,1-24 15</inkml:trace>
+  <inkml:trace contextRef="#ctx0" brushRef="#br0" timeOffset="961">904 79 0,'-24'0'0,"-1"-24"31,1 24-15,-1 0-16,25 24 15,-24-24-15,-1 25 0,1-25 16,24 24-16,-24 1 15,24-1-15,0 0 0,0 1 16,0-1-16,0 1 0,0-1 16,0 0-16,24 1 15,0-25-15,1 0 16,-1 0-16,1 0 16,-1 0-16,-24-25 0,25 25 15,-1-24-15,-24 0 0,24-1 16,-24 1-16,25 24 15,-25-25-15,0 1 0,0 0 16,0 48 15,0 0-31,0 1 16,0 24-16,0-1 16,0 1-16,24 0 0,-24 0 15,0 0-15,25 0 16,-25 0-16,24-1 0,-24 1 15,0 0-15,0-25 0,0 1 16,0-1-16,-24 1 16,-1-25-16,1 0 15,-25 0-15,25-25 16,-1 25-16,-24-24 0,25-1 16,-1 1-16,1-25 0,24 25 15,-24-25-15,24 25 16,0-1-16,24 1 0,-24-1 15,24 1-15,25-1 16,-24 25-16,-1 0 0,25 0 16,0 0-16,-25 0 0,25 0 15,-25 0-15,1 0 16,-1 0-16</inkml:trace>
+  <inkml:trace contextRef="#ctx0" brushRef="#br0" timeOffset="1393">1344 250 0,'0'-24'15,"24"24"-15,-24-25 0,0 1 16,-24 48 15,24 1-15,-25-1-16,25 1 15,0-1-15,-24 0 0,24 25 16,0-24-16,0-1 0,0 1 16,24-1-16,-24 0 15,25 1-15,-1-25 16,0 0-16,1 0 15,-25-25-15,24 25 0,1-24 16,-25 0-16,24-1 0,-24 1 16,0-25-16,0 24 15,0 1-15,0 0 0,-24-1 16,-1 1-16,1-1 16,-1 25-16,1 0 15,0 0-15,-1 25 16,25-1-1,0 1-15</inkml:trace>
+  <inkml:trace contextRef="#ctx0" brushRef="#br0" timeOffset="1759">1979 104 0,'0'-25'16,"-25"25"-16,25-24 0,-24-1 15,24 50 17,0-1-17,0 25-15,24-25 16,-24 25-16,0 0 0,25 0 16,-25 0-16,0 0 0,0 0 15,0-25-15,0 0 16,0 1-16,0-1 0</inkml:trace>
+  <inkml:trace contextRef="#ctx0" brushRef="#br0" timeOffset="2318">1905 275 0,'-24'0'16,"48"0"15,1 0-15,24 0-16,-25 0 15,25-25-15,0 25 0,0 0 16,-1-24-16,1 24 0,-24 0 16,-1 0-16,1-25 15,-1 25-15,-24-24 16,-24 24-1,-1 0 1,25 24-16,-24 1 16,24-1-1,0 1-15,0-1 0,24 0 16,-24 1-16,25-25 16,-25 24-16,0 1 0,24-25 15,0 24-15,1-24 16,-1 0-16,1 0 15,-25-24-15,24 24 0,0-25 16,-24 1-16,25-1 16,-25 1-16,0 0 15,0-1-15,0 1 16,-25 24-16,25-25 16,-24 25-16,0 0 15,-1-24-15,1 24 16,-1 0-1</inkml:trace>
+  <inkml:trace contextRef="#ctx0" brushRef="#br0" timeOffset="2726">3200 177 0,'24'-25'16,"-24"1"-16,25 0 16,-25-1-16,0 1 15,-25-1 1,1 25-16,-1-24 0,1 24 16,-25 0-1,25 24-15,-1 1 0,-24-25 16,25 49-16,-1-25 0,1 0 15,0 1-15,24 24 16,0-25-16,0 1 0,0 23 16,0-23-16,24-1 15,0 1-15,1-1 0,-1-24 16,1 0-16,24 25 0,-1-25 16,-23 0-16,24-25 15</inkml:trace>
+  <inkml:trace contextRef="#ctx0" brushRef="#br0" timeOffset="3594">3566 226 0,'0'-25'0,"0"1"0,0 0 16,0-1 0,0 1-16,-24 24 0,-1 0 15,1 0 1,-1 0-1,25 24-15,0 1 0,-24-1 16,24 0-16,0 1 0,0-1 16,0 25-16,0-25 15,24 1-15,-24-1 0,25-24 16,-1 25-16,1-1 16,-1-24-16,0 0 0,1 0 15,-1 0-15,1 0 0,24-24 16,-25-1-16,0 25 15,-24-24-15,25-1 0,-25 1 16,0 0-16,0-1 16,0-24-16,-25 25 0,1 0 15,0 24-15,-1-25 16,1 1-16,-1 24 0,1 0 16,-1 0-16,1 0 15,0 0 1,24 24-16,0 1 15,0-1 1,0 0-16,24-24 16,-24 25-16,24-25 15,1 0 1,-1 0-16,1-25 16,-1 25-16,-24-24 0,25 24 15,-1-24-15,0 24 16,1-25-16,-1 1 15,1 24-15,-1 0 16,-24 24 0,0 1-16,25-1 15,-25 0-15,24 1 16,-24-1-16,0 1 0,24-1 16,-24 0-1,0 1-15,0-50 63,0 1-48,0 0-15,0-1 0,25 1 16,-25-1-16,24 1 0,-24 0 16,25-1-16,-25 1 15,24 24-15,1 0 16,-1 24-1,-24 1-15,0-1 16,24 25 0,-24-25-16,0 1 0,0-1 15,25 0-15,-25 1 16,0-1 0,-25-24-16</inkml:trace>
+  <inkml:trace contextRef="#ctx0" brushRef="#br0" timeOffset="4050">4128 104 0,'0'-25'0,"24"25"46,1 25-30,-1-25 0,-24 24-16,25 1 0,-25-1 15,24 0-15,-24 1 16,24-1-16,-24 1 0,0-1 16,0 0-16,0 1 15,0-50 16,25 1-31,-25 0 16,0-1-16,0 1 16,24-1-16,-24 1 0,25 0 15,-25-1-15,24 1 16,-24-1-16,24 25 0,1 0 16,-1 0-16,1 0 15,-25 25-15,24-1 16,-24 1-16,25-1 0,-25 0 15,0 1-15,24-1 16,-24 1-16,0-1 0,0 0 16,0 1-16</inkml:trace>
+  <inkml:trace contextRef="#ctx0" brushRef="#br0" timeOffset="4243">4738 153 0,'0'24'15,"0"0"17</inkml:trace>
+  <inkml:trace contextRef="#ctx0" brushRef="#br0" timeOffset="5090">0 1276 0,'0'24'0,"25"-24"31,-1 0-31,1 0 16,-1 0-1,0 0-15,1 0 0,-1 0 16,1 0-16,-1 0 16,1 0-16,23 0 0,-23 0 15,-1 0-15,1 0 16,-1 0-16,1 0 16,-25-24-16</inkml:trace>
+  <inkml:trace contextRef="#ctx0" brushRef="#br0" timeOffset="5739">757 1276 0,'25'0'47,"-1"0"-31,-24 24-1,25 1-15,-25-1 16,24 1-16,-24 23 15,0-23-15,25-1 16,-25 1-16,0 24 0,0-25 16,0 0-16,0 1 15,0-1-15,0 1 0,0-1 16,0 1 0,0-50-1,0 1 1,0-1-16,-25 1 15,25-1-15,0 1 0,-24 0 16,24-25-16,-25 24 0,25-24 16,0 25-16,-24-25 15,24 25-15,0-25 0,0 25 16,0-25-16,0 24 0,24 1 16,1-1-16,-1 25 15,1 0-15,-1 0 16,0 0-16,1 0 15,-1 25-15,1-25 0,-1 24 16,1 1-16,-1-1 16,-24 1-16,0-1 0,0 0 15,0 1-15,0-1 0,-24-24 16,-1 25-16,1-1 16,-1-24-16,-24 0 0,25 24 15,0-24-15,-1 0 16</inkml:trace>
+  <inkml:trace contextRef="#ctx0" brushRef="#br0" timeOffset="6183">1368 1227 0,'-24'0'0,"24"-24"16,24 24 31,0 0-47,1 0 15,-1 24-15,1 1 16,-1-1-16,-24 0 15,25 1-15,-25-1 16,0 1-16,0-1 16,-25 0-1,1-24-15,-1 0 16,1 0-16,24-24 16,-25 24-16,25-24 15,0-1-15,0 1 16,0-1-16,25 1 0,-25 0 15,24-1-15,1 25 16,-25-24-16,24 24 0,1-25 16,-1 25-1,0 0-15</inkml:trace>
+  <inkml:trace contextRef="#ctx0" brushRef="#br0" timeOffset="6608">1881 1178 0,'-25'0'32,"1"0"-32,0 0 15,-1 25-15,1-1 16,24 1-1,-25-1-15,25 0 16,0 1 0,0-1-16,0 1 0,25-1 15,-1-24-15,-24 25 16,25-25-16,-1 0 16,0 0-16,1-25 15,-1 25-15,1-24 16,-1-1-16,-24 1 15,25-1-15,-25 1 16,0 0-16,0-1 16,0 1-16,-25-1 0,1 1 15,-1-1 1,1 25 0,24 25-16,-25-25 15</inkml:trace>
+  <inkml:trace contextRef="#ctx0" brushRef="#br0" timeOffset="7022">2076 1154 0,'25'0'16,"-25"24"15,24-24-15,-24 25-16,25-25 15,-25 24-15,24 1 16,-24-1-16,24 0 0,1 1 16,-1-1-16,1 1 15,-1-1-15,0 1 16,1-1-16,-1-24 15,-24-24 1,25-1-16,-25 1 16,24 24-16,-24-25 15,0-24-15,0 25 0,25 0 16,-25-1-16,0 1 0,24-1 16,-24 1-16,0-1 15,0 1-15,24 24 16,-24 24-1,25-24 1</inkml:trace>
+  <inkml:trace contextRef="#ctx0" brushRef="#br0" timeOffset="7281">2809 1178 0,'-24'0'31,"-1"0"1,25 25-17,0-1 1,0 1 0,25-1-16,-25 0 0,0 25 15,24-24-15,-24-1 16,24 0-16,-24 1 15,25-25 1</inkml:trace>
+  <inkml:trace contextRef="#ctx0" brushRef="#br0" timeOffset="7449">2858 910 0,'0'-25'16,"-25"25"-16,25 25 16,0-1-16,0 0 15,0 1 1,0-1-16</inkml:trace>
+  <inkml:trace contextRef="#ctx0" brushRef="#br0" timeOffset="7990">3273 1227 0,'24'0'0,"1"0"16,-25-24-16,0-1 31,-25 25-15,1-24-16,0 24 15,-1 0-15,1 0 16,-1 0-16,1 0 0,-1 24 16,1-24-16,24 25 15,-24-25-15,24 24 0,0 1 16,0-1-16,0 0 0,0 1 16,0-1-16,0 1 15,0-1-15,24-24 0,-24 25 16,24-1-16,-24 0 15,25-24-15,-1 0 0,1 0 16,-1 0-16,1 0 0,-1-24 16,0 0-16,1-1 15,-1 1-15,-24-1 0,25-24 16,-25 25-16,0-25 16,0 25-16,0-25 0,0 24 15,0-23-15,0 23 0,0-24 16,-25 25-16,25-1 15,0 50 1,0-1 0,25 1-16,-25-1 15,24 1-15,-24 23 0,25-23 16,-25 24-16,24-25 16,-24 25-16,24-25 0,-24 1 15,0-1-15,25 1 16</inkml:trace>
+  <inkml:trace contextRef="#ctx0" brushRef="#br0" timeOffset="8390">3761 1227 0,'-24'-24'0,"0"24"31,24 24-31,24-24 31,0 0-15,1 0-16,-1 0 15,1-24 1,-1 24-16,-24-25 0,25 25 16,-25-24-16,24 24 0,-24-25 15,0 1 1,0 0-16,-24-1 15,-1 25 1,1 0-16,-1 0 0,1 0 16,-1 25-16,1-25 0,0 24 15,24 0-15,-25 1 16,25 24-16,0-25 0,25 1 16,-1 23-16,0-23 15,1-1-15,-1 1 0,25-1 16,-24 1-16,-1-1 0,25-24 15,-25 0-15</inkml:trace>
+  <inkml:trace contextRef="#ctx0" brushRef="#br0" timeOffset="9026">4541 1154 0,'-24'0'31,"24"-25"-15,-25 25-1,1 0 1,-1 0 31,1 0-32,-1 0-15,1 0 16,0 0-16,-1 0 16,1 0-16,24 25 0,-25-25 15,1 24-15,24 1 16,-24-1-16,24 1 15,0-1-15,0 0 0,0 25 16,0-24-16,24-1 16,-24 1-16,24-25 15,1 24-15,-1-24 16,1 0-16,23 0 0,-23 0 16,-1 0-16,1-24 0,-1-1 15,1 25-15,-1-24 16,0-1-16,-24 1 0,25-1 15,-25 1-15,0 0 16,0-1-16,24 1 0,-24-1 16,0 1-16,0 48 31,0 1-15,25-1-16,-25 1 15,0-1-15,24 0 0,-24 25 16,25-24-16,-25-1 15,24 1-15,0-25 16</inkml:trace>
+  <inkml:trace contextRef="#ctx0" brushRef="#br0" timeOffset="9525">5202 1227 0,'0'-24'0,"-24"-1"16,0 25 0,24-24-16,-25 24 15,1 0-15,-1 0 0,1 0 16,-1 0-16,1 0 0,0 0 16,-1 24-16,1 1 15,24-1 1,-25 1-16,25-1 15,25 0-15,-25 1 16,24-1-16,-24 1 0,25-1 16,-1 1-1,0-25-15,1 0 0,-1 0 16,1 0-16,-1 0 16,1-25-16,-1 25 0,0-24 15,1-1-15,-25 1 0,24-1 16,-24 1-16,0-25 15,0 25-15,0-25 0,0 24 16,-24-23-16,-1 23 16,25 1-16,-24-1 0,24 1 15,-24 24-15,24 24 16,0 1 0,0 24-16,24-25 0,-24 25 15,24 0-15,1-25 16,-25 25-16,24 0 0,-24-25 15,25 1-15,-25-1 0,24 1 16</inkml:trace>
+  <inkml:trace contextRef="#ctx0" brushRef="#br0" timeOffset="10057">5447 983 0,'0'-25'0,"-25"25"16,25 25 15,0-1-31,0 1 16,0-1-16,0 1 0,0 23 16,25-23-16,-25 24 0,0 0 15,24-1-15,-24 1 16,0 0-16,25 0 0,-25-25 15,24 25-15,-24-24 16,0-1-16,24 0 0,-24 1 16,25-1-16,-25-48 31,0-1-15,0 1-16,0 0 15,0-1-15,0 1 0,-25-1 16,25-23-16,0 23 0,0-24 15,0 25-15,0-25 16,25 25-16,-1-1 0,-24-24 16,25 49-16,-1-24 15,0-1-15,1 25 16,-1 0-16,1 25 0,-25-1 16,24-24-16,-24 25 15,0-1-15,25-24 0,-25 25 16,0-1-16,-25-24 15,1 24-15,-1-24 16,1 25-16,-1-25 0,1 0 16,0-25-1</inkml:trace>
+  <inkml:trace contextRef="#ctx0" brushRef="#br0" timeOffset="10514">6057 1056 0,'-24'0'16,"-1"0"-16,1 0 0,0 0 15,-1 25 1,25-1-1,0 0-15,0 1 0,0-1 16,0 1-16,25-1 16,-25 1-16,24-1 0,-24 0 15,24 1-15,-24-1 16,25-24-16,-1 25 0,1-1 16,-1-24-16,1 0 15,-1 0-15,0-24 16,1 24-16,-1-25 15,-24 1-15,25-1 16,-1 1-16,-24 0 0,24-1 16,-24 1-16,25-25 0,-25 24 15,0 1-15,0-25 16,0 25-16,0 48 47,0 1-47</inkml:trace>
+  <inkml:trace contextRef="#ctx0" brushRef="#br0" timeOffset="10887">6521 983 0,'0'-25'32,"0"1"-32,0 48 46,0 1-30,0-1-16,0 1 0,25-1 16,-25 25-16,0-25 15,24 1-15,-24 24 0,0-25 16,25 1-16,-25 23 16,0-23-16,0-1 15,24 1-15,-24-1 16</inkml:trace>
+  <inkml:trace contextRef="#ctx0" brushRef="#br0" timeOffset="12686">6619 1227 0,'0'25'16,"0"-50"62,0 1-47,24-1-15,1 25 0,-25-24-16,24-1 15,1 25-15,-1-24 16,-24 0-16,24 24 0,1-25 16,-1 25-16,1 0 15,-1 0-15,1 0 16,-1 0-1,-24 25 17,-24-25-17</inkml:trace>
+  <inkml:trace contextRef="#ctx0" brushRef="#br0" timeOffset="13070">7132 788 0,'0'-25'0,"0"1"16,0-1-16,0 1 15,0 48 17,0 1-17,0-1-15,0 1 0,0-1 16,0 25-16,0 0 0,0-1 16,24 1-16,-24 0 15,0 0-15,25 0 0,-25-25 16,0 25-16,24-24 15,-24 23-15,0-23 0,25-1 16,-25 1-16,24-1 16,-24-48-1,-24 24 1</inkml:trace>
+</inkml:ink>
+</file>
+
+<file path=ppt/ink/ink21.xml><?xml version="1.0" encoding="utf-8"?>
+<inkml:ink xmlns:inkml="http://www.w3.org/2003/InkML">
+  <inkml:definitions>
+    <inkml:context xml:id="ctx0">
+      <inkml:inkSource xml:id="inkSrc0">
+        <inkml:traceFormat>
+          <inkml:channel name="X" type="integer" max="1920" units="cm"/>
+          <inkml:channel name="Y" type="integer" max="1080" units="cm"/>
+          <inkml:channel name="T" type="integer" max="2.14748E9" units="dev"/>
+        </inkml:traceFormat>
+        <inkml:channelProperties>
+          <inkml:channelProperty channel="X" name="resolution" value="55.81395" units="1/cm"/>
+          <inkml:channelProperty channel="Y" name="resolution" value="55.6701" units="1/cm"/>
+          <inkml:channelProperty channel="T" name="resolution" value="1" units="1/dev"/>
+        </inkml:channelProperties>
+      </inkml:inkSource>
+      <inkml:timestamp xml:id="ts0" timeString="2020-11-08T01:58:11.866"/>
+    </inkml:context>
+    <inkml:brush xml:id="br0">
+      <inkml:brushProperty name="width" value="0.05" units="cm"/>
+      <inkml:brushProperty name="height" value="0.05" units="cm"/>
+      <inkml:brushProperty name="color" value="#3165BB"/>
+      <inkml:brushProperty name="fitToCurve" value="1"/>
+    </inkml:brush>
+  </inkml:definitions>
+  <inkml:trace contextRef="#ctx0" brushRef="#br0">24 52 0,'-24'0'16,"48"-24"46,1 24-46,-1 0-16,1 0 15,-1 0 1,1 0-16,-1 0 0,0-25 16,1 25-16,-1 0 15,1 0-15,-25 25 47,-25-25-47</inkml:trace>
+</inkml:ink>
+</file>
+
+<file path=ppt/ink/ink22.xml><?xml version="1.0" encoding="utf-8"?>
+<inkml:ink xmlns:inkml="http://www.w3.org/2003/InkML">
+  <inkml:definitions>
+    <inkml:context xml:id="ctx0">
+      <inkml:inkSource xml:id="inkSrc0">
+        <inkml:traceFormat>
+          <inkml:channel name="X" type="integer" max="1920" units="cm"/>
+          <inkml:channel name="Y" type="integer" max="1080" units="cm"/>
+          <inkml:channel name="T" type="integer" max="2.14748E9" units="dev"/>
+        </inkml:traceFormat>
+        <inkml:channelProperties>
+          <inkml:channelProperty channel="X" name="resolution" value="55.81395" units="1/cm"/>
+          <inkml:channelProperty channel="Y" name="resolution" value="55.6701" units="1/cm"/>
+          <inkml:channelProperty channel="T" name="resolution" value="1" units="1/dev"/>
+        </inkml:channelProperties>
+      </inkml:inkSource>
+      <inkml:timestamp xml:id="ts0" timeString="2020-11-08T01:58:17.504"/>
+    </inkml:context>
+    <inkml:brush xml:id="br0">
+      <inkml:brushProperty name="width" value="0.05" units="cm"/>
+      <inkml:brushProperty name="height" value="0.05" units="cm"/>
+      <inkml:brushProperty name="color" value="#3165BB"/>
+      <inkml:brushProperty name="fitToCurve" value="1"/>
+    </inkml:brush>
+  </inkml:definitions>
+  <inkml:trace contextRef="#ctx0" brushRef="#br0">172 188 0,'24'0'15,"1"-24"1,-1 24 15,-24-24-31,-24 24 47,-1 0-31,1 0-16,-1 24 15,-23 0-15,23 1 16,25-1-16,-24 1 15,-1-1-15,25 1 0,-24 23 16,24-23-16,0-1 0,0 1 16,24 24-16,-24-25 15,25-24-15,-1 24 0,1 1 16,-1-25-16,0 24 16,1-24-16,-1 0 0,1 0 15,-1 0-15,1 0 0,-1 0 16,-24-24-16</inkml:trace>
+  <inkml:trace contextRef="#ctx0" brushRef="#br0" timeOffset="454">318 237 0,'-24'0'0,"48"0"47,1 0-31,-1 0-16,1 0 0,-1 25 15,1-1-15,-1-24 16,0 25-16,1-1 0,-1 0 15,-24 1-15,25-1 16,-1 1-16,-24-1 0,0 1 16,0-1-16,-24-24 15,-1 24 1,1-24 0,-1 0-16,25-24 0,0 0 15,0-1 1,0 1-16,25-1 15,-1 1-15,1-25 16,-1 25-16,0-1 0,1 1 16,-1-1-16,1 25 0,-25-24 15,24 24-15,1 0 16</inkml:trace>
+  <inkml:trace contextRef="#ctx0" brushRef="#br0" timeOffset="978">807 359 0,'24'0'31,"1"0"-15,-25 25 0,24-25-1,1 0-15,-1 0 16,0 0 0,1 0-16,-1 0 15,1 0-15,-1 0 0,0-25 16,1 25-1,-25-24-15,24 24 0,-24-24 16,0-1-16,0 1 16,-24-1-1,-1 25-15,1-24 0,0 24 16,-1 0 0,1 0-16,-1 0 0,1 24 15,0 1-15,-1-1 16,25 1-16,-24-1 0,24 25 15,0-25-15,0 1 0,0-1 16,24 1-16,-24-1 16,25 0-16,-1 1 0,0-1 15,1-24 1,-1 25-16,1-25 0,-1 0 16,25 0-16,-25 0 15</inkml:trace>
+  <inkml:trace contextRef="#ctx0" brushRef="#br0" timeOffset="1624">1613 356 0,'0'-24'0,"-25"0"16,1 24 15,24-25-31,-24 25 0,-1 0 16,1 0-1,-1 0-15,1 0 0,-1 0 16,1 25-16,0-1 15,24 0-15,-25 1 16,1-1-16,24 1 0,0-1 16,0 1-16,0-1 15,0 0-15,0 1 16,24-1-16,1-24 16,-1 25-1,0-25-15,1 0 0,-1 0 16,1-25-16,-1 25 15,1-24-15,-1-1 0,0 1 16,1 0-16,-25-25 16,24 24-16,-24 1 15,0-25-15,0 25 0,0-25 16,0 0-16,-24 0 0,24 25 16,0-25-16,0 24 15,0-23-15,0 23 0,0 50 47,0-1-47,24 25 0,-24 0 16,0-1-16,25 1 0,-25 0 15,0 0-15,24 0 0,-24 0 16,25 0-16,-25-25 16,24 25-16,-24-25 0,0 1 15,24-1 1</inkml:trace>
+  <inkml:trace contextRef="#ctx0" brushRef="#br0" timeOffset="1858">2150 359 0,'0'25'15,"-24"-25"-15,-1 0 16,50 0 15,-1 0-15,1 0 0,-25-25-16</inkml:trace>
+</inkml:ink>
+</file>
+
+<file path=ppt/ink/ink23.xml><?xml version="1.0" encoding="utf-8"?>
+<inkml:ink xmlns:inkml="http://www.w3.org/2003/InkML">
+  <inkml:definitions>
+    <inkml:context xml:id="ctx0">
+      <inkml:inkSource xml:id="inkSrc0">
+        <inkml:traceFormat>
+          <inkml:channel name="X" type="integer" max="1920" units="cm"/>
+          <inkml:channel name="Y" type="integer" max="1080" units="cm"/>
+          <inkml:channel name="T" type="integer" max="2.14748E9" units="dev"/>
+        </inkml:traceFormat>
+        <inkml:channelProperties>
+          <inkml:channelProperty channel="X" name="resolution" value="55.81395" units="1/cm"/>
+          <inkml:channelProperty channel="Y" name="resolution" value="55.6701" units="1/cm"/>
+          <inkml:channelProperty channel="T" name="resolution" value="1" units="1/dev"/>
+        </inkml:channelProperties>
+      </inkml:inkSource>
+      <inkml:timestamp xml:id="ts0" timeString="2020-11-08T01:58:44.128"/>
+    </inkml:context>
+    <inkml:brush xml:id="br0">
+      <inkml:brushProperty name="width" value="0.05" units="cm"/>
+      <inkml:brushProperty name="height" value="0.05" units="cm"/>
+      <inkml:brushProperty name="color" value="#177D36"/>
+      <inkml:brushProperty name="fitToCurve" value="1"/>
+    </inkml:brush>
+  </inkml:definitions>
+  <inkml:trace contextRef="#ctx0" brushRef="#br0">146 171 0,'0'24'109,"-24"1"-93,-1-1-1,25 0-15,-24 1 16,24-1-16,-24-24 16,24 25-16,0-1 0,-25 1 15,25-1 1,-24 0-16</inkml:trace>
+  <inkml:trace contextRef="#ctx0" brushRef="#br0" timeOffset="733">439 220 0,'0'-25'0,"-24"25"32,0 0-17,-1 0-15,25 25 16,-24-25-16,-1 0 15,1 0-15,24 24 0,-25-24 16,1 24-16,24 1 31,0-1-15,24-24 0,-24 25-16,25-25 0,-1 0 15,-24 24-15,25-24 16,-1 0-1,-24 25 1,25-25-16,-50 0 16,25 24-1,-24-24-15,-1 0 0,1 24 16,-1-24-16,1 0 16,0 25-16,-1-25 0,1 0 15</inkml:trace>
+  <inkml:trace contextRef="#ctx0" brushRef="#br0" timeOffset="1416">732 293 0,'-24'-25'0,"0"25"15,-1 0 1,1 0 0,-1 0-1,1 0-15,-1 25 16,1-25-1,24 24-15,-24 1 16,24-1 0,0 1-1,24-25-15,0 0 16,1 0 0,-1 0-1,1 0 1,-1-25-1,1 1 1,-25-1 0,0 1-1,0 48 17,24 1-17,-24-1 1,24 1-1,-24-1 1,25-24-16,-25 24 16</inkml:trace>
+  <inkml:trace contextRef="#ctx0" brushRef="#br0" timeOffset="1998">806 122 0,'0'24'31,"0"1"-16,0-1-15,24 1 16,-24-1-16,0 0 16,0 1-16,0-1 0,0 1 15,0-1-15,0 1 16,0-1-16,0 0 0,0 1 16,0-1-16,0 1 15,0-1-15,0 1 16,0-50 31,0 1-32,0-1-15,0 1 16,0-1-16,25 1 0,-25 0 16,0-1-16,24 1 15,-24-1-15,24 1 0,1-1 16,-25 1-16,24 24 0,1 0 15,-25-24-15,24 24 16,1 0-16,-1 24 16,-24 0-1,0 1 1,-24-1-16,-1-24 16,25 25-16,-24-25 15,-1 0-15,1 24 0,-1-24 16,1 0-16</inkml:trace>
+  <inkml:trace contextRef="#ctx0" brushRef="#br0" timeOffset="2532">1294 122 0,'0'24'62,"0"1"-46,0-1-1,0 1-15,-24-1 16,24 0-16,0 1 0,0-1 16,-25-24-16,25 25 15,0-1-15,0 1 0,0-1 16,0 0 15</inkml:trace>
+  <inkml:trace contextRef="#ctx0" brushRef="#br0" timeOffset="3313">1636 73 0,'0'24'47,"0"1"-32,0-1 1,0 1 0,0-1-16,0 1 15,0-1-15,0 0 0,0 1 16,0-1-1,0 1-15,0-1 32,0-48 30,0-1-46,24 25-16,-24-24 15,25 24-15,-25-25 0,24 25 16,1 0 0,-1 0-16,1 0 15,-1 0 1,-24 25-16,24-25 16,-24 24-16,25 1 15,-50-1 16,1-24-15,0 0-16,-1 25 0,1-25 16,-1 0-16,1 0 15,-1 0-15</inkml:trace>
+  <inkml:trace contextRef="#ctx0" brushRef="#br0" timeOffset="3734">2222 195 0,'-24'0'47,"-1"0"-31,1 0 0,0 25-1,-1-25-15,1 24 16,-1 0-1,1 1 1,24-1-16,0 1 16,24-1-1,1 1-15,-1-25 16,1 0 0,-1 0-16,0 0 0,1 0 15,-1-25-15</inkml:trace>
+  <inkml:trace contextRef="#ctx0" brushRef="#br0" timeOffset="4182">2613 49 0,'24'0'15,"-24"24"17,-24-24-32,24 24 15,-24 1-15,24-1 0,-25 1 16,25 24-16,-24-25 0,-1 0 15,25 1-15,-24-1 16,-1 1-16,25-1 0,-24 1 16,24-1-16,-24-24 15,24 24-15</inkml:trace>
+  <inkml:trace contextRef="#ctx0" brushRef="#br0" timeOffset="4584">2882 220 0,'0'-25'0,"0"50"47,0-1-31,0 0-1,-25 1-15,25-1 16,0 1-16,0-1 16,0 1-16,0-1 15,0 0-15</inkml:trace>
+  <inkml:trace contextRef="#ctx0" brushRef="#br0" timeOffset="4772">2906 73 0,'-24'0'0,"48"0"62</inkml:trace>
+  <inkml:trace contextRef="#ctx0" brushRef="#br0" timeOffset="5252">3126 268 0,'-25'0'0,"1"0"16,24 25 15,0-1-15,-24 1-1,24-1-15,0 1 16,0-1 0,-25-24-16,25 24 15,0-48 17,25 0-17,-1-1 1,-24 1-1,24 24-15,1-25 0,-1 1 16,1 24-16,-1-25 16,1 25-16,-1 0 15,0 0-15,1 0 0,-1 25 16,-24-1 0,25 1-16,-25-1 15,0 1-15,0-1 16</inkml:trace>
+  <inkml:trace contextRef="#ctx0" brushRef="#br0" timeOffset="5791">3639 317 0,'0'-24'15,"0"-1"1,0 1 0,-25 0-16,1 24 31,-1 0-31,1 0 15,0 0-15,-1 24 16,1-24-16,-1 24 0,1 1 16,24-1-16,-24 1 0,24-1 15,0 1 1,0-1 0,24-24-1,0 0-15,1 0 0,-25-24 16,24 24-16,1 0 0,-1-25 15,0 25 1,-24-24-16,25 24 0,-1-25 16,-24 1-1,25 24-15,-25-25 0,24 25 16,-24-24-16,25 48 31,-25 1-31,0-1 16,0 1-1,24-1-15,-24 1 0,0-1 16,0 0-16,24-24 16</inkml:trace>
+  <inkml:trace contextRef="#ctx0" brushRef="#br0" timeOffset="6132">4152 49 0,'0'-25'0,"0"1"31,-25 48-15,25 1-16,-24-1 16,24 0-16,-25 1 0,1-1 15,0 25-15,-1-24 16,1 23-16,-1-23 0,1-1 16,-1 25-16,1-24 0,0-1 15,24 0-15,-25 1 16,25-1-16,-24 1 0</inkml:trace>
+  <inkml:trace contextRef="#ctx0" brushRef="#br0" timeOffset="6767">4445 171 0,'-25'0'31,"1"0"-15,-1 0-16,1 0 16,0 24-1,-1-24-15,1 0 0,24 25 16,0-1 0,0 0-1,24-24-15,1 0 16,-1 25-16,0-25 15,1 24-15,-1-24 16,1 25-16,-1-25 16,-24 24-16,25-24 15,-25 25-15,-25-25 16,1 24 0,-1-24-16,1 0 15,-1 0-15,1 0 0,0 0 16,-1 0-16,1 0 15,-1 0-15</inkml:trace>
+  <inkml:trace contextRef="#ctx0" brushRef="#br0" timeOffset="7266">4640 317 0,'25'0'78,"-1"0"-62,0 0 0,1 0-16,-25-24 0,24 24 15,1 0 1,-25-25-16,0 1 16,0 0-1,0-1 1,-25 25-16,1 0 15,-1 0 1,1 0-16,0 25 16,-1-1-1,25 0-15,0 1 16,0-1-16,0 1 0,25-1 16,-25 1-1,24-25-15,-24 24 0,24-24 16,1 24-1,-1-24-15</inkml:trace>
+  <inkml:trace contextRef="#ctx0" brushRef="#br0" timeOffset="7656">4933 220 0,'-24'-25'16,"24"50"31,24-1-31,-24 0-16,25 1 15,-25-1-15,0 1 16,0-1-16,24-24 0,-24 25 15,0-1-15,0-48 47,0-1-31,0 1-16,0-1 16,24 1-16,-24-1 15,25 1-15,-1 24 16,1-24-16,-1-1 15,1 25-15,-1 0 16</inkml:trace>
+  <inkml:trace contextRef="#ctx0" brushRef="#br0" timeOffset="8052">5153 220 0,'0'24'47,"24"0"-31,-24 1-16,0-1 15,25 1-15,-25-1 16,24 1-16,-24-1 31,25-24-31,-1 0 16,-24-24 0,0-1-1,25 25-15,-25-24 0,0-1 16,0 1-16,0-1 15,0 1-15,0 0 16,0-1-16,0 1 16</inkml:trace>
+  <inkml:trace contextRef="#ctx0" brushRef="#br0" timeOffset="8352">5422 146 0,'0'25'31,"0"-1"-16,0 1-15,0-1 16,24-24-16,-24 24 16,0 1-16,0-1 0,0 1 15,0-1-15,0 1 16,24-25 0</inkml:trace>
+  <inkml:trace contextRef="#ctx0" brushRef="#br0" timeOffset="8539">5519 0 0,'-24'0'0,"24"24"15,0 1 1</inkml:trace>
+  <inkml:trace contextRef="#ctx0" brushRef="#br0" timeOffset="8895">5935 244 0,'-25'0'0,"25"-24"16,-24-1 15,-1 25-31,1 0 16,24 25-1,-25-25-15,25 24 0,-24 0 16,0 1 0,24-1-16,-25 1 15,25-1-15,0 1 0,25-1 16,-1 0-1,0-24-15</inkml:trace>
+  <inkml:trace contextRef="#ctx0" brushRef="#br0" timeOffset="9349">6105 342 0,'-24'0'0,"48"0"62,1 0-46,-1 0-1,1 0-15,-1-25 16,1 25-16,-1-24 16,0-1-1,-24 1 1,0 0 0,-24 24-16,24-25 0,-24 25 15,-1 0 1,1 0-16,-1 25 15,1-1-15,-1-24 16,1 24-16,24 1 0,0-1 16,-24 1-16,24-1 15,0 1-15,24-1 0,0 0 16,1 1 0,-1-25-16,1 0 15</inkml:trace>
+  <inkml:trace contextRef="#ctx0" brushRef="#br0" timeOffset="9650">6667 24 0,'-24'25'16,"-1"-1"-1,25 0-15,-24 1 0,0-1 16,-1 1-16,25-1 16,-24 1-16,-1-1 0,1 25 15,-1-25-15,25 1 0,-24-1 16,0 1-16,24-1 15,-25 0-15,25 1 0,-24-1 16</inkml:trace>
+  <inkml:trace contextRef="#ctx0" brushRef="#br0" timeOffset="10140">6740 244 0,'0'24'62,"0"1"-46,0-1-1,0 1 1,0-1-16,0 1 0,0-1 16,0 0-16,25-24 15,-25 25-15,24-25 16,-24 24-16,25-24 31,-25-24-31,24 24 0,-24-25 16,25 1-16,-25 0 15,24-1-15,-24 1 16,24-1-16,-24 1 16,25-1-1,-25 1-15</inkml:trace>
+  <inkml:trace contextRef="#ctx0" brushRef="#br0" timeOffset="10560">7058 268 0,'0'-24'15,"24"24"1,1 0 15,-25 24-15,24-24-1,-24 25-15,25-1 16,-25 1 0,-25-1-16,1-24 15,-1 25-15,1-25 16,24 24 0,-24-24-16,48 0 31,0 24-16,1-24-15,-1 0 16,1 0 0,-1 0-16,1 0 0,-1-24 15</inkml:trace>
+  <inkml:trace contextRef="#ctx0" brushRef="#br0" timeOffset="10872">7498 73 0,'24'0'0,"-24"24"31,0 1-15,-24-1-16,24 1 15,0-1-15,-25 25 16,25-25-16,-24 1 0,-1 24 16,25-25-16,-24 1 15,-1-1-15,1 25 0,0-25 16,24 1-16</inkml:trace>
+  <inkml:trace contextRef="#ctx0" brushRef="#br0" timeOffset="11556">6667 757 0,'25'24'63,"-25"1"-63,0-1 15,0 25-15,0-25 16,24 1-16,-24 24 0,0-25 15,0 25-15,0-25 16,0 25-16,0-24 0,0-1 16,0 1-16,0-1 15</inkml:trace>
+  <inkml:trace contextRef="#ctx0" brushRef="#br0" timeOffset="11971">6741 1074 0,'-25'0'31,"50"0"-15,-1 0 0,0-24-16,25 24 15,-24-24-15,-1 24 0,25 0 16,-25-25-16,1 25 15,-1 0-15,1-24 0,-1 24 16,0-25-16,-24 1 16,0-1-1,-24 1-15,24 0 16,-24-1-16,24 1 16,0-1-16,0 1 15,0 48 16,0 1-31,0-1 0,24 1 16,-24-1-16,0 25 16,0 0-16,0-25 0,24 25 15,-24-25-15,0 1 16,0-1-16,25 1 0,-25-1 16,0 1-16</inkml:trace>
+  <inkml:trace contextRef="#ctx0" brushRef="#br0" timeOffset="12408">7278 1074 0,'0'-24'0,"24"24"63,1 0-48,-1 0 1,1 0-16,-25-24 0,24 24 16,0 0-16,-24-25 15,0 1 1,-24-1-1,0 25 1,-1 0-16,1-24 0,-1 24 16,1 0-16,24 24 15,-25-24-15,25 25 16,0-1-16,-24 1 0,24-1 16,0 0-1,0 25-15,24-49 0,-24 25 16,25-1-16,-25 0 0,24 1 15,1-25 1,-1 0-16,1 0 0</inkml:trace>
+  <inkml:trace contextRef="#ctx0" brushRef="#br0" timeOffset="12858">7693 1074 0,'0'-24'0,"0"0"15,0-1 1,0 1 0,0-1-1,-24 1-15,-1 24 16,1 0 0,-1 0-16,1 24 15,-1 1 1,25-1-16,0 1 15,-24-25-15,24 24 0,0 0 16,0 1-16,0-1 16,0 1-16,0-1 15,24-24-15,1 0 16,-25 24-16,24-24 16,1-24-16,-1 0 15,1 24 1,-25-25-16,24 25 0,-24-24 15,24 24-15,-24-25 0,25 25 16,-25-24 0,0 48-1,0 1-15,24-25 16,-24 24-16,0 1 16,0-1-16</inkml:trace>
+  <inkml:trace contextRef="#ctx0" brushRef="#br0" timeOffset="13236">7840 977 0,'0'-25'0,"24"50"47,0-1-31,-24 1-16,0-1 0,25 0 15,-25 1 1,0-1-16,0 1 16,0-1-1,0-48 1,0-1-1,0 1 1,0-1-16,24 1 16,-24 0-16,0-1 15,25 25-15,-25-24 0,24-1 16,0 1-16,1 24 31</inkml:trace>
+  <inkml:trace contextRef="#ctx0" brushRef="#br0" timeOffset="13507">8157 806 0,'0'-25'15,"0"50"17,0-1-32,0 1 15,0-1-15,0 0 0,0 1 16,0 24-16,0-25 16,0 25-16,0-25 0,24 1 15,-24-1-15,0 1 16,0-1-16,0 1 0</inkml:trace>
+  <inkml:trace contextRef="#ctx0" brushRef="#br0" timeOffset="13681">8108 1001 0,'-24'0'16,"48"0"15,1 0-31,-25-24 16,24 24-16,0 0 0,1-25 15</inkml:trace>
+  <inkml:trace contextRef="#ctx0" brushRef="#br0" timeOffset="14371">8426 855 0,'-25'0'16,"1"0"-1,24 24 1,0 0 0,0 1-1,0-1-15,-25 1 0,25-1 16,0 1-16,0-1 0,0 0 15,0 1-15,0-1 16,0 1-16,0-1 16,0-48 15,0-1-31,0 1 16,0-1-1,0 1-15,0 0 0,0-1 16,0-24-16,0 25 15,0-25-15,25 25 0,-25-1 16,24-24-16,1 25 0,-1-1 16,1 1-16,-1 24 15,0 0-15,1 0 0,-1 0 16,-24 24 0,0 1-16,0-1 15,0 1-15,-24-1 16,24 1-16,-25-1 15,25 0-15,-24-24 0,24 25 16,0-1-16,-24-24 16,24 25-16,24-1 31,0-24-15,1 0-1,-1 25-15,1-1 16,-25 0-1,0 1-15,0-1 16,0 1 0,-25-25-16,25 24 15,-24-24-15,-1 0 16,1 0-16,0 0 16,-1 0-16,1-24 15</inkml:trace>
+  <inkml:trace contextRef="#ctx0" brushRef="#br0" timeOffset="14892">8865 1074 0,'0'-24'16,"0"48"46,25-24-46,-1 0-1,1 0 1,-1 0-16,0-24 16,1 24-1,-25-24 1,24 24-16,-24-25 16,-24 1-1,-1 24 1,1-25-1,0 25-15,-1 0 16,1 0-16,24 25 16,-25-25-16,1 24 15,24 1-15,-25-1 16,25 0-16,0 1 16,0-1-16,25 1 0,-1-25 15,-24 24-15,25 1 0,-1-25 16,1 24-16,-1-24 15,0 0-15,1 0 0</inkml:trace>
+  <inkml:trace contextRef="#ctx0" brushRef="#br0" timeOffset="15665">9256 1026 0,'-24'-25'16,"24"1"-1,0-1 17,-25 25-32,1 0 31,24 25-31,-25-1 15,1 1 1,24-1-16,0 0 16,0 1-1,0-1 1,24 1 0,1-25-1,-1 0 1,-24-25-1,0 1 1,25 24 0,-25-25-1,0 50 17,24-1-17,-24 1 1,24-1-16,1-24 31,-25 24-31,24-24 0,1 0 16,-1-24-1,1 24-15,-25-24 0,24-1 16,0 1-16,-24-1 16,0 1-16,0 0 15,0-1-15,0-24 0,0 0 16,0 1-1,0 23-15,0 1 0,0-1 16,0 1-16,0-1 0,0 1 16,0 48-1,0 1 1,0-1-16,0 1 16,0 24-16,0-25 0,0 25 15,25-25-15,-25 25 0,0-24 16,0-1-16,0 0 15,0 1-15,0-1 0,0 1 16,24-1 0</inkml:trace>
+  <inkml:trace contextRef="#ctx0" brushRef="#br0" timeOffset="15838">9500 952 0,'-24'-24'0,"24"-1"15,24 25 17,1 0-32,-1 25 15,1-25-15,-1 0 16,0 0-16,1 0 0,-1 0 16</inkml:trace>
+</inkml:ink>
+</file>
+
+<file path=ppt/ink/ink24.xml><?xml version="1.0" encoding="utf-8"?>
+<inkml:ink xmlns:inkml="http://www.w3.org/2003/InkML">
+  <inkml:definitions>
+    <inkml:context xml:id="ctx0">
+      <inkml:inkSource xml:id="inkSrc0">
+        <inkml:traceFormat>
+          <inkml:channel name="X" type="integer" max="1920" units="cm"/>
+          <inkml:channel name="Y" type="integer" max="1080" units="cm"/>
+          <inkml:channel name="T" type="integer" max="2.14748E9" units="dev"/>
+        </inkml:traceFormat>
+        <inkml:channelProperties>
+          <inkml:channelProperty channel="X" name="resolution" value="55.81395" units="1/cm"/>
+          <inkml:channelProperty channel="Y" name="resolution" value="55.6701" units="1/cm"/>
+          <inkml:channelProperty channel="T" name="resolution" value="1" units="1/dev"/>
+        </inkml:channelProperties>
+      </inkml:inkSource>
+      <inkml:timestamp xml:id="ts0" timeString="2020-11-08T01:59:17.545"/>
+    </inkml:context>
+    <inkml:brush xml:id="br0">
+      <inkml:brushProperty name="width" value="0.05" units="cm"/>
+      <inkml:brushProperty name="height" value="0.05" units="cm"/>
+      <inkml:brushProperty name="color" value="#177D36"/>
+      <inkml:brushProperty name="fitToCurve" value="1"/>
+    </inkml:brush>
+  </inkml:definitions>
+  <inkml:trace contextRef="#ctx0" brushRef="#br0">195 1954 0,'-24'0'16,"24"24"-1,24-24 1,1-24 0,-1 24-16,25-24 0,-24 24 15,23 0-15,1-25 0,0 25 16,0 0-16,-25-24 15,25 24-15,-24 0 0,-1 0 16,1 0-16,-1 0 16</inkml:trace>
+  <inkml:trace contextRef="#ctx0" brushRef="#br0" timeOffset="227">464 1881 0,'0'24'16,"-24"-24"0,24 24-16,0 1 15,0-1-15,0 1 0,0-1 16,0 1-16,0 23 16,24-23-16,-24-1 0,0 1 15,25-1-15,-25 1 16,0-1-16,24-24 0,-24 24 15</inkml:trace>
+  <inkml:trace contextRef="#ctx0" brushRef="#br0" timeOffset="660">684 2125 0,'0'24'0,"-24"-24"16,48 0 15,0 0-31,1 0 16,-1 0-1,1 0-15,-1 0 16,-24-24-16,24 24 15,-24-25 1,0 1 0,-24 24-1,24-24-15,-24 24 16,-1 0-16,1 0 0,-1 0 16,1 0-1,0 0-15,24 24 0,-25-24 16,25 24-16,0 1 15,0-1-15,0 1 16,25-1 0,-1-24-16,0 25 15,1-25-15,-1 0 0,1 0 16,-1-25-16</inkml:trace>
+  <inkml:trace contextRef="#ctx0" brushRef="#br0" timeOffset="-7603">708 244 0,'0'25'78,"0"-1"-46,0 1-17,0-1 1,-24-24-16,24 24 15,0 1-15,0-1 0,0 1 16,0-1 0,0 1-16,0-1 0,0 0 15,0 1-15,0-1 16,0 1 0,0-50 46,0 1-46,24-1-16,-24 1 15,0 0 1,0-1-16,0 1 0,0-25 16,0 24-16,0 1 0,0 0 15,25-25-15,-25 24 16,0 1-16,24-1 0,-24 1 15,25 0-15,-1-1 16,1 25 0,-1 25-16,0-1 15,-24 0 1,25 1-16,-25-1 0,24 1 16,-24-1-16,0 1 15,25-1-15,-25 0 0,24 1 16,-24-1-16,0 1 15,24-1-15,-24 1 16,0-1 0,0-48 15,25 24-15,-25-25-16,0 1 15,0-1-15,0 1 16,24-1-16,-24-23 0,0 23 15,0 1-15,0-1 16,25 1-16,-25-1 0,0 1 16,0 0-1,24 24-15,-24 24 16,25 0-16,-25 1 16,24-1-16,-24 1 15,24-1-15,-24 1 0,25-1 16,-25 0-16,0 1 15,24-1-15,-24 1 0,0-1 16,25 1-16,-25-1 16</inkml:trace>
+  <inkml:trace contextRef="#ctx0" brushRef="#br0" timeOffset="-7188">1392 122 0,'-24'0'16,"24"25"47,24-25-63,1 0 15,-1 0 1,1 0-16,-1 0 0,0 0 15,1 0-15,-1 0 0,1 0 16,-1 0-16,0 0 16,1 0-16,-25-25 15,-25 25 17,1 0-32</inkml:trace>
+  <inkml:trace contextRef="#ctx0" brushRef="#br0" timeOffset="-6985">1465 171 0,'0'24'15,"0"1"1,25-25 0,-25 24-16,0 1 15,24-1-15,-24 1 16,0-1-16,0 0 15,0 1-15,25-1 16,-25 1-16,0-1 16,0 1-16,0-1 15</inkml:trace>
+  <inkml:trace contextRef="#ctx0" brushRef="#br0" timeOffset="-6420">1881 147 0,'-25'0'15,"25"24"1,-24 0-1,24 1 1,0-1-16,0 1 16,0-1-16,0 1 15,0-1-15,0 0 0,0 1 16,-25-1-16,25 1 16,0-1-16,0-48 46,0-1-30,25 1-16,-25-1 16,0 1-16,0 0 15,0-1-15,24-24 16,-24 25-16,0-1 0,25 1 16,-1 0-1,-24-1-15,25 25 0,-1 0 16,0 0-16,1 0 0,-1 25 15,1-25 1,-1 24-16,-24 0 0,25 1 16,-25 24-16,24-25 0,-24 1 15,0-1-15,24 0 16,-24 1-16,0-1 0,0 1 16,0-1-16,0 1 15</inkml:trace>
+  <inkml:trace contextRef="#ctx0" brushRef="#br0" timeOffset="-6239">1905 366 0,'25'0'62,"-25"-24"-62,24 24 16,0 0-16,1-24 15</inkml:trace>
+  <inkml:trace contextRef="#ctx0" brushRef="#br0" timeOffset="-5617">2345 195 0,'-25'0'16,"25"-24"-16,-24 24 15,24 24 1,0 1 0,0-1-16,24-24 15,-24 25-15,0-1 0,0 1 16,25-1-16,-25 0 15,0 1-15,0-1 0,24 1 16,-24-1 0,-24-24 31,24-24-47,0-1 0,0 1 15,0-1-15,0 1 16,0 0-16,0-1 15,0-24-15,0 25 0,0-1 16,0 1-16,24 0 16,-24-1-16,25 1 0,-1-1 15,0 25-15,1 0 16,-1 0-16,1 25 16,-1-1-16,-24 1 15,25-1-15,-25 0 16,0 1-16,0-1 0,-25 1 15,1-1-15,-1-24 16,1 25-16,-1-25 0,25 24 16,-24-24-16,0 0 0,-1 0 15,25-24 17,25 24-32,-1-25 15,0 25-15,1 0 16,-1 0-16,1 0 0,-1 0 15,1 0-15,-1 25 16,0-25-16,-24 24 0,25-24 16,-25 24-16</inkml:trace>
+  <inkml:trace contextRef="#ctx0" brushRef="#br0" timeOffset="-4974">3200 220 0,'0'-25'15,"0"1"-15,0 0 16,0-1 0,-25 1-16,1-1 15,-1 25-15,1 0 16,-1 0-1,1 0-15,0 25 0,-1-1 16,1 25-16,24-25 16,-25 1-16,25-1 15,0 1-15,0-1 0,0 25 16,25-25-16,-1 1 16,1-1-16,-1 1 15,0-25 1,1 0-16,-1 0 0,1-25 15,-1 25-15,1-24 16,-1-1 0,-24 1-16,24 24 15,-24-24-15,0-1 0,0 1 16,-24 24 0,24-25-16,0 50 31,0-1-31,24 1 15,-24-1-15,0 0 16,25 1-16,-25-1 16,0 1-16,24-25 15,-24 24-15</inkml:trace>
+  <inkml:trace contextRef="#ctx0" brushRef="#br0" timeOffset="-4387">3444 171 0,'0'-24'0,"0"-1"0,-25 1 16,25-1-16,0 1 15,0 48 16,0 1-15,25-1-16,-25 1 0,0-1 16,24 25-16,-24-25 15,0 25-15,0-24 0,25-1 16,-25 25-16,24-25 0,-24 1 16,0 24-16,0-25 15,0 0-15,0 1 16,0-1-1,-24-48 17,24-1-17,0 1-15,0 0 16,0-1-16,0 1 16,0-1-16,0-24 0,0 25 15,24-25-15,-24 25 0,24-1 16,-24 1-16,25-1 15,-1 1-15,1 24 16,-1 0 0,-24 24-16,0 1 15,0-1-15,0 1 0,0-1 16,0 1-16,0-1 16,0 0-16,-24-24 15,24 25-15,-25-25 16,1 0-16,-1-25 15,1 1 1</inkml:trace>
+  <inkml:trace contextRef="#ctx0" brushRef="#br0" timeOffset="-3839">3786 73 0,'0'-24'0,"0"-1"16,24 1-1,1 48 17,-25 1-17,0-1-15,0 1 16,0 24-16,0-25 15,0 25-15,24-25 0,-24 25 16,0-24-16,0-1 0,0 25 16,0-25-16,24 1 15,-24-1-15,0 1 16,0-1-16,0-48 47,0-1-32,0 1-15,0-1 16,0 1-16,0-1 0,0-23 16,0 23-16,0 1 15,0-25-15,25 24 0,-25 1 16,24 0-16,1-1 0,-25 1 16,24 24-16,1 0 15,-1 0-15,0 0 16,-24 24-16,25 1 15,-25-1-15,0 0 16,-25 1-16,25-1 16,-24-24-16,0 0 15,-25 25-15,24-25 0,1 0 16,-25 0-16</inkml:trace>
+  <inkml:trace contextRef="#ctx0" brushRef="#br0" timeOffset="-2922">1392 806 0,'-24'0'16,"48"0"15,1-24-31,-1 24 0,1-25 16,23 25-16,-23 0 15,24-24-15,-25 24 0,0-25 16,25 25-16,-24 0 16,-1 0-16,-24-24 15</inkml:trace>
+  <inkml:trace contextRef="#ctx0" brushRef="#br0" timeOffset="-2683">1514 635 0,'-24'0'0,"48"24"62,-24 1-46,0-1-16,25 1 15,-25-1-15,0 1 16,24-1-16,-24 0 0,0 1 16,0-1-16,25 1 0,-25-1 15,0 1-15</inkml:trace>
+  <inkml:trace contextRef="#ctx0" brushRef="#br0" timeOffset="-1777">782 1319 0,'0'-24'15,"-25"24"-15,25 24 32,0 0-32,0 1 15,0-1-15,25 1 16,-25 23-16,0-23 15,0-1-15,0 1 0,0-1 16,0 1-16,0-1 16,0 0-16,0 1 15,0-50 17,0 1-32,0 0 15,0-1-15,0 1 16,0-1-16,0 1 15,0-1-15,0 1 0,0-25 16,0 25-16,0-25 16,0 25-16,24-25 0,-24 24 15,25 1-15,-1-1 16,-24 1-16,24 0 0,1 24 16,-1 0-16,1 0 0,-1 0 15,0 24 1,1-24-16,-25 24 0,24 1 15,-24-1-15,25 1 16,-25-1-16,0 1 0,0-1 16,0 0-16,-25 1 0,1-1 15,-25 1 1,25-25-16,-1 24 0,1-24 16,-25 24-16,25-24 0,-1 0 15,1 0-15,-1 0 16,50 0 15,-1 0-15,1 0-16,-1 25 0,0-25 15,1 24-15,-1-24 16,25 25-16,-25-25 0,1 24 16,-1 1-16,1-25 15,-1 0-15,1 24 0,-1-24 16,0 0-1</inkml:trace>
+  <inkml:trace contextRef="#ctx0" brushRef="#br0" timeOffset="-1333">1270 1368 0,'25'0'15,"-25"24"32,0 1-31,-25-1 0,25 0-1,0 1-15,0-1 16,0 1-1,25-25-15,-1 0 16,0 0-16,1 0 16,-25-25-16,24 25 15,1 0-15,-25-24 0,24-1 16,-24 1 0,0 0-16,-24-1 15,-1 1 1,1 24-16,-1-25 15,1 25-15,0 25 16,-1-1 0,25 1-1</inkml:trace>
+  <inkml:trace contextRef="#ctx0" brushRef="#br0" timeOffset="-1033">1588 1246 0,'0'-25'0,"0"50"47,0-1-31,0 1-16,24-25 15,-24 24-15,0 0 16,0 1-16,0-1 0,0 1 16,0-1-16,0 0 15,0 1-15,0-1 16,0 1-1</inkml:trace>
+  <inkml:trace contextRef="#ctx0" brushRef="#br0" timeOffset="-601">1734 1368 0,'25'0'47,"-1"0"-31,0 0 0,1 0-16,-1 0 0,1 0 15,-1 0-15,1 0 16,-1-25-1,-24 1-15,0-1 32,0 1-32,-24 0 15,-1 24 1,1-25-16,-1 25 16,1 0-16,-25 25 0,25-25 15,24 24-15,-25 0 16,1 1-16,24-1 0,0 1 15,0-1-15,0 1 0,24-1 16,1-24-16,-1 24 16,0 1-16,25-25 0,0 0 15,0 0-15,-25 0 0</inkml:trace>
+  <inkml:trace contextRef="#ctx0" brushRef="#br0" timeOffset="1277">953 2003 0,'0'-25'0,"-25"25"0,25-24 16,-24-1 0,24 50-1,0-1 1,0 1-16,24-1 15,-24 1-15,0-1 16,0 0-16,0 1 16,25-25-16,-25 24 0,0 1 15,0-50 48,0 1-63,0-1 15,0 1-15,24 24 16,-24-24-16,24-1 0,-24 1 16,25 24-16,-1-25 0,1 25 15,-1 0 1,1 25 0,-25-1-1,0 1-15,0-1 16,0 0-16,0 1 31,-25-25-31,25-25 16,0 1-16,0 0 15,0-1 1,0 1-16,25-1 16,-1 1-1,-24-1-15,24 25 16,1 0-1,-1 25-15,-24-1 0,25-24 16,-25 25-16,0-1 0,24 1 16,-24-1-16,0 0 15,0 1-15</inkml:trace>
+  <inkml:trace contextRef="#ctx0" brushRef="#br0" timeOffset="1835">1319 1832 0,'0'24'47,"0"1"-47,24-25 15,-24 24-15,0 1 0,25 23 16,-25-23-16,24-1 0,-24 1 16,25-1-16,-25 0 15,0 1-15,24-1 0,-24 25 16,24-24 0,-24-1-16,0 0 0,0 1 15,0-1 1,-24-24 15,24-24-31,-24-1 16,24 1-1,0 0-15,0-25 16,0 24-16,0-24 0,0 25 16,0-25-16,0 25 0,24-25 15,-24 25-15,24-1 16,1 1-16,-1 24 15,1 0-15,-1 0 16,-24 24-16,25 1 16,-25-1-16,0 0 15,0 1 1,-25-1-16,1 1 16,-1-25-16,1 24 15,-1-24 1,25-24-16</inkml:trace>
+  <inkml:trace contextRef="#ctx0" brushRef="#br0" timeOffset="2021">1734 1954 0,'25'0'16,"-25"24"-16</inkml:trace>
+  <inkml:trace contextRef="#ctx0" brushRef="#br0" timeOffset="3532">513 73 0,'-24'0'0,"-1"0"15,1 0 1,-1 0-16,25 25 16,-24-25-16,-1 0 15,1 0-15,0 0 16,24 24-16,-25-24 16,1 25-1,-1-25 1,25 24-16,-24-24 15,24 24 1,0 1-16,0-1 16,-24 1-1,24-1-15,0 1 0,0-1 16,0 0-16,0 1 0,0 24 16,0-25-16,-25 25 15,25-25-15,0 25 0,0-24 16,0 23-16,0 1 0,-24 0 15,24-24-15,0 23 16,0 1-16,0 25 0,0-26 16,-25 1-16,25 0 15,0 0-15,0 0 0,0 0 16,-24 0-16,24-25 16,0 25-16,0 0 0,-25-1 15,25-23-15,0 24 0,0-25 16,-24 25-16,24-25 15,0 25-15,0-24 0,0-1 16,0 25-16,0-25 16,0 1-16,0-1 0,0 1 15,0-1-15,24-24 0,-24 24 16,0 1-16,0-1 16,25 1-16,-25-1 15,0 1-15,0-1 16,0 0-16,-25 1 15,1-1-15,0 1 16,24-1 0,-25 1-1,25-1 17,25-24-17,-1 0 1,0 24-1,1-24-15,-1 0 16,1 0-16,-1 0 16,1 0-16,-1-24 0,25 24 15,-25 0-15,1-24 16</inkml:trace>
+</inkml:ink>
+</file>
+
+<file path=ppt/ink/ink3.xml><?xml version="1.0" encoding="utf-8"?>
+<inkml:ink xmlns:inkml="http://www.w3.org/2003/InkML">
+  <inkml:definitions>
+    <inkml:context xml:id="ctx0">
+      <inkml:inkSource xml:id="inkSrc0">
+        <inkml:traceFormat>
+          <inkml:channel name="X" type="integer" max="1920" units="cm"/>
+          <inkml:channel name="Y" type="integer" max="1080" units="cm"/>
+          <inkml:channel name="T" type="integer" max="2.14748E9" units="dev"/>
+        </inkml:traceFormat>
+        <inkml:channelProperties>
+          <inkml:channelProperty channel="X" name="resolution" value="55.81395" units="1/cm"/>
+          <inkml:channelProperty channel="Y" name="resolution" value="55.6701" units="1/cm"/>
+          <inkml:channelProperty channel="T" name="resolution" value="1" units="1/dev"/>
+        </inkml:channelProperties>
+      </inkml:inkSource>
+      <inkml:timestamp xml:id="ts0" timeString="2020-11-08T01:52:10.249"/>
+    </inkml:context>
+    <inkml:brush xml:id="br0">
+      <inkml:brushProperty name="width" value="0.05" units="cm"/>
+      <inkml:brushProperty name="height" value="0.05" units="cm"/>
+      <inkml:brushProperty name="color" value="#ED1C24"/>
+      <inkml:brushProperty name="fitToCurve" value="1"/>
+    </inkml:brush>
+  </inkml:definitions>
+  <inkml:trace contextRef="#ctx0" brushRef="#br0">24 147 0,'-24'0'15,"24"24"1,24 1 0,0 24-1,-24-25-15,25 0 16,-25 1-16,24 24 0,-24-25 16,25 1-16,-1-1 0,-24 0 15,24 1-15,-24-1 16,25-24-16</inkml:trace>
+  <inkml:trace contextRef="#ctx0" brushRef="#br0" timeOffset="409">97 342 0,'-24'0'16,"24"-24"-16,24 24 31,1 0-15,-1 0-16,0 0 15,25 0-15,-24 0 0,24 0 16,-1 0-16,-23 0 0,-1-25 16,25 25-16,-24 0 15,-25-24-15,24 24 0,-24-24 16,0-1-16,-24 25 15,24-24-15,-25-1 16,25 1-16,0-1 0,-24 1 16,24 0-1,-25 24-15,25 24 16,0 0-16,0 1 16,0 24-16,0-25 15,0 25-15,0 0 0,0 0 16,0 0-16,25-25 15,-25 25-15,24-25 0,1 1 16,-25-1-16</inkml:trace>
+  <inkml:trace contextRef="#ctx0" brushRef="#br0" timeOffset="917">732 220 0,'-24'0'15,"-1"25"1,25-1 0,0 0-16,0 1 15,0-1-15,0 1 16,-24-1-16,24 1 0,0-1 15,0 0-15,0 1 16,0-1-16,0 1 16,0-1-16,0 1 15,0-50 17,0 1-32,0-1 15,0 1-15,0-25 16,0 25-16,24-25 0,-24 0 15,25 0-15,-25 0 0,24 0 16,-24 1-16,25 23 16,-1 1-16,0-1 0,1 25 15,-1 0 1,1 25-16,-1 24 0,1-1 16,-25 1-16,24 0 15,-24 0-15,24 24 0,1-24 16,-25 0-16,24 0 0,-24-25 15,0 25-15,25-25 16,-25 1-16,0-1 0</inkml:trace>
+  <inkml:trace contextRef="#ctx0" brushRef="#br0" timeOffset="1116">830 391 0,'-25'0'16,"1"25"-16,0-25 0,-1 0 16,1 0-16,48 0 15,1-25 1,-1 25-16,0 0 0,25-24 16,0 24-16,0-25 15,0 1-15,0 24 0</inkml:trace>
+  <inkml:trace contextRef="#ctx0" brushRef="#br0" timeOffset="1361">1343 74 0,'-25'24'15,"25"0"16,0 1-31,0-1 16,0 1-16,0-1 16,0 25-16,0-25 0,0 25 15,0-24-15,0 24 0,0-25 16,0 25-16,0-25 16,0 1-16,-24-25 0,24 24 15</inkml:trace>
+  <inkml:trace contextRef="#ctx0" brushRef="#br0" timeOffset="1621">1294 123 0,'-24'0'15,"24"24"1,0 0-1,24 1 1,0-1-16,1 25 0,-1-25 16,1 25-16,23-24 0,1-1 15,-24 25-15,24-25 16,-1 1-16,-23-1 0,24 1 16,-25-25-16,1 24 15,-1-24-15,0 0 0,1-24 16</inkml:trace>
+  <inkml:trace contextRef="#ctx0" brushRef="#br0" timeOffset="1847">1709 171 0,'0'-24'16,"0"0"-16,0 48 31,0 0-15,0 1-1,0-1-15,0 1 0,0 23 16,0-23-16,0-1 0,0 25 16,0-24-16,0-1 15,0 0-15,0 1 0,25-1 16,-25 1-16,0-1 0,24-24 16,-24 25-16</inkml:trace>
+  <inkml:trace contextRef="#ctx0" brushRef="#br0" timeOffset="2351">2124 269 0,'-24'0'16,"-1"0"-16,1 0 15,0-24-15,-1 48 16,25 0 0,0 1-16,-24-1 15,24 25-15,0-24 16,0-1-16,0 0 16,0 1-16,0-1 0,0 1 15,0-1-15,0 1 16,24-25-16,-24-25 31,0 1-15,25-1-16,-25 1 15,0-25-15,24 25 16,-24-25-16,24 0 0,1 0 16,-25 25-16,24-25 0,1 24 15,-1-23-15,1 23 16,-1 25-16,0 0 0,1 0 15,-1 25-15,-24-1 16,25 0-16,-25 25 16,24 0-16,-24 0 0,25 0 15,-25 0-15,0-1 16,24 1-16,-24-24 0,0-1 16,24 1-16,-24-1 15</inkml:trace>
+  <inkml:trace contextRef="#ctx0" brushRef="#br0" timeOffset="2532">2075 391 0,'-24'0'16,"24"-24"-16,-24 24 0,48 0 31,0 0-15,1 0-16,24 0 0,0 0 15,-1 0-15,1 0 16,0 0-16</inkml:trace>
+  <inkml:trace contextRef="#ctx0" brushRef="#br0" timeOffset="3300">2857 269 0,'-24'0'16,"-1"0"0,50 0-1,-1 0 1,-24 24-16,24 1 15,1-25-15,-25 49 16,24-25-16,1 1 0,-25 23 16,24 1-16,-24-24 0,0 24 15,25-1-15,-25-23 16,0 24-16,0-25 0,0 1 16,0-1-16,-25 0 0,25 1 15,-24-25-15,-1 0 16,1-25-1,24 1-15,0 0 0,0-1 16,0-24-16,0 0 16,0 1-16,0-1 0,0 0 15,24-24-15,-24-1 16,0 25-16,25 1 0,-25-1 16,24 0-16,-24 0 15,0 25-15,25-1 0,-25 1 16,24 24-16,0-25 0,1 25 15,-1 0 1,1 25-16,-1-1 16,1 1-1,-1 23-15,-24-23 0,24 24 16,-24-25-16,25 25 0,-25-25 16,0 25-16,-25-24 15,25-1-15,-24 1 0,24-1 16,-24 0-16,-1 1 15,1-25-15,-1 24 16,1-24-16,-1 0 0,1-24 16</inkml:trace>
+  <inkml:trace contextRef="#ctx0" brushRef="#br0" timeOffset="4465">3297 440 0,'-25'0'16,"50"0"-1,-25-24 1,24 24-16,0 0 15,1 0-15,-1 0 0,1 0 16,24 0-16,-25 24 16,0-24-16,1 24 0,-25 1 15,24-1-15,1 1 0,-25-1 16,24 1-16,-24-1 16,0 0-16,0 1 0,-24-25 15,24 24-15,-25-24 16,1 0-16,-1 0 15,1 0-15,24-24 16,0-1-16,0 1 16,0 0-16,24-25 15,1 24-15,-1 1 16,1-1-16,-1 1 0,25 0 16,-25 24-16,1-25 0,-1 25 15,1 0-15,-1-24 16,1 24-16,-1 0 15,0 0 1,1 0-16,-1 0 16,1 0-1,-50 0 32,25 24-47,-24-24 16,-1 0-16,25 25 0,-24-1 15,0-24-15,24 24 16,0 1-16,0-1 0,0 1 16,0-1-16,24 1 15,-24-1-15,24 0 0,1 1 16,-1-25-16,1 0 0,-1 24 16,0-24-16,1 0 15,-1 0-15,1-24 0,-1 24 16,-24-25-16,25 1 0,-25 0 15,0-1-15,0 1 16,0-1-16,0 1 0,0-1 16,-25 1-16,25 0 15,-24-1-15,-1 1 0,1-1 16,-1 25 0,1 0-16,0 0 15,24 25-15,0-1 16,24 1-1,0-1-15,1-24 16,-1 24-16,1-24 0,-1 25 16,25-25-16,-25 0 15,1 0-15,-1 0 0,1-25 16,-1 25 0,-24-24-16,0 0 15,0-1-15,0 1 16,0-1-16,0 1 15,0 48 32,0 1-47,0-1 0,0 25 16,25-25-16,-25 25 16,24 0-16,-24 0 0,24 0 15,1 73 1,-25-73-16,0 24 0,0-24 15,0-25-15,-25 25 0,1-24 16,0-1-16,-1 0 16,-24-24-16,25 0 0,-1 0 15,-23 0-15,23-24 16,1 0-16,-1-25 0,25 0 16</inkml:trace>
+  <inkml:trace contextRef="#ctx0" brushRef="#br0" timeOffset="4709">4322 148 0,'0'-25'16,"0"50"46,0-1-46</inkml:trace>
+  <inkml:trace contextRef="#ctx0" brushRef="#br0" timeOffset="5172">4591 489 0,'0'-25'62,"24"25"-31,-24-24-31,25 24 0,-1 0 16,1 0 0,-1 0-16,-24-24 0,25 24 15,-25-25-15,0 1 16,-25 24-16,25-25 15,-24 25-15,24-24 0,-25-1 16,1 25-16,-1 0 16,1 0-16,0 25 15,24-1 1,0 1 0,0-1-16,0 1 0,0-1 15,0 0-15,0 1 16,0-1-16,0 1 0,24-1 15,0 1-15,1-25 0,-1 24 16,1-24-16,-1 0 16,25 0-16</inkml:trace>
+  <inkml:trace contextRef="#ctx0" brushRef="#br0" timeOffset="5466">5079 440 0,'0'-24'16,"-24"24"-16,0-25 16,-1 25-16,1 0 15,-1 0-15,25-24 16,-24 24-16,0 0 0,-1 24 16,1 1-1,24-1 1,0 0-16,0 1 15,0-1-15,0 1 16,24-25-16,-24 24 0,25 1 16,-1-1-1,0-24-15,1 24 16,-1-24-16,1 0 16</inkml:trace>
+  <inkml:trace contextRef="#ctx0" brushRef="#br0" timeOffset="5706">5153 342 0,'-25'-49'15,"25"25"-15,0-25 0,0 25 16,0-1-16,0 1 0,-24 24 31,24 24-31,0 1 16,0 24-16,0-25 15,0 25-15,0 0 0,0 0 16,0-1-16,0 1 0,0-24 16,0 24-16,0-25 15,0 0-15,0 1 0,24-1 16,-24 1-16</inkml:trace>
+  <inkml:trace contextRef="#ctx0" brushRef="#br0" timeOffset="5902">5104 489 0,'-24'0'15,"24"-25"1,24 25 0,0 0-1,1 0-15,-1 0 16,1 0-16,-1 0 15,0 0-15,1-24 16</inkml:trace>
+</inkml:ink>
+</file>
+
+<file path=ppt/ink/ink4.xml><?xml version="1.0" encoding="utf-8"?>
+<inkml:ink xmlns:inkml="http://www.w3.org/2003/InkML">
+  <inkml:definitions>
+    <inkml:context xml:id="ctx0">
+      <inkml:inkSource xml:id="inkSrc0">
+        <inkml:traceFormat>
+          <inkml:channel name="X" type="integer" max="1920" units="cm"/>
+          <inkml:channel name="Y" type="integer" max="1080" units="cm"/>
+          <inkml:channel name="T" type="integer" max="2.14748E9" units="dev"/>
+        </inkml:traceFormat>
+        <inkml:channelProperties>
+          <inkml:channelProperty channel="X" name="resolution" value="55.81395" units="1/cm"/>
+          <inkml:channelProperty channel="Y" name="resolution" value="55.6701" units="1/cm"/>
+          <inkml:channelProperty channel="T" name="resolution" value="1" units="1/dev"/>
+        </inkml:channelProperties>
+      </inkml:inkSource>
+      <inkml:timestamp xml:id="ts0" timeString="2020-11-08T01:52:25.001"/>
+    </inkml:context>
+    <inkml:brush xml:id="br0">
+      <inkml:brushProperty name="width" value="0.05" units="cm"/>
+      <inkml:brushProperty name="height" value="0.05" units="cm"/>
+      <inkml:brushProperty name="color" value="#ED1C24"/>
+      <inkml:brushProperty name="fitToCurve" value="1"/>
+    </inkml:brush>
+  </inkml:definitions>
+  <inkml:trace contextRef="#ctx0" brushRef="#br0">0 0 0,'24'0'78,"1"0"-47,-1 0-31,0 0 0,1 0 16,24 0-16,-25 0 0,1 0 15,23 0-15,1 0 16,-24 0-16,-1 0 0,25 0 16,-25 0-16,1 0 0,-1 0 15,1 0-15,-50 0 47,1 0-47,-1 0 16,-24 0-16</inkml:trace>
+</inkml:ink>
+</file>
+
+<file path=ppt/ink/ink5.xml><?xml version="1.0" encoding="utf-8"?>
+<inkml:ink xmlns:inkml="http://www.w3.org/2003/InkML">
+  <inkml:definitions>
+    <inkml:context xml:id="ctx0">
+      <inkml:inkSource xml:id="inkSrc0">
+        <inkml:traceFormat>
+          <inkml:channel name="X" type="integer" max="1920" units="cm"/>
+          <inkml:channel name="Y" type="integer" max="1080" units="cm"/>
+          <inkml:channel name="T" type="integer" max="2.14748E9" units="dev"/>
+        </inkml:traceFormat>
+        <inkml:channelProperties>
+          <inkml:channelProperty channel="X" name="resolution" value="55.81395" units="1/cm"/>
+          <inkml:channelProperty channel="Y" name="resolution" value="55.6701" units="1/cm"/>
+          <inkml:channelProperty channel="T" name="resolution" value="1" units="1/dev"/>
+        </inkml:channelProperties>
+      </inkml:inkSource>
+      <inkml:timestamp xml:id="ts0" timeString="2020-11-08T01:52:26.118"/>
+    </inkml:context>
+    <inkml:brush xml:id="br0">
+      <inkml:brushProperty name="width" value="0.05" units="cm"/>
+      <inkml:brushProperty name="height" value="0.05" units="cm"/>
+      <inkml:brushProperty name="color" value="#ED1C24"/>
+      <inkml:brushProperty name="fitToCurve" value="1"/>
+    </inkml:brush>
+  </inkml:definitions>
+  <inkml:trace contextRef="#ctx0" brushRef="#br0">0 9 0,'0'24'16,"25"-24"15,-1 0-15,0 0-16,1 0 15,-1 0-15,1 0 0,-1 0 16,1-24-16,23 24 16,-23 0-16,24 0 0,-25 0 15,0 0-15,1 0 0,24 0 16,-25 0-16,1 0 16,-1 0-16</inkml:trace>
+</inkml:ink>
+</file>
+
+<file path=ppt/ink/ink6.xml><?xml version="1.0" encoding="utf-8"?>
+<inkml:ink xmlns:inkml="http://www.w3.org/2003/InkML">
+  <inkml:definitions>
+    <inkml:context xml:id="ctx0">
+      <inkml:inkSource xml:id="inkSrc0">
+        <inkml:traceFormat>
+          <inkml:channel name="X" type="integer" max="1920" units="cm"/>
+          <inkml:channel name="Y" type="integer" max="1080" units="cm"/>
+          <inkml:channel name="T" type="integer" max="2.14748E9" units="dev"/>
+        </inkml:traceFormat>
+        <inkml:channelProperties>
+          <inkml:channelProperty channel="X" name="resolution" value="55.81395" units="1/cm"/>
+          <inkml:channelProperty channel="Y" name="resolution" value="55.6701" units="1/cm"/>
+          <inkml:channelProperty channel="T" name="resolution" value="1" units="1/dev"/>
+        </inkml:channelProperties>
+      </inkml:inkSource>
+      <inkml:timestamp xml:id="ts0" timeString="2020-11-08T01:52:27.047"/>
+    </inkml:context>
+    <inkml:brush xml:id="br0">
+      <inkml:brushProperty name="width" value="0.05" units="cm"/>
+      <inkml:brushProperty name="height" value="0.05" units="cm"/>
+      <inkml:brushProperty name="color" value="#ED1C24"/>
+      <inkml:brushProperty name="fitToCurve" value="1"/>
+    </inkml:brush>
+  </inkml:definitions>
+  <inkml:trace contextRef="#ctx0" brushRef="#br0">22 26 0,'-25'0'15,"50"0"48,-1 0-48,0 0-15,1 0 16,24 0-16,-25 0 16,25 0-16,0 0 0,0 0 15,-1 0-15,1 0 16,0 0-16,0 0 0,-25-24 15,25 24-15,-24 0 16,-1 0-16</inkml:trace>
+</inkml:ink>
+</file>
+
+<file path=ppt/ink/ink7.xml><?xml version="1.0" encoding="utf-8"?>
+<inkml:ink xmlns:inkml="http://www.w3.org/2003/InkML">
+  <inkml:definitions>
+    <inkml:context xml:id="ctx0">
+      <inkml:inkSource xml:id="inkSrc0">
+        <inkml:traceFormat>
+          <inkml:channel name="X" type="integer" max="1920" units="cm"/>
+          <inkml:channel name="Y" type="integer" max="1080" units="cm"/>
+          <inkml:channel name="T" type="integer" max="2.14748E9" units="dev"/>
+        </inkml:traceFormat>
+        <inkml:channelProperties>
+          <inkml:channelProperty channel="X" name="resolution" value="55.81395" units="1/cm"/>
+          <inkml:channelProperty channel="Y" name="resolution" value="55.6701" units="1/cm"/>
+          <inkml:channelProperty channel="T" name="resolution" value="1" units="1/dev"/>
+        </inkml:channelProperties>
+      </inkml:inkSource>
+      <inkml:timestamp xml:id="ts0" timeString="2020-11-08T01:52:28.331"/>
+    </inkml:context>
+    <inkml:brush xml:id="br0">
+      <inkml:brushProperty name="width" value="0.05" units="cm"/>
+      <inkml:brushProperty name="height" value="0.05" units="cm"/>
+      <inkml:brushProperty name="color" value="#ED1C24"/>
+      <inkml:brushProperty name="fitToCurve" value="1"/>
+    </inkml:brush>
+  </inkml:definitions>
+  <inkml:trace contextRef="#ctx0" brushRef="#br0">248 98 0,'-25'0'16,"25"25"-1,0-1 1,0 0-1,25 1-15,-25 24 0,24-25 16,-24 25-16,25-25 16,-25 25-16,24-24 0,-24 23 15,25-23-15,-25-1 16,0 1-16</inkml:trace>
+  <inkml:trace contextRef="#ctx0" brushRef="#br0" timeOffset="445">4 294 0,'0'-25'0,"0"1"15,0-1-15,0 1 16,0-1-16,24 1 16,0 24-16,1-24 0,-1 24 15,1-25-15,-1 25 16,25 0-16,-25 0 0,1-24 16,24 24-16,0 0 15,-25 0-15,25 24 0,-25-24 16,25 25-16,-24-1 0,23-24 15,-23 24-15,-1 25 16,-24-24-16,25-1 0,-25 25 16,0-25-16,0 1 15,0-1-15,-25 1 0,1-1 16,-1 0-16,1 1 0,0-1 16,-25-24-16,0 25 15,24-25-15,-23 24 0,-1-24 16,24 0-16,-24 25 0,25-25 15,24-25 1</inkml:trace>
+  <inkml:trace contextRef="#ctx0" brushRef="#br0" timeOffset="1223">907 147 0,'-24'0'0,"-1"0"16,25 24-1,0 1-15,0-1 16,0 1-1,0 24-15,0-25 0,0 0 16,25 1-16,-25-1 16,0 1-16,0-1 15,0 0-15,0-48 47,0 0-31,-25-1-16,25 1 15,0-25-15,0 25 0,0-1 16,0-24-16,0 25 16,0-25-16,0 25 0,25-1 15,-25 1-15,24-1 16,1 1-16,-1 24 0,1-25 16,-1 25-16,0 0 0,1 0 15,-1 0-15,1 25 16,-1-1-16,1-24 0,-25 25 15,24-1-15,-24 1 0,0-1 16,0 0-16,0 1 16,-24-1-16,-1 1 15,25-1-15,-24-24 16,-1 25-16,1-25 0,-1 0 16,1 0-16,24-25 31,24 25-16,1 0-15,-1 0 16,25 0-16,-24 0 0,-1 0 16,25 25-16,-25-25 0,1 24 15,-25 0-15,24-24 16,-24 25-16,0-1 0,-24 1 16,-1-1-1,1-24-15,-1 0 0,1 0 16,-25 0-16,25 0 0,-1 0 15,1 0-15,-1 0 16,1-24-16,0 24 0,-1-25 16</inkml:trace>
+  <inkml:trace contextRef="#ctx0" brushRef="#br0" timeOffset="1525">1640 49 0,'0'-24'15,"-24"24"-15,48 24 31,-24 1-15,0-1 0,0 25-16,0-25 0,24 1 15,-24 24-15,0 0 0,0-25 16,0 0-16,0 25 16,0-24-16,0-1 0,0 0 15</inkml:trace>
+  <inkml:trace contextRef="#ctx0" brushRef="#br0" timeOffset="2141">1567 269 0,'-25'0'16,"25"-24"-16,0-1 15,25 25 1,-1-24-16,1 24 15,23 0-15,1 0 16,0 0-16,-24-25 0,23 25 16,1 0-16,0 0 0,0 0 15,0 0-15,-25 0 16,1 0-16,-1 0 0,0 0 16,-24-24-16,-24 24 31,0-24-16,-1 24-15,1 0 16,-1 0-16,1 0 0,-1 0 16,1 24-16,0-24 0,-1 24 15,1-24-15,-1 25 16,1-1-16,24 25 0,0-24 16,0-1-16,0 0 15,0 1-15,0-1 0,24 1 16,1-1-16,-1 0 15,1-24-15,23 0 0,-23 0 16,-1 0-16,25 0 0,-24-24 16,-1 0-16,0 24 15,1-25-15,-25 1 0,24-1 16,-24 1-16,0 0 0,0-1 16,0 1-16,0-1 15,0 1-15,0 48 31,0 1-15,25-1 0,-25 1-16,0-1 0,24 0 15,-24 1-15,25-1 0,-25 1 16,24-1-16,0-24 16</inkml:trace>
+  <inkml:trace contextRef="#ctx0" brushRef="#br0" timeOffset="2628">2422 123 0,'0'-25'16,"-25"25"-16,1-24 15,24 48 16,0 1-31,0-1 16,24 0-16,-24 1 16,0-1-16,25 25 0,-25-24 15,0-1-15,0 25 16,24-25-16,-24 1 0,0-1 16,0 0-16,0 1 15,0-50 16,0 1-15,0 0-16,0-1 0,24 1 16,-24-1-16,25 1 0,-25 0 15,24-1-15,1 1 16,-1 24-16,1 0 0,-1 0 16,25 0-16,-25 0 15,1 24-15,-1-24 0,0 25 16,1-1-16,-1 0 0,-24 1 15,0-1 1,-24-24-16,-1 25 0,1-25 16,0 0-16,-25 0 0,24 0 15,-23 0-15,-1 0 16,24-25-16,1 25 0</inkml:trace>
+  <inkml:trace contextRef="#ctx0" brushRef="#br0" timeOffset="2891">2983 0 0,'-24'0'15,"24"25"1,0-1-1,0 1-15,0-1 16,24 1-16,-24-1 16,0 0-16,25 25 15,-25-24-15,0-1 0,24 25 16,-24-25-16,0 1 16,0-1-16</inkml:trace>
+  <inkml:trace contextRef="#ctx0" brushRef="#br0" timeOffset="3323">3253 269 0,'-25'0'16,"25"-24"-1,25 24 16,-1 0-15,1 0-16,-1 0 16,1 0-16,-1 0 0,25 0 15,-25 0-15,1 0 0,-1-25 16,1 25-16,-1 0 16,-24-24-16,0-1 15,0 1 1,-24 0-16,-1 24 15,1 0-15,-25 0 16,24 0-16,-23 0 0,23 0 16,1 0-16,-25 24 0,49 0 15,-25 1-15,25-1 16,0 25-16,0-24 0,25 23 16,-1-23-16,1 24 15,24-25-15,-25 0 0,25 1 16,0-25-16,0 0 0,-1 0 15,1-25-15,0 25 16,-24-24-16</inkml:trace>
+</inkml:ink>
+</file>
+
+<file path=ppt/ink/ink8.xml><?xml version="1.0" encoding="utf-8"?>
+<inkml:ink xmlns:inkml="http://www.w3.org/2003/InkML">
+  <inkml:definitions>
+    <inkml:context xml:id="ctx0">
+      <inkml:inkSource xml:id="inkSrc0">
+        <inkml:traceFormat>
+          <inkml:channel name="X" type="integer" max="1920" units="cm"/>
+          <inkml:channel name="Y" type="integer" max="1080" units="cm"/>
+          <inkml:channel name="T" type="integer" max="2.14748E9" units="dev"/>
+        </inkml:traceFormat>
+        <inkml:channelProperties>
+          <inkml:channelProperty channel="X" name="resolution" value="55.81395" units="1/cm"/>
+          <inkml:channelProperty channel="Y" name="resolution" value="55.6701" units="1/cm"/>
+          <inkml:channelProperty channel="T" name="resolution" value="1" units="1/dev"/>
+        </inkml:channelProperties>
+      </inkml:inkSource>
+      <inkml:timestamp xml:id="ts0" timeString="2020-11-08T01:52:33.731"/>
+    </inkml:context>
+    <inkml:brush xml:id="br0">
+      <inkml:brushProperty name="width" value="0.05" units="cm"/>
+      <inkml:brushProperty name="height" value="0.05" units="cm"/>
+      <inkml:brushProperty name="color" value="#ED1C24"/>
+      <inkml:brushProperty name="fitToCurve" value="1"/>
+    </inkml:brush>
+  </inkml:definitions>
+  <inkml:trace contextRef="#ctx0" brushRef="#br0">223 134 0,'25'-24'16,"-25"-1"-1,-25 25 48,1 25-63,0-25 15,-1 0-15,1 24 0,-1-24 16,1 24-16,-1 1 16,25-1-16,-24 1 0,0-1 15,24 25-15,0-25 16,0 25-16,0-24 0,0 24 15,24-25-15,0 0 0,1 1 16,-1-1-16,25-24 16,-24 25-16,23-25 0,1 0 15,-24 0-15,24 0 16,-25 0-16,25-25 0,-25 25 16,1-24-16,-1 24 0,-24-25 15</inkml:trace>
+  <inkml:trace contextRef="#ctx0" brushRef="#br0" timeOffset="581">956 232 0,'0'-25'15,"0"1"1,-24 24-16,-1-25 16,1 1-1,-1 24-15,1 0 16,0 0-16,-1 0 0,-24 0 15,25 0-15,-1 0 16,1 0-16,0 24 0,-1 1 16,1-1-1,24 1-15,-25-1 0,25 1 16,0-1-16,0 0 16,25 1-16,-1-1 15,1-24-15,-1 25 0,0-25 16,1 0-16,24 0 15,-25 0-15,25 0 0,0 0 16,-25 0-16,25 0 0,-25 24 16,1-24-16,-1 0 15,-24 25-15,25-25 0,-25 24 16,0 0-16,0 1 16,-25-1-16,1 1 15,-1-25-15,1 24 16,0-24-16,-1 0 15,-24 0-15,25 0 0,0 0 16,-1 0-16,1 0 16,-1 0-16,1-24 0,24-1 15</inkml:trace>
+  <inkml:trace contextRef="#ctx0" brushRef="#br0" timeOffset="1093">1225 232 0,'0'-25'31,"24"25"0,1 0-15,-25 25 0,24-1-16,-24 1 15,24-1-15,-24 0 16,25 1-16,-25-1 0,24 1 16,-24-1-16,25 1 15,-1-25-15,-24 24 0,25 0 16,-1-24-16,0 0 15,1 0-15,-1 0 16,-24-24 0,0 0-1,0-1-15,0 1 16,0-1-16,0 1 0,0-1 16,0-23-16,0 23 15,25 1-15,-25-1 0,0 1 16,24-1-16,0 25 47,-24 25-32,0-1 1</inkml:trace>
+  <inkml:trace contextRef="#ctx0" brushRef="#br0" timeOffset="1757">1933 354 0,'0'24'78,"24"1"-47,-24-1-31,0 1 16,0-1-16,0 0 16,-24 1-16,24-1 15,-24 1-15,24-1 0</inkml:trace>
+  <inkml:trace contextRef="#ctx0" brushRef="#br0" timeOffset="2573">2397 158 0,'24'0'63,"-24"-24"-47,-24 24 77,24-24-77,-24 24 0,24-25 15,0 1 0,24 24-15,-24 24 15,0 1-31,0-1 16,24 0-16,-24 1 15,25 24-15,-25-25 0,0 1 16,24-1-16,-24 25 15,25-25-15,-25 1 0,0-1 16,0 1-16,0-1 16</inkml:trace>
+  <inkml:trace contextRef="#ctx0" brushRef="#br0" timeOffset="2947">2299 354 0,'25'0'16,"-1"0"0,1 0-1,-1 0-15,0 24 0,1-24 16,-1 0-16,1 0 16,-1 0-16,1-24 0,23 24 15,-23 0-15,-1 0 16,1 0-16,-1 0 0,1 0 15,-1 0-15,-48 0 32</inkml:trace>
+  <inkml:trace contextRef="#ctx0" brushRef="#br0" timeOffset="3263">2202 134 0,'0'-24'16,"24"24"-16,0 0 15,1-25-15,-1 25 16,1 0-16,-1 0 0,1-24 16,-1 24-16,0 0 15,1 0-15,-1 0 0,1 0 16,-1 0-16,1 0 0,-1 0 16,0 0-16,1 0 15,-1 0-15</inkml:trace>
+  <inkml:trace contextRef="#ctx0" brushRef="#br0" timeOffset="3949">2763 183 0,'25'0'31,"-1"0"-15,1 0-1,-1 0-15,0 0 16,-24 24-16,25 1 16,-25-1-1,0 1-15,24-1 16,-24 0-1,0 1-15,0-50 47,0 1-31,0 0 0,25-1-16,-25 1 15,0-1-15,24 1 0,1 24 16,-25-25-16,24 1 15,0 24-15,1 0 16,-1 0-16,1 24 16,-25 1-1,24-25-15,-24 24 16,0 1-16,0-1 16,-24-24 15,24-24 0,24-1-15,1 25-16,-25-24 15,24 24-15,0 0 16,1-25-16,-1 25 16,1 0-16,-25 25 0,24-1 15,-24 1 1,0-1-16,25 1 15,-25-1-15,0 0 16,24 1-16,-24-1 0,0 1 16,24-25-1</inkml:trace>
+  <inkml:trace contextRef="#ctx0" brushRef="#br0" timeOffset="4506">3398 11 0,'0'-24'15,"25"48"1,-25 0 0,24 1-16,-24-1 15,0 1-15,25-1 0,-25 25 16,24 0-16,-24-25 15,0 25-15,24 0 0,-24 0 16,0-25-16,25 25 0,-25-25 16,0 25-16,0-24 15,0-1-15,0 0 0,0 1 16,0-1-16,0-48 31,0-1-15,0 1-1,0 0-15,0-25 0,-25 24 16,25-23-16,0 23 16,0-24-16,0 25 0,-24-25 15,24 25-15,0-1 0,0 1 16,24-1-16,-24 1 16,25-1-16,-1 25 0,-24-24 15,25 24-15,-1 0 16,1 0-16,-1 0 0,0 24 15,1 1-15,-1-25 16,-24 24-16,25 1 16,-25-1-16,-25 1 15,1-1-15,-1-24 16,1 24-16,0-24 0,-1 0 16,1 0-16,-25 0 15,24 0-15,1 0 0</inkml:trace>
+  <inkml:trace contextRef="#ctx0" brushRef="#br0" timeOffset="4722">3960 158 0,'0'25'0,"25"-25"15,-1 0-15,0 0 16,1 0-16,-1 0 16,1 0-16,-1 0 15,-24 24-15,-24-24 16</inkml:trace>
+  <inkml:trace contextRef="#ctx0" brushRef="#br0" timeOffset="6594">516 1038 0,'0'-25'31,"-24"25"172,24-24-172,-24 24-31,-1 0 16,1 0-16,-1 0 16,1 0-16,-25 0 15,25 0-15,-1 24 0,-24-24 16,25 25-16,-25-1 16,25 1-16,-1-1 0,1 0 15,-1 25-15,25-24 0,0 23 16,0-23-16,0 24 15,25-25-15,-1 1 0,1-1 16,-1 0-16,1-24 16,-1 25-16,25-25 0,-25 0 15,1 0-15,23 0 0,-23-25 16</inkml:trace>
+  <inkml:trace contextRef="#ctx0" brushRef="#br0" timeOffset="7145">883 1184 0,'-25'0'16,"25"-24"-1,0-1 16,-24 1-15,0 24 0,-1 0-16,1 0 15,-1 0 1,1 0-16,-1 24 0,1-24 16,0 25-16,-1-1 15,1 1-15,24-1 16,0 0-16,0 1 0,0-1 15,0 1-15,24-1 16,-24 1-16,25-25 0,-1 24 16,0-24-16,1 0 0,24 0 15,-25 0-15,1 0 16,-1 0-16,0-24 16,1-1-16,-1 1 15,-24-1-15,0 1 0,0-1 16,0 1-16,0-25 0,0 25 15,0-1-15,0 1 16,0 48 15,0 1-31,0-1 0,25 1 16,-25-1-16,0 0 16,24 1-16,-24-1 0,25-24 15,-25 25-15,24-25 0,0 0 16,1 0-16</inkml:trace>
+  <inkml:trace contextRef="#ctx0" brushRef="#br0" timeOffset="7398">1176 989 0,'-25'-25'0,"25"1"16,0 48 31,0 1-47,0-1 15,0 1-15,25 24 0,-25-25 16,0 0-16,0 25 16,0-24-16,24 24 0,-24-25 15,0 0-15,25 1 16,-25-1-16</inkml:trace>
+  <inkml:trace contextRef="#ctx0" brushRef="#br0" timeOffset="8423">1713 1184 0,'0'-24'16,"-24"-1"-1,-1 25 1,1 0-16,-1-24 16,1 24-16,0 0 15,-1 0-15,1 24 16,-1-24-16,1 0 0,24 25 15,-24-1-15,24 1 16,0-1-16,0 1 16,0-1-16,0 0 15,24 1-15,-24-1 0,24 1 16,1-25-16,-1 24 0,1-24 16,23 24-16,-23-24 15,-1 0-15,25 0 0,-24-24 16,-1 24-16,0-24 15,1-1-15,-1 1 0,-24-1 16,25 1-16,-25 0 0,0-1 16,0 1-16,0-1 15,0-24-15,0 25 16,0 0-16,-25 24 16,25 24-1,0 0 1,0 1-1,0-1-15,0 1 0,0-1 16,0 1-16,0-1 0,0 0 16,25 1-16,-1-1 15,1-24 1,-1 0-16,0 0 16,1 0-16,-1-24 15,1-1-15,-1 1 16,-24 0-1,0-1-15,0 1 0,0-1 16,0 1-16,0-1 16,0 1-16,-24 0 15,24 48 1,0 0 0,0 1-16,0-1 0,24-24 15,-24 49-15,25-49 16,-25 25-16,24-1 0,-24 0 15,24-24-15,1 25 0,-1-1 16,1-24 0,-1 0-16,1-24 15,-1-1 1,-24 1-16,24 0 0,-24-1 16,0 1-16,0-1 0,0-24 15,0 1-15,0 23 16,-24-24-16,24 25 0,0-25 15,-24 25-15,24-1 0,0 50 32,0-1-17,0 0-15,0 1 16,0 24-16,0-25 0,24 25 16,-24 0-16,0 0 0,24-25 15,-24 25-15,25-25 16,-25 1-16,24-1 0,1 1 15,-25-1-15,24-24 16</inkml:trace>
+  <inkml:trace contextRef="#ctx0" brushRef="#br0" timeOffset="9618">2324 1209 0,'-25'0'16,"25"-25"-1,25 25 17,-25-24-32,24 24 15,1 0-15,-1 0 16,0 0-16,25-25 0,-24 25 16,-1 0-16,25 0 15,-25-24-15,1 24 0,24 0 16,-25-24-16,1 24 15,-1 0-15,0-25 16,1 25-16,-25-24 16,0-1 15,-25 25-15,1 0-16,0 0 15,-1 0-15,1 0 0,24 25 16,-25-25-16,1 24 15,24 1-15,-25-1 16,25 0-16,0 1 16,0 24-16,0-25 0,0 0 15,0 1-15,0-1 0,0 1 16,25-1-16,-1 1 16,1-1-16,-1-24 15,1 0 1,-1-24-16,0 24 0,1-25 15,-1 1-15,-24-1 16,25 1-16,-25-25 16,0 25-16,0-1 0,0 1 15,0-1-15,0 1 16,0 0-16,0 48 16,0 0-1,0 1 1,0-1-16,0 1 0,0-1 15,0 0-15,24 1 16,-24-1-16,24 1 0,1-1 16,-1-24-16,1 0 15,-1 0-15,1 0 16,-1 0-16,0-24 0,-24-1 16,25 1-16,-1-1 0,-24-23 15,0 23-15,0-24 16,0 1-16,0-1 0,0 0 15,-24 24-15,24-23 16,-25 23-16,25 1 0,-24 24 16,24 24-1,0 1 1,0 23-16,0-23 0,24 24 16,-24 0-16,25-1 15,-25 1-15,24-24 0,1 23 16,-25-23-16,24 24 15,1-25-15,-1 1 16,0-25-16,-24-25 31,0 1-31,-24-1 0,24 1 16,-24-1-16,-1 1 0,25 0 16,-24 24-16,-1-25 15,25 1-15,-24 24 16,48 0-1,1-25 1,-1 25-16,1 0 0,-1 0 16,0 0-16,1-24 15,-1 24-15,1 0 0,-1 0 16,1-24 0,-1 24-1,-24-25-15,24 50 31,-24-1-31,0 0 16,0 1 0,0 24-16,25-25 0,-25 0 15,0 1-15,0-1 0,24 1 16,-24-1-16,25 1 16</inkml:trace>
+  <inkml:trace contextRef="#ctx0" brushRef="#br0" timeOffset="9786">3447 916 0,'-24'-25'16,"-1"1"-16,25 48 31,25 1-15,-1-1-1</inkml:trace>
+  <inkml:trace contextRef="#ctx0" brushRef="#br0" timeOffset="10583">3691 1038 0,'0'24'31,"-24"-24"-15,24 25-16,-24-1 16,24 0-16,0 1 0,0-1 15,0 25-15,0-25 16,0 1-16,24 24 0,0-25 16,1 1-16,-1-25 15,1 24-15,-1-24 0,1 0 16,23 0-16,-23 0 15,-1-24-15,1 24 0,-1-25 16,-24 1-16,0-25 0,0 24 16,0 1-16,-24-25 15,24 0-15,-25 25 0,1 0 16,-1-1-16,1 1 0,0-1 16,-1 25-16,1 0 15,-1 25-15,25-1 16,0 1-16,0-1 15,0 0-15,25 1 0,-25-1 16,24 25-16,-24-25 0,25-24 16,-25 25-16,24-25 15,0 24-15,1-24 16,-1-24 0,1-1-16,-25 1 15,0 0-15,0-1 0,0 1 16,24-1-16,-24-23 15,0 23-15,25 1 16,-1 24 0,0 0-16,-24 24 0,25 1 15,-25-1-15,24 0 0,-24 25 16,25-24-16,-25-1 16,0 25-16,24-25 0,-24 1 15,0-1-15,0-48 47,0-1-47,0 1 16,0-25-16,0 25 0,25-25 15,-25 0-15,0 25 16,24-1-16,-24 1 0,24-1 16,1 25-16,-1 25 15,1-1-15,-25 1 16,24 23-16,-24-23 0,24 24 15,-24-1-15,25 1 0,-25 0 16,24-24-16,-24-1 16,0 0-16,25 1 0,-25-1 15</inkml:trace>
+  <inkml:trace contextRef="#ctx0" brushRef="#br0" timeOffset="10879">4449 1013 0,'-25'-24'0,"1"24"15,24-25 1,24 25 15,1 25-15,-25-1-16,24 1 15,0-1-15,1 1 0,-1 23 16,1-23-16,-1 24 0,1-25 16,-1 25-16,0-25 15,1 25-15,-1-24 0,1-1 16,-1 0-16,-24-48 31</inkml:trace>
+  <inkml:trace contextRef="#ctx0" brushRef="#br0" timeOffset="11178">4766 989 0,'0'24'62,"0"1"-62,0-1 16,0 1-16,0-1 16,-24 25-16,24-25 0,0 25 15,0 0-15,0 0 0,0-25 16,24 25-16,-24 0 16,0-25-16,0 1 0,25-1 15,-25 1-15,0-1 16,0-48-1,0-1 1</inkml:trace>
+</inkml:ink>
+</file>
+
+<file path=ppt/ink/ink9.xml><?xml version="1.0" encoding="utf-8"?>
+<inkml:ink xmlns:inkml="http://www.w3.org/2003/InkML">
+  <inkml:definitions>
+    <inkml:context xml:id="ctx0">
+      <inkml:inkSource xml:id="inkSrc0">
+        <inkml:traceFormat>
+          <inkml:channel name="X" type="integer" max="1920" units="cm"/>
+          <inkml:channel name="Y" type="integer" max="1080" units="cm"/>
+          <inkml:channel name="T" type="integer" max="2.14748E9" units="dev"/>
+        </inkml:traceFormat>
+        <inkml:channelProperties>
+          <inkml:channelProperty channel="X" name="resolution" value="55.81395" units="1/cm"/>
+          <inkml:channelProperty channel="Y" name="resolution" value="55.6701" units="1/cm"/>
+          <inkml:channelProperty channel="T" name="resolution" value="1" units="1/dev"/>
+        </inkml:channelProperties>
+      </inkml:inkSource>
+      <inkml:timestamp xml:id="ts0" timeString="2020-11-08T01:53:01.582"/>
+    </inkml:context>
+    <inkml:brush xml:id="br0">
+      <inkml:brushProperty name="width" value="0.05" units="cm"/>
+      <inkml:brushProperty name="height" value="0.05" units="cm"/>
+      <inkml:brushProperty name="color" value="#ED1C24"/>
+      <inkml:brushProperty name="fitToCurve" value="1"/>
+    </inkml:brush>
+  </inkml:definitions>
+  <inkml:trace contextRef="#ctx0" brushRef="#br0">27 51 0,'-24'0'32,"24"-24"46,24 24-63,1 0 17,-1 0-17,1 0 1,-1 0 0,1 0-16,-25-25 0,24 25 15,0 0-15,1 0 0,-1 0 16,1 0-16,-1 0 15,0 25-15,1-25 0,-1 0 16,1 0-16,-1 0 16,1 24-16,-1-24 15,0 0-15,1 0 16,-25 25-16,24-25 0,-24 24 16,25-24-16,-25 25 15,24-1 1,-24 0-16,0 1 15,0-1-15,25-24 16,-25 25-16,0-1 16,24-24-1,-24 25 1,0-1 0,0 0-16,0 1 15,0-1-15,0 1 16,0-1-16,0 0 15,0 1-15,0-1 16,0 1-16,0-1 16,0 1-16,0-1 15,-24 0 1,24 1-16,-25-1 16,25 1-1,-24-1-15,-1 1 16,25-1-16,-24-24 15,24 24-15,-25-24 16,25 25-16,-24-1 0,0 1 16,-1-1-1,25 1 1,-24-25-16,24 24 0,-25-24 16,25 24-16,-24-24 15,24 25-15,-25-1 16,25 1-1,0-1 1,0 1 0,0-1-1,0 0 1,0 1 15,25-1-31,-1 1 31,1-25-15,-1 0 0,1 24-16,-1-24 15,0 0-15,25 0 16,-24 0 0,-1 0-16,1 0 15,-1 0-15,0 0 16,1 0-1,-1 0 1,1 0 0,-25-24-1,24 24 1,-48 0 62,-1 0-62,1 0-1,-1 24 1,1-24 0,0 0-16,-1 24 31,1-24-16,24 25 1,-25-1 0,25 1-1,0-1 1,0 1 15,0-1 0,25-24-15,-25 24 0,0 1-1,24-25-15,-24 24 16,25-24 0,-25 25-16,24-25 15,-24 24-15,24-24 16,-24 25-16,25-25 0,-25 24 15,24-24-15,-24 24 16,25-24-16,-25 25 0,24-25 16,0 24-16,-24 1 15,25-1-15,-1 0 16,1 1-16,-25-1 0,24 1 16,1-1-16,-1 1 15,-24-1-15,0 0 16,24 1-1,-24-1 1,0 1-16,0-1 16,0 1-1,0-1-15,0 0 16,0 1 0,0-1-16,0 1 15,0-1-15,0 1 16,0-1-16,0 0 15,0 1-15,0-1 16,0 1 0,0-1-16,0 1 15,0-1 1,-24-24-16,24 24 16,-24-24-16,24 25 15,-25-25 1,25 24-16,-24-24 0,-1 0 15,25 25-15,-24-25 0,-1 0 16,25 24-16,-24-24 16,0 0-16,-1 24 15,1-24 1,-1 0-16,1 0 16,24 25-1,-24-25-15,-1 0 16,25 24-1,-24-24 1,48 0 15,1-24-15</inkml:trace>
+  <inkml:trace contextRef="#ctx0" brushRef="#br0" timeOffset="1434">736 1224 0,'-25'0'15,"50"0"48,-1 0-63,0 0 15,1 0-15,-1 0 0,25 0 16,0-25-16,0 25 16,0 0-16,24 0 0,-24 0 15,24 0-15,0 0 16,-24 0-16,25 0 0,-26 0 15,26 0-15,-26 0 0,1-24 16,-24 24-16,24 0 16,-25 0-16,0 0 0,1 0 15,-25-25-15,24 25 16,-24-24 0,-24 24 15,-1 0-16</inkml:trace>
+  <inkml:trace contextRef="#ctx0" brushRef="#br0" timeOffset="1891">1615 931 0,'24'0'46,"1"24"-46,-1-24 16,1 0-16,-1 0 0,25 24 16,0-24-16,-25 0 15,25 25-15,0-25 0,-25 24 16,1-24-16,-1 0 0,1 25 16,-1-25-16,-24 24 15,24-24-15,-24 24 16,-24 1-1,24-1-15,-24-24 0,-1 25 16,1-1-16,-1-24 0,1 25 16,-25-1-16,25-24 15,-25 24-15,24 1 0,1-25 16,-1 24-16,1-24 16,0 0-16</inkml:trace>
+  <inkml:trace contextRef="#ctx0" brushRef="#br0" timeOffset="2876">1078 467 0,'0'24'31,"-25"0"-15,25 1-16,0-1 0,0 1 15,0-1-15,0 0 16,-24 1-16,24-1 0,0 1 16,0-1-16,0 1 15,0-1-15,0 0 0,0 1 16,0-1-16,0 1 16,0-1 15,0-48-16,0-1 1,0 1 0,24-1-1,-24 1-15,0 0 16,25-1 0,-25 1-16,24 24 0,-24-25 15,24 1-15,1 24 0,-1-25 16,1 25-16,-1 0 15,1-24-15,-1 24 0,0 0 16,1 24 0,-1-24-16,1 25 15,-25-1-15,24-24 16,-24 25-16,0-1 0,0 1 16,-24-1-16,24 0 15,-25-24-15,1 25 16,-1-25-16,1 24 0,0-24 15,-25 25-15,24-25 0,1 0 16,-1 0-16,1 0 16,0 0-16,-1 0 0,1 0 15,24-25 1</inkml:trace>
+</inkml:ink>
+</file>
+
 <file path=ppt/notesMasters/notesMaster1.xml><?xml version="1.0" encoding="utf-8"?>
 <p:notesMaster xmlns:a="http://schemas.openxmlformats.org/drawingml/2006/main" xmlns:r="http://schemas.openxmlformats.org/officeDocument/2006/relationships" xmlns:p="http://schemas.openxmlformats.org/presentationml/2006/main">
   <p:cSld>
@@ -210,7 +1214,7 @@
           <a:p>
             <a:fld id="{4AF2A06D-4991-4208-8C88-4E8BAD69A8B8}" type="datetimeFigureOut">
               <a:rPr lang="en-US" smtClean="0"/>
-              <a:t>12/18/2020</a:t>
+              <a:t>12/22/2020</a:t>
             </a:fld>
             <a:endParaRPr lang="en-US"/>
           </a:p>
@@ -673,7 +1677,7 @@
                 <a:tabLst/>
                 <a:defRPr/>
               </a:pPr>
-              <a:t>13</a:t>
+              <a:t>10</a:t>
             </a:fld>
             <a:endParaRPr kumimoji="0" lang="en-US" sz="1200" b="0" i="0" u="none" strike="noStrike" kern="1200" cap="none" spc="0" normalizeH="0" baseline="0" noProof="0">
               <a:ln>
@@ -834,7 +1838,7 @@
           <a:p>
             <a:fld id="{E26E0DA5-0C76-4851-AA82-0B75261F9EB4}" type="datetimeFigureOut">
               <a:rPr lang="en-US" smtClean="0"/>
-              <a:t>12/18/2020</a:t>
+              <a:t>12/22/2020</a:t>
             </a:fld>
             <a:endParaRPr lang="en-US"/>
           </a:p>
@@ -1002,7 +2006,7 @@
           <a:p>
             <a:fld id="{E26E0DA5-0C76-4851-AA82-0B75261F9EB4}" type="datetimeFigureOut">
               <a:rPr lang="en-US" smtClean="0"/>
-              <a:t>12/18/2020</a:t>
+              <a:t>12/22/2020</a:t>
             </a:fld>
             <a:endParaRPr lang="en-US"/>
           </a:p>
@@ -1180,7 +2184,7 @@
           <a:p>
             <a:fld id="{E26E0DA5-0C76-4851-AA82-0B75261F9EB4}" type="datetimeFigureOut">
               <a:rPr lang="en-US" smtClean="0"/>
-              <a:t>12/18/2020</a:t>
+              <a:t>12/22/2020</a:t>
             </a:fld>
             <a:endParaRPr lang="en-US"/>
           </a:p>
@@ -1507,7 +2511,7 @@
             <a:fld id="{9578D6DB-6798-42D2-B9AD-FC6F1C72FC30}" type="datetimeFigureOut">
               <a:rPr lang="en-US" smtClean="0"/>
               <a:pPr/>
-              <a:t>12/18/2020</a:t>
+              <a:t>12/22/2020</a:t>
             </a:fld>
             <a:endParaRPr lang="en-US"/>
           </a:p>
@@ -1749,7 +2753,7 @@
             <a:fld id="{425404F2-BE9A-4460-8815-8F645183555F}" type="datetimeFigureOut">
               <a:rPr lang="en-US" smtClean="0"/>
               <a:pPr/>
-              <a:t>12/18/2020</a:t>
+              <a:t>12/22/2020</a:t>
             </a:fld>
             <a:endParaRPr lang="en-US"/>
           </a:p>
@@ -1877,7 +2881,7 @@
             <a:fld id="{425404F2-BE9A-4460-8815-8F645183555F}" type="datetimeFigureOut">
               <a:rPr lang="en-US" smtClean="0"/>
               <a:pPr/>
-              <a:t>12/18/2020</a:t>
+              <a:t>12/22/2020</a:t>
             </a:fld>
             <a:endParaRPr lang="en-US"/>
           </a:p>
@@ -2127,7 +3131,7 @@
             <a:fld id="{425404F2-BE9A-4460-8815-8F645183555F}" type="datetimeFigureOut">
               <a:rPr lang="en-US" smtClean="0"/>
               <a:pPr/>
-              <a:t>12/18/2020</a:t>
+              <a:t>12/22/2020</a:t>
             </a:fld>
             <a:endParaRPr lang="en-US"/>
           </a:p>
@@ -2297,7 +3301,7 @@
             <a:fld id="{425404F2-BE9A-4460-8815-8F645183555F}" type="datetimeFigureOut">
               <a:rPr lang="en-US" smtClean="0"/>
               <a:pPr/>
-              <a:t>12/18/2020</a:t>
+              <a:t>12/22/2020</a:t>
             </a:fld>
             <a:endParaRPr lang="en-US"/>
           </a:p>
@@ -2584,7 +3588,7 @@
             <a:fld id="{425404F2-BE9A-4460-8815-8F645183555F}" type="datetimeFigureOut">
               <a:rPr lang="en-US" smtClean="0"/>
               <a:pPr/>
-              <a:t>12/18/2020</a:t>
+              <a:t>12/22/2020</a:t>
             </a:fld>
             <a:endParaRPr lang="en-US"/>
           </a:p>
@@ -3005,7 +4009,7 @@
             <a:fld id="{425404F2-BE9A-4460-8815-8F645183555F}" type="datetimeFigureOut">
               <a:rPr lang="en-US" smtClean="0"/>
               <a:pPr/>
-              <a:t>12/18/2020</a:t>
+              <a:t>12/22/2020</a:t>
             </a:fld>
             <a:endParaRPr lang="en-US"/>
           </a:p>
@@ -3130,7 +4134,7 @@
             <a:fld id="{425404F2-BE9A-4460-8815-8F645183555F}" type="datetimeFigureOut">
               <a:rPr lang="en-US" smtClean="0"/>
               <a:pPr/>
-              <a:t>12/18/2020</a:t>
+              <a:t>12/22/2020</a:t>
             </a:fld>
             <a:endParaRPr lang="en-US"/>
           </a:p>
@@ -3356,7 +4360,7 @@
           <a:p>
             <a:fld id="{E26E0DA5-0C76-4851-AA82-0B75261F9EB4}" type="datetimeFigureOut">
               <a:rPr lang="en-US" smtClean="0"/>
-              <a:t>12/18/2020</a:t>
+              <a:t>12/22/2020</a:t>
             </a:fld>
             <a:endParaRPr lang="en-US"/>
           </a:p>
@@ -3480,7 +4484,7 @@
             <a:fld id="{425404F2-BE9A-4460-8815-8F645183555F}" type="datetimeFigureOut">
               <a:rPr lang="en-US" smtClean="0"/>
               <a:pPr/>
-              <a:t>12/18/2020</a:t>
+              <a:t>12/22/2020</a:t>
             </a:fld>
             <a:endParaRPr lang="en-US"/>
           </a:p>
@@ -4027,7 +5031,7 @@
             <a:fld id="{425404F2-BE9A-4460-8815-8F645183555F}" type="datetimeFigureOut">
               <a:rPr lang="en-US" smtClean="0"/>
               <a:pPr/>
-              <a:t>12/18/2020</a:t>
+              <a:t>12/22/2020</a:t>
             </a:fld>
             <a:endParaRPr lang="en-US"/>
           </a:p>
@@ -4175,7 +5179,7 @@
             <a:fld id="{425404F2-BE9A-4460-8815-8F645183555F}" type="datetimeFigureOut">
               <a:rPr lang="en-US" smtClean="0"/>
               <a:pPr/>
-              <a:t>12/18/2020</a:t>
+              <a:t>12/22/2020</a:t>
             </a:fld>
             <a:endParaRPr lang="en-US"/>
           </a:p>
@@ -4408,7 +5412,7 @@
             <a:fld id="{425404F2-BE9A-4460-8815-8F645183555F}" type="datetimeFigureOut">
               <a:rPr lang="en-US" smtClean="0"/>
               <a:pPr/>
-              <a:t>12/18/2020</a:t>
+              <a:t>12/22/2020</a:t>
             </a:fld>
             <a:endParaRPr lang="en-US"/>
           </a:p>
@@ -4646,7 +5650,7 @@
             <a:fld id="{425404F2-BE9A-4460-8815-8F645183555F}" type="datetimeFigureOut">
               <a:rPr lang="en-US" smtClean="0"/>
               <a:pPr/>
-              <a:t>12/18/2020</a:t>
+              <a:t>12/22/2020</a:t>
             </a:fld>
             <a:endParaRPr lang="en-US"/>
           </a:p>
@@ -4828,7 +5832,7 @@
             <a:fld id="{425404F2-BE9A-4460-8815-8F645183555F}" type="datetimeFigureOut">
               <a:rPr lang="en-US" smtClean="0"/>
               <a:pPr/>
-              <a:t>12/18/2020</a:t>
+              <a:t>12/22/2020</a:t>
             </a:fld>
             <a:endParaRPr lang="en-US"/>
           </a:p>
@@ -5105,7 +6109,7 @@
             <a:fld id="{425404F2-BE9A-4460-8815-8F645183555F}" type="datetimeFigureOut">
               <a:rPr lang="en-US" smtClean="0"/>
               <a:pPr/>
-              <a:t>12/18/2020</a:t>
+              <a:t>12/22/2020</a:t>
             </a:fld>
             <a:endParaRPr lang="en-US"/>
           </a:p>
@@ -5359,7 +6363,7 @@
             <a:fld id="{425404F2-BE9A-4460-8815-8F645183555F}" type="datetimeFigureOut">
               <a:rPr lang="en-US" smtClean="0"/>
               <a:pPr/>
-              <a:t>12/18/2020</a:t>
+              <a:t>12/22/2020</a:t>
             </a:fld>
             <a:endParaRPr lang="en-US"/>
           </a:p>
@@ -5529,7 +6533,7 @@
             <a:fld id="{425404F2-BE9A-4460-8815-8F645183555F}" type="datetimeFigureOut">
               <a:rPr lang="en-US" smtClean="0"/>
               <a:pPr/>
-              <a:t>12/18/2020</a:t>
+              <a:t>12/22/2020</a:t>
             </a:fld>
             <a:endParaRPr lang="en-US"/>
           </a:p>
@@ -5709,7 +6713,7 @@
             <a:fld id="{425404F2-BE9A-4460-8815-8F645183555F}" type="datetimeFigureOut">
               <a:rPr lang="en-US" smtClean="0"/>
               <a:pPr/>
-              <a:t>12/18/2020</a:t>
+              <a:t>12/22/2020</a:t>
             </a:fld>
             <a:endParaRPr lang="en-US"/>
           </a:p>
@@ -5955,7 +6959,7 @@
           <a:p>
             <a:fld id="{E26E0DA5-0C76-4851-AA82-0B75261F9EB4}" type="datetimeFigureOut">
               <a:rPr lang="en-US" smtClean="0"/>
-              <a:t>12/18/2020</a:t>
+              <a:t>12/22/2020</a:t>
             </a:fld>
             <a:endParaRPr lang="en-US"/>
           </a:p>
@@ -6184,7 +7188,7 @@
           <a:p>
             <a:fld id="{E26E0DA5-0C76-4851-AA82-0B75261F9EB4}" type="datetimeFigureOut">
               <a:rPr lang="en-US" smtClean="0"/>
-              <a:t>12/18/2020</a:t>
+              <a:t>12/22/2020</a:t>
             </a:fld>
             <a:endParaRPr lang="en-US"/>
           </a:p>
@@ -6548,7 +7552,7 @@
           <a:p>
             <a:fld id="{E26E0DA5-0C76-4851-AA82-0B75261F9EB4}" type="datetimeFigureOut">
               <a:rPr lang="en-US" smtClean="0"/>
-              <a:t>12/18/2020</a:t>
+              <a:t>12/22/2020</a:t>
             </a:fld>
             <a:endParaRPr lang="en-US"/>
           </a:p>
@@ -6665,7 +7669,7 @@
           <a:p>
             <a:fld id="{E26E0DA5-0C76-4851-AA82-0B75261F9EB4}" type="datetimeFigureOut">
               <a:rPr lang="en-US" smtClean="0"/>
-              <a:t>12/18/2020</a:t>
+              <a:t>12/22/2020</a:t>
             </a:fld>
             <a:endParaRPr lang="en-US"/>
           </a:p>
@@ -6760,7 +7764,7 @@
           <a:p>
             <a:fld id="{E26E0DA5-0C76-4851-AA82-0B75261F9EB4}" type="datetimeFigureOut">
               <a:rPr lang="en-US" smtClean="0"/>
-              <a:t>12/18/2020</a:t>
+              <a:t>12/22/2020</a:t>
             </a:fld>
             <a:endParaRPr lang="en-US"/>
           </a:p>
@@ -7035,7 +8039,7 @@
           <a:p>
             <a:fld id="{E26E0DA5-0C76-4851-AA82-0B75261F9EB4}" type="datetimeFigureOut">
               <a:rPr lang="en-US" smtClean="0"/>
-              <a:t>12/18/2020</a:t>
+              <a:t>12/22/2020</a:t>
             </a:fld>
             <a:endParaRPr lang="en-US"/>
           </a:p>
@@ -7287,7 +8291,7 @@
           <a:p>
             <a:fld id="{E26E0DA5-0C76-4851-AA82-0B75261F9EB4}" type="datetimeFigureOut">
               <a:rPr lang="en-US" smtClean="0"/>
-              <a:t>12/18/2020</a:t>
+              <a:t>12/22/2020</a:t>
             </a:fld>
             <a:endParaRPr lang="en-US"/>
           </a:p>
@@ -7498,7 +8502,7 @@
           <a:p>
             <a:fld id="{E26E0DA5-0C76-4851-AA82-0B75261F9EB4}" type="datetimeFigureOut">
               <a:rPr lang="en-US" smtClean="0"/>
-              <a:t>12/18/2020</a:t>
+              <a:t>12/22/2020</a:t>
             </a:fld>
             <a:endParaRPr lang="en-US"/>
           </a:p>
@@ -8055,7 +9059,7 @@
             <a:fld id="{425404F2-BE9A-4460-8815-8F645183555F}" type="datetimeFigureOut">
               <a:rPr lang="en-US" smtClean="0"/>
               <a:pPr/>
-              <a:t>12/18/2020</a:t>
+              <a:t>12/22/2020</a:t>
             </a:fld>
             <a:endParaRPr lang="en-US"/>
           </a:p>
@@ -8645,7 +9649,7 @@
                   <a:schemeClr val="bg1"/>
                 </a:solidFill>
               </a:rPr>
-              <a:t>Day 12</a:t>
+              <a:t>Day 13</a:t>
             </a:r>
           </a:p>
         </p:txBody>
@@ -8676,310 +9680,6 @@
 </file>
 
 <file path=ppt/slides/slide10.xml><?xml version="1.0" encoding="utf-8"?>
-<p:sld xmlns:a="http://schemas.openxmlformats.org/drawingml/2006/main" xmlns:r="http://schemas.openxmlformats.org/officeDocument/2006/relationships" xmlns:p="http://schemas.openxmlformats.org/presentationml/2006/main">
-  <p:cSld>
-    <p:spTree>
-      <p:nvGrpSpPr>
-        <p:cNvPr id="1" name=""/>
-        <p:cNvGrpSpPr/>
-        <p:nvPr/>
-      </p:nvGrpSpPr>
-      <p:grpSpPr>
-        <a:xfrm>
-          <a:off x="0" y="0"/>
-          <a:ext cx="0" cy="0"/>
-          <a:chOff x="0" y="0"/>
-          <a:chExt cx="0" cy="0"/>
-        </a:xfrm>
-      </p:grpSpPr>
-      <p:sp>
-        <p:nvSpPr>
-          <p:cNvPr id="2" name="Title 3">
-            <a:extLst>
-              <a:ext uri="{FF2B5EF4-FFF2-40B4-BE49-F238E27FC236}">
-                <a16:creationId xmlns:a16="http://schemas.microsoft.com/office/drawing/2014/main" id="{F07FC580-E2AB-4C55-8C95-D5E077A1D127}"/>
-              </a:ext>
-            </a:extLst>
-          </p:cNvPr>
-          <p:cNvSpPr txBox="1">
-            <a:spLocks/>
-          </p:cNvSpPr>
-          <p:nvPr/>
-        </p:nvSpPr>
-        <p:spPr>
-          <a:xfrm>
-            <a:off x="261764" y="188640"/>
-            <a:ext cx="11292008" cy="711081"/>
-          </a:xfrm>
-          <a:prstGeom prst="rect">
-            <a:avLst/>
-          </a:prstGeom>
-        </p:spPr>
-        <p:txBody>
-          <a:bodyPr/>
-          <a:lstStyle>
-            <a:lvl1pPr algn="l" defTabSz="914400" rtl="0" eaLnBrk="1" latinLnBrk="0" hangingPunct="1">
-              <a:lnSpc>
-                <a:spcPct val="90000"/>
-              </a:lnSpc>
-              <a:spcBef>
-                <a:spcPct val="0"/>
-              </a:spcBef>
-              <a:buNone/>
-              <a:defRPr sz="4400" kern="1200">
-                <a:solidFill>
-                  <a:schemeClr val="tx1"/>
-                </a:solidFill>
-                <a:latin typeface="+mj-lt"/>
-                <a:ea typeface="+mj-ea"/>
-                <a:cs typeface="+mj-cs"/>
-              </a:defRPr>
-            </a:lvl1pPr>
-          </a:lstStyle>
-          <a:p>
-            <a:endParaRPr lang="en-US" b="1" dirty="0"/>
-          </a:p>
-        </p:txBody>
-      </p:sp>
-      <p:sp>
-        <p:nvSpPr>
-          <p:cNvPr id="7" name="TextBox 6">
-            <a:extLst>
-              <a:ext uri="{FF2B5EF4-FFF2-40B4-BE49-F238E27FC236}">
-                <a16:creationId xmlns:a16="http://schemas.microsoft.com/office/drawing/2014/main" id="{17EB74BE-8011-4153-8F37-3BEF9C1F4CC0}"/>
-              </a:ext>
-            </a:extLst>
-          </p:cNvPr>
-          <p:cNvSpPr txBox="1"/>
-          <p:nvPr/>
-        </p:nvSpPr>
-        <p:spPr>
-          <a:xfrm>
-            <a:off x="3512128" y="2507734"/>
-            <a:ext cx="6174508" cy="1323439"/>
-          </a:xfrm>
-          <a:prstGeom prst="rect">
-            <a:avLst/>
-          </a:prstGeom>
-          <a:noFill/>
-        </p:spPr>
-        <p:txBody>
-          <a:bodyPr wrap="square">
-            <a:spAutoFit/>
-          </a:bodyPr>
-          <a:lstStyle/>
-          <a:p>
-            <a:r>
-              <a:rPr lang="en-US" sz="8000" b="1" dirty="0"/>
-              <a:t>End of Day 12</a:t>
-            </a:r>
-          </a:p>
-        </p:txBody>
-      </p:sp>
-    </p:spTree>
-    <p:extLst>
-      <p:ext uri="{BB962C8B-B14F-4D97-AF65-F5344CB8AC3E}">
-        <p14:creationId xmlns:p14="http://schemas.microsoft.com/office/powerpoint/2010/main" val="3867772902"/>
-      </p:ext>
-    </p:extLst>
-  </p:cSld>
-  <p:clrMapOvr>
-    <a:masterClrMapping/>
-  </p:clrMapOvr>
-</p:sld>
-</file>
-
-<file path=ppt/slides/slide11.xml><?xml version="1.0" encoding="utf-8"?>
-<p:sld xmlns:a="http://schemas.openxmlformats.org/drawingml/2006/main" xmlns:r="http://schemas.openxmlformats.org/officeDocument/2006/relationships" xmlns:p="http://schemas.openxmlformats.org/presentationml/2006/main">
-  <p:cSld>
-    <p:spTree>
-      <p:nvGrpSpPr>
-        <p:cNvPr id="1" name=""/>
-        <p:cNvGrpSpPr/>
-        <p:nvPr/>
-      </p:nvGrpSpPr>
-      <p:grpSpPr>
-        <a:xfrm>
-          <a:off x="0" y="0"/>
-          <a:ext cx="0" cy="0"/>
-          <a:chOff x="0" y="0"/>
-          <a:chExt cx="0" cy="0"/>
-        </a:xfrm>
-      </p:grpSpPr>
-      <p:sp>
-        <p:nvSpPr>
-          <p:cNvPr id="2" name="Title 1">
-            <a:extLst>
-              <a:ext uri="{FF2B5EF4-FFF2-40B4-BE49-F238E27FC236}">
-                <a16:creationId xmlns:a16="http://schemas.microsoft.com/office/drawing/2014/main" id="{29CB9E00-0397-4178-9E57-32DC82D3A8F7}"/>
-              </a:ext>
-            </a:extLst>
-          </p:cNvPr>
-          <p:cNvSpPr>
-            <a:spLocks noGrp="1"/>
-          </p:cNvSpPr>
-          <p:nvPr>
-            <p:ph type="title"/>
-          </p:nvPr>
-        </p:nvSpPr>
-        <p:spPr/>
-        <p:txBody>
-          <a:bodyPr/>
-          <a:lstStyle/>
-          <a:p>
-            <a:endParaRPr lang="en-US"/>
-          </a:p>
-        </p:txBody>
-      </p:sp>
-      <p:sp>
-        <p:nvSpPr>
-          <p:cNvPr id="3" name="Content Placeholder 2">
-            <a:extLst>
-              <a:ext uri="{FF2B5EF4-FFF2-40B4-BE49-F238E27FC236}">
-                <a16:creationId xmlns:a16="http://schemas.microsoft.com/office/drawing/2014/main" id="{73A078A5-4F35-4958-8384-CBBBD3DED2C3}"/>
-              </a:ext>
-            </a:extLst>
-          </p:cNvPr>
-          <p:cNvSpPr>
-            <a:spLocks noGrp="1"/>
-          </p:cNvSpPr>
-          <p:nvPr>
-            <p:ph sz="quarter" idx="13"/>
-          </p:nvPr>
-        </p:nvSpPr>
-        <p:spPr/>
-        <p:txBody>
-          <a:bodyPr/>
-          <a:lstStyle/>
-          <a:p>
-            <a:endParaRPr lang="en-US"/>
-          </a:p>
-        </p:txBody>
-      </p:sp>
-    </p:spTree>
-    <p:extLst>
-      <p:ext uri="{BB962C8B-B14F-4D97-AF65-F5344CB8AC3E}">
-        <p14:creationId xmlns:p14="http://schemas.microsoft.com/office/powerpoint/2010/main" val="3265325021"/>
-      </p:ext>
-    </p:extLst>
-  </p:cSld>
-  <p:clrMapOvr>
-    <a:masterClrMapping/>
-  </p:clrMapOvr>
-</p:sld>
-</file>
-
-<file path=ppt/slides/slide12.xml><?xml version="1.0" encoding="utf-8"?>
-<p:sld xmlns:a="http://schemas.openxmlformats.org/drawingml/2006/main" xmlns:r="http://schemas.openxmlformats.org/officeDocument/2006/relationships" xmlns:p="http://schemas.openxmlformats.org/presentationml/2006/main">
-  <p:cSld>
-    <p:spTree>
-      <p:nvGrpSpPr>
-        <p:cNvPr id="1" name=""/>
-        <p:cNvGrpSpPr/>
-        <p:nvPr/>
-      </p:nvGrpSpPr>
-      <p:grpSpPr>
-        <a:xfrm>
-          <a:off x="0" y="0"/>
-          <a:ext cx="0" cy="0"/>
-          <a:chOff x="0" y="0"/>
-          <a:chExt cx="0" cy="0"/>
-        </a:xfrm>
-      </p:grpSpPr>
-      <p:pic>
-        <p:nvPicPr>
-          <p:cNvPr id="1028" name="Picture 4" descr="Free Vector | Flat people with question marks background">
-            <a:extLst>
-              <a:ext uri="{FF2B5EF4-FFF2-40B4-BE49-F238E27FC236}">
-                <a16:creationId xmlns:a16="http://schemas.microsoft.com/office/drawing/2014/main" id="{E158EC70-4769-4E41-A278-C90EC4E480C7}"/>
-              </a:ext>
-            </a:extLst>
-          </p:cNvPr>
-          <p:cNvPicPr>
-            <a:picLocks noChangeAspect="1" noChangeArrowheads="1"/>
-          </p:cNvPicPr>
-          <p:nvPr/>
-        </p:nvPicPr>
-        <p:blipFill rotWithShape="1">
-          <a:blip r:embed="rId2">
-            <a:extLst>
-              <a:ext uri="{28A0092B-C50C-407E-A947-70E740481C1C}">
-                <a14:useLocalDpi xmlns:a14="http://schemas.microsoft.com/office/drawing/2010/main" val="0"/>
-              </a:ext>
-            </a:extLst>
-          </a:blip>
-          <a:srcRect t="1" b="22246"/>
-          <a:stretch/>
-        </p:blipFill>
-        <p:spPr bwMode="auto">
-          <a:xfrm>
-            <a:off x="1848418" y="639706"/>
-            <a:ext cx="7599507" cy="5908876"/>
-          </a:xfrm>
-          <a:prstGeom prst="rect">
-            <a:avLst/>
-          </a:prstGeom>
-          <a:noFill/>
-          <a:extLst>
-            <a:ext uri="{909E8E84-426E-40DD-AFC4-6F175D3DCCD1}">
-              <a14:hiddenFill xmlns:a14="http://schemas.microsoft.com/office/drawing/2010/main">
-                <a:solidFill>
-                  <a:srgbClr val="FFFFFF"/>
-                </a:solidFill>
-              </a14:hiddenFill>
-            </a:ext>
-          </a:extLst>
-        </p:spPr>
-      </p:pic>
-      <p:sp>
-        <p:nvSpPr>
-          <p:cNvPr id="2" name="TextBox 1">
-            <a:extLst>
-              <a:ext uri="{FF2B5EF4-FFF2-40B4-BE49-F238E27FC236}">
-                <a16:creationId xmlns:a16="http://schemas.microsoft.com/office/drawing/2014/main" id="{994C3DB2-D47E-4B94-804B-87AF1FDEF86E}"/>
-              </a:ext>
-            </a:extLst>
-          </p:cNvPr>
-          <p:cNvSpPr txBox="1"/>
-          <p:nvPr/>
-        </p:nvSpPr>
-        <p:spPr>
-          <a:xfrm>
-            <a:off x="4535055" y="1052946"/>
-            <a:ext cx="5588000" cy="769441"/>
-          </a:xfrm>
-          <a:prstGeom prst="rect">
-            <a:avLst/>
-          </a:prstGeom>
-          <a:noFill/>
-        </p:spPr>
-        <p:txBody>
-          <a:bodyPr wrap="square" rtlCol="0">
-            <a:spAutoFit/>
-          </a:bodyPr>
-          <a:lstStyle/>
-          <a:p>
-            <a:r>
-              <a:rPr lang="en-US" sz="4400" b="1" dirty="0"/>
-              <a:t>Questions</a:t>
-            </a:r>
-          </a:p>
-        </p:txBody>
-      </p:sp>
-    </p:spTree>
-    <p:extLst>
-      <p:ext uri="{BB962C8B-B14F-4D97-AF65-F5344CB8AC3E}">
-        <p14:creationId xmlns:p14="http://schemas.microsoft.com/office/powerpoint/2010/main" val="1308118299"/>
-      </p:ext>
-    </p:extLst>
-  </p:cSld>
-  <p:clrMapOvr>
-    <a:masterClrMapping/>
-  </p:clrMapOvr>
-</p:sld>
-</file>
-
-<file path=ppt/slides/slide13.xml><?xml version="1.0" encoding="utf-8"?>
 <p:sld xmlns:a="http://schemas.openxmlformats.org/drawingml/2006/main" xmlns:r="http://schemas.openxmlformats.org/officeDocument/2006/relationships" xmlns:p="http://schemas.openxmlformats.org/presentationml/2006/main">
   <p:cSld>
     <p:bg>
@@ -9271,7 +9971,7 @@
                 <a:ea typeface="+mj-ea"/>
                 <a:cs typeface="+mj-cs"/>
               </a:rPr>
-              <a:t>Agenda – Day 12</a:t>
+              <a:t>Agenda – Day 13</a:t>
             </a:r>
           </a:p>
         </p:txBody>
@@ -9353,8 +10053,8 @@
         </p:nvSpPr>
         <p:spPr>
           <a:xfrm>
-            <a:off x="261764" y="991684"/>
-            <a:ext cx="11696243" cy="4031873"/>
+            <a:off x="247878" y="982353"/>
+            <a:ext cx="11696243" cy="5262979"/>
           </a:xfrm>
           <a:prstGeom prst="rect">
             <a:avLst/>
@@ -9399,7 +10099,267 @@
                 <a:ea typeface="+mn-ea"/>
                 <a:cs typeface="+mn-cs"/>
               </a:rPr>
-              <a:t>Connections Basics</a:t>
+              <a:t>Working with Geo maps and Account Dimension</a:t>
+            </a:r>
+          </a:p>
+          <a:p>
+            <a:pPr marL="0" marR="0" lvl="0" indent="0" algn="l" defTabSz="914400" rtl="0" eaLnBrk="1" fontAlgn="auto" latinLnBrk="0" hangingPunct="1">
+              <a:lnSpc>
+                <a:spcPct val="100000"/>
+              </a:lnSpc>
+              <a:spcBef>
+                <a:spcPts val="0"/>
+              </a:spcBef>
+              <a:spcAft>
+                <a:spcPts val="0"/>
+              </a:spcAft>
+              <a:buClrTx/>
+              <a:buSzTx/>
+              <a:buFontTx/>
+              <a:buNone/>
+              <a:tabLst/>
+              <a:defRPr/>
+            </a:pPr>
+            <a:r>
+              <a:rPr kumimoji="0" lang="en-US" sz="1600" b="0" i="0" u="none" strike="noStrike" kern="1200" cap="none" spc="0" normalizeH="0" baseline="0" noProof="0" dirty="0">
+                <a:ln>
+                  <a:noFill/>
+                </a:ln>
+                <a:solidFill>
+                  <a:prstClr val="black"/>
+                </a:solidFill>
+                <a:effectLst/>
+                <a:uLnTx/>
+                <a:uFillTx/>
+                <a:latin typeface="Calibri" panose="020F0502020204030204"/>
+                <a:ea typeface="+mn-ea"/>
+                <a:cs typeface="+mn-cs"/>
+              </a:rPr>
+              <a:t>	- Understanding Exception Aggregation</a:t>
+            </a:r>
+          </a:p>
+          <a:p>
+            <a:pPr>
+              <a:defRPr/>
+            </a:pPr>
+            <a:r>
+              <a:rPr lang="en-US" sz="1600" dirty="0">
+                <a:solidFill>
+                  <a:prstClr val="black"/>
+                </a:solidFill>
+                <a:latin typeface="Calibri" panose="020F0502020204030204"/>
+              </a:rPr>
+              <a:t>	</a:t>
+            </a:r>
+            <a:r>
+              <a:rPr kumimoji="0" lang="en-US" sz="1600" b="0" i="0" u="none" strike="noStrike" kern="1200" cap="none" spc="0" normalizeH="0" baseline="0" noProof="0" dirty="0">
+                <a:ln>
+                  <a:noFill/>
+                </a:ln>
+                <a:solidFill>
+                  <a:prstClr val="black"/>
+                </a:solidFill>
+                <a:effectLst/>
+                <a:uLnTx/>
+                <a:uFillTx/>
+                <a:latin typeface="Calibri" panose="020F0502020204030204"/>
+                <a:ea typeface="+mn-ea"/>
+                <a:cs typeface="+mn-cs"/>
+              </a:rPr>
+              <a:t>- Working with GEO Maps</a:t>
+            </a:r>
+          </a:p>
+          <a:p>
+            <a:pPr>
+              <a:defRPr/>
+            </a:pPr>
+            <a:r>
+              <a:rPr lang="en-US" sz="1600" dirty="0">
+                <a:solidFill>
+                  <a:prstClr val="black"/>
+                </a:solidFill>
+                <a:latin typeface="Calibri" panose="020F0502020204030204"/>
+              </a:rPr>
+              <a:t>	</a:t>
+            </a:r>
+            <a:r>
+              <a:rPr kumimoji="0" lang="en-US" sz="1600" b="0" i="0" u="none" strike="noStrike" kern="1200" cap="none" spc="0" normalizeH="0" baseline="0" noProof="0" dirty="0">
+                <a:ln>
+                  <a:noFill/>
+                </a:ln>
+                <a:solidFill>
+                  <a:prstClr val="black"/>
+                </a:solidFill>
+                <a:effectLst/>
+                <a:uLnTx/>
+                <a:uFillTx/>
+                <a:latin typeface="Calibri" panose="020F0502020204030204"/>
+                <a:ea typeface="+mn-ea"/>
+                <a:cs typeface="+mn-cs"/>
+              </a:rPr>
+              <a:t>- Point of interest Layer using Direct file</a:t>
+            </a:r>
+          </a:p>
+          <a:p>
+            <a:pPr>
+              <a:defRPr/>
+            </a:pPr>
+            <a:r>
+              <a:rPr lang="en-US" sz="1600" dirty="0">
+                <a:solidFill>
+                  <a:prstClr val="black"/>
+                </a:solidFill>
+                <a:latin typeface="Calibri" panose="020F0502020204030204"/>
+              </a:rPr>
+              <a:t>	</a:t>
+            </a:r>
+            <a:r>
+              <a:rPr kumimoji="0" lang="en-US" sz="1600" b="0" i="0" u="none" strike="noStrike" kern="1200" cap="none" spc="0" normalizeH="0" baseline="0" noProof="0" dirty="0">
+                <a:ln>
+                  <a:noFill/>
+                </a:ln>
+                <a:solidFill>
+                  <a:prstClr val="black"/>
+                </a:solidFill>
+                <a:effectLst/>
+                <a:uLnTx/>
+                <a:uFillTx/>
+                <a:latin typeface="Calibri" panose="020F0502020204030204"/>
+                <a:ea typeface="+mn-ea"/>
+                <a:cs typeface="+mn-cs"/>
+              </a:rPr>
+              <a:t>- POI using shape file</a:t>
+            </a:r>
+          </a:p>
+          <a:p>
+            <a:pPr>
+              <a:defRPr/>
+            </a:pPr>
+            <a:r>
+              <a:rPr lang="en-US" sz="1600" dirty="0">
+                <a:solidFill>
+                  <a:prstClr val="black"/>
+                </a:solidFill>
+                <a:latin typeface="Calibri" panose="020F0502020204030204"/>
+              </a:rPr>
+              <a:t>	</a:t>
+            </a:r>
+            <a:r>
+              <a:rPr kumimoji="0" lang="en-US" sz="1600" b="0" i="0" u="none" strike="noStrike" kern="1200" cap="none" spc="0" normalizeH="0" baseline="0" noProof="0" dirty="0">
+                <a:ln>
+                  <a:noFill/>
+                </a:ln>
+                <a:solidFill>
+                  <a:prstClr val="black"/>
+                </a:solidFill>
+                <a:effectLst/>
+                <a:uLnTx/>
+                <a:uFillTx/>
+                <a:latin typeface="Calibri" panose="020F0502020204030204"/>
+                <a:ea typeface="+mn-ea"/>
+                <a:cs typeface="+mn-cs"/>
+              </a:rPr>
+              <a:t>- POI using data model</a:t>
+            </a:r>
+          </a:p>
+          <a:p>
+            <a:pPr>
+              <a:defRPr/>
+            </a:pPr>
+            <a:r>
+              <a:rPr lang="en-US" sz="1600" dirty="0">
+                <a:solidFill>
+                  <a:prstClr val="black"/>
+                </a:solidFill>
+                <a:latin typeface="Calibri" panose="020F0502020204030204"/>
+              </a:rPr>
+              <a:t>	</a:t>
+            </a:r>
+            <a:r>
+              <a:rPr kumimoji="0" lang="en-US" sz="1600" b="0" i="0" u="none" strike="noStrike" kern="1200" cap="none" spc="0" normalizeH="0" baseline="0" noProof="0" dirty="0">
+                <a:ln>
+                  <a:noFill/>
+                </a:ln>
+                <a:solidFill>
+                  <a:prstClr val="black"/>
+                </a:solidFill>
+                <a:effectLst/>
+                <a:uLnTx/>
+                <a:uFillTx/>
+                <a:latin typeface="Calibri" panose="020F0502020204030204"/>
+                <a:ea typeface="+mn-ea"/>
+                <a:cs typeface="+mn-cs"/>
+              </a:rPr>
+              <a:t>- Introduction to advance scenario</a:t>
+            </a:r>
+          </a:p>
+          <a:p>
+            <a:pPr marL="0" marR="0" lvl="0" indent="0" algn="l" defTabSz="914400" rtl="0" eaLnBrk="1" fontAlgn="auto" latinLnBrk="0" hangingPunct="1">
+              <a:lnSpc>
+                <a:spcPct val="100000"/>
+              </a:lnSpc>
+              <a:spcBef>
+                <a:spcPts val="0"/>
+              </a:spcBef>
+              <a:spcAft>
+                <a:spcPts val="0"/>
+              </a:spcAft>
+              <a:buClrTx/>
+              <a:buSzTx/>
+              <a:buFontTx/>
+              <a:buNone/>
+              <a:tabLst/>
+              <a:defRPr/>
+            </a:pPr>
+            <a:endParaRPr kumimoji="0" lang="en-US" sz="1600" b="0" i="0" u="none" strike="noStrike" kern="1200" cap="none" spc="0" normalizeH="0" baseline="0" noProof="0" dirty="0">
+              <a:ln>
+                <a:noFill/>
+              </a:ln>
+              <a:solidFill>
+                <a:prstClr val="black"/>
+              </a:solidFill>
+              <a:effectLst/>
+              <a:uLnTx/>
+              <a:uFillTx/>
+              <a:latin typeface="Calibri" panose="020F0502020204030204"/>
+              <a:ea typeface="+mn-ea"/>
+              <a:cs typeface="+mn-cs"/>
+            </a:endParaRPr>
+          </a:p>
+          <a:p>
+            <a:pPr marL="0" marR="0" lvl="0" indent="0" algn="l" defTabSz="914400" rtl="0" eaLnBrk="1" fontAlgn="auto" latinLnBrk="0" hangingPunct="1">
+              <a:lnSpc>
+                <a:spcPct val="100000"/>
+              </a:lnSpc>
+              <a:spcBef>
+                <a:spcPts val="0"/>
+              </a:spcBef>
+              <a:spcAft>
+                <a:spcPts val="0"/>
+              </a:spcAft>
+              <a:buClrTx/>
+              <a:buSzTx/>
+              <a:buFontTx/>
+              <a:buNone/>
+              <a:tabLst/>
+              <a:defRPr/>
+            </a:pPr>
+            <a:r>
+              <a:rPr kumimoji="0" lang="en-US" sz="1600" b="0" i="0" u="none" strike="noStrike" kern="1200" cap="none" spc="0" normalizeH="0" baseline="0" noProof="0" dirty="0">
+                <a:ln>
+                  <a:noFill/>
+                </a:ln>
+                <a:solidFill>
+                  <a:prstClr val="black"/>
+                </a:solidFill>
+                <a:effectLst/>
+                <a:uLnTx/>
+                <a:uFillTx/>
+                <a:latin typeface="Calibri" panose="020F0502020204030204"/>
+                <a:ea typeface="+mn-ea"/>
+                <a:cs typeface="+mn-cs"/>
+              </a:rPr>
+              <a:t>---Break---</a:t>
             </a:r>
           </a:p>
           <a:p>
@@ -9436,150 +10396,6 @@
             </a:endParaRPr>
           </a:p>
           <a:p>
-            <a:pPr marL="285750" marR="0" lvl="0" indent="-285750" algn="l" defTabSz="914400" rtl="0" eaLnBrk="1" fontAlgn="auto" latinLnBrk="0" hangingPunct="1">
-              <a:lnSpc>
-                <a:spcPct val="100000"/>
-              </a:lnSpc>
-              <a:spcBef>
-                <a:spcPts val="0"/>
-              </a:spcBef>
-              <a:spcAft>
-                <a:spcPts val="0"/>
-              </a:spcAft>
-              <a:buClrTx/>
-              <a:buSzTx/>
-              <a:buFont typeface="Arial" panose="020B0604020202020204" pitchFamily="34" charset="0"/>
-              <a:buChar char="•"/>
-              <a:tabLst/>
-              <a:defRPr/>
-            </a:pPr>
-            <a:r>
-              <a:rPr kumimoji="0" lang="en-US" sz="1600" b="0" i="0" u="none" strike="noStrike" kern="1200" cap="none" spc="0" normalizeH="0" baseline="0" noProof="0" dirty="0">
-                <a:ln>
-                  <a:noFill/>
-                </a:ln>
-                <a:solidFill>
-                  <a:prstClr val="black"/>
-                </a:solidFill>
-                <a:effectLst/>
-                <a:uLnTx/>
-                <a:uFillTx/>
-                <a:latin typeface="Calibri" panose="020F0502020204030204"/>
-                <a:ea typeface="+mn-ea"/>
-                <a:cs typeface="+mn-cs"/>
-              </a:rPr>
-              <a:t>Introduction to Connections</a:t>
-            </a:r>
-          </a:p>
-          <a:p>
-            <a:pPr marL="285750" marR="0" lvl="0" indent="-285750" algn="l" defTabSz="914400" rtl="0" eaLnBrk="1" fontAlgn="auto" latinLnBrk="0" hangingPunct="1">
-              <a:lnSpc>
-                <a:spcPct val="100000"/>
-              </a:lnSpc>
-              <a:spcBef>
-                <a:spcPts val="0"/>
-              </a:spcBef>
-              <a:spcAft>
-                <a:spcPts val="0"/>
-              </a:spcAft>
-              <a:buClrTx/>
-              <a:buSzTx/>
-              <a:buFont typeface="Arial" panose="020B0604020202020204" pitchFamily="34" charset="0"/>
-              <a:buChar char="•"/>
-              <a:tabLst/>
-              <a:defRPr/>
-            </a:pPr>
-            <a:r>
-              <a:rPr kumimoji="0" lang="en-US" sz="1600" b="0" i="0" u="none" strike="noStrike" kern="1200" cap="none" spc="0" normalizeH="0" baseline="0" noProof="0" dirty="0">
-                <a:ln>
-                  <a:noFill/>
-                </a:ln>
-                <a:solidFill>
-                  <a:prstClr val="black"/>
-                </a:solidFill>
-                <a:effectLst/>
-                <a:uLnTx/>
-                <a:uFillTx/>
-                <a:latin typeface="Calibri" panose="020F0502020204030204"/>
-                <a:ea typeface="+mn-ea"/>
-                <a:cs typeface="+mn-cs"/>
-              </a:rPr>
-              <a:t>Cloud Connector</a:t>
-            </a:r>
-          </a:p>
-          <a:p>
-            <a:pPr marL="285750" marR="0" lvl="0" indent="-285750" algn="l" defTabSz="914400" rtl="0" eaLnBrk="1" fontAlgn="auto" latinLnBrk="0" hangingPunct="1">
-              <a:lnSpc>
-                <a:spcPct val="100000"/>
-              </a:lnSpc>
-              <a:spcBef>
-                <a:spcPts val="0"/>
-              </a:spcBef>
-              <a:spcAft>
-                <a:spcPts val="0"/>
-              </a:spcAft>
-              <a:buClrTx/>
-              <a:buSzTx/>
-              <a:buFont typeface="Arial" panose="020B0604020202020204" pitchFamily="34" charset="0"/>
-              <a:buChar char="•"/>
-              <a:tabLst/>
-              <a:defRPr/>
-            </a:pPr>
-            <a:r>
-              <a:rPr kumimoji="0" lang="en-US" sz="1600" b="0" i="0" u="none" strike="noStrike" kern="1200" cap="none" spc="0" normalizeH="0" baseline="0" noProof="0" dirty="0">
-                <a:ln>
-                  <a:noFill/>
-                </a:ln>
-                <a:solidFill>
-                  <a:prstClr val="black"/>
-                </a:solidFill>
-                <a:effectLst/>
-                <a:uLnTx/>
-                <a:uFillTx/>
-                <a:latin typeface="Calibri" panose="020F0502020204030204"/>
-                <a:ea typeface="+mn-ea"/>
-                <a:cs typeface="+mn-cs"/>
-              </a:rPr>
-              <a:t>Connecting to Import data with BW</a:t>
-            </a:r>
-          </a:p>
-          <a:p>
-            <a:pPr marL="285750" marR="0" lvl="0" indent="-285750" algn="l" defTabSz="914400" rtl="0" eaLnBrk="1" fontAlgn="auto" latinLnBrk="0" hangingPunct="1">
-              <a:lnSpc>
-                <a:spcPct val="100000"/>
-              </a:lnSpc>
-              <a:spcBef>
-                <a:spcPts val="0"/>
-              </a:spcBef>
-              <a:spcAft>
-                <a:spcPts val="0"/>
-              </a:spcAft>
-              <a:buClrTx/>
-              <a:buSzTx/>
-              <a:buFont typeface="Arial" panose="020B0604020202020204" pitchFamily="34" charset="0"/>
-              <a:buChar char="•"/>
-              <a:tabLst/>
-              <a:defRPr/>
-            </a:pPr>
-            <a:r>
-              <a:rPr kumimoji="0" lang="en-US" sz="1600" b="0" i="0" u="none" strike="noStrike" kern="1200" cap="none" spc="0" normalizeH="0" baseline="0" noProof="0" dirty="0">
-                <a:ln>
-                  <a:noFill/>
-                </a:ln>
-                <a:solidFill>
-                  <a:prstClr val="black"/>
-                </a:solidFill>
-                <a:effectLst/>
-                <a:uLnTx/>
-                <a:uFillTx/>
-                <a:latin typeface="Calibri" panose="020F0502020204030204"/>
-                <a:ea typeface="+mn-ea"/>
-                <a:cs typeface="+mn-cs"/>
-              </a:rPr>
-              <a:t>Connecting to S/4HANA System</a:t>
-            </a:r>
-          </a:p>
-          <a:p>
             <a:pPr marL="0" marR="0" lvl="0" indent="0" algn="l" defTabSz="914400" rtl="0" eaLnBrk="1" fontAlgn="auto" latinLnBrk="0" hangingPunct="1">
               <a:lnSpc>
                 <a:spcPct val="100000"/>
@@ -9597,6 +10413,104 @@
               <a:tabLst/>
               <a:defRPr/>
             </a:pPr>
+            <a:r>
+              <a:rPr kumimoji="0" lang="en-US" sz="1600" b="1" i="0" u="none" strike="noStrike" kern="1200" cap="none" spc="0" normalizeH="0" baseline="0" noProof="0" dirty="0">
+                <a:ln>
+                  <a:noFill/>
+                </a:ln>
+                <a:solidFill>
+                  <a:prstClr val="black"/>
+                </a:solidFill>
+                <a:effectLst/>
+                <a:uLnTx/>
+                <a:uFillTx/>
+                <a:latin typeface="Calibri" panose="020F0502020204030204"/>
+                <a:ea typeface="+mn-ea"/>
+                <a:cs typeface="+mn-cs"/>
+              </a:rPr>
+              <a:t>Advance BI Scenario</a:t>
+            </a:r>
+          </a:p>
+          <a:p>
+            <a:pPr marL="0" marR="0" lvl="0" indent="0" algn="l" defTabSz="914400" rtl="0" eaLnBrk="1" fontAlgn="auto" latinLnBrk="0" hangingPunct="1">
+              <a:lnSpc>
+                <a:spcPct val="100000"/>
+              </a:lnSpc>
+              <a:spcBef>
+                <a:spcPts val="0"/>
+              </a:spcBef>
+              <a:spcAft>
+                <a:spcPts val="0"/>
+              </a:spcAft>
+              <a:buClrTx/>
+              <a:buSzTx/>
+              <a:buFontTx/>
+              <a:buNone/>
+              <a:tabLst/>
+              <a:defRPr/>
+            </a:pPr>
+            <a:r>
+              <a:rPr kumimoji="0" lang="en-US" sz="1600" b="0" i="0" u="none" strike="noStrike" kern="1200" cap="none" spc="0" normalizeH="0" baseline="0" noProof="0" dirty="0">
+                <a:ln>
+                  <a:noFill/>
+                </a:ln>
+                <a:solidFill>
+                  <a:prstClr val="black"/>
+                </a:solidFill>
+                <a:effectLst/>
+                <a:uLnTx/>
+                <a:uFillTx/>
+                <a:latin typeface="Calibri" panose="020F0502020204030204"/>
+                <a:ea typeface="+mn-ea"/>
+                <a:cs typeface="+mn-cs"/>
+              </a:rPr>
+              <a:t>                    - Variance Concept</a:t>
+            </a:r>
+          </a:p>
+          <a:p>
+            <a:pPr marL="0" marR="0" lvl="0" indent="0" algn="l" defTabSz="914400" rtl="0" eaLnBrk="1" fontAlgn="auto" latinLnBrk="0" hangingPunct="1">
+              <a:lnSpc>
+                <a:spcPct val="100000"/>
+              </a:lnSpc>
+              <a:spcBef>
+                <a:spcPts val="0"/>
+              </a:spcBef>
+              <a:spcAft>
+                <a:spcPts val="0"/>
+              </a:spcAft>
+              <a:buClrTx/>
+              <a:buSzTx/>
+              <a:buFontTx/>
+              <a:buNone/>
+              <a:tabLst/>
+              <a:defRPr/>
+            </a:pPr>
+            <a:r>
+              <a:rPr kumimoji="0" lang="en-US" sz="1600" b="0" i="0" u="none" strike="noStrike" kern="1200" cap="none" spc="0" normalizeH="0" baseline="0" noProof="0" dirty="0">
+                <a:ln>
+                  <a:noFill/>
+                </a:ln>
+                <a:solidFill>
+                  <a:prstClr val="black"/>
+                </a:solidFill>
+                <a:effectLst/>
+                <a:uLnTx/>
+                <a:uFillTx/>
+                <a:latin typeface="Calibri" panose="020F0502020204030204"/>
+                <a:ea typeface="+mn-ea"/>
+                <a:cs typeface="+mn-cs"/>
+              </a:rPr>
+              <a:t>	- </a:t>
+            </a:r>
+            <a:r>
+              <a:rPr lang="en-US" sz="1600" dirty="0">
+                <a:solidFill>
+                  <a:prstClr val="black"/>
+                </a:solidFill>
+                <a:latin typeface="Calibri" panose="020F0502020204030204"/>
+              </a:rPr>
+              <a:t>Smart Assist Scenario</a:t>
+            </a:r>
             <a:endParaRPr kumimoji="0" lang="en-US" sz="1600" b="0" i="0" u="none" strike="noStrike" kern="1200" cap="none" spc="0" normalizeH="0" baseline="0" noProof="0" dirty="0">
               <a:ln>
                 <a:noFill/>
@@ -9645,7 +10559,7 @@
                 <a:ea typeface="+mn-ea"/>
                 <a:cs typeface="+mn-cs"/>
               </a:rPr>
-              <a:t>---Break---</a:t>
+              <a:t>	- Augmented Analytics</a:t>
             </a:r>
           </a:p>
           <a:p>
@@ -9666,20 +10580,23 @@
               <a:tabLst/>
               <a:defRPr/>
             </a:pPr>
-            <a:endParaRPr kumimoji="0" lang="en-US" sz="1600" b="1" i="0" u="none" strike="noStrike" kern="1200" cap="none" spc="0" normalizeH="0" baseline="0" noProof="0" dirty="0">
-              <a:ln>
-                <a:noFill/>
-              </a:ln>
-              <a:solidFill>
-                <a:prstClr val="black"/>
-              </a:solidFill>
-              <a:effectLst/>
-              <a:uLnTx/>
-              <a:uFillTx/>
-              <a:latin typeface="Calibri" panose="020F0502020204030204"/>
-              <a:ea typeface="+mn-ea"/>
-              <a:cs typeface="+mn-cs"/>
-            </a:endParaRPr>
+            <a:r>
+              <a:rPr kumimoji="0" lang="en-US" sz="1600" b="0" i="0" u="none" strike="noStrike" kern="1200" cap="none" spc="0" normalizeH="0" baseline="0" noProof="0" dirty="0">
+                <a:ln>
+                  <a:noFill/>
+                </a:ln>
+                <a:solidFill>
+                  <a:prstClr val="black"/>
+                </a:solidFill>
+                <a:effectLst/>
+                <a:uLnTx/>
+                <a:uFillTx/>
+                <a:latin typeface="Calibri" panose="020F0502020204030204"/>
+                <a:ea typeface="+mn-ea"/>
+                <a:cs typeface="+mn-cs"/>
+              </a:rPr>
+              <a:t>	- Smart Predict Forecast</a:t>
+            </a:r>
           </a:p>
           <a:p>
             <a:pPr marL="0" marR="0" lvl="0" indent="0" algn="l" defTabSz="914400" rtl="0" eaLnBrk="1" fontAlgn="auto" latinLnBrk="0" hangingPunct="1">
@@ -9700,21 +10617,13 @@
               <a:defRPr/>
             </a:pPr>
             <a:r>
-              <a:rPr kumimoji="0" lang="en-US" sz="1600" b="1" i="0" u="none" strike="noStrike" kern="1200" cap="none" spc="0" normalizeH="0" baseline="0" noProof="0" dirty="0">
-                <a:ln>
-                  <a:noFill/>
-                </a:ln>
+              <a:rPr lang="en-US" sz="1600" dirty="0">
                 <a:solidFill>
                   <a:prstClr val="black"/>
                 </a:solidFill>
-                <a:effectLst/>
-                <a:uLnTx/>
-                <a:uFillTx/>
                 <a:latin typeface="Calibri" panose="020F0502020204030204"/>
-                <a:ea typeface="+mn-ea"/>
-                <a:cs typeface="+mn-cs"/>
               </a:rPr>
-              <a:t>Build CDS Views</a:t>
+              <a:t>	- Smart Insight</a:t>
             </a:r>
           </a:p>
           <a:p>
@@ -9735,39 +10644,6 @@
               <a:tabLst/>
               <a:defRPr/>
             </a:pPr>
-            <a:endParaRPr kumimoji="0" lang="en-US" sz="1600" b="1" i="0" u="none" strike="noStrike" kern="1200" cap="none" spc="0" normalizeH="0" baseline="0" noProof="0" dirty="0">
-              <a:ln>
-                <a:noFill/>
-              </a:ln>
-              <a:solidFill>
-                <a:prstClr val="black"/>
-              </a:solidFill>
-              <a:effectLst/>
-              <a:uLnTx/>
-              <a:uFillTx/>
-              <a:latin typeface="Calibri" panose="020F0502020204030204"/>
-              <a:ea typeface="+mn-ea"/>
-              <a:cs typeface="+mn-cs"/>
-            </a:endParaRPr>
-          </a:p>
-          <a:p>
-            <a:pPr marL="285750" marR="0" lvl="0" indent="-285750" algn="l" defTabSz="914400" rtl="0" eaLnBrk="1" fontAlgn="auto" latinLnBrk="0" hangingPunct="1">
-              <a:lnSpc>
-                <a:spcPct val="100000"/>
-              </a:lnSpc>
-              <a:spcBef>
-                <a:spcPts val="0"/>
-              </a:spcBef>
-              <a:spcAft>
-                <a:spcPts val="0"/>
-              </a:spcAft>
-              <a:buClrTx/>
-              <a:buSzTx/>
-              <a:buFont typeface="Arial" panose="020B0604020202020204" pitchFamily="34" charset="0"/>
-              <a:buChar char="•"/>
-              <a:tabLst/>
-              <a:defRPr/>
-            </a:pPr>
             <a:r>
               <a:rPr kumimoji="0" lang="en-US" sz="1600" b="0" i="0" u="none" strike="noStrike" kern="1200" cap="none" spc="0" normalizeH="0" baseline="0" noProof="0" dirty="0">
                 <a:ln>
@@ -9783,25 +10659,11 @@
                 <a:ea typeface="+mn-ea"/>
                 <a:cs typeface="+mn-cs"/>
               </a:rPr>
-              <a:t>Introduction to CDS View</a:t>
-            </a:r>
-          </a:p>
-          <a:p>
-            <a:pPr marL="285750" marR="0" lvl="0" indent="-285750" algn="l" defTabSz="914400" rtl="0" eaLnBrk="1" fontAlgn="auto" latinLnBrk="0" hangingPunct="1">
-              <a:lnSpc>
-                <a:spcPct val="100000"/>
-              </a:lnSpc>
-              <a:spcBef>
-                <a:spcPts val="0"/>
-              </a:spcBef>
-              <a:spcAft>
-                <a:spcPts val="0"/>
-              </a:spcAft>
-              <a:buClrTx/>
-              <a:buSzTx/>
-              <a:buFont typeface="Arial" panose="020B0604020202020204" pitchFamily="34" charset="0"/>
-              <a:buChar char="•"/>
-              <a:tabLst/>
+              <a:t>	- Smart Discovery</a:t>
+            </a:r>
+          </a:p>
+          <a:p>
+            <a:pPr>
               <a:defRPr/>
             </a:pPr>
             <a:r>
@@ -9819,25 +10681,11 @@
                 <a:ea typeface="+mn-ea"/>
                 <a:cs typeface="+mn-cs"/>
               </a:rPr>
-              <a:t>Consume S/4HANA CDS views</a:t>
-            </a:r>
-          </a:p>
-          <a:p>
-            <a:pPr marL="285750" marR="0" lvl="0" indent="-285750" algn="l" defTabSz="914400" rtl="0" eaLnBrk="1" fontAlgn="auto" latinLnBrk="0" hangingPunct="1">
-              <a:lnSpc>
-                <a:spcPct val="100000"/>
-              </a:lnSpc>
-              <a:spcBef>
-                <a:spcPts val="0"/>
-              </a:spcBef>
-              <a:spcAft>
-                <a:spcPts val="0"/>
-              </a:spcAft>
-              <a:buClrTx/>
-              <a:buSzTx/>
-              <a:buFont typeface="Arial" panose="020B0604020202020204" pitchFamily="34" charset="0"/>
-              <a:buChar char="•"/>
-              <a:tabLst/>
+              <a:t>	- Smart Grouping</a:t>
+            </a:r>
+          </a:p>
+          <a:p>
+            <a:pPr>
               <a:defRPr/>
             </a:pPr>
             <a:r>
@@ -9855,44 +10703,13 @@
                 <a:ea typeface="+mn-ea"/>
                 <a:cs typeface="+mn-cs"/>
               </a:rPr>
-              <a:t>Import data connection</a:t>
-            </a:r>
-          </a:p>
-          <a:p>
-            <a:pPr marL="285750" marR="0" lvl="0" indent="-285750" algn="l" defTabSz="914400" rtl="0" eaLnBrk="1" fontAlgn="auto" latinLnBrk="0" hangingPunct="1">
-              <a:lnSpc>
-                <a:spcPct val="100000"/>
-              </a:lnSpc>
-              <a:spcBef>
-                <a:spcPts val="0"/>
-              </a:spcBef>
-              <a:spcAft>
-                <a:spcPts val="0"/>
-              </a:spcAft>
-              <a:buClrTx/>
-              <a:buSzTx/>
-              <a:buFont typeface="Arial" panose="020B0604020202020204" pitchFamily="34" charset="0"/>
-              <a:buChar char="•"/>
-              <a:tabLst/>
+              <a:t>	- Roadmap and Support </a:t>
+            </a:r>
+          </a:p>
+          <a:p>
+            <a:pPr>
               <a:defRPr/>
             </a:pPr>
-            <a:r>
-              <a:rPr kumimoji="0" lang="en-US" sz="1600" b="0" i="0" u="none" strike="noStrike" kern="1200" cap="none" spc="0" normalizeH="0" baseline="0" noProof="0" dirty="0">
-                <a:ln>
-                  <a:noFill/>
-                </a:ln>
-                <a:solidFill>
-                  <a:prstClr val="black"/>
-                </a:solidFill>
-                <a:effectLst/>
-                <a:uLnTx/>
-                <a:uFillTx/>
-                <a:latin typeface="Calibri" panose="020F0502020204030204"/>
-                <a:ea typeface="+mn-ea"/>
-                <a:cs typeface="+mn-cs"/>
-              </a:rPr>
-              <a:t>Live Data connection with analytic Query</a:t>
-            </a:r>
             <a:r>
               <a:rPr lang="en-US" sz="1600" dirty="0">
                 <a:solidFill>
@@ -10014,7 +10831,7 @@
           <a:lstStyle/>
           <a:p>
             <a:r>
-              <a:rPr lang="en-IN" dirty="0">
+              <a:rPr lang="en-IN" dirty="0" err="1">
                 <a:solidFill>
                   <a:schemeClr val="tx2">
                     <a:lumMod val="60000"/>
@@ -10023,7 +10840,19 @@
                 </a:solidFill>
                 <a:latin typeface="Patua One" pitchFamily="2" charset="0"/>
               </a:rPr>
-              <a:t>Real SAC system Access</a:t>
+              <a:t>Odata</a:t>
+            </a:r>
+            <a:r>
+              <a:rPr lang="en-IN" dirty="0">
+                <a:solidFill>
+                  <a:schemeClr val="tx2">
+                    <a:lumMod val="60000"/>
+                    <a:lumOff val="40000"/>
+                  </a:schemeClr>
+                </a:solidFill>
+                <a:latin typeface="Patua One" pitchFamily="2" charset="0"/>
+              </a:rPr>
+              <a:t> Connection</a:t>
             </a:r>
           </a:p>
         </p:txBody>
@@ -10155,10 +10984,10 @@
       </p:cxnSp>
       <p:sp>
         <p:nvSpPr>
-          <p:cNvPr id="2" name="TextBox 1">
+          <p:cNvPr id="7" name="TextBox 6">
             <a:extLst>
               <a:ext uri="{FF2B5EF4-FFF2-40B4-BE49-F238E27FC236}">
-                <a16:creationId xmlns:a16="http://schemas.microsoft.com/office/drawing/2014/main" id="{DBA9C926-E785-4B46-9ACD-A092AE1335B9}"/>
+                <a16:creationId xmlns:a16="http://schemas.microsoft.com/office/drawing/2014/main" id="{ABF287D6-59D5-4988-9C9A-6236BA708D51}"/>
               </a:ext>
             </a:extLst>
           </p:cNvPr>
@@ -10167,8 +10996,8 @@
         </p:nvSpPr>
         <p:spPr>
           <a:xfrm>
-            <a:off x="76201" y="868904"/>
-            <a:ext cx="11883395" cy="6001643"/>
+            <a:off x="457200" y="4419600"/>
+            <a:ext cx="9402030" cy="1938992"/>
           </a:xfrm>
           <a:prstGeom prst="rect">
             <a:avLst/>
@@ -10176,96 +11005,69 @@
           <a:noFill/>
         </p:spPr>
         <p:txBody>
-          <a:bodyPr wrap="square" rtlCol="0">
+          <a:bodyPr wrap="square">
             <a:spAutoFit/>
           </a:bodyPr>
           <a:lstStyle/>
           <a:p>
             <a:pPr defTabSz="1218987"/>
             <a:r>
-              <a:rPr lang="en-US" sz="2400" dirty="0">
+              <a:rPr lang="en-US" sz="2400">
                 <a:solidFill>
                   <a:prstClr val="black"/>
                 </a:solidFill>
                 <a:latin typeface="Calibri"/>
               </a:rPr>
-              <a:t>Acquired Data Connection</a:t>
-            </a:r>
-          </a:p>
-          <a:p>
-            <a:pPr marL="342900" indent="-342900" defTabSz="1218987">
-              <a:buFontTx/>
-              <a:buChar char="-"/>
-            </a:pPr>
-            <a:r>
-              <a:rPr lang="en-US" sz="2400" dirty="0">
+              <a:t>ODataConnection.executeAction("CancelMyFlights",{</a:t>
+            </a:r>
+          </a:p>
+          <a:p>
+            <a:pPr defTabSz="1218987"/>
+            <a:r>
+              <a:rPr lang="en-US" sz="2400">
                 <a:solidFill>
                   <a:prstClr val="black"/>
                 </a:solidFill>
                 <a:latin typeface="Calibri"/>
               </a:rPr>
-              <a:t>Connect to real time system only once, and pull all the data into SAC.</a:t>
-            </a:r>
-          </a:p>
-          <a:p>
-            <a:pPr marL="342900" indent="-342900" defTabSz="1218987">
-              <a:buFontTx/>
-              <a:buChar char="-"/>
-            </a:pPr>
-            <a:r>
-              <a:rPr lang="en-US" sz="2400" dirty="0">
+              <a:t>	DateFrom: '2020-01-01',</a:t>
+            </a:r>
+          </a:p>
+          <a:p>
+            <a:pPr defTabSz="1218987"/>
+            <a:r>
+              <a:rPr lang="en-US" sz="2400">
                 <a:solidFill>
                   <a:prstClr val="black"/>
                 </a:solidFill>
                 <a:latin typeface="Calibri"/>
               </a:rPr>
-              <a:t>Data is stored inside SAC securely, Data security is subjected to SAC</a:t>
-            </a:r>
-          </a:p>
-          <a:p>
-            <a:pPr marL="342900" indent="-342900" defTabSz="1218987">
-              <a:buFontTx/>
-              <a:buChar char="-"/>
-            </a:pPr>
-            <a:r>
-              <a:rPr lang="en-US" sz="2400" dirty="0">
+              <a:t>	DateTo: '2022-01-01'</a:t>
+            </a:r>
+          </a:p>
+          <a:p>
+            <a:pPr defTabSz="1218987"/>
+            <a:r>
+              <a:rPr lang="en-US" sz="2400">
                 <a:solidFill>
                   <a:prstClr val="black"/>
                 </a:solidFill>
                 <a:latin typeface="Calibri"/>
               </a:rPr>
-              <a:t>Data needs to updated timely manner, you can schedule auto-updates.</a:t>
-            </a:r>
-          </a:p>
-          <a:p>
-            <a:pPr marL="342900" indent="-342900" defTabSz="1218987">
-              <a:buFontTx/>
-              <a:buChar char="-"/>
-            </a:pPr>
-            <a:r>
-              <a:rPr lang="en-US" sz="2400" dirty="0">
+              <a:t>});</a:t>
+            </a:r>
+          </a:p>
+          <a:p>
+            <a:pPr defTabSz="1218987"/>
+            <a:r>
+              <a:rPr lang="en-US" sz="2400">
                 <a:solidFill>
                   <a:prstClr val="black"/>
                 </a:solidFill>
                 <a:latin typeface="Calibri"/>
               </a:rPr>
-              <a:t>All features can be accessed if its acquired data</a:t>
-            </a:r>
-          </a:p>
-          <a:p>
-            <a:pPr defTabSz="1218987"/>
-            <a:r>
-              <a:rPr lang="en-US" sz="2400" dirty="0">
-                <a:solidFill>
-                  <a:prstClr val="black"/>
-                </a:solidFill>
-                <a:latin typeface="Calibri"/>
-              </a:rPr>
-              <a:t>e.g. Google drive, S/4HANA Acquired – CDS View</a:t>
-            </a:r>
-          </a:p>
-          <a:p>
-            <a:pPr defTabSz="1218987"/>
+              <a:t>Application.refreshData();</a:t>
+            </a:r>
             <a:endParaRPr lang="en-US" sz="2400" dirty="0">
               <a:solidFill>
                 <a:prstClr val="black"/>
@@ -10273,23 +11075,46 @@
               <a:latin typeface="Calibri"/>
             </a:endParaRPr>
           </a:p>
+        </p:txBody>
+      </p:sp>
+      <p:sp>
+        <p:nvSpPr>
+          <p:cNvPr id="9" name="TextBox 8">
+            <a:extLst>
+              <a:ext uri="{FF2B5EF4-FFF2-40B4-BE49-F238E27FC236}">
+                <a16:creationId xmlns:a16="http://schemas.microsoft.com/office/drawing/2014/main" id="{B4066A93-1AB0-48AB-82CA-53937372AB1E}"/>
+              </a:ext>
+            </a:extLst>
+          </p:cNvPr>
+          <p:cNvSpPr txBox="1"/>
+          <p:nvPr/>
+        </p:nvSpPr>
+        <p:spPr>
+          <a:xfrm>
+            <a:off x="457200" y="992953"/>
+            <a:ext cx="11180762" cy="3416320"/>
+          </a:xfrm>
+          <a:prstGeom prst="rect">
+            <a:avLst/>
+          </a:prstGeom>
+          <a:noFill/>
+        </p:spPr>
+        <p:txBody>
+          <a:bodyPr wrap="square">
+            <a:spAutoFit/>
+          </a:bodyPr>
+          <a:lstStyle/>
           <a:p>
             <a:pPr defTabSz="1218987"/>
             <a:r>
-              <a:rPr lang="en-US" sz="2400" dirty="0">
+              <a:rPr lang="en-US" sz="2400" dirty="0" err="1">
                 <a:solidFill>
                   <a:prstClr val="black"/>
                 </a:solidFill>
                 <a:latin typeface="Calibri"/>
               </a:rPr>
-              <a:t>Live Data Connection</a:t>
-            </a:r>
-          </a:p>
-          <a:p>
-            <a:pPr marL="342900" indent="-342900" defTabSz="1218987">
-              <a:buFontTx/>
-              <a:buChar char="-"/>
-            </a:pPr>
+              <a:t>ODataConnection.executeAction</a:t>
+            </a:r>
             <a:r>
               <a:rPr lang="en-US" sz="2400" dirty="0">
                 <a:solidFill>
@@ -10297,14 +11122,11 @@
                 </a:solidFill>
                 <a:latin typeface="Calibri"/>
               </a:rPr>
-              <a:t>Data is never replicated to SAC, it lives in the original system (source system)</a:t>
-            </a:r>
-          </a:p>
-          <a:p>
-            <a:pPr marL="342900" indent="-342900" defTabSz="1218987">
-              <a:buFontTx/>
-              <a:buChar char="-"/>
-            </a:pPr>
+              <a:t>("Flight/Book",{</a:t>
+            </a:r>
+          </a:p>
+          <a:p>
+            <a:pPr defTabSz="1218987"/>
             <a:r>
               <a:rPr lang="en-US" sz="2400" dirty="0">
                 <a:solidFill>
@@ -10312,14 +11134,11 @@
                 </a:solidFill>
                 <a:latin typeface="Calibri"/>
               </a:rPr>
-              <a:t>Only the skeleton (structure) of the data is represented in SAC Model</a:t>
-            </a:r>
-          </a:p>
-          <a:p>
-            <a:pPr marL="342900" indent="-342900" defTabSz="1218987">
-              <a:buFontTx/>
-              <a:buChar char="-"/>
-            </a:pPr>
+              <a:t>	Flight: {</a:t>
+            </a:r>
+          </a:p>
+          <a:p>
+            <a:pPr defTabSz="1218987"/>
             <a:r>
               <a:rPr lang="en-US" sz="2400" dirty="0">
                 <a:solidFill>
@@ -10327,14 +11146,11 @@
                 </a:solidFill>
                 <a:latin typeface="Calibri"/>
               </a:rPr>
-              <a:t>All the data transformation and Security is managed by Source System</a:t>
-            </a:r>
-          </a:p>
-          <a:p>
-            <a:pPr marL="342900" indent="-342900" defTabSz="1218987">
-              <a:buFontTx/>
-              <a:buChar char="-"/>
-            </a:pPr>
+              <a:t>		Airline: 'AA',</a:t>
+            </a:r>
+          </a:p>
+          <a:p>
+            <a:pPr defTabSz="1218987"/>
             <a:r>
               <a:rPr lang="en-US" sz="2400" dirty="0">
                 <a:solidFill>
@@ -10342,29 +11158,17 @@
                 </a:solidFill>
                 <a:latin typeface="Calibri"/>
               </a:rPr>
-              <a:t>Data is Real-time and storage cost in SAC is minimal</a:t>
-            </a:r>
-          </a:p>
-          <a:p>
-            <a:pPr marL="342900" indent="-342900" defTabSz="1218987">
-              <a:buFontTx/>
-              <a:buChar char="-"/>
-            </a:pPr>
-            <a:r>
-              <a:rPr lang="en-US" sz="2400" dirty="0">
+              <a:t>		</a:t>
+            </a:r>
+            <a:r>
+              <a:rPr lang="en-US" sz="2400" dirty="0" err="1">
                 <a:solidFill>
                   <a:prstClr val="black"/>
                 </a:solidFill>
                 <a:latin typeface="Calibri"/>
               </a:rPr>
-              <a:t>You can use existing assets like BI Universe, BW Bex Queries, Info providers, CDS views </a:t>
-            </a:r>
-          </a:p>
-          <a:p>
-            <a:pPr marL="342900" indent="-342900" defTabSz="1218987">
-              <a:buFontTx/>
-              <a:buChar char="-"/>
-            </a:pPr>
+              <a:t>Flightconnection</a:t>
+            </a:r>
             <a:r>
               <a:rPr lang="en-US" sz="2400" dirty="0">
                 <a:solidFill>
@@ -10372,14 +11176,11 @@
                 </a:solidFill>
                 <a:latin typeface="Calibri"/>
               </a:rPr>
-              <a:t>Performance can go bad at sometime but we can tune</a:t>
-            </a:r>
-          </a:p>
-          <a:p>
-            <a:pPr marL="342900" indent="-342900" defTabSz="1218987">
-              <a:buFontTx/>
-              <a:buChar char="-"/>
-            </a:pPr>
+              <a:t>: '0017',</a:t>
+            </a:r>
+          </a:p>
+          <a:p>
+            <a:pPr defTabSz="1218987"/>
             <a:r>
               <a:rPr lang="en-US" sz="2400" dirty="0">
                 <a:solidFill>
@@ -10387,16 +11188,35 @@
                 </a:solidFill>
                 <a:latin typeface="Calibri"/>
               </a:rPr>
-              <a:t>We can perform Close-loop scenario</a:t>
-            </a:r>
-            <a:br>
-              <a:rPr lang="en-US" sz="2400" dirty="0">
+              <a:t>		</a:t>
+            </a:r>
+            <a:r>
+              <a:rPr lang="en-US" sz="2400" dirty="0" err="1">
                 <a:solidFill>
                   <a:prstClr val="black"/>
                 </a:solidFill>
                 <a:latin typeface="Calibri"/>
               </a:rPr>
-            </a:br>
+              <a:t>Flightdate</a:t>
+            </a:r>
+            <a:r>
+              <a:rPr lang="en-US" sz="2400" dirty="0">
+                <a:solidFill>
+                  <a:prstClr val="black"/>
+                </a:solidFill>
+                <a:latin typeface="Calibri"/>
+              </a:rPr>
+              <a:t>: </a:t>
+            </a:r>
+            <a:r>
+              <a:rPr lang="en-US" sz="2400" dirty="0" err="1">
+                <a:solidFill>
+                  <a:prstClr val="black"/>
+                </a:solidFill>
+                <a:latin typeface="Calibri"/>
+              </a:rPr>
+              <a:t>FLDate</a:t>
+            </a:r>
             <a:endParaRPr lang="en-US" sz="2400" dirty="0">
               <a:solidFill>
                 <a:prstClr val="black"/>
@@ -10404,12 +11224,87 @@
               <a:latin typeface="Calibri"/>
             </a:endParaRPr>
           </a:p>
+          <a:p>
+            <a:pPr defTabSz="1218987"/>
+            <a:r>
+              <a:rPr lang="en-US" sz="2400" dirty="0">
+                <a:solidFill>
+                  <a:prstClr val="black"/>
+                </a:solidFill>
+                <a:latin typeface="Calibri"/>
+              </a:rPr>
+              <a:t>	},</a:t>
+            </a:r>
+          </a:p>
+          <a:p>
+            <a:pPr defTabSz="1218987"/>
+            <a:r>
+              <a:rPr lang="en-US" sz="2400" dirty="0">
+                <a:solidFill>
+                  <a:prstClr val="black"/>
+                </a:solidFill>
+                <a:latin typeface="Calibri"/>
+              </a:rPr>
+              <a:t>	</a:t>
+            </a:r>
+            <a:r>
+              <a:rPr lang="en-US" sz="2400" dirty="0" err="1">
+                <a:solidFill>
+                  <a:prstClr val="black"/>
+                </a:solidFill>
+                <a:latin typeface="Calibri"/>
+              </a:rPr>
+              <a:t>NumberOfSeats</a:t>
+            </a:r>
+            <a:r>
+              <a:rPr lang="en-US" sz="2400" dirty="0">
+                <a:solidFill>
+                  <a:prstClr val="black"/>
+                </a:solidFill>
+                <a:latin typeface="Calibri"/>
+              </a:rPr>
+              <a:t>: 1</a:t>
+            </a:r>
+          </a:p>
+          <a:p>
+            <a:pPr defTabSz="1218987"/>
+            <a:r>
+              <a:rPr lang="en-US" sz="2400" dirty="0">
+                <a:solidFill>
+                  <a:prstClr val="black"/>
+                </a:solidFill>
+                <a:latin typeface="Calibri"/>
+              </a:rPr>
+              <a:t>});</a:t>
+            </a:r>
+          </a:p>
+          <a:p>
+            <a:pPr defTabSz="1218987"/>
+            <a:r>
+              <a:rPr lang="en-US" sz="2400" dirty="0" err="1">
+                <a:solidFill>
+                  <a:prstClr val="black"/>
+                </a:solidFill>
+                <a:latin typeface="Calibri"/>
+              </a:rPr>
+              <a:t>Application.refreshData</a:t>
+            </a:r>
+            <a:r>
+              <a:rPr lang="en-US" sz="2400" dirty="0">
+                <a:solidFill>
+                  <a:prstClr val="black"/>
+                </a:solidFill>
+                <a:latin typeface="Calibri"/>
+              </a:rPr>
+              <a:t>();</a:t>
+            </a:r>
+          </a:p>
         </p:txBody>
       </p:sp>
     </p:spTree>
     <p:extLst>
       <p:ext uri="{BB962C8B-B14F-4D97-AF65-F5344CB8AC3E}">
-        <p14:creationId xmlns:p14="http://schemas.microsoft.com/office/powerpoint/2010/main" val="3744604388"/>
+        <p14:creationId xmlns:p14="http://schemas.microsoft.com/office/powerpoint/2010/main" val="3499498497"/>
       </p:ext>
     </p:extLst>
   </p:cSld>
@@ -10471,7 +11366,7 @@
                 </a:solidFill>
                 <a:latin typeface="Patua One" pitchFamily="2" charset="0"/>
               </a:rPr>
-              <a:t>Connections</a:t>
+              <a:t>Live Data Conn. With SAP HANA DB in Cloud</a:t>
             </a:r>
           </a:p>
         </p:txBody>
@@ -10606,7 +11501,7 @@
           <p:cNvPr id="2" name="Rectangle 1">
             <a:extLst>
               <a:ext uri="{FF2B5EF4-FFF2-40B4-BE49-F238E27FC236}">
-                <a16:creationId xmlns:a16="http://schemas.microsoft.com/office/drawing/2014/main" id="{4CDE6632-715F-4237-AF06-C41820E0E304}"/>
+                <a16:creationId xmlns:a16="http://schemas.microsoft.com/office/drawing/2014/main" id="{B2F6869B-D2BC-47D8-BB93-85B2CE1A763E}"/>
               </a:ext>
             </a:extLst>
           </p:cNvPr>
@@ -10615,8 +11510,8 @@
         </p:nvSpPr>
         <p:spPr>
           <a:xfrm>
-            <a:off x="232406" y="2057401"/>
-            <a:ext cx="2739394" cy="1676371"/>
+            <a:off x="9372600" y="1828800"/>
+            <a:ext cx="2415264" cy="3429000"/>
           </a:xfrm>
           <a:prstGeom prst="rect">
             <a:avLst/>
@@ -10650,7 +11545,7 @@
                 </a:solidFill>
                 <a:latin typeface="Calibri"/>
               </a:rPr>
-              <a:t>SAC </a:t>
+              <a:t>HANA Consultants</a:t>
             </a:r>
           </a:p>
           <a:p>
@@ -10662,17 +11557,35 @@
                 </a:solidFill>
                 <a:latin typeface="Calibri"/>
               </a:rPr>
-              <a:t>SAP Analytics Cloud System</a:t>
-            </a:r>
-          </a:p>
-        </p:txBody>
-      </p:sp>
-      <p:sp>
-        <p:nvSpPr>
-          <p:cNvPr id="3" name="Rectangle 2">
+              <a:t>SAP HANA Service</a:t>
+            </a:r>
+          </a:p>
+          <a:p>
+            <a:pPr algn="ctr" defTabSz="1218987"/>
+            <a:endParaRPr lang="en-US" sz="2400" dirty="0">
+              <a:solidFill>
+                <a:prstClr val="white"/>
+              </a:solidFill>
+              <a:latin typeface="Calibri"/>
+            </a:endParaRPr>
+          </a:p>
+          <a:p>
+            <a:pPr algn="ctr" defTabSz="1218987"/>
+            <a:endParaRPr lang="en-US" sz="2400" dirty="0">
+              <a:solidFill>
+                <a:prstClr val="white"/>
+              </a:solidFill>
+              <a:latin typeface="Calibri"/>
+            </a:endParaRPr>
+          </a:p>
+        </p:txBody>
+      </p:sp>
+      <p:sp>
+        <p:nvSpPr>
+          <p:cNvPr id="3" name="Rectangle: Rounded Corners 2">
             <a:extLst>
               <a:ext uri="{FF2B5EF4-FFF2-40B4-BE49-F238E27FC236}">
-                <a16:creationId xmlns:a16="http://schemas.microsoft.com/office/drawing/2014/main" id="{F7E6D307-6C02-4B23-B85E-3C44FDA8451D}"/>
+                <a16:creationId xmlns:a16="http://schemas.microsoft.com/office/drawing/2014/main" id="{69415F10-A728-4D0E-9D33-D30679BFB976}"/>
               </a:ext>
             </a:extLst>
           </p:cNvPr>
@@ -10681,8 +11594,725 @@
         </p:nvSpPr>
         <p:spPr>
           <a:xfrm>
-            <a:off x="9220201" y="1447801"/>
-            <a:ext cx="2739394" cy="1676371"/>
+            <a:off x="9742032" y="3965331"/>
+            <a:ext cx="1676400" cy="1143000"/>
+          </a:xfrm>
+          <a:prstGeom prst="roundRect">
+            <a:avLst/>
+          </a:prstGeom>
+        </p:spPr>
+        <p:style>
+          <a:lnRef idx="2">
+            <a:schemeClr val="dk1">
+              <a:shade val="50000"/>
+            </a:schemeClr>
+          </a:lnRef>
+          <a:fillRef idx="1">
+            <a:schemeClr val="dk1"/>
+          </a:fillRef>
+          <a:effectRef idx="0">
+            <a:schemeClr val="dk1"/>
+          </a:effectRef>
+          <a:fontRef idx="minor">
+            <a:schemeClr val="lt1"/>
+          </a:fontRef>
+        </p:style>
+        <p:txBody>
+          <a:bodyPr rtlCol="0" anchor="ctr"/>
+          <a:lstStyle/>
+          <a:p>
+            <a:pPr algn="ctr" defTabSz="1218987"/>
+            <a:r>
+              <a:rPr lang="en-US" sz="2400" dirty="0">
+                <a:solidFill>
+                  <a:prstClr val="white"/>
+                </a:solidFill>
+                <a:latin typeface="Calibri"/>
+              </a:rPr>
+              <a:t>MTA App</a:t>
+            </a:r>
+          </a:p>
+        </p:txBody>
+      </p:sp>
+      <mc:AlternateContent xmlns:mc="http://schemas.openxmlformats.org/markup-compatibility/2006" xmlns:p14="http://schemas.microsoft.com/office/powerpoint/2010/main">
+        <mc:Choice Requires="p14">
+          <p:contentPart p14:bwMode="auto" r:id="rId3">
+            <p14:nvContentPartPr>
+              <p14:cNvPr id="34" name="Ink 33">
+                <a:extLst>
+                  <a:ext uri="{FF2B5EF4-FFF2-40B4-BE49-F238E27FC236}">
+                    <a16:creationId xmlns:a16="http://schemas.microsoft.com/office/drawing/2014/main" id="{0D1CCDDA-823F-4988-949E-C2A83600D314}"/>
+                  </a:ext>
+                </a:extLst>
+              </p14:cNvPr>
+              <p14:cNvContentPartPr/>
+              <p14:nvPr/>
+            </p14:nvContentPartPr>
+            <p14:xfrm>
+              <a:off x="9084153" y="5398643"/>
+              <a:ext cx="1046520" cy="255240"/>
+            </p14:xfrm>
+          </p:contentPart>
+        </mc:Choice>
+        <mc:Fallback xmlns="">
+          <p:pic>
+            <p:nvPicPr>
+              <p:cNvPr id="34" name="Ink 33">
+                <a:extLst>
+                  <a:ext uri="{FF2B5EF4-FFF2-40B4-BE49-F238E27FC236}">
+                    <a16:creationId xmlns:a16="http://schemas.microsoft.com/office/drawing/2014/main" id="{0D1CCDDA-823F-4988-949E-C2A83600D314}"/>
+                  </a:ext>
+                </a:extLst>
+              </p:cNvPr>
+              <p:cNvPicPr/>
+              <p:nvPr/>
+            </p:nvPicPr>
+            <p:blipFill>
+              <a:blip r:embed="rId4"/>
+              <a:stretch>
+                <a:fillRect/>
+              </a:stretch>
+            </p:blipFill>
+            <p:spPr>
+              <a:xfrm>
+                <a:off x="9075153" y="5389643"/>
+                <a:ext cx="1064160" cy="272880"/>
+              </a:xfrm>
+              <a:prstGeom prst="rect">
+                <a:avLst/>
+              </a:prstGeom>
+            </p:spPr>
+          </p:pic>
+        </mc:Fallback>
+      </mc:AlternateContent>
+      <mc:AlternateContent xmlns:mc="http://schemas.openxmlformats.org/markup-compatibility/2006" xmlns:p14="http://schemas.microsoft.com/office/powerpoint/2010/main">
+        <mc:Choice Requires="p14">
+          <p:contentPart p14:bwMode="auto" r:id="rId5">
+            <p14:nvContentPartPr>
+              <p14:cNvPr id="35" name="Ink 34">
+                <a:extLst>
+                  <a:ext uri="{FF2B5EF4-FFF2-40B4-BE49-F238E27FC236}">
+                    <a16:creationId xmlns:a16="http://schemas.microsoft.com/office/drawing/2014/main" id="{52A0DD25-3765-4B79-B2C5-772D85521CC9}"/>
+                  </a:ext>
+                </a:extLst>
+              </p14:cNvPr>
+              <p14:cNvContentPartPr/>
+              <p14:nvPr/>
+            </p14:nvContentPartPr>
+            <p14:xfrm>
+              <a:off x="7650993" y="5398283"/>
+              <a:ext cx="1275120" cy="387360"/>
+            </p14:xfrm>
+          </p:contentPart>
+        </mc:Choice>
+        <mc:Fallback xmlns="">
+          <p:pic>
+            <p:nvPicPr>
+              <p:cNvPr id="35" name="Ink 34">
+                <a:extLst>
+                  <a:ext uri="{FF2B5EF4-FFF2-40B4-BE49-F238E27FC236}">
+                    <a16:creationId xmlns:a16="http://schemas.microsoft.com/office/drawing/2014/main" id="{52A0DD25-3765-4B79-B2C5-772D85521CC9}"/>
+                  </a:ext>
+                </a:extLst>
+              </p:cNvPr>
+              <p:cNvPicPr/>
+              <p:nvPr/>
+            </p:nvPicPr>
+            <p:blipFill>
+              <a:blip r:embed="rId6"/>
+              <a:stretch>
+                <a:fillRect/>
+              </a:stretch>
+            </p:blipFill>
+            <p:spPr>
+              <a:xfrm>
+                <a:off x="7641990" y="5389283"/>
+                <a:ext cx="1292765" cy="405000"/>
+              </a:xfrm>
+              <a:prstGeom prst="rect">
+                <a:avLst/>
+              </a:prstGeom>
+            </p:spPr>
+          </p:pic>
+        </mc:Fallback>
+      </mc:AlternateContent>
+      <mc:AlternateContent xmlns:mc="http://schemas.openxmlformats.org/markup-compatibility/2006" xmlns:p14="http://schemas.microsoft.com/office/powerpoint/2010/main">
+        <mc:Choice Requires="p14">
+          <p:contentPart p14:bwMode="auto" r:id="rId7">
+            <p14:nvContentPartPr>
+              <p14:cNvPr id="47" name="Ink 46">
+                <a:extLst>
+                  <a:ext uri="{FF2B5EF4-FFF2-40B4-BE49-F238E27FC236}">
+                    <a16:creationId xmlns:a16="http://schemas.microsoft.com/office/drawing/2014/main" id="{8562A49B-D65D-4960-A260-CE3B4BF7CC94}"/>
+                  </a:ext>
+                </a:extLst>
+              </p14:cNvPr>
+              <p14:cNvContentPartPr/>
+              <p14:nvPr/>
+            </p14:nvContentPartPr>
+            <p14:xfrm>
+              <a:off x="10306353" y="5415923"/>
+              <a:ext cx="1899360" cy="396720"/>
+            </p14:xfrm>
+          </p:contentPart>
+        </mc:Choice>
+        <mc:Fallback xmlns="">
+          <p:pic>
+            <p:nvPicPr>
+              <p:cNvPr id="47" name="Ink 46">
+                <a:extLst>
+                  <a:ext uri="{FF2B5EF4-FFF2-40B4-BE49-F238E27FC236}">
+                    <a16:creationId xmlns:a16="http://schemas.microsoft.com/office/drawing/2014/main" id="{8562A49B-D65D-4960-A260-CE3B4BF7CC94}"/>
+                  </a:ext>
+                </a:extLst>
+              </p:cNvPr>
+              <p:cNvPicPr/>
+              <p:nvPr/>
+            </p:nvPicPr>
+            <p:blipFill>
+              <a:blip r:embed="rId8"/>
+              <a:stretch>
+                <a:fillRect/>
+              </a:stretch>
+            </p:blipFill>
+            <p:spPr>
+              <a:xfrm>
+                <a:off x="10297353" y="5406923"/>
+                <a:ext cx="1917000" cy="414360"/>
+              </a:xfrm>
+              <a:prstGeom prst="rect">
+                <a:avLst/>
+              </a:prstGeom>
+            </p:spPr>
+          </p:pic>
+        </mc:Fallback>
+      </mc:AlternateContent>
+      <mc:AlternateContent xmlns:mc="http://schemas.openxmlformats.org/markup-compatibility/2006" xmlns:p14="http://schemas.microsoft.com/office/powerpoint/2010/main">
+        <mc:Choice Requires="p14">
+          <p:contentPart p14:bwMode="auto" r:id="rId9">
+            <p14:nvContentPartPr>
+              <p14:cNvPr id="48" name="Ink 47">
+                <a:extLst>
+                  <a:ext uri="{FF2B5EF4-FFF2-40B4-BE49-F238E27FC236}">
+                    <a16:creationId xmlns:a16="http://schemas.microsoft.com/office/drawing/2014/main" id="{7AF8E1D2-998F-4865-AC92-C8BD98ED6579}"/>
+                  </a:ext>
+                </a:extLst>
+              </p14:cNvPr>
+              <p14:cNvContentPartPr/>
+              <p14:nvPr/>
+            </p14:nvContentPartPr>
+            <p14:xfrm>
+              <a:off x="7941153" y="5952323"/>
+              <a:ext cx="185040" cy="360"/>
+            </p14:xfrm>
+          </p:contentPart>
+        </mc:Choice>
+        <mc:Fallback xmlns="">
+          <p:pic>
+            <p:nvPicPr>
+              <p:cNvPr id="48" name="Ink 47">
+                <a:extLst>
+                  <a:ext uri="{FF2B5EF4-FFF2-40B4-BE49-F238E27FC236}">
+                    <a16:creationId xmlns:a16="http://schemas.microsoft.com/office/drawing/2014/main" id="{7AF8E1D2-998F-4865-AC92-C8BD98ED6579}"/>
+                  </a:ext>
+                </a:extLst>
+              </p:cNvPr>
+              <p:cNvPicPr/>
+              <p:nvPr/>
+            </p:nvPicPr>
+            <p:blipFill>
+              <a:blip r:embed="rId10"/>
+              <a:stretch>
+                <a:fillRect/>
+              </a:stretch>
+            </p:blipFill>
+            <p:spPr>
+              <a:xfrm>
+                <a:off x="7932153" y="5943323"/>
+                <a:ext cx="202680" cy="18000"/>
+              </a:xfrm>
+              <a:prstGeom prst="rect">
+                <a:avLst/>
+              </a:prstGeom>
+            </p:spPr>
+          </p:pic>
+        </mc:Fallback>
+      </mc:AlternateContent>
+      <mc:AlternateContent xmlns:mc="http://schemas.openxmlformats.org/markup-compatibility/2006" xmlns:p14="http://schemas.microsoft.com/office/powerpoint/2010/main">
+        <mc:Choice Requires="p14">
+          <p:contentPart p14:bwMode="auto" r:id="rId11">
+            <p14:nvContentPartPr>
+              <p14:cNvPr id="49" name="Ink 48">
+                <a:extLst>
+                  <a:ext uri="{FF2B5EF4-FFF2-40B4-BE49-F238E27FC236}">
+                    <a16:creationId xmlns:a16="http://schemas.microsoft.com/office/drawing/2014/main" id="{AD3A44EB-88F5-4363-B055-FE0CA15EDAC5}"/>
+                  </a:ext>
+                </a:extLst>
+              </p14:cNvPr>
+              <p14:cNvContentPartPr/>
+              <p14:nvPr/>
+            </p14:nvContentPartPr>
+            <p14:xfrm>
+              <a:off x="7949793" y="6230603"/>
+              <a:ext cx="185040" cy="12240"/>
+            </p14:xfrm>
+          </p:contentPart>
+        </mc:Choice>
+        <mc:Fallback xmlns="">
+          <p:pic>
+            <p:nvPicPr>
+              <p:cNvPr id="49" name="Ink 48">
+                <a:extLst>
+                  <a:ext uri="{FF2B5EF4-FFF2-40B4-BE49-F238E27FC236}">
+                    <a16:creationId xmlns:a16="http://schemas.microsoft.com/office/drawing/2014/main" id="{AD3A44EB-88F5-4363-B055-FE0CA15EDAC5}"/>
+                  </a:ext>
+                </a:extLst>
+              </p:cNvPr>
+              <p:cNvPicPr/>
+              <p:nvPr/>
+            </p:nvPicPr>
+            <p:blipFill>
+              <a:blip r:embed="rId12"/>
+              <a:stretch>
+                <a:fillRect/>
+              </a:stretch>
+            </p:blipFill>
+            <p:spPr>
+              <a:xfrm>
+                <a:off x="7940793" y="6221603"/>
+                <a:ext cx="202680" cy="29880"/>
+              </a:xfrm>
+              <a:prstGeom prst="rect">
+                <a:avLst/>
+              </a:prstGeom>
+            </p:spPr>
+          </p:pic>
+        </mc:Fallback>
+      </mc:AlternateContent>
+      <mc:AlternateContent xmlns:mc="http://schemas.openxmlformats.org/markup-compatibility/2006" xmlns:p14="http://schemas.microsoft.com/office/powerpoint/2010/main">
+        <mc:Choice Requires="p14">
+          <p:contentPart p14:bwMode="auto" r:id="rId13">
+            <p14:nvContentPartPr>
+              <p14:cNvPr id="50" name="Ink 49">
+                <a:extLst>
+                  <a:ext uri="{FF2B5EF4-FFF2-40B4-BE49-F238E27FC236}">
+                    <a16:creationId xmlns:a16="http://schemas.microsoft.com/office/drawing/2014/main" id="{01675F94-6BD0-4D1D-9378-D1AF9683327A}"/>
+                  </a:ext>
+                </a:extLst>
+              </p14:cNvPr>
+              <p14:cNvContentPartPr/>
+              <p14:nvPr/>
+            </p14:nvContentPartPr>
+            <p14:xfrm>
+              <a:off x="7950873" y="6523283"/>
+              <a:ext cx="227880" cy="9720"/>
+            </p14:xfrm>
+          </p:contentPart>
+        </mc:Choice>
+        <mc:Fallback xmlns="">
+          <p:pic>
+            <p:nvPicPr>
+              <p:cNvPr id="50" name="Ink 49">
+                <a:extLst>
+                  <a:ext uri="{FF2B5EF4-FFF2-40B4-BE49-F238E27FC236}">
+                    <a16:creationId xmlns:a16="http://schemas.microsoft.com/office/drawing/2014/main" id="{01675F94-6BD0-4D1D-9378-D1AF9683327A}"/>
+                  </a:ext>
+                </a:extLst>
+              </p:cNvPr>
+              <p:cNvPicPr/>
+              <p:nvPr/>
+            </p:nvPicPr>
+            <p:blipFill>
+              <a:blip r:embed="rId14"/>
+              <a:stretch>
+                <a:fillRect/>
+              </a:stretch>
+            </p:blipFill>
+            <p:spPr>
+              <a:xfrm>
+                <a:off x="7941873" y="6514283"/>
+                <a:ext cx="245520" cy="27360"/>
+              </a:xfrm>
+              <a:prstGeom prst="rect">
+                <a:avLst/>
+              </a:prstGeom>
+            </p:spPr>
+          </p:pic>
+        </mc:Fallback>
+      </mc:AlternateContent>
+      <mc:AlternateContent xmlns:mc="http://schemas.openxmlformats.org/markup-compatibility/2006" xmlns:p14="http://schemas.microsoft.com/office/powerpoint/2010/main">
+        <mc:Choice Requires="p14">
+          <p:contentPart p14:bwMode="auto" r:id="rId15">
+            <p14:nvContentPartPr>
+              <p14:cNvPr id="60" name="Ink 59">
+                <a:extLst>
+                  <a:ext uri="{FF2B5EF4-FFF2-40B4-BE49-F238E27FC236}">
+                    <a16:creationId xmlns:a16="http://schemas.microsoft.com/office/drawing/2014/main" id="{6578699D-79F5-4EBF-874E-FF6C24092FBF}"/>
+                  </a:ext>
+                </a:extLst>
+              </p14:cNvPr>
+              <p14:cNvContentPartPr/>
+              <p14:nvPr/>
+            </p14:nvContentPartPr>
+            <p14:xfrm>
+              <a:off x="8229873" y="5811563"/>
+              <a:ext cx="1329840" cy="215640"/>
+            </p14:xfrm>
+          </p:contentPart>
+        </mc:Choice>
+        <mc:Fallback xmlns="">
+          <p:pic>
+            <p:nvPicPr>
+              <p:cNvPr id="60" name="Ink 59">
+                <a:extLst>
+                  <a:ext uri="{FF2B5EF4-FFF2-40B4-BE49-F238E27FC236}">
+                    <a16:creationId xmlns:a16="http://schemas.microsoft.com/office/drawing/2014/main" id="{6578699D-79F5-4EBF-874E-FF6C24092FBF}"/>
+                  </a:ext>
+                </a:extLst>
+              </p:cNvPr>
+              <p:cNvPicPr/>
+              <p:nvPr/>
+            </p:nvPicPr>
+            <p:blipFill>
+              <a:blip r:embed="rId16"/>
+              <a:stretch>
+                <a:fillRect/>
+              </a:stretch>
+            </p:blipFill>
+            <p:spPr>
+              <a:xfrm>
+                <a:off x="8220873" y="5802563"/>
+                <a:ext cx="1347480" cy="233280"/>
+              </a:xfrm>
+              <a:prstGeom prst="rect">
+                <a:avLst/>
+              </a:prstGeom>
+            </p:spPr>
+          </p:pic>
+        </mc:Fallback>
+      </mc:AlternateContent>
+      <mc:AlternateContent xmlns:mc="http://schemas.openxmlformats.org/markup-compatibility/2006" xmlns:p14="http://schemas.microsoft.com/office/powerpoint/2010/main">
+        <mc:Choice Requires="p14">
+          <p:contentPart p14:bwMode="auto" r:id="rId17">
+            <p14:nvContentPartPr>
+              <p14:cNvPr id="85" name="Ink 84">
+                <a:extLst>
+                  <a:ext uri="{FF2B5EF4-FFF2-40B4-BE49-F238E27FC236}">
+                    <a16:creationId xmlns:a16="http://schemas.microsoft.com/office/drawing/2014/main" id="{52F06834-5832-4368-8A18-E2E7B9CFCF60}"/>
+                  </a:ext>
+                </a:extLst>
+              </p14:cNvPr>
+              <p14:cNvContentPartPr/>
+              <p14:nvPr/>
+            </p14:nvContentPartPr>
+            <p14:xfrm>
+              <a:off x="8352993" y="6150323"/>
+              <a:ext cx="1727280" cy="564120"/>
+            </p14:xfrm>
+          </p:contentPart>
+        </mc:Choice>
+        <mc:Fallback xmlns="">
+          <p:pic>
+            <p:nvPicPr>
+              <p:cNvPr id="85" name="Ink 84">
+                <a:extLst>
+                  <a:ext uri="{FF2B5EF4-FFF2-40B4-BE49-F238E27FC236}">
+                    <a16:creationId xmlns:a16="http://schemas.microsoft.com/office/drawing/2014/main" id="{52F06834-5832-4368-8A18-E2E7B9CFCF60}"/>
+                  </a:ext>
+                </a:extLst>
+              </p:cNvPr>
+              <p:cNvPicPr/>
+              <p:nvPr/>
+            </p:nvPicPr>
+            <p:blipFill>
+              <a:blip r:embed="rId18"/>
+              <a:stretch>
+                <a:fillRect/>
+              </a:stretch>
+            </p:blipFill>
+            <p:spPr>
+              <a:xfrm>
+                <a:off x="8343993" y="6141323"/>
+                <a:ext cx="1744920" cy="581760"/>
+              </a:xfrm>
+              <a:prstGeom prst="rect">
+                <a:avLst/>
+              </a:prstGeom>
+            </p:spPr>
+          </p:pic>
+        </mc:Fallback>
+      </mc:AlternateContent>
+      <mc:AlternateContent xmlns:mc="http://schemas.openxmlformats.org/markup-compatibility/2006" xmlns:p14="http://schemas.microsoft.com/office/powerpoint/2010/main">
+        <mc:Choice Requires="p14">
+          <p:contentPart p14:bwMode="auto" r:id="rId19">
+            <p14:nvContentPartPr>
+              <p14:cNvPr id="91" name="Ink 90">
+                <a:extLst>
+                  <a:ext uri="{FF2B5EF4-FFF2-40B4-BE49-F238E27FC236}">
+                    <a16:creationId xmlns:a16="http://schemas.microsoft.com/office/drawing/2014/main" id="{E6D10395-43D1-4647-AAD6-F3A656BBE4ED}"/>
+                  </a:ext>
+                </a:extLst>
+              </p14:cNvPr>
+              <p14:cNvContentPartPr/>
+              <p14:nvPr/>
+            </p14:nvContentPartPr>
+            <p14:xfrm>
+              <a:off x="10023753" y="5749283"/>
+              <a:ext cx="758520" cy="934200"/>
+            </p14:xfrm>
+          </p:contentPart>
+        </mc:Choice>
+        <mc:Fallback xmlns="">
+          <p:pic>
+            <p:nvPicPr>
+              <p:cNvPr id="91" name="Ink 90">
+                <a:extLst>
+                  <a:ext uri="{FF2B5EF4-FFF2-40B4-BE49-F238E27FC236}">
+                    <a16:creationId xmlns:a16="http://schemas.microsoft.com/office/drawing/2014/main" id="{E6D10395-43D1-4647-AAD6-F3A656BBE4ED}"/>
+                  </a:ext>
+                </a:extLst>
+              </p:cNvPr>
+              <p:cNvPicPr/>
+              <p:nvPr/>
+            </p:nvPicPr>
+            <p:blipFill>
+              <a:blip r:embed="rId20"/>
+              <a:stretch>
+                <a:fillRect/>
+              </a:stretch>
+            </p:blipFill>
+            <p:spPr>
+              <a:xfrm>
+                <a:off x="10014753" y="5740283"/>
+                <a:ext cx="776160" cy="951840"/>
+              </a:xfrm>
+              <a:prstGeom prst="rect">
+                <a:avLst/>
+              </a:prstGeom>
+            </p:spPr>
+          </p:pic>
+        </mc:Fallback>
+      </mc:AlternateContent>
+      <mc:AlternateContent xmlns:mc="http://schemas.openxmlformats.org/markup-compatibility/2006" xmlns:p14="http://schemas.microsoft.com/office/powerpoint/2010/main">
+        <mc:Choice Requires="p14">
+          <p:contentPart p14:bwMode="auto" r:id="rId21">
+            <p14:nvContentPartPr>
+              <p14:cNvPr id="100" name="Ink 99">
+                <a:extLst>
+                  <a:ext uri="{FF2B5EF4-FFF2-40B4-BE49-F238E27FC236}">
+                    <a16:creationId xmlns:a16="http://schemas.microsoft.com/office/drawing/2014/main" id="{9271F644-A3DB-4918-A741-2957EE94AEBA}"/>
+                  </a:ext>
+                </a:extLst>
+              </p14:cNvPr>
+              <p14:cNvContentPartPr/>
+              <p14:nvPr/>
+            </p14:nvContentPartPr>
+            <p14:xfrm>
+              <a:off x="11131113" y="6389003"/>
+              <a:ext cx="495720" cy="162720"/>
+            </p14:xfrm>
+          </p:contentPart>
+        </mc:Choice>
+        <mc:Fallback xmlns="">
+          <p:pic>
+            <p:nvPicPr>
+              <p:cNvPr id="100" name="Ink 99">
+                <a:extLst>
+                  <a:ext uri="{FF2B5EF4-FFF2-40B4-BE49-F238E27FC236}">
+                    <a16:creationId xmlns:a16="http://schemas.microsoft.com/office/drawing/2014/main" id="{9271F644-A3DB-4918-A741-2957EE94AEBA}"/>
+                  </a:ext>
+                </a:extLst>
+              </p:cNvPr>
+              <p:cNvPicPr/>
+              <p:nvPr/>
+            </p:nvPicPr>
+            <p:blipFill>
+              <a:blip r:embed="rId22"/>
+              <a:stretch>
+                <a:fillRect/>
+              </a:stretch>
+            </p:blipFill>
+            <p:spPr>
+              <a:xfrm>
+                <a:off x="11122113" y="6380003"/>
+                <a:ext cx="513360" cy="180360"/>
+              </a:xfrm>
+              <a:prstGeom prst="rect">
+                <a:avLst/>
+              </a:prstGeom>
+            </p:spPr>
+          </p:pic>
+        </mc:Fallback>
+      </mc:AlternateContent>
+      <mc:AlternateContent xmlns:mc="http://schemas.openxmlformats.org/markup-compatibility/2006" xmlns:p14="http://schemas.microsoft.com/office/powerpoint/2010/main">
+        <mc:Choice Requires="p14">
+          <p:contentPart p14:bwMode="auto" r:id="rId23">
+            <p14:nvContentPartPr>
+              <p14:cNvPr id="101" name="Ink 100">
+                <a:extLst>
+                  <a:ext uri="{FF2B5EF4-FFF2-40B4-BE49-F238E27FC236}">
+                    <a16:creationId xmlns:a16="http://schemas.microsoft.com/office/drawing/2014/main" id="{29234E0E-E2C2-4314-82E4-BF37E894879D}"/>
+                  </a:ext>
+                </a:extLst>
+              </p14:cNvPr>
+              <p14:cNvContentPartPr/>
+              <p14:nvPr/>
+            </p14:nvContentPartPr>
+            <p14:xfrm>
+              <a:off x="11070993" y="6013883"/>
+              <a:ext cx="510480" cy="255240"/>
+            </p14:xfrm>
+          </p:contentPart>
+        </mc:Choice>
+        <mc:Fallback xmlns="">
+          <p:pic>
+            <p:nvPicPr>
+              <p:cNvPr id="101" name="Ink 100">
+                <a:extLst>
+                  <a:ext uri="{FF2B5EF4-FFF2-40B4-BE49-F238E27FC236}">
+                    <a16:creationId xmlns:a16="http://schemas.microsoft.com/office/drawing/2014/main" id="{29234E0E-E2C2-4314-82E4-BF37E894879D}"/>
+                  </a:ext>
+                </a:extLst>
+              </p:cNvPr>
+              <p:cNvPicPr/>
+              <p:nvPr/>
+            </p:nvPicPr>
+            <p:blipFill>
+              <a:blip r:embed="rId24"/>
+              <a:stretch>
+                <a:fillRect/>
+              </a:stretch>
+            </p:blipFill>
+            <p:spPr>
+              <a:xfrm>
+                <a:off x="11061993" y="6004883"/>
+                <a:ext cx="528120" cy="272880"/>
+              </a:xfrm>
+              <a:prstGeom prst="rect">
+                <a:avLst/>
+              </a:prstGeom>
+            </p:spPr>
+          </p:pic>
+        </mc:Fallback>
+      </mc:AlternateContent>
+      <mc:AlternateContent xmlns:mc="http://schemas.openxmlformats.org/markup-compatibility/2006" xmlns:p14="http://schemas.microsoft.com/office/powerpoint/2010/main">
+        <mc:Choice Requires="p14">
+          <p:contentPart p14:bwMode="auto" r:id="rId25">
+            <p14:nvContentPartPr>
+              <p14:cNvPr id="102" name="Ink 101">
+                <a:extLst>
+                  <a:ext uri="{FF2B5EF4-FFF2-40B4-BE49-F238E27FC236}">
+                    <a16:creationId xmlns:a16="http://schemas.microsoft.com/office/drawing/2014/main" id="{084950FF-AD91-4101-8C86-D402BDD9F959}"/>
+                  </a:ext>
+                </a:extLst>
+              </p14:cNvPr>
+              <p14:cNvContentPartPr/>
+              <p14:nvPr/>
+            </p14:nvContentPartPr>
+            <p14:xfrm>
+              <a:off x="10894953" y="5933963"/>
+              <a:ext cx="994680" cy="744840"/>
+            </p14:xfrm>
+          </p:contentPart>
+        </mc:Choice>
+        <mc:Fallback xmlns="">
+          <p:pic>
+            <p:nvPicPr>
+              <p:cNvPr id="102" name="Ink 101">
+                <a:extLst>
+                  <a:ext uri="{FF2B5EF4-FFF2-40B4-BE49-F238E27FC236}">
+                    <a16:creationId xmlns:a16="http://schemas.microsoft.com/office/drawing/2014/main" id="{084950FF-AD91-4101-8C86-D402BDD9F959}"/>
+                  </a:ext>
+                </a:extLst>
+              </p:cNvPr>
+              <p:cNvPicPr/>
+              <p:nvPr/>
+            </p:nvPicPr>
+            <p:blipFill>
+              <a:blip r:embed="rId26"/>
+              <a:stretch>
+                <a:fillRect/>
+              </a:stretch>
+            </p:blipFill>
+            <p:spPr>
+              <a:xfrm>
+                <a:off x="10885953" y="5924963"/>
+                <a:ext cx="1012320" cy="762480"/>
+              </a:xfrm>
+              <a:prstGeom prst="rect">
+                <a:avLst/>
+              </a:prstGeom>
+            </p:spPr>
+          </p:pic>
+        </mc:Fallback>
+      </mc:AlternateContent>
+      <mc:AlternateContent xmlns:mc="http://schemas.openxmlformats.org/markup-compatibility/2006" xmlns:p14="http://schemas.microsoft.com/office/powerpoint/2010/main">
+        <mc:Choice Requires="p14">
+          <p:contentPart p14:bwMode="auto" r:id="rId27">
+            <p14:nvContentPartPr>
+              <p14:cNvPr id="128" name="Ink 127">
+                <a:extLst>
+                  <a:ext uri="{FF2B5EF4-FFF2-40B4-BE49-F238E27FC236}">
+                    <a16:creationId xmlns:a16="http://schemas.microsoft.com/office/drawing/2014/main" id="{2DCB5E77-AABE-452F-A415-D712BD09418F}"/>
+                  </a:ext>
+                </a:extLst>
+              </p14:cNvPr>
+              <p14:cNvContentPartPr/>
+              <p14:nvPr/>
+            </p14:nvContentPartPr>
+            <p14:xfrm>
+              <a:off x="5397393" y="5275523"/>
+              <a:ext cx="2359440" cy="1225080"/>
+            </p14:xfrm>
+          </p:contentPart>
+        </mc:Choice>
+        <mc:Fallback xmlns="">
+          <p:pic>
+            <p:nvPicPr>
+              <p:cNvPr id="128" name="Ink 127">
+                <a:extLst>
+                  <a:ext uri="{FF2B5EF4-FFF2-40B4-BE49-F238E27FC236}">
+                    <a16:creationId xmlns:a16="http://schemas.microsoft.com/office/drawing/2014/main" id="{2DCB5E77-AABE-452F-A415-D712BD09418F}"/>
+                  </a:ext>
+                </a:extLst>
+              </p:cNvPr>
+              <p:cNvPicPr/>
+              <p:nvPr/>
+            </p:nvPicPr>
+            <p:blipFill>
+              <a:blip r:embed="rId28"/>
+              <a:stretch>
+                <a:fillRect/>
+              </a:stretch>
+            </p:blipFill>
+            <p:spPr>
+              <a:xfrm>
+                <a:off x="5388393" y="5266523"/>
+                <a:ext cx="2377080" cy="1242720"/>
+              </a:xfrm>
+              <a:prstGeom prst="rect">
+                <a:avLst/>
+              </a:prstGeom>
+            </p:spPr>
+          </p:pic>
+        </mc:Fallback>
+      </mc:AlternateContent>
+      <p:sp>
+        <p:nvSpPr>
+          <p:cNvPr id="129" name="Rectangle 128">
+            <a:extLst>
+              <a:ext uri="{FF2B5EF4-FFF2-40B4-BE49-F238E27FC236}">
+                <a16:creationId xmlns:a16="http://schemas.microsoft.com/office/drawing/2014/main" id="{86BA7AD6-91DC-418D-BE57-F724B90B7A6D}"/>
+              </a:ext>
+            </a:extLst>
+          </p:cNvPr>
+          <p:cNvSpPr/>
+          <p:nvPr/>
+        </p:nvSpPr>
+        <p:spPr>
+          <a:xfrm>
+            <a:off x="5590353" y="2395306"/>
+            <a:ext cx="2359440" cy="1225074"/>
           </a:xfrm>
           <a:prstGeom prst="rect">
             <a:avLst/>
@@ -10716,33 +12346,54 @@
                 </a:solidFill>
                 <a:latin typeface="Calibri"/>
               </a:rPr>
-              <a:t>Source Systems</a:t>
-            </a:r>
-          </a:p>
+              <a:t>Adaptor</a:t>
+            </a:r>
+          </a:p>
+        </p:txBody>
+      </p:sp>
+      <p:sp>
+        <p:nvSpPr>
+          <p:cNvPr id="130" name="Oval 129">
+            <a:extLst>
+              <a:ext uri="{FF2B5EF4-FFF2-40B4-BE49-F238E27FC236}">
+                <a16:creationId xmlns:a16="http://schemas.microsoft.com/office/drawing/2014/main" id="{7FDA9F79-BC6A-4E1E-B640-D19DC4E33993}"/>
+              </a:ext>
+            </a:extLst>
+          </p:cNvPr>
+          <p:cNvSpPr/>
+          <p:nvPr/>
+        </p:nvSpPr>
+        <p:spPr>
+          <a:xfrm>
+            <a:off x="8778999" y="2955120"/>
+            <a:ext cx="228600" cy="304800"/>
+          </a:xfrm>
+          <a:prstGeom prst="ellipse">
+            <a:avLst/>
+          </a:prstGeom>
+        </p:spPr>
+        <p:style>
+          <a:lnRef idx="2">
+            <a:schemeClr val="accent1">
+              <a:shade val="50000"/>
+            </a:schemeClr>
+          </a:lnRef>
+          <a:fillRef idx="1">
+            <a:schemeClr val="accent1"/>
+          </a:fillRef>
+          <a:effectRef idx="0">
+            <a:schemeClr val="accent1"/>
+          </a:effectRef>
+          <a:fontRef idx="minor">
+            <a:schemeClr val="lt1"/>
+          </a:fontRef>
+        </p:style>
+        <p:txBody>
+          <a:bodyPr rtlCol="0" anchor="ctr"/>
+          <a:lstStyle/>
           <a:p>
             <a:pPr algn="ctr" defTabSz="1218987"/>
-            <a:r>
-              <a:rPr lang="en-US" sz="2400" dirty="0">
-                <a:solidFill>
-                  <a:prstClr val="white"/>
-                </a:solidFill>
-                <a:latin typeface="Calibri"/>
-              </a:rPr>
-              <a:t>BW,BI,S/4H,ABAP,BO,HANA</a:t>
-            </a:r>
-          </a:p>
-          <a:p>
-            <a:pPr algn="ctr" defTabSz="1218987"/>
-            <a:r>
-              <a:rPr lang="en-US" sz="2400" dirty="0" err="1">
-                <a:solidFill>
-                  <a:prstClr val="white"/>
-                </a:solidFill>
-                <a:latin typeface="Calibri"/>
-              </a:rPr>
-              <a:t>Onpremise</a:t>
-            </a:r>
-            <a:endParaRPr lang="en-US" sz="2400" dirty="0">
+            <a:endParaRPr lang="en-US" sz="2400">
               <a:solidFill>
                 <a:prstClr val="white"/>
               </a:solidFill>
@@ -10751,12 +12402,51 @@
           </a:p>
         </p:txBody>
       </p:sp>
-      <p:sp>
-        <p:nvSpPr>
-          <p:cNvPr id="4" name="Rectangle 3">
+      <p:cxnSp>
+        <p:nvCxnSpPr>
+          <p:cNvPr id="132" name="Straight Connector 131">
             <a:extLst>
               <a:ext uri="{FF2B5EF4-FFF2-40B4-BE49-F238E27FC236}">
-                <a16:creationId xmlns:a16="http://schemas.microsoft.com/office/drawing/2014/main" id="{66086A77-808E-40CB-A801-A512B2886C1C}"/>
+                <a16:creationId xmlns:a16="http://schemas.microsoft.com/office/drawing/2014/main" id="{6A23B9FD-E156-4DB6-BBD5-AB815A4F838E}"/>
+              </a:ext>
+            </a:extLst>
+          </p:cNvPr>
+          <p:cNvCxnSpPr>
+            <a:cxnSpLocks/>
+            <a:stCxn id="130" idx="6"/>
+          </p:cNvCxnSpPr>
+          <p:nvPr/>
+        </p:nvCxnSpPr>
+        <p:spPr>
+          <a:xfrm>
+            <a:off x="9007600" y="3107520"/>
+            <a:ext cx="441201" cy="0"/>
+          </a:xfrm>
+          <a:prstGeom prst="line">
+            <a:avLst/>
+          </a:prstGeom>
+        </p:spPr>
+        <p:style>
+          <a:lnRef idx="1">
+            <a:schemeClr val="accent1"/>
+          </a:lnRef>
+          <a:fillRef idx="0">
+            <a:schemeClr val="accent1"/>
+          </a:fillRef>
+          <a:effectRef idx="0">
+            <a:schemeClr val="accent1"/>
+          </a:effectRef>
+          <a:fontRef idx="minor">
+            <a:schemeClr val="tx1"/>
+          </a:fontRef>
+        </p:style>
+      </p:cxnSp>
+      <p:sp>
+        <p:nvSpPr>
+          <p:cNvPr id="133" name="Rectangle 132">
+            <a:extLst>
+              <a:ext uri="{FF2B5EF4-FFF2-40B4-BE49-F238E27FC236}">
+                <a16:creationId xmlns:a16="http://schemas.microsoft.com/office/drawing/2014/main" id="{4383E754-4F53-43ED-8D05-C73F14820D81}"/>
               </a:ext>
             </a:extLst>
           </p:cNvPr>
@@ -10765,8 +12455,8 @@
         </p:nvSpPr>
         <p:spPr>
           <a:xfrm>
-            <a:off x="9220201" y="4724401"/>
-            <a:ext cx="2739394" cy="1825823"/>
+            <a:off x="304800" y="1248875"/>
+            <a:ext cx="2971800" cy="3094517"/>
           </a:xfrm>
           <a:prstGeom prst="rect">
             <a:avLst/>
@@ -10800,7 +12490,7 @@
                 </a:solidFill>
                 <a:latin typeface="Calibri"/>
               </a:rPr>
-              <a:t>S/4HANA, SF</a:t>
+              <a:t>SAP Analytics Cloud </a:t>
             </a:r>
           </a:p>
           <a:p>
@@ -10812,38 +12502,17 @@
                 </a:solidFill>
                 <a:latin typeface="Calibri"/>
               </a:rPr>
-              <a:t>HANA Cloud etc.</a:t>
-            </a:r>
-          </a:p>
-          <a:p>
-            <a:pPr algn="ctr" defTabSz="1218987"/>
-            <a:endParaRPr lang="en-US" sz="2400" dirty="0">
-              <a:solidFill>
-                <a:prstClr val="white"/>
-              </a:solidFill>
-              <a:latin typeface="Calibri"/>
-            </a:endParaRPr>
-          </a:p>
-          <a:p>
-            <a:pPr algn="ctr" defTabSz="1218987"/>
-            <a:r>
-              <a:rPr lang="en-US" sz="2400" dirty="0">
-                <a:solidFill>
-                  <a:prstClr val="white"/>
-                </a:solidFill>
-                <a:latin typeface="Calibri"/>
-              </a:rPr>
-              <a:t>Azure, GCP, AWS</a:t>
-            </a:r>
-          </a:p>
-        </p:txBody>
-      </p:sp>
-      <p:sp>
-        <p:nvSpPr>
-          <p:cNvPr id="13" name="Oval 12">
+              <a:t>(Client)</a:t>
+            </a:r>
+          </a:p>
+        </p:txBody>
+      </p:sp>
+      <p:sp>
+        <p:nvSpPr>
+          <p:cNvPr id="134" name="Arrow: Right 133">
             <a:extLst>
               <a:ext uri="{FF2B5EF4-FFF2-40B4-BE49-F238E27FC236}">
-                <a16:creationId xmlns:a16="http://schemas.microsoft.com/office/drawing/2014/main" id="{32EC3751-596A-48F9-93C5-530A50E4BCA5}"/>
+                <a16:creationId xmlns:a16="http://schemas.microsoft.com/office/drawing/2014/main" id="{886B6592-0253-40AA-9C14-1DEAF5E6D08B}"/>
               </a:ext>
             </a:extLst>
           </p:cNvPr>
@@ -10852,10 +12521,10 @@
         </p:nvSpPr>
         <p:spPr>
           <a:xfrm>
-            <a:off x="8436391" y="5486400"/>
-            <a:ext cx="412189" cy="381000"/>
+            <a:off x="3276601" y="2895601"/>
+            <a:ext cx="2313753" cy="253615"/>
           </a:xfrm>
-          <a:prstGeom prst="ellipse">
+          <a:prstGeom prst="rightArrow">
             <a:avLst/>
           </a:prstGeom>
         </p:spPr>
@@ -10889,149 +12558,571 @@
           </a:p>
         </p:txBody>
       </p:sp>
-      <p:cxnSp>
-        <p:nvCxnSpPr>
-          <p:cNvPr id="14" name="Straight Connector 13">
-            <a:extLst>
-              <a:ext uri="{FF2B5EF4-FFF2-40B4-BE49-F238E27FC236}">
-                <a16:creationId xmlns:a16="http://schemas.microsoft.com/office/drawing/2014/main" id="{BDDA8C33-CF8E-4099-B9FE-228B59104DD3}"/>
-              </a:ext>
-            </a:extLst>
-          </p:cNvPr>
-          <p:cNvCxnSpPr>
-            <a:stCxn id="13" idx="6"/>
-          </p:cNvCxnSpPr>
-          <p:nvPr/>
-        </p:nvCxnSpPr>
-        <p:spPr>
-          <a:xfrm>
-            <a:off x="8848579" y="5676901"/>
-            <a:ext cx="407756" cy="1"/>
-          </a:xfrm>
-          <a:prstGeom prst="line">
-            <a:avLst/>
-          </a:prstGeom>
-        </p:spPr>
-        <p:style>
-          <a:lnRef idx="1">
-            <a:schemeClr val="accent1"/>
-          </a:lnRef>
-          <a:fillRef idx="0">
-            <a:schemeClr val="accent1"/>
-          </a:fillRef>
-          <a:effectRef idx="0">
-            <a:schemeClr val="accent1"/>
-          </a:effectRef>
-          <a:fontRef idx="minor">
-            <a:schemeClr val="tx1"/>
-          </a:fontRef>
-        </p:style>
-      </p:cxnSp>
-      <p:sp>
-        <p:nvSpPr>
-          <p:cNvPr id="10" name="TextBox 9">
-            <a:extLst>
-              <a:ext uri="{FF2B5EF4-FFF2-40B4-BE49-F238E27FC236}">
-                <a16:creationId xmlns:a16="http://schemas.microsoft.com/office/drawing/2014/main" id="{95B08139-900B-4FA0-9936-73BE1C8F078E}"/>
-              </a:ext>
-            </a:extLst>
-          </p:cNvPr>
-          <p:cNvSpPr txBox="1"/>
-          <p:nvPr/>
-        </p:nvSpPr>
-        <p:spPr>
-          <a:xfrm>
-            <a:off x="8261484" y="4916905"/>
-            <a:ext cx="762000" cy="461665"/>
-          </a:xfrm>
-          <a:prstGeom prst="rect">
-            <a:avLst/>
-          </a:prstGeom>
-          <a:noFill/>
-        </p:spPr>
-        <p:txBody>
-          <a:bodyPr wrap="square" rtlCol="0">
-            <a:spAutoFit/>
-          </a:bodyPr>
-          <a:lstStyle/>
-          <a:p>
-            <a:pPr defTabSz="1218987"/>
-            <a:r>
-              <a:rPr lang="en-US" sz="2400" dirty="0" err="1">
-                <a:solidFill>
-                  <a:prstClr val="black"/>
-                </a:solidFill>
-                <a:latin typeface="Calibri"/>
-              </a:rPr>
-              <a:t>InA</a:t>
-            </a:r>
-            <a:endParaRPr lang="en-US" sz="2400" dirty="0">
-              <a:solidFill>
-                <a:prstClr val="black"/>
-              </a:solidFill>
-              <a:latin typeface="Calibri"/>
-            </a:endParaRPr>
-          </a:p>
-        </p:txBody>
-      </p:sp>
-      <p:sp>
-        <p:nvSpPr>
-          <p:cNvPr id="12" name="Rectangle 11">
-            <a:extLst>
-              <a:ext uri="{FF2B5EF4-FFF2-40B4-BE49-F238E27FC236}">
-                <a16:creationId xmlns:a16="http://schemas.microsoft.com/office/drawing/2014/main" id="{C7624F6B-C2DB-4C9F-95F4-6B92029B193B}"/>
-              </a:ext>
-            </a:extLst>
-          </p:cNvPr>
-          <p:cNvSpPr/>
-          <p:nvPr/>
-        </p:nvSpPr>
-        <p:spPr>
-          <a:xfrm>
-            <a:off x="5638800" y="5085865"/>
-            <a:ext cx="1828800" cy="1102892"/>
-          </a:xfrm>
-          <a:prstGeom prst="rect">
-            <a:avLst/>
-          </a:prstGeom>
-        </p:spPr>
-        <p:style>
-          <a:lnRef idx="2">
-            <a:schemeClr val="accent1">
-              <a:shade val="50000"/>
-            </a:schemeClr>
-          </a:lnRef>
-          <a:fillRef idx="1">
-            <a:schemeClr val="accent1"/>
-          </a:fillRef>
-          <a:effectRef idx="0">
-            <a:schemeClr val="accent1"/>
-          </a:effectRef>
-          <a:fontRef idx="minor">
-            <a:schemeClr val="lt1"/>
-          </a:fontRef>
-        </p:style>
-        <p:txBody>
-          <a:bodyPr rtlCol="0" anchor="ctr"/>
-          <a:lstStyle/>
-          <a:p>
-            <a:pPr algn="ctr" defTabSz="1218987"/>
-            <a:r>
-              <a:rPr lang="en-US" sz="2400" dirty="0">
-                <a:solidFill>
-                  <a:prstClr val="white"/>
-                </a:solidFill>
-                <a:latin typeface="Calibri"/>
-              </a:rPr>
-              <a:t>Adaptor</a:t>
-            </a:r>
-          </a:p>
-        </p:txBody>
-      </p:sp>
+      <mc:AlternateContent xmlns:mc="http://schemas.openxmlformats.org/markup-compatibility/2006" xmlns:p14="http://schemas.microsoft.com/office/powerpoint/2010/main">
+        <mc:Choice Requires="p14">
+          <p:contentPart p14:bwMode="auto" r:id="rId29">
+            <p14:nvContentPartPr>
+              <p14:cNvPr id="138" name="Ink 137">
+                <a:extLst>
+                  <a:ext uri="{FF2B5EF4-FFF2-40B4-BE49-F238E27FC236}">
+                    <a16:creationId xmlns:a16="http://schemas.microsoft.com/office/drawing/2014/main" id="{F7FAAEF7-8ABD-4BD4-B0A5-485CEE25F146}"/>
+                  </a:ext>
+                </a:extLst>
+              </p14:cNvPr>
+              <p14:cNvContentPartPr/>
+              <p14:nvPr/>
+            </p14:nvContentPartPr>
+            <p14:xfrm>
+              <a:off x="5619153" y="919883"/>
+              <a:ext cx="221760" cy="232200"/>
+            </p14:xfrm>
+          </p:contentPart>
+        </mc:Choice>
+        <mc:Fallback xmlns="">
+          <p:pic>
+            <p:nvPicPr>
+              <p:cNvPr id="138" name="Ink 137">
+                <a:extLst>
+                  <a:ext uri="{FF2B5EF4-FFF2-40B4-BE49-F238E27FC236}">
+                    <a16:creationId xmlns:a16="http://schemas.microsoft.com/office/drawing/2014/main" id="{F7FAAEF7-8ABD-4BD4-B0A5-485CEE25F146}"/>
+                  </a:ext>
+                </a:extLst>
+              </p:cNvPr>
+              <p:cNvPicPr/>
+              <p:nvPr/>
+            </p:nvPicPr>
+            <p:blipFill>
+              <a:blip r:embed="rId30"/>
+              <a:stretch>
+                <a:fillRect/>
+              </a:stretch>
+            </p:blipFill>
+            <p:spPr>
+              <a:xfrm>
+                <a:off x="5610153" y="910883"/>
+                <a:ext cx="239400" cy="249840"/>
+              </a:xfrm>
+              <a:prstGeom prst="rect">
+                <a:avLst/>
+              </a:prstGeom>
+            </p:spPr>
+          </p:pic>
+        </mc:Fallback>
+      </mc:AlternateContent>
+      <mc:AlternateContent xmlns:mc="http://schemas.openxmlformats.org/markup-compatibility/2006" xmlns:p14="http://schemas.microsoft.com/office/powerpoint/2010/main">
+        <mc:Choice Requires="p14">
+          <p:contentPart p14:bwMode="auto" r:id="rId31">
+            <p14:nvContentPartPr>
+              <p14:cNvPr id="201" name="Ink 200">
+                <a:extLst>
+                  <a:ext uri="{FF2B5EF4-FFF2-40B4-BE49-F238E27FC236}">
+                    <a16:creationId xmlns:a16="http://schemas.microsoft.com/office/drawing/2014/main" id="{37A904B5-E29E-4D05-9634-1539A00E9DBA}"/>
+                  </a:ext>
+                </a:extLst>
+              </p14:cNvPr>
+              <p14:cNvContentPartPr/>
+              <p14:nvPr/>
+            </p14:nvContentPartPr>
+            <p14:xfrm>
+              <a:off x="5969073" y="1487603"/>
+              <a:ext cx="1321560" cy="227160"/>
+            </p14:xfrm>
+          </p:contentPart>
+        </mc:Choice>
+        <mc:Fallback xmlns="">
+          <p:pic>
+            <p:nvPicPr>
+              <p:cNvPr id="201" name="Ink 200">
+                <a:extLst>
+                  <a:ext uri="{FF2B5EF4-FFF2-40B4-BE49-F238E27FC236}">
+                    <a16:creationId xmlns:a16="http://schemas.microsoft.com/office/drawing/2014/main" id="{37A904B5-E29E-4D05-9634-1539A00E9DBA}"/>
+                  </a:ext>
+                </a:extLst>
+              </p:cNvPr>
+              <p:cNvPicPr/>
+              <p:nvPr/>
+            </p:nvPicPr>
+            <p:blipFill>
+              <a:blip r:embed="rId32"/>
+              <a:stretch>
+                <a:fillRect/>
+              </a:stretch>
+            </p:blipFill>
+            <p:spPr>
+              <a:xfrm>
+                <a:off x="5960073" y="1478603"/>
+                <a:ext cx="1339200" cy="244800"/>
+              </a:xfrm>
+              <a:prstGeom prst="rect">
+                <a:avLst/>
+              </a:prstGeom>
+            </p:spPr>
+          </p:pic>
+        </mc:Fallback>
+      </mc:AlternateContent>
+      <mc:AlternateContent xmlns:mc="http://schemas.openxmlformats.org/markup-compatibility/2006" xmlns:p14="http://schemas.microsoft.com/office/powerpoint/2010/main">
+        <mc:Choice Requires="p14">
+          <p:contentPart p14:bwMode="auto" r:id="rId33">
+            <p14:nvContentPartPr>
+              <p14:cNvPr id="240" name="Ink 239">
+                <a:extLst>
+                  <a:ext uri="{FF2B5EF4-FFF2-40B4-BE49-F238E27FC236}">
+                    <a16:creationId xmlns:a16="http://schemas.microsoft.com/office/drawing/2014/main" id="{C553B80A-3C77-465D-BDE3-E10370C79EFC}"/>
+                  </a:ext>
+                </a:extLst>
+              </p14:cNvPr>
+              <p14:cNvContentPartPr/>
+              <p14:nvPr/>
+            </p14:nvContentPartPr>
+            <p14:xfrm>
+              <a:off x="10596153" y="1336403"/>
+              <a:ext cx="1179360" cy="237600"/>
+            </p14:xfrm>
+          </p:contentPart>
+        </mc:Choice>
+        <mc:Fallback xmlns="">
+          <p:pic>
+            <p:nvPicPr>
+              <p:cNvPr id="240" name="Ink 239">
+                <a:extLst>
+                  <a:ext uri="{FF2B5EF4-FFF2-40B4-BE49-F238E27FC236}">
+                    <a16:creationId xmlns:a16="http://schemas.microsoft.com/office/drawing/2014/main" id="{C553B80A-3C77-465D-BDE3-E10370C79EFC}"/>
+                  </a:ext>
+                </a:extLst>
+              </p:cNvPr>
+              <p:cNvPicPr/>
+              <p:nvPr/>
+            </p:nvPicPr>
+            <p:blipFill>
+              <a:blip r:embed="rId34"/>
+              <a:stretch>
+                <a:fillRect/>
+              </a:stretch>
+            </p:blipFill>
+            <p:spPr>
+              <a:xfrm>
+                <a:off x="10587153" y="1327403"/>
+                <a:ext cx="1197000" cy="255240"/>
+              </a:xfrm>
+              <a:prstGeom prst="rect">
+                <a:avLst/>
+              </a:prstGeom>
+            </p:spPr>
+          </p:pic>
+        </mc:Fallback>
+      </mc:AlternateContent>
+      <mc:AlternateContent xmlns:mc="http://schemas.openxmlformats.org/markup-compatibility/2006" xmlns:p14="http://schemas.microsoft.com/office/powerpoint/2010/main">
+        <mc:Choice Requires="p14">
+          <p:contentPart p14:bwMode="auto" r:id="rId35">
+            <p14:nvContentPartPr>
+              <p14:cNvPr id="264" name="Ink 263">
+                <a:extLst>
+                  <a:ext uri="{FF2B5EF4-FFF2-40B4-BE49-F238E27FC236}">
+                    <a16:creationId xmlns:a16="http://schemas.microsoft.com/office/drawing/2014/main" id="{60CB6A7E-C17D-4970-A6C7-48DE6C449E9A}"/>
+                  </a:ext>
+                </a:extLst>
+              </p14:cNvPr>
+              <p14:cNvContentPartPr/>
+              <p14:nvPr/>
+            </p14:nvContentPartPr>
+            <p14:xfrm>
+              <a:off x="5971593" y="781283"/>
+              <a:ext cx="4669200" cy="1179720"/>
+            </p14:xfrm>
+          </p:contentPart>
+        </mc:Choice>
+        <mc:Fallback xmlns="">
+          <p:pic>
+            <p:nvPicPr>
+              <p:cNvPr id="264" name="Ink 263">
+                <a:extLst>
+                  <a:ext uri="{FF2B5EF4-FFF2-40B4-BE49-F238E27FC236}">
+                    <a16:creationId xmlns:a16="http://schemas.microsoft.com/office/drawing/2014/main" id="{60CB6A7E-C17D-4970-A6C7-48DE6C449E9A}"/>
+                  </a:ext>
+                </a:extLst>
+              </p:cNvPr>
+              <p:cNvPicPr/>
+              <p:nvPr/>
+            </p:nvPicPr>
+            <p:blipFill>
+              <a:blip r:embed="rId36"/>
+              <a:stretch>
+                <a:fillRect/>
+              </a:stretch>
+            </p:blipFill>
+            <p:spPr>
+              <a:xfrm>
+                <a:off x="5962593" y="772283"/>
+                <a:ext cx="4686840" cy="1197360"/>
+              </a:xfrm>
+              <a:prstGeom prst="rect">
+                <a:avLst/>
+              </a:prstGeom>
+            </p:spPr>
+          </p:pic>
+        </mc:Fallback>
+      </mc:AlternateContent>
+      <mc:AlternateContent xmlns:mc="http://schemas.openxmlformats.org/markup-compatibility/2006" xmlns:p14="http://schemas.microsoft.com/office/powerpoint/2010/main">
+        <mc:Choice Requires="p14">
+          <p:contentPart p14:bwMode="auto" r:id="rId37">
+            <p14:nvContentPartPr>
+              <p14:cNvPr id="295" name="Ink 294">
+                <a:extLst>
+                  <a:ext uri="{FF2B5EF4-FFF2-40B4-BE49-F238E27FC236}">
+                    <a16:creationId xmlns:a16="http://schemas.microsoft.com/office/drawing/2014/main" id="{E3EA4648-7AF4-4989-AB18-336922778C9E}"/>
+                  </a:ext>
+                </a:extLst>
+              </p14:cNvPr>
+              <p14:cNvContentPartPr/>
+              <p14:nvPr/>
+            </p14:nvContentPartPr>
+            <p14:xfrm>
+              <a:off x="4318473" y="958403"/>
+              <a:ext cx="1407240" cy="1161000"/>
+            </p14:xfrm>
+          </p:contentPart>
+        </mc:Choice>
+        <mc:Fallback xmlns="">
+          <p:pic>
+            <p:nvPicPr>
+              <p:cNvPr id="295" name="Ink 294">
+                <a:extLst>
+                  <a:ext uri="{FF2B5EF4-FFF2-40B4-BE49-F238E27FC236}">
+                    <a16:creationId xmlns:a16="http://schemas.microsoft.com/office/drawing/2014/main" id="{E3EA4648-7AF4-4989-AB18-336922778C9E}"/>
+                  </a:ext>
+                </a:extLst>
+              </p:cNvPr>
+              <p:cNvPicPr/>
+              <p:nvPr/>
+            </p:nvPicPr>
+            <p:blipFill>
+              <a:blip r:embed="rId38"/>
+              <a:stretch>
+                <a:fillRect/>
+              </a:stretch>
+            </p:blipFill>
+            <p:spPr>
+              <a:xfrm>
+                <a:off x="4309473" y="949403"/>
+                <a:ext cx="1424880" cy="1178640"/>
+              </a:xfrm>
+              <a:prstGeom prst="rect">
+                <a:avLst/>
+              </a:prstGeom>
+            </p:spPr>
+          </p:pic>
+        </mc:Fallback>
+      </mc:AlternateContent>
+      <mc:AlternateContent xmlns:mc="http://schemas.openxmlformats.org/markup-compatibility/2006" xmlns:p14="http://schemas.microsoft.com/office/powerpoint/2010/main">
+        <mc:Choice Requires="p14">
+          <p:contentPart p14:bwMode="auto" r:id="rId39">
+            <p14:nvContentPartPr>
+              <p14:cNvPr id="310" name="Ink 309">
+                <a:extLst>
+                  <a:ext uri="{FF2B5EF4-FFF2-40B4-BE49-F238E27FC236}">
+                    <a16:creationId xmlns:a16="http://schemas.microsoft.com/office/drawing/2014/main" id="{89583098-59F8-4A9F-AF15-C39129356B94}"/>
+                  </a:ext>
+                </a:extLst>
+              </p14:cNvPr>
+              <p14:cNvContentPartPr/>
+              <p14:nvPr/>
+            </p14:nvContentPartPr>
+            <p14:xfrm>
+              <a:off x="3430713" y="3332243"/>
+              <a:ext cx="1503720" cy="565920"/>
+            </p14:xfrm>
+          </p:contentPart>
+        </mc:Choice>
+        <mc:Fallback xmlns="">
+          <p:pic>
+            <p:nvPicPr>
+              <p:cNvPr id="310" name="Ink 309">
+                <a:extLst>
+                  <a:ext uri="{FF2B5EF4-FFF2-40B4-BE49-F238E27FC236}">
+                    <a16:creationId xmlns:a16="http://schemas.microsoft.com/office/drawing/2014/main" id="{89583098-59F8-4A9F-AF15-C39129356B94}"/>
+                  </a:ext>
+                </a:extLst>
+              </p:cNvPr>
+              <p:cNvPicPr/>
+              <p:nvPr/>
+            </p:nvPicPr>
+            <p:blipFill>
+              <a:blip r:embed="rId40"/>
+              <a:stretch>
+                <a:fillRect/>
+              </a:stretch>
+            </p:blipFill>
+            <p:spPr>
+              <a:xfrm>
+                <a:off x="3421713" y="3323243"/>
+                <a:ext cx="1521360" cy="583560"/>
+              </a:xfrm>
+              <a:prstGeom prst="rect">
+                <a:avLst/>
+              </a:prstGeom>
+            </p:spPr>
+          </p:pic>
+        </mc:Fallback>
+      </mc:AlternateContent>
+      <mc:AlternateContent xmlns:mc="http://schemas.openxmlformats.org/markup-compatibility/2006" xmlns:p14="http://schemas.microsoft.com/office/powerpoint/2010/main">
+        <mc:Choice Requires="p14">
+          <p:contentPart p14:bwMode="auto" r:id="rId41">
+            <p14:nvContentPartPr>
+              <p14:cNvPr id="339" name="Ink 338">
+                <a:extLst>
+                  <a:ext uri="{FF2B5EF4-FFF2-40B4-BE49-F238E27FC236}">
+                    <a16:creationId xmlns:a16="http://schemas.microsoft.com/office/drawing/2014/main" id="{1215CFFD-0DF0-46B4-85B7-64A1FA891236}"/>
+                  </a:ext>
+                </a:extLst>
+              </p14:cNvPr>
+              <p14:cNvContentPartPr/>
+              <p14:nvPr/>
+            </p14:nvContentPartPr>
+            <p14:xfrm>
+              <a:off x="3527193" y="4033523"/>
+              <a:ext cx="2612520" cy="613080"/>
+            </p14:xfrm>
+          </p:contentPart>
+        </mc:Choice>
+        <mc:Fallback xmlns="">
+          <p:pic>
+            <p:nvPicPr>
+              <p:cNvPr id="339" name="Ink 338">
+                <a:extLst>
+                  <a:ext uri="{FF2B5EF4-FFF2-40B4-BE49-F238E27FC236}">
+                    <a16:creationId xmlns:a16="http://schemas.microsoft.com/office/drawing/2014/main" id="{1215CFFD-0DF0-46B4-85B7-64A1FA891236}"/>
+                  </a:ext>
+                </a:extLst>
+              </p:cNvPr>
+              <p:cNvPicPr/>
+              <p:nvPr/>
+            </p:nvPicPr>
+            <p:blipFill>
+              <a:blip r:embed="rId42"/>
+              <a:stretch>
+                <a:fillRect/>
+              </a:stretch>
+            </p:blipFill>
+            <p:spPr>
+              <a:xfrm>
+                <a:off x="3518193" y="4024523"/>
+                <a:ext cx="2630160" cy="630720"/>
+              </a:xfrm>
+              <a:prstGeom prst="rect">
+                <a:avLst/>
+              </a:prstGeom>
+            </p:spPr>
+          </p:pic>
+        </mc:Fallback>
+      </mc:AlternateContent>
+      <mc:AlternateContent xmlns:mc="http://schemas.openxmlformats.org/markup-compatibility/2006" xmlns:p14="http://schemas.microsoft.com/office/powerpoint/2010/main">
+        <mc:Choice Requires="p14">
+          <p:contentPart p14:bwMode="auto" r:id="rId43">
+            <p14:nvContentPartPr>
+              <p14:cNvPr id="340" name="Ink 339">
+                <a:extLst>
+                  <a:ext uri="{FF2B5EF4-FFF2-40B4-BE49-F238E27FC236}">
+                    <a16:creationId xmlns:a16="http://schemas.microsoft.com/office/drawing/2014/main" id="{EA306FE8-D043-4553-8864-96F86728533A}"/>
+                  </a:ext>
+                </a:extLst>
+              </p14:cNvPr>
+              <p14:cNvContentPartPr/>
+              <p14:nvPr/>
+            </p14:nvContentPartPr>
+            <p14:xfrm>
+              <a:off x="3500913" y="4852163"/>
+              <a:ext cx="97200" cy="19080"/>
+            </p14:xfrm>
+          </p:contentPart>
+        </mc:Choice>
+        <mc:Fallback xmlns="">
+          <p:pic>
+            <p:nvPicPr>
+              <p:cNvPr id="340" name="Ink 339">
+                <a:extLst>
+                  <a:ext uri="{FF2B5EF4-FFF2-40B4-BE49-F238E27FC236}">
+                    <a16:creationId xmlns:a16="http://schemas.microsoft.com/office/drawing/2014/main" id="{EA306FE8-D043-4553-8864-96F86728533A}"/>
+                  </a:ext>
+                </a:extLst>
+              </p:cNvPr>
+              <p:cNvPicPr/>
+              <p:nvPr/>
+            </p:nvPicPr>
+            <p:blipFill>
+              <a:blip r:embed="rId44"/>
+              <a:stretch>
+                <a:fillRect/>
+              </a:stretch>
+            </p:blipFill>
+            <p:spPr>
+              <a:xfrm>
+                <a:off x="3491913" y="4843163"/>
+                <a:ext cx="114840" cy="36720"/>
+              </a:xfrm>
+              <a:prstGeom prst="rect">
+                <a:avLst/>
+              </a:prstGeom>
+            </p:spPr>
+          </p:pic>
+        </mc:Fallback>
+      </mc:AlternateContent>
+      <mc:AlternateContent xmlns:mc="http://schemas.openxmlformats.org/markup-compatibility/2006" xmlns:p14="http://schemas.microsoft.com/office/powerpoint/2010/main">
+        <mc:Choice Requires="p14">
+          <p:contentPart p14:bwMode="auto" r:id="rId45">
+            <p14:nvContentPartPr>
+              <p14:cNvPr id="346" name="Ink 345">
+                <a:extLst>
+                  <a:ext uri="{FF2B5EF4-FFF2-40B4-BE49-F238E27FC236}">
+                    <a16:creationId xmlns:a16="http://schemas.microsoft.com/office/drawing/2014/main" id="{A54646A8-0A4A-48D3-9863-ADC66F97600A}"/>
+                  </a:ext>
+                </a:extLst>
+              </p14:cNvPr>
+              <p14:cNvContentPartPr/>
+              <p14:nvPr/>
+            </p14:nvContentPartPr>
+            <p14:xfrm>
+              <a:off x="3746793" y="4767923"/>
+              <a:ext cx="783360" cy="226440"/>
+            </p14:xfrm>
+          </p:contentPart>
+        </mc:Choice>
+        <mc:Fallback xmlns="">
+          <p:pic>
+            <p:nvPicPr>
+              <p:cNvPr id="346" name="Ink 345">
+                <a:extLst>
+                  <a:ext uri="{FF2B5EF4-FFF2-40B4-BE49-F238E27FC236}">
+                    <a16:creationId xmlns:a16="http://schemas.microsoft.com/office/drawing/2014/main" id="{A54646A8-0A4A-48D3-9863-ADC66F97600A}"/>
+                  </a:ext>
+                </a:extLst>
+              </p:cNvPr>
+              <p:cNvPicPr/>
+              <p:nvPr/>
+            </p:nvPicPr>
+            <p:blipFill>
+              <a:blip r:embed="rId46"/>
+              <a:stretch>
+                <a:fillRect/>
+              </a:stretch>
+            </p:blipFill>
+            <p:spPr>
+              <a:xfrm>
+                <a:off x="3737793" y="4758880"/>
+                <a:ext cx="801000" cy="244165"/>
+              </a:xfrm>
+              <a:prstGeom prst="rect">
+                <a:avLst/>
+              </a:prstGeom>
+            </p:spPr>
+          </p:pic>
+        </mc:Fallback>
+      </mc:AlternateContent>
+      <mc:AlternateContent xmlns:mc="http://schemas.openxmlformats.org/markup-compatibility/2006" xmlns:p14="http://schemas.microsoft.com/office/powerpoint/2010/main">
+        <mc:Choice Requires="p14">
+          <p:contentPart p14:bwMode="auto" r:id="rId47">
+            <p14:nvContentPartPr>
+              <p14:cNvPr id="385" name="Ink 384">
+                <a:extLst>
+                  <a:ext uri="{FF2B5EF4-FFF2-40B4-BE49-F238E27FC236}">
+                    <a16:creationId xmlns:a16="http://schemas.microsoft.com/office/drawing/2014/main" id="{F187B9A1-9ACC-4A23-B721-1794EE4ACB7D}"/>
+                  </a:ext>
+                </a:extLst>
+              </p14:cNvPr>
+              <p14:cNvContentPartPr/>
+              <p14:nvPr/>
+            </p14:nvContentPartPr>
+            <p14:xfrm>
+              <a:off x="5822193" y="2057483"/>
+              <a:ext cx="3481920" cy="441000"/>
+            </p14:xfrm>
+          </p:contentPart>
+        </mc:Choice>
+        <mc:Fallback xmlns="">
+          <p:pic>
+            <p:nvPicPr>
+              <p:cNvPr id="385" name="Ink 384">
+                <a:extLst>
+                  <a:ext uri="{FF2B5EF4-FFF2-40B4-BE49-F238E27FC236}">
+                    <a16:creationId xmlns:a16="http://schemas.microsoft.com/office/drawing/2014/main" id="{F187B9A1-9ACC-4A23-B721-1794EE4ACB7D}"/>
+                  </a:ext>
+                </a:extLst>
+              </p:cNvPr>
+              <p:cNvPicPr/>
+              <p:nvPr/>
+            </p:nvPicPr>
+            <p:blipFill>
+              <a:blip r:embed="rId48"/>
+              <a:stretch>
+                <a:fillRect/>
+              </a:stretch>
+            </p:blipFill>
+            <p:spPr>
+              <a:xfrm>
+                <a:off x="5813193" y="2048483"/>
+                <a:ext cx="3499560" cy="458640"/>
+              </a:xfrm>
+              <a:prstGeom prst="rect">
+                <a:avLst/>
+              </a:prstGeom>
+            </p:spPr>
+          </p:pic>
+        </mc:Fallback>
+      </mc:AlternateContent>
+      <mc:AlternateContent xmlns:mc="http://schemas.openxmlformats.org/markup-compatibility/2006" xmlns:p14="http://schemas.microsoft.com/office/powerpoint/2010/main">
+        <mc:Choice Requires="p14">
+          <p:contentPart p14:bwMode="auto" r:id="rId49">
+            <p14:nvContentPartPr>
+              <p14:cNvPr id="415" name="Ink 414">
+                <a:extLst>
+                  <a:ext uri="{FF2B5EF4-FFF2-40B4-BE49-F238E27FC236}">
+                    <a16:creationId xmlns:a16="http://schemas.microsoft.com/office/drawing/2014/main" id="{EC0BCECA-BA38-453C-9E69-A45AE830B850}"/>
+                  </a:ext>
+                </a:extLst>
+              </p14:cNvPr>
+              <p14:cNvContentPartPr/>
+              <p14:nvPr/>
+            </p14:nvContentPartPr>
+            <p14:xfrm>
+              <a:off x="3606393" y="879203"/>
+              <a:ext cx="1468080" cy="835560"/>
+            </p14:xfrm>
+          </p:contentPart>
+        </mc:Choice>
+        <mc:Fallback xmlns="">
+          <p:pic>
+            <p:nvPicPr>
+              <p:cNvPr id="415" name="Ink 414">
+                <a:extLst>
+                  <a:ext uri="{FF2B5EF4-FFF2-40B4-BE49-F238E27FC236}">
+                    <a16:creationId xmlns:a16="http://schemas.microsoft.com/office/drawing/2014/main" id="{EC0BCECA-BA38-453C-9E69-A45AE830B850}"/>
+                  </a:ext>
+                </a:extLst>
+              </p:cNvPr>
+              <p:cNvPicPr/>
+              <p:nvPr/>
+            </p:nvPicPr>
+            <p:blipFill>
+              <a:blip r:embed="rId50"/>
+              <a:stretch>
+                <a:fillRect/>
+              </a:stretch>
+            </p:blipFill>
+            <p:spPr>
+              <a:xfrm>
+                <a:off x="3597393" y="870203"/>
+                <a:ext cx="1485720" cy="853200"/>
+              </a:xfrm>
+              <a:prstGeom prst="rect">
+                <a:avLst/>
+              </a:prstGeom>
+            </p:spPr>
+          </p:pic>
+        </mc:Fallback>
+      </mc:AlternateContent>
     </p:spTree>
     <p:extLst>
       <p:ext uri="{BB962C8B-B14F-4D97-AF65-F5344CB8AC3E}">
-        <p14:creationId xmlns:p14="http://schemas.microsoft.com/office/powerpoint/2010/main" val="1419896151"/>
+        <p14:creationId xmlns:p14="http://schemas.microsoft.com/office/powerpoint/2010/main" val="3453674897"/>
       </p:ext>
     </p:extLst>
   </p:cSld>
@@ -11093,7 +13184,7 @@
                 </a:solidFill>
                 <a:latin typeface="Patua One" pitchFamily="2" charset="0"/>
               </a:rPr>
-              <a:t>CORS</a:t>
+              <a:t>HANA Live Integration with SAC</a:t>
             </a:r>
           </a:p>
         </p:txBody>
@@ -11225,379 +13316,10 @@
       </p:cxnSp>
       <p:sp>
         <p:nvSpPr>
-          <p:cNvPr id="2" name="Rectangle 1">
+          <p:cNvPr id="2" name="TextBox 1">
             <a:extLst>
               <a:ext uri="{FF2B5EF4-FFF2-40B4-BE49-F238E27FC236}">
-                <a16:creationId xmlns:a16="http://schemas.microsoft.com/office/drawing/2014/main" id="{B557E5DB-C93E-4DDA-95D5-3E46DC568664}"/>
-              </a:ext>
-            </a:extLst>
-          </p:cNvPr>
-          <p:cNvSpPr/>
-          <p:nvPr/>
-        </p:nvSpPr>
-        <p:spPr>
-          <a:xfrm>
-            <a:off x="457200" y="2209800"/>
-            <a:ext cx="2971800" cy="1523970"/>
-          </a:xfrm>
-          <a:prstGeom prst="rect">
-            <a:avLst/>
-          </a:prstGeom>
-        </p:spPr>
-        <p:style>
-          <a:lnRef idx="2">
-            <a:schemeClr val="accent1">
-              <a:shade val="50000"/>
-            </a:schemeClr>
-          </a:lnRef>
-          <a:fillRef idx="1">
-            <a:schemeClr val="accent1"/>
-          </a:fillRef>
-          <a:effectRef idx="0">
-            <a:schemeClr val="accent1"/>
-          </a:effectRef>
-          <a:fontRef idx="minor">
-            <a:schemeClr val="lt1"/>
-          </a:fontRef>
-        </p:style>
-        <p:txBody>
-          <a:bodyPr rtlCol="0" anchor="ctr"/>
-          <a:lstStyle/>
-          <a:p>
-            <a:pPr algn="ctr" defTabSz="1218987"/>
-            <a:r>
-              <a:rPr lang="en-US" sz="2400" dirty="0">
-                <a:solidFill>
-                  <a:prstClr val="white"/>
-                </a:solidFill>
-                <a:latin typeface="Calibri"/>
-              </a:rPr>
-              <a:t>Browser</a:t>
-            </a:r>
-          </a:p>
-        </p:txBody>
-      </p:sp>
-      <p:sp>
-        <p:nvSpPr>
-          <p:cNvPr id="3" name="Smiley Face 2">
-            <a:extLst>
-              <a:ext uri="{FF2B5EF4-FFF2-40B4-BE49-F238E27FC236}">
-                <a16:creationId xmlns:a16="http://schemas.microsoft.com/office/drawing/2014/main" id="{F49E7589-B702-4C02-A966-690032EB9B28}"/>
-              </a:ext>
-            </a:extLst>
-          </p:cNvPr>
-          <p:cNvSpPr/>
-          <p:nvPr/>
-        </p:nvSpPr>
-        <p:spPr>
-          <a:xfrm>
-            <a:off x="1447800" y="868904"/>
-            <a:ext cx="685800" cy="578889"/>
-          </a:xfrm>
-          <a:prstGeom prst="smileyFace">
-            <a:avLst/>
-          </a:prstGeom>
-        </p:spPr>
-        <p:style>
-          <a:lnRef idx="2">
-            <a:schemeClr val="accent1">
-              <a:shade val="50000"/>
-            </a:schemeClr>
-          </a:lnRef>
-          <a:fillRef idx="1">
-            <a:schemeClr val="accent1"/>
-          </a:fillRef>
-          <a:effectRef idx="0">
-            <a:schemeClr val="accent1"/>
-          </a:effectRef>
-          <a:fontRef idx="minor">
-            <a:schemeClr val="lt1"/>
-          </a:fontRef>
-        </p:style>
-        <p:txBody>
-          <a:bodyPr rtlCol="0" anchor="ctr"/>
-          <a:lstStyle/>
-          <a:p>
-            <a:pPr algn="ctr" defTabSz="1218987"/>
-            <a:endParaRPr lang="en-US" sz="2400">
-              <a:solidFill>
-                <a:prstClr val="white"/>
-              </a:solidFill>
-              <a:latin typeface="Calibri"/>
-            </a:endParaRPr>
-          </a:p>
-        </p:txBody>
-      </p:sp>
-      <p:sp>
-        <p:nvSpPr>
-          <p:cNvPr id="4" name="Arrow: Down 3">
-            <a:extLst>
-              <a:ext uri="{FF2B5EF4-FFF2-40B4-BE49-F238E27FC236}">
-                <a16:creationId xmlns:a16="http://schemas.microsoft.com/office/drawing/2014/main" id="{F9FF0621-AF12-4E7B-9B90-095F3267FDCE}"/>
-              </a:ext>
-            </a:extLst>
-          </p:cNvPr>
-          <p:cNvSpPr/>
-          <p:nvPr/>
-        </p:nvSpPr>
-        <p:spPr>
-          <a:xfrm>
-            <a:off x="1752600" y="1447792"/>
-            <a:ext cx="152400" cy="762009"/>
-          </a:xfrm>
-          <a:prstGeom prst="downArrow">
-            <a:avLst/>
-          </a:prstGeom>
-        </p:spPr>
-        <p:style>
-          <a:lnRef idx="2">
-            <a:schemeClr val="accent1">
-              <a:shade val="50000"/>
-            </a:schemeClr>
-          </a:lnRef>
-          <a:fillRef idx="1">
-            <a:schemeClr val="accent1"/>
-          </a:fillRef>
-          <a:effectRef idx="0">
-            <a:schemeClr val="accent1"/>
-          </a:effectRef>
-          <a:fontRef idx="minor">
-            <a:schemeClr val="lt1"/>
-          </a:fontRef>
-        </p:style>
-        <p:txBody>
-          <a:bodyPr rtlCol="0" anchor="ctr"/>
-          <a:lstStyle/>
-          <a:p>
-            <a:pPr algn="ctr" defTabSz="1218987"/>
-            <a:endParaRPr lang="en-US" sz="2400">
-              <a:solidFill>
-                <a:prstClr val="white"/>
-              </a:solidFill>
-              <a:latin typeface="Calibri"/>
-            </a:endParaRPr>
-          </a:p>
-        </p:txBody>
-      </p:sp>
-      <p:sp>
-        <p:nvSpPr>
-          <p:cNvPr id="5" name="Rectangle 4">
-            <a:extLst>
-              <a:ext uri="{FF2B5EF4-FFF2-40B4-BE49-F238E27FC236}">
-                <a16:creationId xmlns:a16="http://schemas.microsoft.com/office/drawing/2014/main" id="{A9FF93D3-2610-4C1B-B462-C18477239074}"/>
-              </a:ext>
-            </a:extLst>
-          </p:cNvPr>
-          <p:cNvSpPr/>
-          <p:nvPr/>
-        </p:nvSpPr>
-        <p:spPr>
-          <a:xfrm>
-            <a:off x="8915400" y="1447792"/>
-            <a:ext cx="2971800" cy="1143009"/>
-          </a:xfrm>
-          <a:prstGeom prst="rect">
-            <a:avLst/>
-          </a:prstGeom>
-        </p:spPr>
-        <p:style>
-          <a:lnRef idx="2">
-            <a:schemeClr val="accent1">
-              <a:shade val="50000"/>
-            </a:schemeClr>
-          </a:lnRef>
-          <a:fillRef idx="1">
-            <a:schemeClr val="accent1"/>
-          </a:fillRef>
-          <a:effectRef idx="0">
-            <a:schemeClr val="accent1"/>
-          </a:effectRef>
-          <a:fontRef idx="minor">
-            <a:schemeClr val="lt1"/>
-          </a:fontRef>
-        </p:style>
-        <p:txBody>
-          <a:bodyPr rtlCol="0" anchor="ctr"/>
-          <a:lstStyle/>
-          <a:p>
-            <a:pPr algn="ctr" defTabSz="1218987"/>
-            <a:r>
-              <a:rPr lang="en-US" sz="2400" dirty="0">
-                <a:solidFill>
-                  <a:prstClr val="white"/>
-                </a:solidFill>
-                <a:latin typeface="Calibri"/>
-              </a:rPr>
-              <a:t>SAP Analytics Cloud</a:t>
-            </a:r>
-          </a:p>
-          <a:p>
-            <a:pPr algn="ctr" defTabSz="1218987"/>
-            <a:endParaRPr lang="en-US" sz="2400" dirty="0">
-              <a:solidFill>
-                <a:prstClr val="white"/>
-              </a:solidFill>
-              <a:latin typeface="Calibri"/>
-            </a:endParaRPr>
-          </a:p>
-          <a:p>
-            <a:pPr algn="ctr" defTabSz="1218987"/>
-            <a:r>
-              <a:rPr lang="en-US" sz="2400" dirty="0">
-                <a:solidFill>
-                  <a:prstClr val="white"/>
-                </a:solidFill>
-                <a:latin typeface="Calibri"/>
-              </a:rPr>
-              <a:t>SCP</a:t>
-            </a:r>
-          </a:p>
-        </p:txBody>
-      </p:sp>
-      <p:sp>
-        <p:nvSpPr>
-          <p:cNvPr id="6" name="Rectangle 5">
-            <a:extLst>
-              <a:ext uri="{FF2B5EF4-FFF2-40B4-BE49-F238E27FC236}">
-                <a16:creationId xmlns:a16="http://schemas.microsoft.com/office/drawing/2014/main" id="{2EBA886D-D66C-4A08-97E7-360FC322BEDA}"/>
-              </a:ext>
-            </a:extLst>
-          </p:cNvPr>
-          <p:cNvSpPr/>
-          <p:nvPr/>
-        </p:nvSpPr>
-        <p:spPr>
-          <a:xfrm>
-            <a:off x="8915400" y="4838705"/>
-            <a:ext cx="2971800" cy="1143009"/>
-          </a:xfrm>
-          <a:prstGeom prst="rect">
-            <a:avLst/>
-          </a:prstGeom>
-        </p:spPr>
-        <p:style>
-          <a:lnRef idx="2">
-            <a:schemeClr val="accent1">
-              <a:shade val="50000"/>
-            </a:schemeClr>
-          </a:lnRef>
-          <a:fillRef idx="1">
-            <a:schemeClr val="accent1"/>
-          </a:fillRef>
-          <a:effectRef idx="0">
-            <a:schemeClr val="accent1"/>
-          </a:effectRef>
-          <a:fontRef idx="minor">
-            <a:schemeClr val="lt1"/>
-          </a:fontRef>
-        </p:style>
-        <p:txBody>
-          <a:bodyPr rtlCol="0" anchor="ctr"/>
-          <a:lstStyle/>
-          <a:p>
-            <a:pPr algn="ctr" defTabSz="1218987"/>
-            <a:r>
-              <a:rPr lang="en-US" sz="2400" dirty="0">
-                <a:solidFill>
-                  <a:prstClr val="white"/>
-                </a:solidFill>
-                <a:latin typeface="Calibri"/>
-              </a:rPr>
-              <a:t>SAP S/4HANA</a:t>
-            </a:r>
-          </a:p>
-          <a:p>
-            <a:pPr algn="ctr" defTabSz="1218987"/>
-            <a:r>
-              <a:rPr lang="en-US" sz="2400" dirty="0">
-                <a:solidFill>
-                  <a:prstClr val="white"/>
-                </a:solidFill>
-                <a:latin typeface="Calibri"/>
-              </a:rPr>
-              <a:t>On Premise</a:t>
-            </a:r>
-          </a:p>
-          <a:p>
-            <a:pPr algn="ctr" defTabSz="1218987"/>
-            <a:r>
-              <a:rPr lang="en-US" sz="2400" dirty="0">
-                <a:solidFill>
-                  <a:prstClr val="white"/>
-                </a:solidFill>
-                <a:latin typeface="Calibri"/>
-              </a:rPr>
-              <a:t>Special permission</a:t>
-            </a:r>
-          </a:p>
-        </p:txBody>
-      </p:sp>
-      <p:sp>
-        <p:nvSpPr>
-          <p:cNvPr id="7" name="Oval 6">
-            <a:extLst>
-              <a:ext uri="{FF2B5EF4-FFF2-40B4-BE49-F238E27FC236}">
-                <a16:creationId xmlns:a16="http://schemas.microsoft.com/office/drawing/2014/main" id="{CB991EFA-3287-4214-975B-099FB41A0187}"/>
-              </a:ext>
-            </a:extLst>
-          </p:cNvPr>
-          <p:cNvSpPr/>
-          <p:nvPr/>
-        </p:nvSpPr>
-        <p:spPr>
-          <a:xfrm>
-            <a:off x="8001000" y="5105400"/>
-            <a:ext cx="990600" cy="609600"/>
-          </a:xfrm>
-          <a:prstGeom prst="ellipse">
-            <a:avLst/>
-          </a:prstGeom>
-        </p:spPr>
-        <p:style>
-          <a:lnRef idx="2">
-            <a:schemeClr val="accent1">
-              <a:shade val="50000"/>
-            </a:schemeClr>
-          </a:lnRef>
-          <a:fillRef idx="1">
-            <a:schemeClr val="accent1"/>
-          </a:fillRef>
-          <a:effectRef idx="0">
-            <a:schemeClr val="accent1"/>
-          </a:effectRef>
-          <a:fontRef idx="minor">
-            <a:schemeClr val="lt1"/>
-          </a:fontRef>
-        </p:style>
-        <p:txBody>
-          <a:bodyPr rtlCol="0" anchor="ctr"/>
-          <a:lstStyle/>
-          <a:p>
-            <a:pPr algn="ctr" defTabSz="1218987"/>
-            <a:r>
-              <a:rPr lang="en-US" sz="2400">
-                <a:solidFill>
-                  <a:prstClr val="white"/>
-                </a:solidFill>
-                <a:latin typeface="Calibri"/>
-              </a:rPr>
-              <a:t>ina</a:t>
-            </a:r>
-            <a:endParaRPr lang="en-US" sz="2400" dirty="0">
-              <a:solidFill>
-                <a:prstClr val="white"/>
-              </a:solidFill>
-              <a:latin typeface="Calibri"/>
-            </a:endParaRPr>
-          </a:p>
-        </p:txBody>
-      </p:sp>
-      <p:sp>
-        <p:nvSpPr>
-          <p:cNvPr id="14" name="TextBox 13">
-            <a:extLst>
-              <a:ext uri="{FF2B5EF4-FFF2-40B4-BE49-F238E27FC236}">
-                <a16:creationId xmlns:a16="http://schemas.microsoft.com/office/drawing/2014/main" id="{160BFBE7-0CC8-4C69-AED3-CF978BCC8565}"/>
+                <a16:creationId xmlns:a16="http://schemas.microsoft.com/office/drawing/2014/main" id="{B32C7628-6B6D-47C0-96FF-6F88B82B4B74}"/>
               </a:ext>
             </a:extLst>
           </p:cNvPr>
@@ -11606,8 +13328,8 @@
         </p:nvSpPr>
         <p:spPr>
           <a:xfrm>
-            <a:off x="3124200" y="5699572"/>
-            <a:ext cx="6180992" cy="830997"/>
+            <a:off x="76200" y="990601"/>
+            <a:ext cx="11963400" cy="6001643"/>
           </a:xfrm>
           <a:prstGeom prst="rect">
             <a:avLst/>
@@ -11615,322 +13337,15 @@
           <a:noFill/>
         </p:spPr>
         <p:txBody>
-          <a:bodyPr wrap="square">
-            <a:spAutoFit/>
-          </a:bodyPr>
-          <a:lstStyle/>
-          <a:p>
-            <a:pPr defTabSz="1218987"/>
-            <a:r>
-              <a:rPr lang="en-US" sz="1600" dirty="0">
-                <a:solidFill>
-                  <a:prstClr val="black"/>
-                </a:solidFill>
-                <a:latin typeface="Calibri"/>
-              </a:rPr>
-              <a:t>http://</a:t>
-            </a:r>
-            <a:r>
-              <a:rPr lang="en-US" sz="3200" b="1" dirty="0">
-                <a:solidFill>
-                  <a:srgbClr val="FF0000"/>
-                </a:solidFill>
-                <a:latin typeface="Calibri"/>
-              </a:rPr>
-              <a:t>sts4dev.st.com:8001</a:t>
-            </a:r>
-            <a:r>
-              <a:rPr lang="en-US" sz="1600" dirty="0">
-                <a:solidFill>
-                  <a:prstClr val="black"/>
-                </a:solidFill>
-                <a:latin typeface="Calibri"/>
-              </a:rPr>
-              <a:t>/sap/bw/ina/getresponse?sap-client=800</a:t>
-            </a:r>
-          </a:p>
-        </p:txBody>
-      </p:sp>
-      <p:sp>
-        <p:nvSpPr>
-          <p:cNvPr id="16" name="TextBox 15">
-            <a:extLst>
-              <a:ext uri="{FF2B5EF4-FFF2-40B4-BE49-F238E27FC236}">
-                <a16:creationId xmlns:a16="http://schemas.microsoft.com/office/drawing/2014/main" id="{8F4FD361-1A10-4D1C-90C1-23D89787EF5A}"/>
-              </a:ext>
-            </a:extLst>
-          </p:cNvPr>
-          <p:cNvSpPr txBox="1"/>
-          <p:nvPr/>
-        </p:nvSpPr>
-        <p:spPr>
-          <a:xfrm>
-            <a:off x="4114800" y="985108"/>
-            <a:ext cx="8970962" cy="307777"/>
-          </a:xfrm>
-          <a:prstGeom prst="rect">
-            <a:avLst/>
-          </a:prstGeom>
-          <a:noFill/>
-        </p:spPr>
-        <p:txBody>
-          <a:bodyPr wrap="square">
-            <a:spAutoFit/>
-          </a:bodyPr>
-          <a:lstStyle/>
-          <a:p>
-            <a:pPr defTabSz="1218987"/>
-            <a:r>
-              <a:rPr lang="en-US" sz="1400" b="1" dirty="0">
-                <a:solidFill>
-                  <a:srgbClr val="FF0000"/>
-                </a:solidFill>
-                <a:latin typeface="Calibri"/>
-              </a:rPr>
-              <a:t>https://sactrial-saceu10-f4aajqsq4u7m952hny9vpm8p.eu10.hanacloudservices.cloud.sap/</a:t>
-            </a:r>
-          </a:p>
-        </p:txBody>
-      </p:sp>
-      <p:cxnSp>
-        <p:nvCxnSpPr>
-          <p:cNvPr id="13" name="Straight Arrow Connector 12">
-            <a:extLst>
-              <a:ext uri="{FF2B5EF4-FFF2-40B4-BE49-F238E27FC236}">
-                <a16:creationId xmlns:a16="http://schemas.microsoft.com/office/drawing/2014/main" id="{A72B0372-A215-49F7-B2C8-A3B700C44706}"/>
-              </a:ext>
-            </a:extLst>
-          </p:cNvPr>
-          <p:cNvCxnSpPr/>
-          <p:nvPr/>
-        </p:nvCxnSpPr>
-        <p:spPr>
-          <a:xfrm flipV="1">
-            <a:off x="3429000" y="1625572"/>
-            <a:ext cx="5486400" cy="965228"/>
-          </a:xfrm>
-          <a:prstGeom prst="straightConnector1">
-            <a:avLst/>
-          </a:prstGeom>
-          <a:ln>
-            <a:tailEnd type="triangle"/>
-          </a:ln>
-        </p:spPr>
-        <p:style>
-          <a:lnRef idx="1">
-            <a:schemeClr val="accent1"/>
-          </a:lnRef>
-          <a:fillRef idx="0">
-            <a:schemeClr val="accent1"/>
-          </a:fillRef>
-          <a:effectRef idx="0">
-            <a:schemeClr val="accent1"/>
-          </a:effectRef>
-          <a:fontRef idx="minor">
-            <a:schemeClr val="tx1"/>
-          </a:fontRef>
-        </p:style>
-      </p:cxnSp>
-      <p:cxnSp>
-        <p:nvCxnSpPr>
-          <p:cNvPr id="17" name="Straight Arrow Connector 16">
-            <a:extLst>
-              <a:ext uri="{FF2B5EF4-FFF2-40B4-BE49-F238E27FC236}">
-                <a16:creationId xmlns:a16="http://schemas.microsoft.com/office/drawing/2014/main" id="{23711FFA-8C24-4738-B79F-831B957337DE}"/>
-              </a:ext>
-            </a:extLst>
-          </p:cNvPr>
-          <p:cNvCxnSpPr/>
-          <p:nvPr/>
-        </p:nvCxnSpPr>
-        <p:spPr>
-          <a:xfrm flipH="1">
-            <a:off x="3505200" y="1887056"/>
-            <a:ext cx="5410200" cy="970441"/>
-          </a:xfrm>
-          <a:prstGeom prst="straightConnector1">
-            <a:avLst/>
-          </a:prstGeom>
-          <a:ln>
-            <a:tailEnd type="triangle"/>
-          </a:ln>
-        </p:spPr>
-        <p:style>
-          <a:lnRef idx="1">
-            <a:schemeClr val="accent1"/>
-          </a:lnRef>
-          <a:fillRef idx="0">
-            <a:schemeClr val="accent1"/>
-          </a:fillRef>
-          <a:effectRef idx="0">
-            <a:schemeClr val="accent1"/>
-          </a:effectRef>
-          <a:fontRef idx="minor">
-            <a:schemeClr val="tx1"/>
-          </a:fontRef>
-        </p:style>
-      </p:cxnSp>
-      <p:cxnSp>
-        <p:nvCxnSpPr>
-          <p:cNvPr id="19" name="Straight Arrow Connector 18">
-            <a:extLst>
-              <a:ext uri="{FF2B5EF4-FFF2-40B4-BE49-F238E27FC236}">
-                <a16:creationId xmlns:a16="http://schemas.microsoft.com/office/drawing/2014/main" id="{B1E8A952-75C4-4D60-AA05-D455106E2650}"/>
-              </a:ext>
-            </a:extLst>
-          </p:cNvPr>
-          <p:cNvCxnSpPr/>
-          <p:nvPr/>
-        </p:nvCxnSpPr>
-        <p:spPr>
-          <a:xfrm>
-            <a:off x="3429000" y="3276600"/>
-            <a:ext cx="4648200" cy="1828800"/>
-          </a:xfrm>
-          <a:prstGeom prst="straightConnector1">
-            <a:avLst/>
-          </a:prstGeom>
-          <a:ln>
-            <a:tailEnd type="triangle"/>
-          </a:ln>
-        </p:spPr>
-        <p:style>
-          <a:lnRef idx="1">
-            <a:schemeClr val="accent1"/>
-          </a:lnRef>
-          <a:fillRef idx="0">
-            <a:schemeClr val="accent1"/>
-          </a:fillRef>
-          <a:effectRef idx="0">
-            <a:schemeClr val="accent1"/>
-          </a:effectRef>
-          <a:fontRef idx="minor">
-            <a:schemeClr val="tx1"/>
-          </a:fontRef>
-        </p:style>
-      </p:cxnSp>
-      <p:sp>
-        <p:nvSpPr>
-          <p:cNvPr id="20" name="Explosion: 14 Points 19">
-            <a:extLst>
-              <a:ext uri="{FF2B5EF4-FFF2-40B4-BE49-F238E27FC236}">
-                <a16:creationId xmlns:a16="http://schemas.microsoft.com/office/drawing/2014/main" id="{B0C9B04E-7747-4285-97A6-84CCB4C1EFDA}"/>
-              </a:ext>
-            </a:extLst>
-          </p:cNvPr>
-          <p:cNvSpPr/>
-          <p:nvPr/>
-        </p:nvSpPr>
-        <p:spPr>
-          <a:xfrm>
-            <a:off x="35169" y="4335583"/>
-            <a:ext cx="2133600" cy="676218"/>
-          </a:xfrm>
-          <a:prstGeom prst="irregularSeal2">
-            <a:avLst/>
-          </a:prstGeom>
-        </p:spPr>
-        <p:style>
-          <a:lnRef idx="2">
-            <a:schemeClr val="accent2">
-              <a:shade val="50000"/>
-            </a:schemeClr>
-          </a:lnRef>
-          <a:fillRef idx="1">
-            <a:schemeClr val="accent2"/>
-          </a:fillRef>
-          <a:effectRef idx="0">
-            <a:schemeClr val="accent2"/>
-          </a:effectRef>
-          <a:fontRef idx="minor">
-            <a:schemeClr val="lt1"/>
-          </a:fontRef>
-        </p:style>
-        <p:txBody>
-          <a:bodyPr rtlCol="0" anchor="ctr"/>
-          <a:lstStyle/>
-          <a:p>
-            <a:pPr algn="ctr" defTabSz="1218987"/>
-            <a:r>
-              <a:rPr lang="en-US" sz="2400" dirty="0">
-                <a:solidFill>
-                  <a:prstClr val="white"/>
-                </a:solidFill>
-                <a:latin typeface="Calibri"/>
-              </a:rPr>
-              <a:t>CORS</a:t>
-            </a:r>
-          </a:p>
-        </p:txBody>
-      </p:sp>
-      <p:cxnSp>
-        <p:nvCxnSpPr>
-          <p:cNvPr id="22" name="Straight Arrow Connector 21">
-            <a:extLst>
-              <a:ext uri="{FF2B5EF4-FFF2-40B4-BE49-F238E27FC236}">
-                <a16:creationId xmlns:a16="http://schemas.microsoft.com/office/drawing/2014/main" id="{6672FB4C-5B55-4E31-9630-EED6063F07C9}"/>
-              </a:ext>
-            </a:extLst>
-          </p:cNvPr>
-          <p:cNvCxnSpPr/>
-          <p:nvPr/>
-        </p:nvCxnSpPr>
-        <p:spPr>
-          <a:xfrm flipH="1" flipV="1">
-            <a:off x="3505200" y="3581400"/>
-            <a:ext cx="4419600" cy="1828800"/>
-          </a:xfrm>
-          <a:prstGeom prst="straightConnector1">
-            <a:avLst/>
-          </a:prstGeom>
-          <a:ln>
-            <a:tailEnd type="triangle"/>
-          </a:ln>
-        </p:spPr>
-        <p:style>
-          <a:lnRef idx="1">
-            <a:schemeClr val="accent1"/>
-          </a:lnRef>
-          <a:fillRef idx="0">
-            <a:schemeClr val="accent1"/>
-          </a:fillRef>
-          <a:effectRef idx="0">
-            <a:schemeClr val="accent1"/>
-          </a:effectRef>
-          <a:fontRef idx="minor">
-            <a:schemeClr val="tx1"/>
-          </a:fontRef>
-        </p:style>
-      </p:cxnSp>
-      <p:sp>
-        <p:nvSpPr>
-          <p:cNvPr id="23" name="TextBox 22">
-            <a:extLst>
-              <a:ext uri="{FF2B5EF4-FFF2-40B4-BE49-F238E27FC236}">
-                <a16:creationId xmlns:a16="http://schemas.microsoft.com/office/drawing/2014/main" id="{82BAC309-D862-45DF-8841-E10258AB9035}"/>
-              </a:ext>
-            </a:extLst>
-          </p:cNvPr>
-          <p:cNvSpPr txBox="1"/>
-          <p:nvPr/>
-        </p:nvSpPr>
-        <p:spPr>
-          <a:xfrm>
-            <a:off x="3581400" y="4419601"/>
-            <a:ext cx="2819400" cy="830997"/>
-          </a:xfrm>
-          <a:prstGeom prst="rect">
-            <a:avLst/>
-          </a:prstGeom>
-          <a:noFill/>
-        </p:spPr>
-        <p:txBody>
           <a:bodyPr wrap="square" rtlCol="0">
             <a:spAutoFit/>
           </a:bodyPr>
           <a:lstStyle/>
           <a:p>
-            <a:pPr defTabSz="1218987"/>
+            <a:pPr marL="457200" indent="-457200" defTabSz="1218987">
+              <a:buFontTx/>
+              <a:buAutoNum type="arabicPeriod"/>
+            </a:pPr>
             <a:r>
               <a:rPr lang="en-US" sz="2400" dirty="0">
                 <a:solidFill>
@@ -11938,11 +13353,14 @@
                 </a:solidFill>
                 <a:latin typeface="Calibri"/>
               </a:rPr>
-              <a:t>CORS Headers</a:t>
-            </a:r>
-          </a:p>
-          <a:p>
-            <a:pPr defTabSz="1218987"/>
+              <a:t>HANA Native Development (HANA Consultant – SAP WebIDE for HANA Dev)</a:t>
+            </a:r>
+          </a:p>
+          <a:p>
+            <a:pPr marL="342900" indent="-342900" defTabSz="1218987">
+              <a:buFontTx/>
+              <a:buChar char="-"/>
+            </a:pPr>
             <a:r>
               <a:rPr lang="en-US" sz="2400" dirty="0">
                 <a:solidFill>
@@ -11950,40 +13368,14 @@
                 </a:solidFill>
                 <a:latin typeface="Calibri"/>
               </a:rPr>
-              <a:t>SAC system</a:t>
-            </a:r>
-          </a:p>
-        </p:txBody>
-      </p:sp>
-      <p:sp>
-        <p:nvSpPr>
-          <p:cNvPr id="24" name="TextBox 23">
-            <a:extLst>
-              <a:ext uri="{FF2B5EF4-FFF2-40B4-BE49-F238E27FC236}">
-                <a16:creationId xmlns:a16="http://schemas.microsoft.com/office/drawing/2014/main" id="{F0D3D070-BCFF-4F4D-9A2A-A496C38F1A17}"/>
-              </a:ext>
-            </a:extLst>
-          </p:cNvPr>
-          <p:cNvSpPr txBox="1"/>
-          <p:nvPr/>
-        </p:nvSpPr>
-        <p:spPr>
-          <a:xfrm>
-            <a:off x="8943120" y="4355035"/>
-            <a:ext cx="4322762" cy="461665"/>
-          </a:xfrm>
-          <a:prstGeom prst="rect">
-            <a:avLst/>
-          </a:prstGeom>
-          <a:noFill/>
-        </p:spPr>
-        <p:txBody>
-          <a:bodyPr wrap="square" rtlCol="0">
-            <a:spAutoFit/>
-          </a:bodyPr>
-          <a:lstStyle/>
-          <a:p>
-            <a:pPr defTabSz="1218987"/>
+              <a:t>HANA Instance needs to be started in SCP</a:t>
+            </a:r>
+          </a:p>
+          <a:p>
+            <a:pPr marL="342900" indent="-342900" defTabSz="1218987">
+              <a:buFontTx/>
+              <a:buChar char="-"/>
+            </a:pPr>
             <a:r>
               <a:rPr lang="en-US" sz="2400" dirty="0">
                 <a:solidFill>
@@ -11991,15 +13383,359 @@
                 </a:solidFill>
                 <a:latin typeface="Calibri"/>
               </a:rPr>
-              <a:t>BW, BI, BO, ECC….</a:t>
-            </a:r>
+              <a:t>Connect to WebIDE, create a new HANA DB Module</a:t>
+            </a:r>
+          </a:p>
+          <a:p>
+            <a:pPr marL="342900" indent="-342900" defTabSz="1218987">
+              <a:buFontTx/>
+              <a:buChar char="-"/>
+            </a:pPr>
+            <a:r>
+              <a:rPr lang="en-US" sz="2400" dirty="0">
+                <a:solidFill>
+                  <a:prstClr val="black"/>
+                </a:solidFill>
+                <a:latin typeface="Calibri"/>
+              </a:rPr>
+              <a:t>Maintain the service-name as some name inside the </a:t>
+            </a:r>
+            <a:r>
+              <a:rPr lang="en-US" sz="2400" dirty="0" err="1">
+                <a:solidFill>
+                  <a:prstClr val="black"/>
+                </a:solidFill>
+                <a:latin typeface="Calibri"/>
+              </a:rPr>
+              <a:t>mta.yml</a:t>
+            </a:r>
+            <a:r>
+              <a:rPr lang="en-US" sz="2400" dirty="0">
+                <a:solidFill>
+                  <a:prstClr val="black"/>
+                </a:solidFill>
+                <a:latin typeface="Calibri"/>
+              </a:rPr>
+              <a:t> </a:t>
+            </a:r>
+            <a:r>
+              <a:rPr lang="en-US" sz="2400" dirty="0">
+                <a:solidFill>
+                  <a:prstClr val="black"/>
+                </a:solidFill>
+                <a:latin typeface="Calibri"/>
+                <a:sym typeface="Wingdings" panose="05000000000000000000" pitchFamily="2" charset="2"/>
+              </a:rPr>
+              <a:t> sac-</a:t>
+            </a:r>
+            <a:r>
+              <a:rPr lang="en-US" sz="2400" dirty="0" err="1">
+                <a:solidFill>
+                  <a:prstClr val="black"/>
+                </a:solidFill>
+                <a:latin typeface="Calibri"/>
+                <a:sym typeface="Wingdings" panose="05000000000000000000" pitchFamily="2" charset="2"/>
+              </a:rPr>
+              <a:t>hdi</a:t>
+            </a:r>
+            <a:endParaRPr lang="en-US" sz="2400" dirty="0">
+              <a:solidFill>
+                <a:prstClr val="black"/>
+              </a:solidFill>
+              <a:latin typeface="Calibri"/>
+              <a:sym typeface="Wingdings" panose="05000000000000000000" pitchFamily="2" charset="2"/>
+            </a:endParaRPr>
+          </a:p>
+          <a:p>
+            <a:pPr marL="342900" indent="-342900" defTabSz="1218987">
+              <a:buFontTx/>
+              <a:buChar char="-"/>
+            </a:pPr>
+            <a:r>
+              <a:rPr lang="en-US" sz="2400" dirty="0">
+                <a:solidFill>
+                  <a:prstClr val="black"/>
+                </a:solidFill>
+                <a:latin typeface="Calibri"/>
+                <a:sym typeface="Wingdings" panose="05000000000000000000" pitchFamily="2" charset="2"/>
+              </a:rPr>
+              <a:t>Go to SRC folder inside DB folder and create</a:t>
+            </a:r>
+          </a:p>
+          <a:p>
+            <a:pPr marL="952393" lvl="1" indent="-342900" defTabSz="1218987">
+              <a:buFontTx/>
+              <a:buChar char="-"/>
+            </a:pPr>
+            <a:r>
+              <a:rPr lang="en-US" sz="2400" dirty="0">
+                <a:solidFill>
+                  <a:prstClr val="black"/>
+                </a:solidFill>
+                <a:latin typeface="Calibri"/>
+                <a:sym typeface="Wingdings" panose="05000000000000000000" pitchFamily="2" charset="2"/>
+              </a:rPr>
+              <a:t>A DB table,   - an csv file  - an </a:t>
+            </a:r>
+            <a:r>
+              <a:rPr lang="en-US" sz="2400" dirty="0" err="1">
+                <a:solidFill>
+                  <a:prstClr val="black"/>
+                </a:solidFill>
+                <a:latin typeface="Calibri"/>
+                <a:sym typeface="Wingdings" panose="05000000000000000000" pitchFamily="2" charset="2"/>
+              </a:rPr>
+              <a:t>hditable</a:t>
+            </a:r>
+            <a:r>
+              <a:rPr lang="en-US" sz="2400" dirty="0">
+                <a:solidFill>
+                  <a:prstClr val="black"/>
+                </a:solidFill>
+                <a:latin typeface="Calibri"/>
+                <a:sym typeface="Wingdings" panose="05000000000000000000" pitchFamily="2" charset="2"/>
+              </a:rPr>
+              <a:t>  - calculation view of type CUBE</a:t>
+            </a:r>
+          </a:p>
+          <a:p>
+            <a:pPr marL="342900" indent="-342900" defTabSz="1218987">
+              <a:buFontTx/>
+              <a:buChar char="-"/>
+            </a:pPr>
+            <a:r>
+              <a:rPr lang="en-US" sz="2400" dirty="0">
+                <a:solidFill>
+                  <a:prstClr val="black"/>
+                </a:solidFill>
+                <a:latin typeface="Calibri"/>
+                <a:sym typeface="Wingdings" panose="05000000000000000000" pitchFamily="2" charset="2"/>
+              </a:rPr>
+              <a:t>Build the module and check the container</a:t>
+            </a:r>
+          </a:p>
+          <a:p>
+            <a:pPr defTabSz="1218987"/>
+            <a:endParaRPr lang="en-US" sz="2400" dirty="0">
+              <a:solidFill>
+                <a:prstClr val="black"/>
+              </a:solidFill>
+              <a:latin typeface="Calibri"/>
+              <a:sym typeface="Wingdings" panose="05000000000000000000" pitchFamily="2" charset="2"/>
+            </a:endParaRPr>
+          </a:p>
+          <a:p>
+            <a:pPr defTabSz="1218987"/>
+            <a:r>
+              <a:rPr lang="en-US" sz="2400" dirty="0">
+                <a:solidFill>
+                  <a:prstClr val="black"/>
+                </a:solidFill>
+                <a:latin typeface="Calibri"/>
+                <a:sym typeface="Wingdings" panose="05000000000000000000" pitchFamily="2" charset="2"/>
+              </a:rPr>
+              <a:t>2.    HANA Adaptor for secure connection to container in HANA (SAP Business App Studio)</a:t>
+            </a:r>
+          </a:p>
+          <a:p>
+            <a:pPr marL="342900" indent="-342900" defTabSz="1218987">
+              <a:buFontTx/>
+              <a:buChar char="-"/>
+            </a:pPr>
+            <a:r>
+              <a:rPr lang="en-US" sz="2400" dirty="0">
+                <a:solidFill>
+                  <a:prstClr val="black"/>
+                </a:solidFill>
+                <a:latin typeface="Calibri"/>
+              </a:rPr>
+              <a:t>Create a new dev workspace</a:t>
+            </a:r>
+          </a:p>
+          <a:p>
+            <a:pPr marL="342900" indent="-342900" defTabSz="1218987">
+              <a:buFontTx/>
+              <a:buChar char="-"/>
+            </a:pPr>
+            <a:r>
+              <a:rPr lang="en-US" sz="2400" dirty="0">
+                <a:solidFill>
+                  <a:prstClr val="black"/>
+                </a:solidFill>
+                <a:latin typeface="Calibri"/>
+              </a:rPr>
+              <a:t>Open workspace projects</a:t>
+            </a:r>
+          </a:p>
+          <a:p>
+            <a:pPr marL="342900" indent="-342900" defTabSz="1218987">
+              <a:buFontTx/>
+              <a:buChar char="-"/>
+            </a:pPr>
+            <a:r>
+              <a:rPr lang="en-US" sz="2400" dirty="0">
+                <a:solidFill>
+                  <a:prstClr val="black"/>
+                </a:solidFill>
+                <a:latin typeface="Calibri"/>
+              </a:rPr>
+              <a:t>Open terminal and type command </a:t>
+            </a:r>
+            <a:r>
+              <a:rPr lang="en-US" sz="2400" dirty="0" err="1">
+                <a:solidFill>
+                  <a:prstClr val="black"/>
+                </a:solidFill>
+                <a:latin typeface="Calibri"/>
+              </a:rPr>
+              <a:t>npm</a:t>
+            </a:r>
+            <a:r>
+              <a:rPr lang="en-US" sz="2400" dirty="0">
+                <a:solidFill>
+                  <a:prstClr val="black"/>
+                </a:solidFill>
+                <a:latin typeface="Calibri"/>
+              </a:rPr>
+              <a:t> install </a:t>
+            </a:r>
+            <a:r>
+              <a:rPr lang="en-US" sz="2400" dirty="0">
+                <a:solidFill>
+                  <a:prstClr val="black"/>
+                </a:solidFill>
+                <a:latin typeface="Calibri"/>
+                <a:hlinkClick r:id="rId3"/>
+              </a:rPr>
+              <a:t>generator-anubhav-sac</a:t>
+            </a:r>
+            <a:endParaRPr lang="en-US" sz="2400" dirty="0">
+              <a:solidFill>
+                <a:prstClr val="black"/>
+              </a:solidFill>
+              <a:latin typeface="Calibri"/>
+            </a:endParaRPr>
+          </a:p>
+          <a:p>
+            <a:pPr marL="342900" indent="-342900" defTabSz="1218987">
+              <a:buFontTx/>
+              <a:buChar char="-"/>
+            </a:pPr>
+            <a:r>
+              <a:rPr lang="en-US" sz="2400" dirty="0">
+                <a:solidFill>
+                  <a:prstClr val="black"/>
+                </a:solidFill>
+                <a:latin typeface="Calibri"/>
+              </a:rPr>
+              <a:t>Call </a:t>
+            </a:r>
+            <a:r>
+              <a:rPr lang="en-US" sz="2400" dirty="0" err="1">
+                <a:solidFill>
+                  <a:prstClr val="black"/>
+                </a:solidFill>
+                <a:latin typeface="Calibri"/>
+              </a:rPr>
+              <a:t>yo</a:t>
+            </a:r>
+            <a:r>
+              <a:rPr lang="en-US" sz="2400" dirty="0">
+                <a:solidFill>
+                  <a:prstClr val="black"/>
+                </a:solidFill>
+                <a:latin typeface="Calibri"/>
+              </a:rPr>
+              <a:t> command and provide container name from step 1 and SAC host </a:t>
+            </a:r>
+            <a:r>
+              <a:rPr lang="en-US" sz="2400" dirty="0" err="1">
+                <a:solidFill>
+                  <a:prstClr val="black"/>
+                </a:solidFill>
+                <a:latin typeface="Calibri"/>
+              </a:rPr>
+              <a:t>url</a:t>
+            </a:r>
+            <a:r>
+              <a:rPr lang="en-US" sz="2400" dirty="0">
+                <a:solidFill>
+                  <a:prstClr val="black"/>
+                </a:solidFill>
+                <a:latin typeface="Calibri"/>
+              </a:rPr>
+              <a:t> w/o http </a:t>
+            </a:r>
+            <a:r>
+              <a:rPr lang="en-US" sz="2400" dirty="0" err="1">
+                <a:solidFill>
+                  <a:prstClr val="black"/>
+                </a:solidFill>
+                <a:latin typeface="Calibri"/>
+              </a:rPr>
+              <a:t>upto</a:t>
+            </a:r>
+            <a:r>
+              <a:rPr lang="en-US" sz="2400" dirty="0">
+                <a:solidFill>
+                  <a:prstClr val="black"/>
+                </a:solidFill>
+                <a:latin typeface="Calibri"/>
+              </a:rPr>
+              <a:t> .sap</a:t>
+            </a:r>
+          </a:p>
+          <a:p>
+            <a:pPr marL="342900" indent="-342900" defTabSz="1218987">
+              <a:buFontTx/>
+              <a:buChar char="-"/>
+            </a:pPr>
+            <a:r>
+              <a:rPr lang="en-US" sz="2400" dirty="0">
+                <a:solidFill>
+                  <a:prstClr val="black"/>
+                </a:solidFill>
+                <a:latin typeface="Calibri"/>
+              </a:rPr>
+              <a:t>You will see a project created in bas, navigate to </a:t>
+            </a:r>
+            <a:r>
+              <a:rPr lang="en-US" sz="2400" dirty="0" err="1">
+                <a:solidFill>
+                  <a:prstClr val="black"/>
+                </a:solidFill>
+                <a:latin typeface="Calibri"/>
+              </a:rPr>
+              <a:t>srv</a:t>
+            </a:r>
+            <a:r>
+              <a:rPr lang="en-US" sz="2400" dirty="0">
+                <a:solidFill>
+                  <a:prstClr val="black"/>
+                </a:solidFill>
+                <a:latin typeface="Calibri"/>
+              </a:rPr>
+              <a:t>/target folder of that project</a:t>
+            </a:r>
+          </a:p>
+          <a:p>
+            <a:pPr marL="342900" indent="-342900" defTabSz="1218987">
+              <a:buFontTx/>
+              <a:buChar char="-"/>
+            </a:pPr>
+            <a:endParaRPr lang="en-US" sz="2400" dirty="0">
+              <a:solidFill>
+                <a:prstClr val="black"/>
+              </a:solidFill>
+              <a:latin typeface="Calibri"/>
+            </a:endParaRPr>
           </a:p>
         </p:txBody>
       </p:sp>
     </p:spTree>
     <p:extLst>
       <p:ext uri="{BB962C8B-B14F-4D97-AF65-F5344CB8AC3E}">
-        <p14:creationId xmlns:p14="http://schemas.microsoft.com/office/powerpoint/2010/main" val="2030014694"/>
+        <p14:creationId xmlns:p14="http://schemas.microsoft.com/office/powerpoint/2010/main" val="640105036"/>
       </p:ext>
     </p:extLst>
   </p:cSld>
@@ -12061,7 +13797,7 @@
                 </a:solidFill>
                 <a:latin typeface="Patua One" pitchFamily="2" charset="0"/>
               </a:rPr>
-              <a:t>NW versions required to release CORS Headers</a:t>
+              <a:t>Continue….</a:t>
             </a:r>
           </a:p>
         </p:txBody>
@@ -12196,7 +13932,7 @@
           <p:cNvPr id="2" name="TextBox 1">
             <a:extLst>
               <a:ext uri="{FF2B5EF4-FFF2-40B4-BE49-F238E27FC236}">
-                <a16:creationId xmlns:a16="http://schemas.microsoft.com/office/drawing/2014/main" id="{A86E8E58-97AA-4330-B325-559D859475EF}"/>
+                <a16:creationId xmlns:a16="http://schemas.microsoft.com/office/drawing/2014/main" id="{5593BC0C-42CB-4815-9644-B6CC061DDE68}"/>
               </a:ext>
             </a:extLst>
           </p:cNvPr>
@@ -12205,8 +13941,8 @@
         </p:nvSpPr>
         <p:spPr>
           <a:xfrm>
-            <a:off x="152400" y="1066800"/>
-            <a:ext cx="11887201" cy="4832092"/>
+            <a:off x="152400" y="881174"/>
+            <a:ext cx="11963400" cy="5262979"/>
           </a:xfrm>
           <a:prstGeom prst="rect">
             <a:avLst/>
@@ -12219,159 +13955,319 @@
           </a:bodyPr>
           <a:lstStyle/>
           <a:p>
-            <a:pPr marL="457200" indent="-457200" defTabSz="1218987">
-              <a:buFont typeface="Wingdings" panose="05000000000000000000" pitchFamily="2" charset="2"/>
-              <a:buChar char="ü"/>
+            <a:pPr marL="342900" indent="-342900" defTabSz="1218987">
+              <a:buFontTx/>
+              <a:buChar char="-"/>
             </a:pPr>
             <a:r>
-              <a:rPr lang="en-US" sz="2000" dirty="0">
+              <a:rPr lang="en-US" sz="2400" dirty="0">
                 <a:solidFill>
                   <a:prstClr val="black"/>
                 </a:solidFill>
                 <a:latin typeface="Calibri"/>
               </a:rPr>
-              <a:t>Check the system version of your ABAP based system</a:t>
-            </a:r>
-          </a:p>
-          <a:p>
-            <a:pPr defTabSz="1218987"/>
-            <a:r>
-              <a:rPr lang="en-US" sz="2000" dirty="0">
+              <a:t>Go to </a:t>
+            </a:r>
+            <a:r>
+              <a:rPr lang="en-US" sz="2400" dirty="0">
+                <a:solidFill>
+                  <a:prstClr val="black"/>
+                </a:solidFill>
+                <a:latin typeface="Calibri"/>
+                <a:hlinkClick r:id="rId3"/>
+              </a:rPr>
+              <a:t>sap tools for </a:t>
+            </a:r>
+            <a:r>
+              <a:rPr lang="en-US" sz="2400" dirty="0" err="1">
+                <a:solidFill>
+                  <a:prstClr val="black"/>
+                </a:solidFill>
+                <a:latin typeface="Calibri"/>
+                <a:hlinkClick r:id="rId3"/>
+              </a:rPr>
+              <a:t>hana</a:t>
+            </a:r>
+            <a:r>
+              <a:rPr lang="en-US" sz="2400" dirty="0">
                 <a:solidFill>
                   <a:prstClr val="black"/>
                 </a:solidFill>
                 <a:latin typeface="Calibri"/>
               </a:rPr>
-              <a:t>NW 7.52 SP02</a:t>
-            </a:r>
-          </a:p>
-          <a:p>
-            <a:pPr defTabSz="1218987"/>
-            <a:r>
-              <a:rPr lang="en-US" sz="2000" dirty="0">
+              <a:t> and download the </a:t>
+            </a:r>
+            <a:r>
+              <a:rPr lang="en-US" sz="2400" dirty="0">
+                <a:solidFill>
+                  <a:prstClr val="black"/>
+                </a:solidFill>
+                <a:latin typeface="Arial" panose="020B0604020202020204" pitchFamily="34" charset="0"/>
+                <a:hlinkClick r:id="rId4"/>
+              </a:rPr>
+              <a:t>xsahaa-release-1.6.1-release.zip</a:t>
+            </a:r>
+            <a:r>
+              <a:rPr lang="en-US" sz="2400" dirty="0">
+                <a:solidFill>
+                  <a:srgbClr val="000000"/>
+                </a:solidFill>
+                <a:latin typeface="Arial" panose="020B0604020202020204" pitchFamily="34" charset="0"/>
+              </a:rPr>
+              <a:t> (</a:t>
+            </a:r>
+            <a:r>
+              <a:rPr lang="en-US" sz="2400" dirty="0">
+                <a:solidFill>
+                  <a:prstClr val="black"/>
+                </a:solidFill>
+                <a:latin typeface="Arial" panose="020B0604020202020204" pitchFamily="34" charset="0"/>
+                <a:hlinkClick r:id="rId5"/>
+              </a:rPr>
+              <a:t>sha1</a:t>
+            </a:r>
+            <a:r>
+              <a:rPr lang="en-US" sz="2400" dirty="0">
+                <a:solidFill>
+                  <a:srgbClr val="000000"/>
+                </a:solidFill>
+                <a:latin typeface="Arial" panose="020B0604020202020204" pitchFamily="34" charset="0"/>
+              </a:rPr>
+              <a:t>)</a:t>
+            </a:r>
+          </a:p>
+          <a:p>
+            <a:pPr marL="342900" indent="-342900" defTabSz="1218987">
+              <a:buFontTx/>
+              <a:buChar char="-"/>
+            </a:pPr>
+            <a:r>
+              <a:rPr lang="en-US" sz="2400" dirty="0">
+                <a:solidFill>
+                  <a:srgbClr val="000000"/>
+                </a:solidFill>
+                <a:latin typeface="Arial" panose="020B0604020202020204" pitchFamily="34" charset="0"/>
+              </a:rPr>
+              <a:t>Extract in computer and upload the war file to the folder</a:t>
+            </a:r>
+          </a:p>
+          <a:p>
+            <a:pPr marL="342900" indent="-342900" defTabSz="1218987">
+              <a:buFontTx/>
+              <a:buChar char="-"/>
+            </a:pPr>
+            <a:r>
+              <a:rPr lang="en-US" sz="2400" dirty="0">
+                <a:solidFill>
+                  <a:srgbClr val="000000"/>
+                </a:solidFill>
+                <a:latin typeface="Arial" panose="020B0604020202020204" pitchFamily="34" charset="0"/>
+              </a:rPr>
+              <a:t>Right click to </a:t>
+            </a:r>
+            <a:r>
+              <a:rPr lang="en-US" sz="2400" dirty="0" err="1">
+                <a:solidFill>
+                  <a:srgbClr val="000000"/>
+                </a:solidFill>
+                <a:latin typeface="Arial" panose="020B0604020202020204" pitchFamily="34" charset="0"/>
+              </a:rPr>
+              <a:t>mta.yml</a:t>
+            </a:r>
+            <a:r>
+              <a:rPr lang="en-US" sz="2400" dirty="0">
+                <a:solidFill>
+                  <a:srgbClr val="000000"/>
+                </a:solidFill>
+                <a:latin typeface="Arial" panose="020B0604020202020204" pitchFamily="34" charset="0"/>
+              </a:rPr>
+              <a:t> file in the adaptor project and click Build MTA</a:t>
+            </a:r>
+          </a:p>
+          <a:p>
+            <a:pPr marL="342900" indent="-342900" defTabSz="1218987">
+              <a:buFontTx/>
+              <a:buChar char="-"/>
+            </a:pPr>
+            <a:r>
+              <a:rPr lang="en-US" sz="2400" dirty="0">
+                <a:solidFill>
+                  <a:srgbClr val="000000"/>
+                </a:solidFill>
+                <a:latin typeface="Arial" panose="020B0604020202020204" pitchFamily="34" charset="0"/>
+              </a:rPr>
+              <a:t>If the build is success we see an </a:t>
+            </a:r>
+            <a:r>
+              <a:rPr lang="en-US" sz="2400" dirty="0" err="1">
+                <a:solidFill>
+                  <a:srgbClr val="000000"/>
+                </a:solidFill>
+                <a:latin typeface="Arial" panose="020B0604020202020204" pitchFamily="34" charset="0"/>
+              </a:rPr>
+              <a:t>mta_archieve</a:t>
+            </a:r>
+            <a:r>
+              <a:rPr lang="en-US" sz="2400" dirty="0">
+                <a:solidFill>
+                  <a:srgbClr val="000000"/>
+                </a:solidFill>
+                <a:latin typeface="Arial" panose="020B0604020202020204" pitchFamily="34" charset="0"/>
+              </a:rPr>
+              <a:t> with </a:t>
+            </a:r>
+            <a:r>
+              <a:rPr lang="en-US" sz="2400" dirty="0" err="1">
+                <a:solidFill>
+                  <a:srgbClr val="000000"/>
+                </a:solidFill>
+                <a:latin typeface="Arial" panose="020B0604020202020204" pitchFamily="34" charset="0"/>
+              </a:rPr>
+              <a:t>mtar</a:t>
+            </a:r>
+            <a:r>
+              <a:rPr lang="en-US" sz="2400" dirty="0">
+                <a:solidFill>
+                  <a:srgbClr val="000000"/>
+                </a:solidFill>
+                <a:latin typeface="Arial" panose="020B0604020202020204" pitchFamily="34" charset="0"/>
+              </a:rPr>
+              <a:t> extension.</a:t>
+            </a:r>
+          </a:p>
+          <a:p>
+            <a:pPr marL="342900" indent="-342900" defTabSz="1218987">
+              <a:buFontTx/>
+              <a:buChar char="-"/>
+            </a:pPr>
+            <a:r>
+              <a:rPr lang="en-US" sz="2400" dirty="0">
+                <a:solidFill>
+                  <a:srgbClr val="000000"/>
+                </a:solidFill>
+                <a:latin typeface="Arial" panose="020B0604020202020204" pitchFamily="34" charset="0"/>
+              </a:rPr>
+              <a:t>Right click on MTAR file generated by system and say deploy to CF</a:t>
+            </a:r>
+          </a:p>
+          <a:p>
+            <a:pPr marL="342900" indent="-342900" defTabSz="1218987">
+              <a:buFontTx/>
+              <a:buChar char="-"/>
+            </a:pPr>
+            <a:r>
+              <a:rPr lang="en-US" sz="2400" dirty="0">
+                <a:solidFill>
+                  <a:srgbClr val="000000"/>
+                </a:solidFill>
+                <a:latin typeface="Arial" panose="020B0604020202020204" pitchFamily="34" charset="0"/>
+              </a:rPr>
+              <a:t>Go to CF and Applications inside your dev space</a:t>
+            </a:r>
+          </a:p>
+          <a:p>
+            <a:pPr marL="342900" indent="-342900" defTabSz="1218987">
+              <a:buFontTx/>
+              <a:buChar char="-"/>
+            </a:pPr>
+            <a:r>
+              <a:rPr lang="en-US" sz="2400" dirty="0">
+                <a:solidFill>
+                  <a:srgbClr val="000000"/>
+                </a:solidFill>
+                <a:latin typeface="Arial" panose="020B0604020202020204" pitchFamily="34" charset="0"/>
+              </a:rPr>
+              <a:t>Ideally an app with same name must be up and running</a:t>
+            </a:r>
+          </a:p>
+          <a:p>
+            <a:pPr marL="342900" indent="-342900" defTabSz="1218987">
+              <a:buFontTx/>
+              <a:buChar char="-"/>
+            </a:pPr>
+            <a:r>
+              <a:rPr lang="en-US" sz="2400" dirty="0">
                 <a:solidFill>
                   <a:prstClr val="black"/>
                 </a:solidFill>
                 <a:latin typeface="Calibri"/>
               </a:rPr>
-              <a:t>NW 7.51 SP06</a:t>
-            </a:r>
-          </a:p>
-          <a:p>
-            <a:pPr defTabSz="1218987"/>
-            <a:r>
-              <a:rPr lang="en-US" sz="2000" dirty="0">
+              <a:t>Once the app is deployed, we need to grant auth to our user to access this app</a:t>
+            </a:r>
+          </a:p>
+          <a:p>
+            <a:pPr marL="342900" indent="-342900" defTabSz="1218987">
+              <a:buFontTx/>
+              <a:buChar char="-"/>
+            </a:pPr>
+            <a:r>
+              <a:rPr lang="en-US" sz="2400" dirty="0">
                 <a:solidFill>
                   <a:prstClr val="black"/>
                 </a:solidFill>
                 <a:latin typeface="Calibri"/>
               </a:rPr>
-              <a:t>NW 7.50 SP12</a:t>
-            </a:r>
-          </a:p>
-          <a:p>
-            <a:pPr defTabSz="1218987"/>
-            <a:r>
-              <a:rPr lang="en-US" sz="2000" dirty="0">
+              <a:t>Go to role collection in our trial a/c search for </a:t>
+            </a:r>
+            <a:r>
+              <a:rPr lang="en-US" sz="2400" dirty="0" err="1">
                 <a:solidFill>
                   <a:prstClr val="black"/>
                 </a:solidFill>
                 <a:latin typeface="Calibri"/>
               </a:rPr>
-              <a:t>NW 7.40 SP20</a:t>
-            </a:r>
-          </a:p>
-          <a:p>
-            <a:pPr defTabSz="1218987"/>
-            <a:r>
-              <a:rPr lang="en-US" sz="2000" dirty="0">
+              <a:t>app_Viewer</a:t>
+            </a:r>
+            <a:r>
+              <a:rPr lang="en-US" sz="2400" dirty="0">
                 <a:solidFill>
                   <a:prstClr val="black"/>
                 </a:solidFill>
                 <a:latin typeface="Calibri"/>
               </a:rPr>
-              <a:t>SAP Kernel Version 7.49PL315</a:t>
+              <a:t> role collection</a:t>
             </a:r>
           </a:p>
           <a:p>
             <a:pPr marL="342900" indent="-342900" defTabSz="1218987">
-              <a:buFont typeface="Wingdings" panose="05000000000000000000" pitchFamily="2" charset="2"/>
-              <a:buChar char="ü"/>
+              <a:buFontTx/>
+              <a:buChar char="-"/>
             </a:pPr>
             <a:r>
-              <a:rPr lang="en-US" sz="2000" dirty="0">
+              <a:rPr lang="en-US" sz="2400" dirty="0">
                 <a:solidFill>
                   <a:prstClr val="black"/>
                 </a:solidFill>
                 <a:latin typeface="Calibri"/>
               </a:rPr>
-              <a:t>2. Check if INA Service is active in the system. TCOODE: SICF and search for INA service</a:t>
+              <a:t>Click and edit and assign to your email id and Save</a:t>
             </a:r>
           </a:p>
           <a:p>
             <a:pPr marL="342900" indent="-342900" defTabSz="1218987">
-              <a:buFont typeface="Wingdings" panose="05000000000000000000" pitchFamily="2" charset="2"/>
-              <a:buChar char="ü"/>
+              <a:buFontTx/>
+              <a:buChar char="-"/>
             </a:pPr>
             <a:r>
-              <a:rPr lang="en-US" sz="2000" dirty="0">
+              <a:rPr lang="en-US" sz="2400" dirty="0">
                 <a:solidFill>
                   <a:prstClr val="black"/>
                 </a:solidFill>
                 <a:latin typeface="Calibri"/>
               </a:rPr>
-              <a:t>3. The system must be SSH enabled, HTTPS signed certificate (Network admin)- STRUST</a:t>
-            </a:r>
-          </a:p>
-          <a:p>
-            <a:pPr marL="342900" indent="-342900" defTabSz="1218987">
-              <a:buFont typeface="Wingdings" panose="05000000000000000000" pitchFamily="2" charset="2"/>
-              <a:buChar char="ü"/>
-            </a:pPr>
-            <a:r>
-              <a:rPr lang="en-US" sz="2000" dirty="0">
+              <a:t>Test the adaptor service by adding /sap/</a:t>
+            </a:r>
+            <a:r>
+              <a:rPr lang="en-US" sz="2400" dirty="0" err="1">
                 <a:solidFill>
                   <a:prstClr val="black"/>
                 </a:solidFill>
                 <a:latin typeface="Calibri"/>
               </a:rPr>
-              <a:t>4. Inform Our SAP system that we can offer CORS headers RZ10(system wide-need NW restart)</a:t>
-            </a:r>
-          </a:p>
-          <a:p>
-            <a:pPr defTabSz="1218987"/>
-            <a:r>
-              <a:rPr lang="en-US" sz="2000" dirty="0">
-                <a:solidFill>
-                  <a:prstClr val="black"/>
-                </a:solidFill>
-                <a:latin typeface="Calibri"/>
-              </a:rPr>
-              <a:t>					                RZ11 (temporary)</a:t>
-            </a:r>
-          </a:p>
-          <a:p>
-            <a:pPr defTabSz="1218987"/>
-            <a:r>
-              <a:rPr lang="en-US" sz="2000" b="1" dirty="0">
-                <a:solidFill>
-                  <a:prstClr val="black"/>
-                </a:solidFill>
-                <a:latin typeface="Calibri"/>
-              </a:rPr>
-              <a:t>	</a:t>
-            </a:r>
-            <a:r>
-              <a:rPr lang="en-US" sz="2000" b="1" dirty="0" err="1">
-                <a:solidFill>
-                  <a:prstClr val="black"/>
-                </a:solidFill>
-                <a:latin typeface="Calibri"/>
-              </a:rPr>
-              <a:t>Icf</a:t>
-            </a:r>
-            <a:r>
-              <a:rPr lang="en-US" sz="2000" b="1" dirty="0">
+              <a:t>bc</a:t>
+            </a:r>
+            <a:r>
+              <a:rPr lang="en-US" sz="2400" dirty="0">
                 <a:solidFill>
                   <a:prstClr val="black"/>
                 </a:solidFill>
@@ -12380,15 +14276,33 @@
               <a:t>/</a:t>
             </a:r>
             <a:r>
-              <a:rPr lang="en-US" sz="2000" b="1" dirty="0" err="1">
+              <a:rPr lang="en-US" sz="2400" dirty="0" err="1">
                 <a:solidFill>
                   <a:prstClr val="black"/>
                 </a:solidFill>
                 <a:latin typeface="Calibri"/>
               </a:rPr>
-              <a:t>cors_enabled</a:t>
-            </a:r>
-            <a:endParaRPr lang="en-US" sz="2000" b="1" dirty="0">
+              <a:t>ina</a:t>
+            </a:r>
+            <a:r>
+              <a:rPr lang="en-US" sz="2400" dirty="0">
+                <a:solidFill>
+                  <a:prstClr val="black"/>
+                </a:solidFill>
+                <a:latin typeface="Calibri"/>
+              </a:rPr>
+              <a:t>/service/v2/</a:t>
+            </a:r>
+            <a:r>
+              <a:rPr lang="en-US" sz="2400" dirty="0" err="1">
+                <a:solidFill>
+                  <a:prstClr val="black"/>
+                </a:solidFill>
+                <a:latin typeface="Calibri"/>
+              </a:rPr>
+              <a:t>HeartBeat</a:t>
+            </a:r>
+            <a:endParaRPr lang="en-US" sz="2400" dirty="0">
               <a:solidFill>
                 <a:prstClr val="black"/>
               </a:solidFill>
@@ -12398,40 +14312,48 @@
           <a:p>
             <a:pPr defTabSz="1218987"/>
             <a:r>
-              <a:rPr lang="en-US" sz="2000" dirty="0">
+              <a:rPr lang="en-US" sz="2400" dirty="0">
                 <a:solidFill>
                   <a:prstClr val="black"/>
                 </a:solidFill>
                 <a:latin typeface="Calibri"/>
               </a:rPr>
-              <a:t>5. For On-premise systems running in Intranet, you need sap cloud connector</a:t>
+              <a:t>3. SAC Live Connection</a:t>
             </a:r>
           </a:p>
           <a:p>
             <a:pPr defTabSz="1218987"/>
             <a:r>
-              <a:rPr lang="en-US" sz="2000" dirty="0">
+              <a:rPr lang="en-US" sz="2400" dirty="0">
                 <a:solidFill>
                   <a:prstClr val="black"/>
                 </a:solidFill>
                 <a:latin typeface="Calibri"/>
               </a:rPr>
-              <a:t>6. Add the settings to issue CORS headers to browser for your SAC system - UCONCOCKPIT</a:t>
+              <a:t>Add live data connection with HANA of Direct Type</a:t>
             </a:r>
           </a:p>
           <a:p>
             <a:pPr defTabSz="1218987"/>
             <a:r>
-              <a:rPr lang="en-US" sz="2000" dirty="0">
+              <a:rPr lang="en-US" sz="2400" dirty="0">
                 <a:solidFill>
                   <a:prstClr val="black"/>
                 </a:solidFill>
                 <a:latin typeface="Calibri"/>
-                <a:hlinkClick r:id="rId3"/>
               </a:rPr>
-              <a:t>https://help.sap.com/viewer/00f68c2e08b941f081002fd3691d86a7/release/en-US/0d1cd72012804eb78e2aea45a562e439.html?q=uconcockpit</a:t>
-            </a:r>
-            <a:endParaRPr lang="en-US" sz="2000" dirty="0">
+              <a:t>Provide Adaptor URL and enter CF </a:t>
+            </a:r>
+            <a:r>
+              <a:rPr lang="en-US" sz="2400">
+                <a:solidFill>
+                  <a:prstClr val="black"/>
+                </a:solidFill>
+                <a:latin typeface="Calibri"/>
+              </a:rPr>
+              <a:t>credentials.</a:t>
+            </a:r>
+            <a:endParaRPr lang="en-US" sz="2400" dirty="0">
               <a:solidFill>
                 <a:prstClr val="black"/>
               </a:solidFill>
@@ -12443,7 +14365,7 @@
     </p:spTree>
     <p:extLst>
       <p:ext uri="{BB962C8B-B14F-4D97-AF65-F5344CB8AC3E}">
-        <p14:creationId xmlns:p14="http://schemas.microsoft.com/office/powerpoint/2010/main" val="3096312792"/>
+        <p14:creationId xmlns:p14="http://schemas.microsoft.com/office/powerpoint/2010/main" val="1108956787"/>
       </p:ext>
     </p:extLst>
   </p:cSld>
@@ -12475,47 +14397,59 @@
       </p:grpSpPr>
       <p:sp>
         <p:nvSpPr>
-          <p:cNvPr id="11" name="Title 10"/>
-          <p:cNvSpPr>
-            <a:spLocks noGrp="1"/>
-          </p:cNvSpPr>
-          <p:nvPr>
-            <p:ph type="title"/>
-          </p:nvPr>
+          <p:cNvPr id="2" name="Title 3">
+            <a:extLst>
+              <a:ext uri="{FF2B5EF4-FFF2-40B4-BE49-F238E27FC236}">
+                <a16:creationId xmlns:a16="http://schemas.microsoft.com/office/drawing/2014/main" id="{F07FC580-E2AB-4C55-8C95-D5E077A1D127}"/>
+              </a:ext>
+            </a:extLst>
+          </p:cNvPr>
+          <p:cNvSpPr txBox="1">
+            <a:spLocks/>
+          </p:cNvSpPr>
+          <p:nvPr/>
         </p:nvSpPr>
         <p:spPr>
           <a:xfrm>
-            <a:off x="-20279" y="41354"/>
-            <a:ext cx="10969943" cy="711081"/>
+            <a:off x="261764" y="188640"/>
+            <a:ext cx="11292008" cy="711081"/>
           </a:xfrm>
+          <a:prstGeom prst="rect">
+            <a:avLst/>
+          </a:prstGeom>
         </p:spPr>
         <p:txBody>
-          <a:bodyPr>
-            <a:noAutofit/>
-          </a:bodyPr>
-          <a:lstStyle/>
-          <a:p>
-            <a:r>
-              <a:rPr lang="en-IN" dirty="0">
-                <a:solidFill>
-                  <a:schemeClr val="tx2">
-                    <a:lumMod val="60000"/>
-                    <a:lumOff val="40000"/>
-                  </a:schemeClr>
-                </a:solidFill>
-                <a:latin typeface="Patua One" pitchFamily="2" charset="0"/>
-              </a:rPr>
-              <a:t>CDS – Core Data &amp; Services</a:t>
-            </a:r>
-          </a:p>
-        </p:txBody>
-      </p:sp>
-      <p:sp>
-        <p:nvSpPr>
-          <p:cNvPr id="37" name="TextBox 36">
+          <a:bodyPr/>
+          <a:lstStyle>
+            <a:lvl1pPr algn="l" defTabSz="914400" rtl="0" eaLnBrk="1" latinLnBrk="0" hangingPunct="1">
+              <a:lnSpc>
+                <a:spcPct val="90000"/>
+              </a:lnSpc>
+              <a:spcBef>
+                <a:spcPct val="0"/>
+              </a:spcBef>
+              <a:buNone/>
+              <a:defRPr sz="4400" kern="1200">
+                <a:solidFill>
+                  <a:schemeClr val="tx1"/>
+                </a:solidFill>
+                <a:latin typeface="+mj-lt"/>
+                <a:ea typeface="+mj-ea"/>
+                <a:cs typeface="+mj-cs"/>
+              </a:defRPr>
+            </a:lvl1pPr>
+          </a:lstStyle>
+          <a:p>
+            <a:endParaRPr lang="en-US" b="1" dirty="0"/>
+          </a:p>
+        </p:txBody>
+      </p:sp>
+      <p:sp>
+        <p:nvSpPr>
+          <p:cNvPr id="7" name="TextBox 6">
             <a:extLst>
               <a:ext uri="{FF2B5EF4-FFF2-40B4-BE49-F238E27FC236}">
-                <a16:creationId xmlns:a16="http://schemas.microsoft.com/office/drawing/2014/main" id="{E8CAC22F-1542-4031-BC6C-A16989886504}"/>
+                <a16:creationId xmlns:a16="http://schemas.microsoft.com/office/drawing/2014/main" id="{17EB74BE-8011-4153-8F37-3BEF9C1F4CC0}"/>
               </a:ext>
             </a:extLst>
           </p:cNvPr>
@@ -12524,8 +14458,8 @@
         </p:nvSpPr>
         <p:spPr>
           <a:xfrm>
-            <a:off x="4943872" y="6550224"/>
-            <a:ext cx="3456384" cy="307777"/>
+            <a:off x="3512128" y="2507734"/>
+            <a:ext cx="6174508" cy="1323439"/>
           </a:xfrm>
           <a:prstGeom prst="rect">
             <a:avLst/>
@@ -12533,235 +14467,14 @@
           <a:noFill/>
         </p:spPr>
         <p:txBody>
-          <a:bodyPr wrap="square" rtlCol="0">
+          <a:bodyPr wrap="square">
             <a:spAutoFit/>
           </a:bodyPr>
           <a:lstStyle/>
           <a:p>
-            <a:pPr defTabSz="1218987">
-              <a:defRPr/>
-            </a:pPr>
-            <a:r>
-              <a:rPr lang="en-US" sz="1400" b="1" dirty="0">
-                <a:solidFill>
-                  <a:prstClr val="black"/>
-                </a:solidFill>
-                <a:latin typeface="Arial Rounded MT Bold" panose="020F0704030504030204" pitchFamily="34" charset="0"/>
-                <a:ea typeface="Arial Unicode MS" panose="020B0604020202020204" pitchFamily="34" charset="-128"/>
-                <a:cs typeface="Arial Unicode MS" panose="020B0604020202020204" pitchFamily="34" charset="-128"/>
-              </a:rPr>
-              <a:t>www.anubhavtrainings.com</a:t>
-            </a:r>
-            <a:endParaRPr lang="en-IN" sz="1400" b="1" dirty="0">
-              <a:solidFill>
-                <a:prstClr val="black"/>
-              </a:solidFill>
-              <a:latin typeface="Arial Rounded MT Bold" panose="020F0704030504030204" pitchFamily="34" charset="0"/>
-              <a:ea typeface="Arial Unicode MS" panose="020B0604020202020204" pitchFamily="34" charset="-128"/>
-              <a:cs typeface="Arial Unicode MS" panose="020B0604020202020204" pitchFamily="34" charset="-128"/>
-            </a:endParaRPr>
-          </a:p>
-        </p:txBody>
-      </p:sp>
-      <p:pic>
-        <p:nvPicPr>
-          <p:cNvPr id="40" name="Picture 39">
-            <a:extLst>
-              <a:ext uri="{FF2B5EF4-FFF2-40B4-BE49-F238E27FC236}">
-                <a16:creationId xmlns:a16="http://schemas.microsoft.com/office/drawing/2014/main" id="{DA60E6FB-8C44-4FEB-B6E9-83DA908565CD}"/>
-              </a:ext>
-            </a:extLst>
-          </p:cNvPr>
-          <p:cNvPicPr>
-            <a:picLocks noChangeAspect="1"/>
-          </p:cNvPicPr>
-          <p:nvPr/>
-        </p:nvPicPr>
-        <p:blipFill>
-          <a:blip r:embed="rId2">
-            <a:extLst>
-              <a:ext uri="{28A0092B-C50C-407E-A947-70E740481C1C}">
-                <a14:useLocalDpi xmlns:a14="http://schemas.microsoft.com/office/drawing/2010/main" val="0"/>
-              </a:ext>
-            </a:extLst>
-          </a:blip>
-          <a:stretch>
-            <a:fillRect/>
-          </a:stretch>
-        </p:blipFill>
-        <p:spPr>
-          <a:xfrm>
-            <a:off x="9624393" y="106009"/>
-            <a:ext cx="2335203" cy="762895"/>
-          </a:xfrm>
-          <a:prstGeom prst="rect">
-            <a:avLst/>
-          </a:prstGeom>
-        </p:spPr>
-      </p:pic>
-      <p:cxnSp>
-        <p:nvCxnSpPr>
-          <p:cNvPr id="41" name="Straight Connector 40">
-            <a:extLst>
-              <a:ext uri="{FF2B5EF4-FFF2-40B4-BE49-F238E27FC236}">
-                <a16:creationId xmlns:a16="http://schemas.microsoft.com/office/drawing/2014/main" id="{3B3B7D73-CAE9-45AC-ACCE-FAEF4E505C7A}"/>
-              </a:ext>
-            </a:extLst>
-          </p:cNvPr>
-          <p:cNvCxnSpPr/>
-          <p:nvPr/>
-        </p:nvCxnSpPr>
-        <p:spPr>
-          <a:xfrm>
-            <a:off x="1588" y="764704"/>
-            <a:ext cx="6479584" cy="0"/>
-          </a:xfrm>
-          <a:prstGeom prst="line">
-            <a:avLst/>
-          </a:prstGeom>
-        </p:spPr>
-        <p:style>
-          <a:lnRef idx="2">
-            <a:schemeClr val="accent6"/>
-          </a:lnRef>
-          <a:fillRef idx="0">
-            <a:schemeClr val="accent6"/>
-          </a:fillRef>
-          <a:effectRef idx="1">
-            <a:schemeClr val="accent6"/>
-          </a:effectRef>
-          <a:fontRef idx="minor">
-            <a:schemeClr val="tx1"/>
-          </a:fontRef>
-        </p:style>
-      </p:cxnSp>
-      <p:sp>
-        <p:nvSpPr>
-          <p:cNvPr id="2" name="TextBox 1">
-            <a:extLst>
-              <a:ext uri="{FF2B5EF4-FFF2-40B4-BE49-F238E27FC236}">
-                <a16:creationId xmlns:a16="http://schemas.microsoft.com/office/drawing/2014/main" id="{D04BF3AA-33CF-4EC4-BA84-0AA4ED78821A}"/>
-              </a:ext>
-            </a:extLst>
-          </p:cNvPr>
-          <p:cNvSpPr txBox="1"/>
-          <p:nvPr/>
-        </p:nvSpPr>
-        <p:spPr>
-          <a:xfrm>
-            <a:off x="228601" y="990600"/>
-            <a:ext cx="11730995" cy="3416320"/>
-          </a:xfrm>
-          <a:prstGeom prst="rect">
-            <a:avLst/>
-          </a:prstGeom>
-          <a:noFill/>
-        </p:spPr>
-        <p:txBody>
-          <a:bodyPr wrap="square" rtlCol="0">
-            <a:spAutoFit/>
-          </a:bodyPr>
-          <a:lstStyle/>
-          <a:p>
-            <a:pPr defTabSz="1218987"/>
-            <a:r>
-              <a:rPr lang="en-US" sz="2400" dirty="0">
-                <a:solidFill>
-                  <a:prstClr val="black"/>
-                </a:solidFill>
-                <a:latin typeface="Calibri"/>
-              </a:rPr>
-              <a:t>CDS stands for Core Data &amp; Services, these are the data models in ABAP system which is based out of HANA DB. We have 2 types of CDS </a:t>
-            </a:r>
-          </a:p>
-          <a:p>
-            <a:pPr defTabSz="1218987"/>
-            <a:r>
-              <a:rPr lang="en-US" sz="2400" dirty="0">
-                <a:solidFill>
-                  <a:prstClr val="black"/>
-                </a:solidFill>
-                <a:latin typeface="Calibri"/>
-              </a:rPr>
-              <a:t>ABAP CDS – ABAP system which runs on HANA</a:t>
-            </a:r>
-          </a:p>
-          <a:p>
-            <a:pPr defTabSz="1218987"/>
-            <a:r>
-              <a:rPr lang="en-US" sz="2400" dirty="0">
-                <a:solidFill>
-                  <a:prstClr val="black"/>
-                </a:solidFill>
-                <a:latin typeface="Calibri"/>
-              </a:rPr>
-              <a:t>HANA CDS – Do not have ABAP system at all, we have just HANA</a:t>
-            </a:r>
-          </a:p>
-          <a:p>
-            <a:pPr defTabSz="1218987"/>
-            <a:r>
-              <a:rPr lang="en-US" sz="2400" dirty="0">
-                <a:solidFill>
-                  <a:prstClr val="black"/>
-                </a:solidFill>
-                <a:latin typeface="Calibri"/>
-              </a:rPr>
-              <a:t>These are used to expose data out of system in form of Views.</a:t>
-            </a:r>
-          </a:p>
-          <a:p>
-            <a:pPr defTabSz="1218987"/>
-            <a:r>
-              <a:rPr lang="en-US" sz="2400" dirty="0">
-                <a:solidFill>
-                  <a:prstClr val="black"/>
-                </a:solidFill>
-                <a:latin typeface="Calibri"/>
-              </a:rPr>
-              <a:t>ABAP on HANA – ADT</a:t>
-            </a:r>
-          </a:p>
-          <a:p>
-            <a:pPr defTabSz="1218987"/>
-            <a:r>
-              <a:rPr lang="en-US" sz="2400" dirty="0">
-                <a:solidFill>
-                  <a:prstClr val="black"/>
-                </a:solidFill>
-                <a:latin typeface="Calibri"/>
-              </a:rPr>
-              <a:t>Native HANA – HANA WebIDE</a:t>
-            </a:r>
-          </a:p>
-          <a:p>
-            <a:pPr defTabSz="1218987"/>
-            <a:r>
-              <a:rPr lang="en-US" sz="2400" dirty="0">
-                <a:solidFill>
-                  <a:prstClr val="black"/>
-                </a:solidFill>
-                <a:latin typeface="Calibri"/>
-              </a:rPr>
-              <a:t>With SAP S/4HANA system, There is NO BW system required anymore. SAP delivers 1000s of </a:t>
-            </a:r>
-            <a:r>
-              <a:rPr lang="en-US" sz="2400" dirty="0" err="1">
-                <a:solidFill>
-                  <a:prstClr val="black"/>
-                </a:solidFill>
-                <a:latin typeface="Calibri"/>
-              </a:rPr>
-              <a:t>cds</a:t>
-            </a:r>
-            <a:r>
-              <a:rPr lang="en-US" sz="2400" dirty="0">
-                <a:solidFill>
-                  <a:prstClr val="black"/>
-                </a:solidFill>
-                <a:latin typeface="Calibri"/>
-              </a:rPr>
-              <a:t> views for ready to use consumption.</a:t>
+            <a:r>
+              <a:rPr lang="en-US" sz="8000" b="1" dirty="0"/>
+              <a:t>End of Day 13</a:t>
             </a:r>
           </a:p>
         </p:txBody>
@@ -12769,16 +14482,13 @@
     </p:spTree>
     <p:extLst>
       <p:ext uri="{BB962C8B-B14F-4D97-AF65-F5344CB8AC3E}">
-        <p14:creationId xmlns:p14="http://schemas.microsoft.com/office/powerpoint/2010/main" val="622780845"/>
+        <p14:creationId xmlns:p14="http://schemas.microsoft.com/office/powerpoint/2010/main" val="3867772902"/>
       </p:ext>
     </p:extLst>
   </p:cSld>
   <p:clrMapOvr>
     <a:masterClrMapping/>
   </p:clrMapOvr>
-  <p:transition spd="slow">
-    <p:push dir="u"/>
-  </p:transition>
 </p:sld>
 </file>
 
@@ -12801,1211 +14511,64 @@
       </p:grpSpPr>
       <p:sp>
         <p:nvSpPr>
-          <p:cNvPr id="11" name="Title 10"/>
-          <p:cNvSpPr>
-            <a:spLocks noGrp="1"/>
-          </p:cNvSpPr>
-          <p:nvPr>
-            <p:ph type="title"/>
-          </p:nvPr>
-        </p:nvSpPr>
-        <p:spPr>
-          <a:xfrm>
-            <a:off x="-20279" y="41354"/>
-            <a:ext cx="10969943" cy="711081"/>
-          </a:xfrm>
-        </p:spPr>
-        <p:txBody>
-          <a:bodyPr>
-            <a:noAutofit/>
-          </a:bodyPr>
-          <a:lstStyle/>
-          <a:p>
-            <a:r>
-              <a:rPr lang="en-IN" dirty="0">
-                <a:solidFill>
-                  <a:schemeClr val="tx2">
-                    <a:lumMod val="60000"/>
-                    <a:lumOff val="40000"/>
-                  </a:schemeClr>
-                </a:solidFill>
-                <a:latin typeface="Patua One" pitchFamily="2" charset="0"/>
-              </a:rPr>
-              <a:t>&lt;Title&gt;</a:t>
-            </a:r>
-          </a:p>
-        </p:txBody>
-      </p:sp>
-      <p:sp>
-        <p:nvSpPr>
-          <p:cNvPr id="37" name="TextBox 36">
+          <p:cNvPr id="2" name="Title 1">
             <a:extLst>
               <a:ext uri="{FF2B5EF4-FFF2-40B4-BE49-F238E27FC236}">
-                <a16:creationId xmlns:a16="http://schemas.microsoft.com/office/drawing/2014/main" id="{E8CAC22F-1542-4031-BC6C-A16989886504}"/>
+                <a16:creationId xmlns:a16="http://schemas.microsoft.com/office/drawing/2014/main" id="{29CB9E00-0397-4178-9E57-32DC82D3A8F7}"/>
               </a:ext>
             </a:extLst>
           </p:cNvPr>
-          <p:cNvSpPr txBox="1"/>
-          <p:nvPr/>
-        </p:nvSpPr>
-        <p:spPr>
-          <a:xfrm>
-            <a:off x="4943872" y="6550224"/>
-            <a:ext cx="3456384" cy="307777"/>
-          </a:xfrm>
-          <a:prstGeom prst="rect">
-            <a:avLst/>
-          </a:prstGeom>
-          <a:noFill/>
-        </p:spPr>
-        <p:txBody>
-          <a:bodyPr wrap="square" rtlCol="0">
-            <a:spAutoFit/>
-          </a:bodyPr>
+          <p:cNvSpPr>
+            <a:spLocks noGrp="1"/>
+          </p:cNvSpPr>
+          <p:nvPr>
+            <p:ph type="title"/>
+          </p:nvPr>
+        </p:nvSpPr>
+        <p:spPr/>
+        <p:txBody>
+          <a:bodyPr/>
           <a:lstStyle/>
           <a:p>
-            <a:pPr defTabSz="1218987">
-              <a:defRPr/>
-            </a:pPr>
-            <a:r>
-              <a:rPr lang="en-US" sz="1400" b="1" dirty="0">
-                <a:solidFill>
-                  <a:prstClr val="black"/>
-                </a:solidFill>
-                <a:latin typeface="Arial Rounded MT Bold" panose="020F0704030504030204" pitchFamily="34" charset="0"/>
-                <a:ea typeface="Arial Unicode MS" panose="020B0604020202020204" pitchFamily="34" charset="-128"/>
-                <a:cs typeface="Arial Unicode MS" panose="020B0604020202020204" pitchFamily="34" charset="-128"/>
-              </a:rPr>
-              <a:t>www.anubhavtrainings.com</a:t>
-            </a:r>
-            <a:endParaRPr lang="en-IN" sz="1400" b="1" dirty="0">
-              <a:solidFill>
-                <a:prstClr val="black"/>
-              </a:solidFill>
-              <a:latin typeface="Arial Rounded MT Bold" panose="020F0704030504030204" pitchFamily="34" charset="0"/>
-              <a:ea typeface="Arial Unicode MS" panose="020B0604020202020204" pitchFamily="34" charset="-128"/>
-              <a:cs typeface="Arial Unicode MS" panose="020B0604020202020204" pitchFamily="34" charset="-128"/>
-            </a:endParaRPr>
-          </a:p>
-        </p:txBody>
-      </p:sp>
-      <p:pic>
-        <p:nvPicPr>
-          <p:cNvPr id="40" name="Picture 39">
+            <a:endParaRPr lang="en-US"/>
+          </a:p>
+        </p:txBody>
+      </p:sp>
+      <p:sp>
+        <p:nvSpPr>
+          <p:cNvPr id="3" name="Content Placeholder 2">
             <a:extLst>
               <a:ext uri="{FF2B5EF4-FFF2-40B4-BE49-F238E27FC236}">
-                <a16:creationId xmlns:a16="http://schemas.microsoft.com/office/drawing/2014/main" id="{DA60E6FB-8C44-4FEB-B6E9-83DA908565CD}"/>
+                <a16:creationId xmlns:a16="http://schemas.microsoft.com/office/drawing/2014/main" id="{73A078A5-4F35-4958-8384-CBBBD3DED2C3}"/>
               </a:ext>
             </a:extLst>
           </p:cNvPr>
-          <p:cNvPicPr>
-            <a:picLocks noChangeAspect="1"/>
-          </p:cNvPicPr>
-          <p:nvPr/>
-        </p:nvPicPr>
-        <p:blipFill>
-          <a:blip r:embed="rId2">
-            <a:extLst>
-              <a:ext uri="{28A0092B-C50C-407E-A947-70E740481C1C}">
-                <a14:useLocalDpi xmlns:a14="http://schemas.microsoft.com/office/drawing/2010/main" val="0"/>
-              </a:ext>
-            </a:extLst>
-          </a:blip>
-          <a:stretch>
-            <a:fillRect/>
-          </a:stretch>
-        </p:blipFill>
-        <p:spPr>
-          <a:xfrm>
-            <a:off x="9624393" y="106009"/>
-            <a:ext cx="2335203" cy="762895"/>
-          </a:xfrm>
-          <a:prstGeom prst="rect">
-            <a:avLst/>
-          </a:prstGeom>
-        </p:spPr>
-      </p:pic>
-      <p:cxnSp>
-        <p:nvCxnSpPr>
-          <p:cNvPr id="41" name="Straight Connector 40">
-            <a:extLst>
-              <a:ext uri="{FF2B5EF4-FFF2-40B4-BE49-F238E27FC236}">
-                <a16:creationId xmlns:a16="http://schemas.microsoft.com/office/drawing/2014/main" id="{3B3B7D73-CAE9-45AC-ACCE-FAEF4E505C7A}"/>
-              </a:ext>
-            </a:extLst>
-          </p:cNvPr>
-          <p:cNvCxnSpPr/>
-          <p:nvPr/>
-        </p:nvCxnSpPr>
-        <p:spPr>
-          <a:xfrm>
-            <a:off x="1588" y="764704"/>
-            <a:ext cx="6479584" cy="0"/>
-          </a:xfrm>
-          <a:prstGeom prst="line">
-            <a:avLst/>
-          </a:prstGeom>
-        </p:spPr>
-        <p:style>
-          <a:lnRef idx="2">
-            <a:schemeClr val="accent6"/>
-          </a:lnRef>
-          <a:fillRef idx="0">
-            <a:schemeClr val="accent6"/>
-          </a:fillRef>
-          <a:effectRef idx="1">
-            <a:schemeClr val="accent6"/>
-          </a:effectRef>
-          <a:fontRef idx="minor">
-            <a:schemeClr val="tx1"/>
-          </a:fontRef>
-        </p:style>
-      </p:cxnSp>
-      <p:sp>
-        <p:nvSpPr>
-          <p:cNvPr id="2" name="Rectangle 1">
-            <a:extLst>
-              <a:ext uri="{FF2B5EF4-FFF2-40B4-BE49-F238E27FC236}">
-                <a16:creationId xmlns:a16="http://schemas.microsoft.com/office/drawing/2014/main" id="{FE990B12-65FB-4B67-ACD5-34E0895610B3}"/>
-              </a:ext>
-            </a:extLst>
-          </p:cNvPr>
-          <p:cNvSpPr/>
-          <p:nvPr/>
-        </p:nvSpPr>
-        <p:spPr>
-          <a:xfrm>
-            <a:off x="1219200" y="5867401"/>
-            <a:ext cx="1752600" cy="380997"/>
-          </a:xfrm>
-          <a:prstGeom prst="rect">
-            <a:avLst/>
-          </a:prstGeom>
-        </p:spPr>
-        <p:style>
-          <a:lnRef idx="2">
-            <a:schemeClr val="accent1">
-              <a:shade val="50000"/>
-            </a:schemeClr>
-          </a:lnRef>
-          <a:fillRef idx="1">
-            <a:schemeClr val="accent1"/>
-          </a:fillRef>
-          <a:effectRef idx="0">
-            <a:schemeClr val="accent1"/>
-          </a:effectRef>
-          <a:fontRef idx="minor">
-            <a:schemeClr val="lt1"/>
-          </a:fontRef>
-        </p:style>
-        <p:txBody>
-          <a:bodyPr rtlCol="0" anchor="ctr"/>
+          <p:cNvSpPr>
+            <a:spLocks noGrp="1"/>
+          </p:cNvSpPr>
+          <p:nvPr>
+            <p:ph sz="quarter" idx="13"/>
+          </p:nvPr>
+        </p:nvSpPr>
+        <p:spPr/>
+        <p:txBody>
+          <a:bodyPr/>
           <a:lstStyle/>
           <a:p>
-            <a:pPr algn="ctr" defTabSz="1218987"/>
-            <a:r>
-              <a:rPr lang="en-US" sz="2400" dirty="0">
-                <a:solidFill>
-                  <a:prstClr val="white"/>
-                </a:solidFill>
-                <a:latin typeface="Calibri"/>
-              </a:rPr>
-              <a:t>DB Tables</a:t>
-            </a:r>
-          </a:p>
-        </p:txBody>
-      </p:sp>
-      <p:sp>
-        <p:nvSpPr>
-          <p:cNvPr id="3" name="Rectangle 2">
-            <a:extLst>
-              <a:ext uri="{FF2B5EF4-FFF2-40B4-BE49-F238E27FC236}">
-                <a16:creationId xmlns:a16="http://schemas.microsoft.com/office/drawing/2014/main" id="{6B9C3631-F8B6-41F9-97B8-8C4370C663E2}"/>
-              </a:ext>
-            </a:extLst>
-          </p:cNvPr>
-          <p:cNvSpPr/>
-          <p:nvPr/>
-        </p:nvSpPr>
-        <p:spPr>
-          <a:xfrm>
-            <a:off x="3505200" y="5867401"/>
-            <a:ext cx="1752600" cy="380997"/>
-          </a:xfrm>
-          <a:prstGeom prst="rect">
-            <a:avLst/>
-          </a:prstGeom>
-        </p:spPr>
-        <p:style>
-          <a:lnRef idx="2">
-            <a:schemeClr val="accent1">
-              <a:shade val="50000"/>
-            </a:schemeClr>
-          </a:lnRef>
-          <a:fillRef idx="1">
-            <a:schemeClr val="accent1"/>
-          </a:fillRef>
-          <a:effectRef idx="0">
-            <a:schemeClr val="accent1"/>
-          </a:effectRef>
-          <a:fontRef idx="minor">
-            <a:schemeClr val="lt1"/>
-          </a:fontRef>
-        </p:style>
-        <p:txBody>
-          <a:bodyPr rtlCol="0" anchor="ctr"/>
-          <a:lstStyle/>
-          <a:p>
-            <a:pPr algn="ctr" defTabSz="1218987"/>
-            <a:r>
-              <a:rPr lang="en-US" sz="2400">
-                <a:solidFill>
-                  <a:prstClr val="white"/>
-                </a:solidFill>
-                <a:latin typeface="Calibri"/>
-              </a:rPr>
-              <a:t>DB Tables</a:t>
-            </a:r>
-            <a:endParaRPr lang="en-US" sz="2400" dirty="0">
-              <a:solidFill>
-                <a:prstClr val="white"/>
-              </a:solidFill>
-              <a:latin typeface="Calibri"/>
-            </a:endParaRPr>
-          </a:p>
-        </p:txBody>
-      </p:sp>
-      <p:sp>
-        <p:nvSpPr>
-          <p:cNvPr id="4" name="Rectangle 3">
-            <a:extLst>
-              <a:ext uri="{FF2B5EF4-FFF2-40B4-BE49-F238E27FC236}">
-                <a16:creationId xmlns:a16="http://schemas.microsoft.com/office/drawing/2014/main" id="{DBBB7B78-5FDE-4747-9F67-4C789223B839}"/>
-              </a:ext>
-            </a:extLst>
-          </p:cNvPr>
-          <p:cNvSpPr/>
-          <p:nvPr/>
-        </p:nvSpPr>
-        <p:spPr>
-          <a:xfrm>
-            <a:off x="5795764" y="5867401"/>
-            <a:ext cx="1752600" cy="380997"/>
-          </a:xfrm>
-          <a:prstGeom prst="rect">
-            <a:avLst/>
-          </a:prstGeom>
-        </p:spPr>
-        <p:style>
-          <a:lnRef idx="2">
-            <a:schemeClr val="accent1">
-              <a:shade val="50000"/>
-            </a:schemeClr>
-          </a:lnRef>
-          <a:fillRef idx="1">
-            <a:schemeClr val="accent1"/>
-          </a:fillRef>
-          <a:effectRef idx="0">
-            <a:schemeClr val="accent1"/>
-          </a:effectRef>
-          <a:fontRef idx="minor">
-            <a:schemeClr val="lt1"/>
-          </a:fontRef>
-        </p:style>
-        <p:txBody>
-          <a:bodyPr rtlCol="0" anchor="ctr"/>
-          <a:lstStyle/>
-          <a:p>
-            <a:pPr algn="ctr" defTabSz="1218987"/>
-            <a:r>
-              <a:rPr lang="en-US" sz="2400">
-                <a:solidFill>
-                  <a:prstClr val="white"/>
-                </a:solidFill>
-                <a:latin typeface="Calibri"/>
-              </a:rPr>
-              <a:t>DB Tables</a:t>
-            </a:r>
-            <a:endParaRPr lang="en-US" sz="2400" dirty="0">
-              <a:solidFill>
-                <a:prstClr val="white"/>
-              </a:solidFill>
-              <a:latin typeface="Calibri"/>
-            </a:endParaRPr>
-          </a:p>
-        </p:txBody>
-      </p:sp>
-      <p:sp>
-        <p:nvSpPr>
-          <p:cNvPr id="5" name="Rectangle 4">
-            <a:extLst>
-              <a:ext uri="{FF2B5EF4-FFF2-40B4-BE49-F238E27FC236}">
-                <a16:creationId xmlns:a16="http://schemas.microsoft.com/office/drawing/2014/main" id="{6B2680F4-EFEC-4CF3-B98B-958258711165}"/>
-              </a:ext>
-            </a:extLst>
-          </p:cNvPr>
-          <p:cNvSpPr/>
-          <p:nvPr/>
-        </p:nvSpPr>
-        <p:spPr>
-          <a:xfrm>
-            <a:off x="8064225" y="5867401"/>
-            <a:ext cx="1752600" cy="380997"/>
-          </a:xfrm>
-          <a:prstGeom prst="rect">
-            <a:avLst/>
-          </a:prstGeom>
-        </p:spPr>
-        <p:style>
-          <a:lnRef idx="2">
-            <a:schemeClr val="accent1">
-              <a:shade val="50000"/>
-            </a:schemeClr>
-          </a:lnRef>
-          <a:fillRef idx="1">
-            <a:schemeClr val="accent1"/>
-          </a:fillRef>
-          <a:effectRef idx="0">
-            <a:schemeClr val="accent1"/>
-          </a:effectRef>
-          <a:fontRef idx="minor">
-            <a:schemeClr val="lt1"/>
-          </a:fontRef>
-        </p:style>
-        <p:txBody>
-          <a:bodyPr rtlCol="0" anchor="ctr"/>
-          <a:lstStyle/>
-          <a:p>
-            <a:pPr algn="ctr" defTabSz="1218987"/>
-            <a:r>
-              <a:rPr lang="en-US" sz="2400">
-                <a:solidFill>
-                  <a:prstClr val="white"/>
-                </a:solidFill>
-                <a:latin typeface="Calibri"/>
-              </a:rPr>
-              <a:t>DB Tables</a:t>
-            </a:r>
-            <a:endParaRPr lang="en-US" sz="2400" dirty="0">
-              <a:solidFill>
-                <a:prstClr val="white"/>
-              </a:solidFill>
-              <a:latin typeface="Calibri"/>
-            </a:endParaRPr>
-          </a:p>
-        </p:txBody>
-      </p:sp>
-      <p:sp>
-        <p:nvSpPr>
-          <p:cNvPr id="6" name="Rectangle: Rounded Corners 5">
-            <a:extLst>
-              <a:ext uri="{FF2B5EF4-FFF2-40B4-BE49-F238E27FC236}">
-                <a16:creationId xmlns:a16="http://schemas.microsoft.com/office/drawing/2014/main" id="{E40EEFAE-537C-429E-AF93-16044B7832AF}"/>
-              </a:ext>
-            </a:extLst>
-          </p:cNvPr>
-          <p:cNvSpPr/>
-          <p:nvPr/>
-        </p:nvSpPr>
-        <p:spPr>
-          <a:xfrm>
-            <a:off x="685800" y="5134726"/>
-            <a:ext cx="2590800" cy="460156"/>
-          </a:xfrm>
-          <a:prstGeom prst="roundRect">
-            <a:avLst/>
-          </a:prstGeom>
-        </p:spPr>
-        <p:style>
-          <a:lnRef idx="2">
-            <a:schemeClr val="accent1">
-              <a:shade val="50000"/>
-            </a:schemeClr>
-          </a:lnRef>
-          <a:fillRef idx="1">
-            <a:schemeClr val="accent1"/>
-          </a:fillRef>
-          <a:effectRef idx="0">
-            <a:schemeClr val="accent1"/>
-          </a:effectRef>
-          <a:fontRef idx="minor">
-            <a:schemeClr val="lt1"/>
-          </a:fontRef>
-        </p:style>
-        <p:txBody>
-          <a:bodyPr rtlCol="0" anchor="ctr"/>
-          <a:lstStyle/>
-          <a:p>
-            <a:pPr algn="ctr" defTabSz="1218987"/>
-            <a:r>
-              <a:rPr lang="en-US" sz="2400" dirty="0">
-                <a:solidFill>
-                  <a:prstClr val="white"/>
-                </a:solidFill>
-                <a:latin typeface="Calibri"/>
-              </a:rPr>
-              <a:t>Private Views</a:t>
-            </a:r>
-          </a:p>
-        </p:txBody>
-      </p:sp>
-      <p:sp>
-        <p:nvSpPr>
-          <p:cNvPr id="8" name="Rectangle: Rounded Corners 7">
-            <a:extLst>
-              <a:ext uri="{FF2B5EF4-FFF2-40B4-BE49-F238E27FC236}">
-                <a16:creationId xmlns:a16="http://schemas.microsoft.com/office/drawing/2014/main" id="{2F1E68C2-DF91-4823-B107-C0DA25BFF285}"/>
-              </a:ext>
-            </a:extLst>
-          </p:cNvPr>
-          <p:cNvSpPr/>
-          <p:nvPr/>
-        </p:nvSpPr>
-        <p:spPr>
-          <a:xfrm>
-            <a:off x="3467100" y="5134726"/>
-            <a:ext cx="2590800" cy="460156"/>
-          </a:xfrm>
-          <a:prstGeom prst="roundRect">
-            <a:avLst/>
-          </a:prstGeom>
-        </p:spPr>
-        <p:style>
-          <a:lnRef idx="2">
-            <a:schemeClr val="accent1">
-              <a:shade val="50000"/>
-            </a:schemeClr>
-          </a:lnRef>
-          <a:fillRef idx="1">
-            <a:schemeClr val="accent1"/>
-          </a:fillRef>
-          <a:effectRef idx="0">
-            <a:schemeClr val="accent1"/>
-          </a:effectRef>
-          <a:fontRef idx="minor">
-            <a:schemeClr val="lt1"/>
-          </a:fontRef>
-        </p:style>
-        <p:txBody>
-          <a:bodyPr rtlCol="0" anchor="ctr"/>
-          <a:lstStyle/>
-          <a:p>
-            <a:pPr algn="ctr" defTabSz="1218987"/>
-            <a:r>
-              <a:rPr lang="en-US" sz="2400" dirty="0">
-                <a:solidFill>
-                  <a:prstClr val="white"/>
-                </a:solidFill>
-                <a:latin typeface="Calibri"/>
-              </a:rPr>
-              <a:t>Private Views</a:t>
-            </a:r>
-          </a:p>
-        </p:txBody>
-      </p:sp>
-      <p:sp>
-        <p:nvSpPr>
-          <p:cNvPr id="10" name="Rectangle: Rounded Corners 9">
-            <a:extLst>
-              <a:ext uri="{FF2B5EF4-FFF2-40B4-BE49-F238E27FC236}">
-                <a16:creationId xmlns:a16="http://schemas.microsoft.com/office/drawing/2014/main" id="{0DA27320-5343-4782-A1F2-4AC9035391AF}"/>
-              </a:ext>
-            </a:extLst>
-          </p:cNvPr>
-          <p:cNvSpPr/>
-          <p:nvPr/>
-        </p:nvSpPr>
-        <p:spPr>
-          <a:xfrm>
-            <a:off x="6315899" y="5134726"/>
-            <a:ext cx="2590800" cy="460156"/>
-          </a:xfrm>
-          <a:prstGeom prst="roundRect">
-            <a:avLst/>
-          </a:prstGeom>
-        </p:spPr>
-        <p:style>
-          <a:lnRef idx="2">
-            <a:schemeClr val="accent1">
-              <a:shade val="50000"/>
-            </a:schemeClr>
-          </a:lnRef>
-          <a:fillRef idx="1">
-            <a:schemeClr val="accent1"/>
-          </a:fillRef>
-          <a:effectRef idx="0">
-            <a:schemeClr val="accent1"/>
-          </a:effectRef>
-          <a:fontRef idx="minor">
-            <a:schemeClr val="lt1"/>
-          </a:fontRef>
-        </p:style>
-        <p:txBody>
-          <a:bodyPr rtlCol="0" anchor="ctr"/>
-          <a:lstStyle/>
-          <a:p>
-            <a:pPr algn="ctr" defTabSz="1218987"/>
-            <a:r>
-              <a:rPr lang="en-US" sz="2400" dirty="0">
-                <a:solidFill>
-                  <a:prstClr val="white"/>
-                </a:solidFill>
-                <a:latin typeface="Calibri"/>
-              </a:rPr>
-              <a:t>Private Views</a:t>
-            </a:r>
-          </a:p>
-        </p:txBody>
-      </p:sp>
-      <p:sp>
-        <p:nvSpPr>
-          <p:cNvPr id="13" name="Rectangle: Rounded Corners 12">
-            <a:extLst>
-              <a:ext uri="{FF2B5EF4-FFF2-40B4-BE49-F238E27FC236}">
-                <a16:creationId xmlns:a16="http://schemas.microsoft.com/office/drawing/2014/main" id="{73B93341-38AF-498A-987C-FF4D2C4336C2}"/>
-              </a:ext>
-            </a:extLst>
-          </p:cNvPr>
-          <p:cNvSpPr/>
-          <p:nvPr/>
-        </p:nvSpPr>
-        <p:spPr>
-          <a:xfrm>
-            <a:off x="9160179" y="5134726"/>
-            <a:ext cx="2590800" cy="460156"/>
-          </a:xfrm>
-          <a:prstGeom prst="roundRect">
-            <a:avLst/>
-          </a:prstGeom>
-        </p:spPr>
-        <p:style>
-          <a:lnRef idx="2">
-            <a:schemeClr val="accent1">
-              <a:shade val="50000"/>
-            </a:schemeClr>
-          </a:lnRef>
-          <a:fillRef idx="1">
-            <a:schemeClr val="accent1"/>
-          </a:fillRef>
-          <a:effectRef idx="0">
-            <a:schemeClr val="accent1"/>
-          </a:effectRef>
-          <a:fontRef idx="minor">
-            <a:schemeClr val="lt1"/>
-          </a:fontRef>
-        </p:style>
-        <p:txBody>
-          <a:bodyPr rtlCol="0" anchor="ctr"/>
-          <a:lstStyle/>
-          <a:p>
-            <a:pPr algn="ctr" defTabSz="1218987"/>
-            <a:r>
-              <a:rPr lang="en-US" sz="2400" dirty="0">
-                <a:solidFill>
-                  <a:prstClr val="white"/>
-                </a:solidFill>
-                <a:latin typeface="Calibri"/>
-              </a:rPr>
-              <a:t>Private Views</a:t>
-            </a:r>
-          </a:p>
-        </p:txBody>
-      </p:sp>
-      <p:sp>
-        <p:nvSpPr>
-          <p:cNvPr id="15" name="Rectangle: Rounded Corners 14">
-            <a:extLst>
-              <a:ext uri="{FF2B5EF4-FFF2-40B4-BE49-F238E27FC236}">
-                <a16:creationId xmlns:a16="http://schemas.microsoft.com/office/drawing/2014/main" id="{7AFC9ABC-3553-48C6-A61F-7DE19A35A392}"/>
-              </a:ext>
-            </a:extLst>
-          </p:cNvPr>
-          <p:cNvSpPr/>
-          <p:nvPr/>
-        </p:nvSpPr>
-        <p:spPr>
-          <a:xfrm>
-            <a:off x="914400" y="4297274"/>
-            <a:ext cx="3276600" cy="685794"/>
-          </a:xfrm>
-          <a:prstGeom prst="roundRect">
-            <a:avLst/>
-          </a:prstGeom>
-        </p:spPr>
-        <p:style>
-          <a:lnRef idx="2">
-            <a:schemeClr val="accent1">
-              <a:shade val="50000"/>
-            </a:schemeClr>
-          </a:lnRef>
-          <a:fillRef idx="1">
-            <a:schemeClr val="accent1"/>
-          </a:fillRef>
-          <a:effectRef idx="0">
-            <a:schemeClr val="accent1"/>
-          </a:effectRef>
-          <a:fontRef idx="minor">
-            <a:schemeClr val="lt1"/>
-          </a:fontRef>
-        </p:style>
-        <p:txBody>
-          <a:bodyPr rtlCol="0" anchor="ctr"/>
-          <a:lstStyle/>
-          <a:p>
-            <a:pPr algn="ctr" defTabSz="1218987"/>
-            <a:r>
-              <a:rPr lang="en-US" sz="2400" dirty="0">
-                <a:solidFill>
-                  <a:prstClr val="white"/>
-                </a:solidFill>
-                <a:latin typeface="Calibri"/>
-              </a:rPr>
-              <a:t>Interface Views</a:t>
-            </a:r>
-          </a:p>
-        </p:txBody>
-      </p:sp>
-      <p:sp>
-        <p:nvSpPr>
-          <p:cNvPr id="17" name="Rectangle: Rounded Corners 16">
-            <a:extLst>
-              <a:ext uri="{FF2B5EF4-FFF2-40B4-BE49-F238E27FC236}">
-                <a16:creationId xmlns:a16="http://schemas.microsoft.com/office/drawing/2014/main" id="{48C1D087-1BDA-4E27-B377-467650CA2FE2}"/>
-              </a:ext>
-            </a:extLst>
-          </p:cNvPr>
-          <p:cNvSpPr/>
-          <p:nvPr/>
-        </p:nvSpPr>
-        <p:spPr>
-          <a:xfrm>
-            <a:off x="4495800" y="4297274"/>
-            <a:ext cx="3276600" cy="685794"/>
-          </a:xfrm>
-          <a:prstGeom prst="roundRect">
-            <a:avLst/>
-          </a:prstGeom>
-        </p:spPr>
-        <p:style>
-          <a:lnRef idx="2">
-            <a:schemeClr val="accent1">
-              <a:shade val="50000"/>
-            </a:schemeClr>
-          </a:lnRef>
-          <a:fillRef idx="1">
-            <a:schemeClr val="accent1"/>
-          </a:fillRef>
-          <a:effectRef idx="0">
-            <a:schemeClr val="accent1"/>
-          </a:effectRef>
-          <a:fontRef idx="minor">
-            <a:schemeClr val="lt1"/>
-          </a:fontRef>
-        </p:style>
-        <p:txBody>
-          <a:bodyPr rtlCol="0" anchor="ctr"/>
-          <a:lstStyle/>
-          <a:p>
-            <a:pPr algn="ctr" defTabSz="1218987"/>
-            <a:r>
-              <a:rPr lang="en-US" sz="2400" dirty="0">
-                <a:solidFill>
-                  <a:prstClr val="white"/>
-                </a:solidFill>
-                <a:latin typeface="Calibri"/>
-              </a:rPr>
-              <a:t>Interface Views</a:t>
-            </a:r>
-          </a:p>
-        </p:txBody>
-      </p:sp>
-      <p:sp>
-        <p:nvSpPr>
-          <p:cNvPr id="19" name="Rectangle: Rounded Corners 18">
-            <a:extLst>
-              <a:ext uri="{FF2B5EF4-FFF2-40B4-BE49-F238E27FC236}">
-                <a16:creationId xmlns:a16="http://schemas.microsoft.com/office/drawing/2014/main" id="{6C3D0D44-2B5D-4D5D-9E27-E3FC6AC0345B}"/>
-              </a:ext>
-            </a:extLst>
-          </p:cNvPr>
-          <p:cNvSpPr/>
-          <p:nvPr/>
-        </p:nvSpPr>
-        <p:spPr>
-          <a:xfrm>
-            <a:off x="7962901" y="4295784"/>
-            <a:ext cx="3276600" cy="685794"/>
-          </a:xfrm>
-          <a:prstGeom prst="roundRect">
-            <a:avLst/>
-          </a:prstGeom>
-        </p:spPr>
-        <p:style>
-          <a:lnRef idx="2">
-            <a:schemeClr val="accent1">
-              <a:shade val="50000"/>
-            </a:schemeClr>
-          </a:lnRef>
-          <a:fillRef idx="1">
-            <a:schemeClr val="accent1"/>
-          </a:fillRef>
-          <a:effectRef idx="0">
-            <a:schemeClr val="accent1"/>
-          </a:effectRef>
-          <a:fontRef idx="minor">
-            <a:schemeClr val="lt1"/>
-          </a:fontRef>
-        </p:style>
-        <p:txBody>
-          <a:bodyPr rtlCol="0" anchor="ctr"/>
-          <a:lstStyle/>
-          <a:p>
-            <a:pPr algn="ctr" defTabSz="1218987"/>
-            <a:r>
-              <a:rPr lang="en-US" sz="2400" dirty="0">
-                <a:solidFill>
-                  <a:prstClr val="white"/>
-                </a:solidFill>
-                <a:latin typeface="Calibri"/>
-              </a:rPr>
-              <a:t>Interface Views</a:t>
-            </a:r>
-          </a:p>
-        </p:txBody>
-      </p:sp>
-      <p:sp>
-        <p:nvSpPr>
-          <p:cNvPr id="20" name="Rectangle 19">
-            <a:extLst>
-              <a:ext uri="{FF2B5EF4-FFF2-40B4-BE49-F238E27FC236}">
-                <a16:creationId xmlns:a16="http://schemas.microsoft.com/office/drawing/2014/main" id="{79B3ECEB-3CEA-4571-A060-76A98742C496}"/>
-              </a:ext>
-            </a:extLst>
-          </p:cNvPr>
-          <p:cNvSpPr/>
-          <p:nvPr/>
-        </p:nvSpPr>
-        <p:spPr>
-          <a:xfrm>
-            <a:off x="1905001" y="3352800"/>
-            <a:ext cx="4410899" cy="685792"/>
-          </a:xfrm>
-          <a:prstGeom prst="rect">
-            <a:avLst/>
-          </a:prstGeom>
-        </p:spPr>
-        <p:style>
-          <a:lnRef idx="2">
-            <a:schemeClr val="accent1">
-              <a:shade val="50000"/>
-            </a:schemeClr>
-          </a:lnRef>
-          <a:fillRef idx="1">
-            <a:schemeClr val="accent1"/>
-          </a:fillRef>
-          <a:effectRef idx="0">
-            <a:schemeClr val="accent1"/>
-          </a:effectRef>
-          <a:fontRef idx="minor">
-            <a:schemeClr val="lt1"/>
-          </a:fontRef>
-        </p:style>
-        <p:txBody>
-          <a:bodyPr rtlCol="0" anchor="ctr"/>
-          <a:lstStyle/>
-          <a:p>
-            <a:pPr algn="ctr" defTabSz="1218987"/>
-            <a:r>
-              <a:rPr lang="en-US" sz="2400" dirty="0">
-                <a:solidFill>
-                  <a:prstClr val="white"/>
-                </a:solidFill>
-                <a:latin typeface="Calibri"/>
-              </a:rPr>
-              <a:t>Consumption Views</a:t>
-            </a:r>
-          </a:p>
-        </p:txBody>
-      </p:sp>
-      <p:sp>
-        <p:nvSpPr>
-          <p:cNvPr id="22" name="Rectangle 21">
-            <a:extLst>
-              <a:ext uri="{FF2B5EF4-FFF2-40B4-BE49-F238E27FC236}">
-                <a16:creationId xmlns:a16="http://schemas.microsoft.com/office/drawing/2014/main" id="{AD7CF6D0-AB3A-4C4A-8F2E-4727B31F32F3}"/>
-              </a:ext>
-            </a:extLst>
-          </p:cNvPr>
-          <p:cNvSpPr/>
-          <p:nvPr/>
-        </p:nvSpPr>
-        <p:spPr>
-          <a:xfrm>
-            <a:off x="6443266" y="3343360"/>
-            <a:ext cx="4410899" cy="685792"/>
-          </a:xfrm>
-          <a:prstGeom prst="rect">
-            <a:avLst/>
-          </a:prstGeom>
-        </p:spPr>
-        <p:style>
-          <a:lnRef idx="2">
-            <a:schemeClr val="accent1">
-              <a:shade val="50000"/>
-            </a:schemeClr>
-          </a:lnRef>
-          <a:fillRef idx="1">
-            <a:schemeClr val="accent1"/>
-          </a:fillRef>
-          <a:effectRef idx="0">
-            <a:schemeClr val="accent1"/>
-          </a:effectRef>
-          <a:fontRef idx="minor">
-            <a:schemeClr val="lt1"/>
-          </a:fontRef>
-        </p:style>
-        <p:txBody>
-          <a:bodyPr rtlCol="0" anchor="ctr"/>
-          <a:lstStyle/>
-          <a:p>
-            <a:pPr algn="ctr" defTabSz="1218987"/>
-            <a:r>
-              <a:rPr lang="en-US" sz="2400">
-                <a:solidFill>
-                  <a:prstClr val="white"/>
-                </a:solidFill>
-                <a:latin typeface="Calibri"/>
-              </a:rPr>
-              <a:t>Consumption Views</a:t>
-            </a:r>
-            <a:endParaRPr lang="en-US" sz="2400" dirty="0">
-              <a:solidFill>
-                <a:prstClr val="white"/>
-              </a:solidFill>
-              <a:latin typeface="Calibri"/>
-            </a:endParaRPr>
-          </a:p>
-        </p:txBody>
-      </p:sp>
-      <p:sp>
-        <p:nvSpPr>
-          <p:cNvPr id="24" name="Rectangle: Rounded Corners 23">
-            <a:extLst>
-              <a:ext uri="{FF2B5EF4-FFF2-40B4-BE49-F238E27FC236}">
-                <a16:creationId xmlns:a16="http://schemas.microsoft.com/office/drawing/2014/main" id="{420503F2-D78B-4996-9918-A792B5FEA1CD}"/>
-              </a:ext>
-            </a:extLst>
-          </p:cNvPr>
-          <p:cNvSpPr/>
-          <p:nvPr/>
-        </p:nvSpPr>
-        <p:spPr>
-          <a:xfrm>
-            <a:off x="1371600" y="1066801"/>
-            <a:ext cx="1752600" cy="838199"/>
-          </a:xfrm>
-          <a:prstGeom prst="roundRect">
-            <a:avLst/>
-          </a:prstGeom>
-        </p:spPr>
-        <p:style>
-          <a:lnRef idx="2">
-            <a:schemeClr val="accent1">
-              <a:shade val="50000"/>
-            </a:schemeClr>
-          </a:lnRef>
-          <a:fillRef idx="1">
-            <a:schemeClr val="accent1"/>
-          </a:fillRef>
-          <a:effectRef idx="0">
-            <a:schemeClr val="accent1"/>
-          </a:effectRef>
-          <a:fontRef idx="minor">
-            <a:schemeClr val="lt1"/>
-          </a:fontRef>
-        </p:style>
-        <p:txBody>
-          <a:bodyPr rtlCol="0" anchor="ctr"/>
-          <a:lstStyle/>
-          <a:p>
-            <a:pPr algn="ctr" defTabSz="1218987"/>
-            <a:r>
-              <a:rPr lang="en-US" sz="2400" dirty="0">
-                <a:solidFill>
-                  <a:prstClr val="white"/>
-                </a:solidFill>
-                <a:latin typeface="Calibri"/>
-              </a:rPr>
-              <a:t>Fiori App</a:t>
-            </a:r>
-          </a:p>
-        </p:txBody>
-      </p:sp>
-      <p:sp>
-        <p:nvSpPr>
-          <p:cNvPr id="25" name="Rectangle: Rounded Corners 24">
-            <a:extLst>
-              <a:ext uri="{FF2B5EF4-FFF2-40B4-BE49-F238E27FC236}">
-                <a16:creationId xmlns:a16="http://schemas.microsoft.com/office/drawing/2014/main" id="{A03D9114-7788-4A1C-9BE3-4C6CE82A6F69}"/>
-              </a:ext>
-            </a:extLst>
-          </p:cNvPr>
-          <p:cNvSpPr/>
-          <p:nvPr/>
-        </p:nvSpPr>
-        <p:spPr>
-          <a:xfrm>
-            <a:off x="3505200" y="1038682"/>
-            <a:ext cx="1752600" cy="838199"/>
-          </a:xfrm>
-          <a:prstGeom prst="roundRect">
-            <a:avLst/>
-          </a:prstGeom>
-        </p:spPr>
-        <p:style>
-          <a:lnRef idx="2">
-            <a:schemeClr val="accent1">
-              <a:shade val="50000"/>
-            </a:schemeClr>
-          </a:lnRef>
-          <a:fillRef idx="1">
-            <a:schemeClr val="accent1"/>
-          </a:fillRef>
-          <a:effectRef idx="0">
-            <a:schemeClr val="accent1"/>
-          </a:effectRef>
-          <a:fontRef idx="minor">
-            <a:schemeClr val="lt1"/>
-          </a:fontRef>
-        </p:style>
-        <p:txBody>
-          <a:bodyPr rtlCol="0" anchor="ctr"/>
-          <a:lstStyle/>
-          <a:p>
-            <a:pPr algn="ctr" defTabSz="1218987"/>
-            <a:r>
-              <a:rPr lang="en-US" sz="2400" dirty="0">
-                <a:solidFill>
-                  <a:prstClr val="white"/>
-                </a:solidFill>
-                <a:latin typeface="Calibri"/>
-              </a:rPr>
-              <a:t>BI Tools</a:t>
-            </a:r>
-          </a:p>
-        </p:txBody>
-      </p:sp>
-      <p:sp>
-        <p:nvSpPr>
-          <p:cNvPr id="27" name="Rectangle: Rounded Corners 26">
-            <a:extLst>
-              <a:ext uri="{FF2B5EF4-FFF2-40B4-BE49-F238E27FC236}">
-                <a16:creationId xmlns:a16="http://schemas.microsoft.com/office/drawing/2014/main" id="{D537F573-E089-4879-A661-5419734731FF}"/>
-              </a:ext>
-            </a:extLst>
-          </p:cNvPr>
-          <p:cNvSpPr/>
-          <p:nvPr/>
-        </p:nvSpPr>
-        <p:spPr>
-          <a:xfrm>
-            <a:off x="5638800" y="1032828"/>
-            <a:ext cx="1752600" cy="838199"/>
-          </a:xfrm>
-          <a:prstGeom prst="roundRect">
-            <a:avLst/>
-          </a:prstGeom>
-        </p:spPr>
-        <p:style>
-          <a:lnRef idx="2">
-            <a:schemeClr val="accent1">
-              <a:shade val="50000"/>
-            </a:schemeClr>
-          </a:lnRef>
-          <a:fillRef idx="1">
-            <a:schemeClr val="accent1"/>
-          </a:fillRef>
-          <a:effectRef idx="0">
-            <a:schemeClr val="accent1"/>
-          </a:effectRef>
-          <a:fontRef idx="minor">
-            <a:schemeClr val="lt1"/>
-          </a:fontRef>
-        </p:style>
-        <p:txBody>
-          <a:bodyPr rtlCol="0" anchor="ctr"/>
-          <a:lstStyle/>
-          <a:p>
-            <a:pPr algn="ctr" defTabSz="1218987"/>
-            <a:r>
-              <a:rPr lang="en-US" sz="2400" dirty="0">
-                <a:solidFill>
-                  <a:prstClr val="white"/>
-                </a:solidFill>
-                <a:latin typeface="Calibri"/>
-              </a:rPr>
-              <a:t>Portal</a:t>
-            </a:r>
-          </a:p>
-        </p:txBody>
-      </p:sp>
-      <p:sp>
-        <p:nvSpPr>
-          <p:cNvPr id="28" name="Rectangle: Rounded Corners 27">
-            <a:extLst>
-              <a:ext uri="{FF2B5EF4-FFF2-40B4-BE49-F238E27FC236}">
-                <a16:creationId xmlns:a16="http://schemas.microsoft.com/office/drawing/2014/main" id="{34137574-014B-43D5-80FE-1163628F88EA}"/>
-              </a:ext>
-            </a:extLst>
-          </p:cNvPr>
-          <p:cNvSpPr/>
-          <p:nvPr/>
-        </p:nvSpPr>
-        <p:spPr>
-          <a:xfrm>
-            <a:off x="7747366" y="1054261"/>
-            <a:ext cx="1752600" cy="838199"/>
-          </a:xfrm>
-          <a:prstGeom prst="roundRect">
-            <a:avLst/>
-          </a:prstGeom>
-        </p:spPr>
-        <p:style>
-          <a:lnRef idx="2">
-            <a:schemeClr val="accent1">
-              <a:shade val="50000"/>
-            </a:schemeClr>
-          </a:lnRef>
-          <a:fillRef idx="1">
-            <a:schemeClr val="accent1"/>
-          </a:fillRef>
-          <a:effectRef idx="0">
-            <a:schemeClr val="accent1"/>
-          </a:effectRef>
-          <a:fontRef idx="minor">
-            <a:schemeClr val="lt1"/>
-          </a:fontRef>
-        </p:style>
-        <p:txBody>
-          <a:bodyPr rtlCol="0" anchor="ctr"/>
-          <a:lstStyle/>
-          <a:p>
-            <a:pPr algn="ctr" defTabSz="1218987"/>
-            <a:r>
-              <a:rPr lang="en-US" sz="2400" dirty="0">
-                <a:solidFill>
-                  <a:prstClr val="white"/>
-                </a:solidFill>
-                <a:latin typeface="Calibri"/>
-              </a:rPr>
-              <a:t>SAC</a:t>
-            </a:r>
-          </a:p>
-        </p:txBody>
-      </p:sp>
-      <p:sp>
-        <p:nvSpPr>
-          <p:cNvPr id="30" name="Left Brace 29">
-            <a:extLst>
-              <a:ext uri="{FF2B5EF4-FFF2-40B4-BE49-F238E27FC236}">
-                <a16:creationId xmlns:a16="http://schemas.microsoft.com/office/drawing/2014/main" id="{5A641884-7121-4E3E-A5DA-1F42CF0B9EB2}"/>
-              </a:ext>
-            </a:extLst>
-          </p:cNvPr>
-          <p:cNvSpPr/>
-          <p:nvPr/>
-        </p:nvSpPr>
-        <p:spPr>
-          <a:xfrm>
-            <a:off x="304801" y="3276601"/>
-            <a:ext cx="723899" cy="3124195"/>
-          </a:xfrm>
-          <a:prstGeom prst="leftBrace">
-            <a:avLst/>
-          </a:prstGeom>
-        </p:spPr>
-        <p:style>
-          <a:lnRef idx="1">
-            <a:schemeClr val="accent1"/>
-          </a:lnRef>
-          <a:fillRef idx="0">
-            <a:schemeClr val="accent1"/>
-          </a:fillRef>
-          <a:effectRef idx="0">
-            <a:schemeClr val="accent1"/>
-          </a:effectRef>
-          <a:fontRef idx="minor">
-            <a:schemeClr val="tx1"/>
-          </a:fontRef>
-        </p:style>
-        <p:txBody>
-          <a:bodyPr rtlCol="0" anchor="ctr"/>
-          <a:lstStyle/>
-          <a:p>
-            <a:pPr algn="ctr" defTabSz="1218987"/>
-            <a:endParaRPr lang="en-US" sz="2400">
-              <a:solidFill>
-                <a:prstClr val="black"/>
-              </a:solidFill>
-              <a:latin typeface="Calibri"/>
-            </a:endParaRPr>
-          </a:p>
-        </p:txBody>
-      </p:sp>
-      <p:sp>
-        <p:nvSpPr>
-          <p:cNvPr id="32" name="TextBox 31">
-            <a:extLst>
-              <a:ext uri="{FF2B5EF4-FFF2-40B4-BE49-F238E27FC236}">
-                <a16:creationId xmlns:a16="http://schemas.microsoft.com/office/drawing/2014/main" id="{54095E1D-D060-40FA-90B9-F27A9FF4964D}"/>
-              </a:ext>
-            </a:extLst>
-          </p:cNvPr>
-          <p:cNvSpPr txBox="1"/>
-          <p:nvPr/>
-        </p:nvSpPr>
-        <p:spPr>
-          <a:xfrm>
-            <a:off x="-571501" y="4419601"/>
-            <a:ext cx="1066800" cy="646331"/>
-          </a:xfrm>
-          <a:prstGeom prst="rect">
-            <a:avLst/>
-          </a:prstGeom>
-          <a:noFill/>
-        </p:spPr>
-        <p:txBody>
-          <a:bodyPr wrap="square" rtlCol="0">
-            <a:spAutoFit/>
-          </a:bodyPr>
-          <a:lstStyle/>
-          <a:p>
-            <a:pPr defTabSz="1218987"/>
-            <a:r>
-              <a:rPr lang="en-US" b="1" dirty="0">
-                <a:solidFill>
-                  <a:prstClr val="black"/>
-                </a:solidFill>
-                <a:latin typeface="Calibri"/>
-              </a:rPr>
-              <a:t>Data Models</a:t>
-            </a:r>
+            <a:endParaRPr lang="en-US"/>
           </a:p>
         </p:txBody>
       </p:sp>
     </p:spTree>
     <p:extLst>
       <p:ext uri="{BB962C8B-B14F-4D97-AF65-F5344CB8AC3E}">
-        <p14:creationId xmlns:p14="http://schemas.microsoft.com/office/powerpoint/2010/main" val="2632180628"/>
+        <p14:creationId xmlns:p14="http://schemas.microsoft.com/office/powerpoint/2010/main" val="3265325021"/>
       </p:ext>
     </p:extLst>
   </p:cSld>
   <p:clrMapOvr>
     <a:masterClrMapping/>
   </p:clrMapOvr>
-  <p:transition spd="slow">
-    <p:push dir="u"/>
-  </p:transition>
 </p:sld>
 </file>
 
@@ -14026,111 +14589,21 @@
           <a:chExt cx="0" cy="0"/>
         </a:xfrm>
       </p:grpSpPr>
-      <p:sp>
-        <p:nvSpPr>
-          <p:cNvPr id="11" name="Title 10"/>
-          <p:cNvSpPr>
-            <a:spLocks noGrp="1"/>
-          </p:cNvSpPr>
-          <p:nvPr>
-            <p:ph type="title"/>
-          </p:nvPr>
-        </p:nvSpPr>
-        <p:spPr>
-          <a:xfrm>
-            <a:off x="-20279" y="41354"/>
-            <a:ext cx="10969943" cy="711081"/>
-          </a:xfrm>
-        </p:spPr>
-        <p:txBody>
-          <a:bodyPr>
-            <a:noAutofit/>
-          </a:bodyPr>
-          <a:lstStyle/>
-          <a:p>
-            <a:r>
-              <a:rPr lang="en-IN" dirty="0">
-                <a:solidFill>
-                  <a:schemeClr val="tx2">
-                    <a:lumMod val="60000"/>
-                    <a:lumOff val="40000"/>
-                  </a:schemeClr>
-                </a:solidFill>
-                <a:latin typeface="Patua One" pitchFamily="2" charset="0"/>
-              </a:rPr>
-              <a:t>&lt;Title&gt;</a:t>
-            </a:r>
-          </a:p>
-        </p:txBody>
-      </p:sp>
-      <p:sp>
-        <p:nvSpPr>
-          <p:cNvPr id="37" name="TextBox 36">
+      <p:pic>
+        <p:nvPicPr>
+          <p:cNvPr id="1028" name="Picture 4" descr="Free Vector | Flat people with question marks background">
             <a:extLst>
               <a:ext uri="{FF2B5EF4-FFF2-40B4-BE49-F238E27FC236}">
-                <a16:creationId xmlns:a16="http://schemas.microsoft.com/office/drawing/2014/main" id="{E8CAC22F-1542-4031-BC6C-A16989886504}"/>
-              </a:ext>
-            </a:extLst>
-          </p:cNvPr>
-          <p:cNvSpPr txBox="1"/>
-          <p:nvPr/>
-        </p:nvSpPr>
-        <p:spPr>
-          <a:xfrm>
-            <a:off x="4943872" y="6550224"/>
-            <a:ext cx="3456384" cy="307777"/>
-          </a:xfrm>
-          <a:prstGeom prst="rect">
-            <a:avLst/>
-          </a:prstGeom>
-          <a:noFill/>
-        </p:spPr>
-        <p:txBody>
-          <a:bodyPr wrap="square" rtlCol="0">
-            <a:spAutoFit/>
-          </a:bodyPr>
-          <a:lstStyle/>
-          <a:p>
-            <a:pPr defTabSz="1218987">
-              <a:defRPr/>
-            </a:pPr>
-            <a:r>
-              <a:rPr lang="en-US" sz="1400" b="1" dirty="0">
-                <a:solidFill>
-                  <a:prstClr val="black"/>
-                </a:solidFill>
-                <a:latin typeface="Arial Rounded MT Bold" panose="020F0704030504030204" pitchFamily="34" charset="0"/>
-                <a:ea typeface="Arial Unicode MS" panose="020B0604020202020204" pitchFamily="34" charset="-128"/>
-                <a:cs typeface="Arial Unicode MS" panose="020B0604020202020204" pitchFamily="34" charset="-128"/>
-              </a:rPr>
-              <a:t>www.anubhavtrainings.com</a:t>
-            </a:r>
-            <a:endParaRPr lang="en-IN" sz="1400" b="1" dirty="0">
-              <a:solidFill>
-                <a:prstClr val="black"/>
-              </a:solidFill>
-              <a:latin typeface="Arial Rounded MT Bold" panose="020F0704030504030204" pitchFamily="34" charset="0"/>
-              <a:ea typeface="Arial Unicode MS" panose="020B0604020202020204" pitchFamily="34" charset="-128"/>
-              <a:cs typeface="Arial Unicode MS" panose="020B0604020202020204" pitchFamily="34" charset="-128"/>
-            </a:endParaRPr>
-          </a:p>
-        </p:txBody>
-      </p:sp>
-      <p:pic>
-        <p:nvPicPr>
-          <p:cNvPr id="40" name="Picture 39">
-            <a:extLst>
-              <a:ext uri="{FF2B5EF4-FFF2-40B4-BE49-F238E27FC236}">
-                <a16:creationId xmlns:a16="http://schemas.microsoft.com/office/drawing/2014/main" id="{DA60E6FB-8C44-4FEB-B6E9-83DA908565CD}"/>
+                <a16:creationId xmlns:a16="http://schemas.microsoft.com/office/drawing/2014/main" id="{E158EC70-4769-4E41-A278-C90EC4E480C7}"/>
               </a:ext>
             </a:extLst>
           </p:cNvPr>
           <p:cNvPicPr>
-            <a:picLocks noChangeAspect="1"/>
+            <a:picLocks noChangeAspect="1" noChangeArrowheads="1"/>
           </p:cNvPicPr>
           <p:nvPr/>
         </p:nvPicPr>
-        <p:blipFill>
+        <p:blipFill rotWithShape="1">
           <a:blip r:embed="rId2">
             <a:extLst>
               <a:ext uri="{28A0092B-C50C-407E-A947-70E740481C1C}">
@@ -14138,99 +14611,74 @@
               </a:ext>
             </a:extLst>
           </a:blip>
-          <a:stretch>
-            <a:fillRect/>
-          </a:stretch>
+          <a:srcRect t="1" b="22246"/>
+          <a:stretch/>
         </p:blipFill>
-        <p:spPr>
+        <p:spPr bwMode="auto">
           <a:xfrm>
-            <a:off x="9624393" y="106009"/>
-            <a:ext cx="2335203" cy="762895"/>
+            <a:off x="1848418" y="639706"/>
+            <a:ext cx="7599507" cy="5908876"/>
           </a:xfrm>
           <a:prstGeom prst="rect">
             <a:avLst/>
           </a:prstGeom>
+          <a:noFill/>
+          <a:extLst>
+            <a:ext uri="{909E8E84-426E-40DD-AFC4-6F175D3DCCD1}">
+              <a14:hiddenFill xmlns:a14="http://schemas.microsoft.com/office/drawing/2010/main">
+                <a:solidFill>
+                  <a:srgbClr val="FFFFFF"/>
+                </a:solidFill>
+              </a14:hiddenFill>
+            </a:ext>
+          </a:extLst>
         </p:spPr>
       </p:pic>
-      <p:cxnSp>
-        <p:nvCxnSpPr>
-          <p:cNvPr id="41" name="Straight Connector 40">
+      <p:sp>
+        <p:nvSpPr>
+          <p:cNvPr id="2" name="TextBox 1">
             <a:extLst>
               <a:ext uri="{FF2B5EF4-FFF2-40B4-BE49-F238E27FC236}">
-                <a16:creationId xmlns:a16="http://schemas.microsoft.com/office/drawing/2014/main" id="{3B3B7D73-CAE9-45AC-ACCE-FAEF4E505C7A}"/>
+                <a16:creationId xmlns:a16="http://schemas.microsoft.com/office/drawing/2014/main" id="{994C3DB2-D47E-4B94-804B-87AF1FDEF86E}"/>
               </a:ext>
             </a:extLst>
           </p:cNvPr>
-          <p:cNvCxnSpPr/>
+          <p:cNvSpPr txBox="1"/>
           <p:nvPr/>
-        </p:nvCxnSpPr>
+        </p:nvSpPr>
         <p:spPr>
           <a:xfrm>
-            <a:off x="1588" y="764704"/>
-            <a:ext cx="6479584" cy="0"/>
-          </a:xfrm>
-          <a:prstGeom prst="line">
-            <a:avLst/>
-          </a:prstGeom>
-        </p:spPr>
-        <p:style>
-          <a:lnRef idx="2">
-            <a:schemeClr val="accent6"/>
-          </a:lnRef>
-          <a:fillRef idx="0">
-            <a:schemeClr val="accent6"/>
-          </a:fillRef>
-          <a:effectRef idx="1">
-            <a:schemeClr val="accent6"/>
-          </a:effectRef>
-          <a:fontRef idx="minor">
-            <a:schemeClr val="tx1"/>
-          </a:fontRef>
-        </p:style>
-      </p:cxnSp>
-      <p:pic>
-        <p:nvPicPr>
-          <p:cNvPr id="2" name="Picture 1">
-            <a:extLst>
-              <a:ext uri="{FF2B5EF4-FFF2-40B4-BE49-F238E27FC236}">
-                <a16:creationId xmlns:a16="http://schemas.microsoft.com/office/drawing/2014/main" id="{F8CE7F2B-22E9-4EB6-BFDB-46D65500F527}"/>
-              </a:ext>
-            </a:extLst>
-          </p:cNvPr>
-          <p:cNvPicPr>
-            <a:picLocks noChangeAspect="1"/>
-          </p:cNvPicPr>
-          <p:nvPr/>
-        </p:nvPicPr>
-        <p:blipFill>
-          <a:blip r:embed="rId3"/>
-          <a:stretch>
-            <a:fillRect/>
-          </a:stretch>
-        </p:blipFill>
-        <p:spPr>
-          <a:xfrm>
-            <a:off x="228600" y="967034"/>
-            <a:ext cx="7513240" cy="4923932"/>
+            <a:off x="4535055" y="1052946"/>
+            <a:ext cx="5588000" cy="769441"/>
           </a:xfrm>
           <a:prstGeom prst="rect">
             <a:avLst/>
           </a:prstGeom>
+          <a:noFill/>
         </p:spPr>
-      </p:pic>
+        <p:txBody>
+          <a:bodyPr wrap="square" rtlCol="0">
+            <a:spAutoFit/>
+          </a:bodyPr>
+          <a:lstStyle/>
+          <a:p>
+            <a:r>
+              <a:rPr lang="en-US" sz="4400" b="1" dirty="0"/>
+              <a:t>Questions</a:t>
+            </a:r>
+          </a:p>
+        </p:txBody>
+      </p:sp>
     </p:spTree>
     <p:extLst>
       <p:ext uri="{BB962C8B-B14F-4D97-AF65-F5344CB8AC3E}">
-        <p14:creationId xmlns:p14="http://schemas.microsoft.com/office/powerpoint/2010/main" val="3043159292"/>
+        <p14:creationId xmlns:p14="http://schemas.microsoft.com/office/powerpoint/2010/main" val="1308118299"/>
       </p:ext>
     </p:extLst>
   </p:cSld>
   <p:clrMapOvr>
     <a:masterClrMapping/>
   </p:clrMapOvr>
-  <p:transition spd="slow">
-    <p:push dir="u"/>
-  </p:transition>
 </p:sld>
 </file>
 
